--- a/Computergrafik Praktikum.pptx
+++ b/Computergrafik Praktikum.pptx
@@ -5,10 +5,10 @@
     <p:sldMasterId id="2147483696" r:id="rId4"/>
   </p:sldMasterIdLst>
   <p:notesMasterIdLst>
-    <p:notesMasterId r:id="rId11"/>
+    <p:notesMasterId r:id="rId12"/>
   </p:notesMasterIdLst>
   <p:handoutMasterIdLst>
-    <p:handoutMasterId r:id="rId12"/>
+    <p:handoutMasterId r:id="rId13"/>
   </p:handoutMasterIdLst>
   <p:sldIdLst>
     <p:sldId id="306" r:id="rId5"/>
@@ -17,6 +17,7 @@
     <p:sldId id="310" r:id="rId8"/>
     <p:sldId id="311" r:id="rId9"/>
     <p:sldId id="312" r:id="rId10"/>
+    <p:sldId id="313" r:id="rId11"/>
   </p:sldIdLst>
   <p:sldSz cx="12192000" cy="6858000"/>
   <p:notesSz cx="6858000" cy="9144000"/>
@@ -9272,7 +9273,7 @@
           <a:p>
             <a:fld id="{67702A17-7AE3-4B44-889C-4D77A0FC7177}" type="datetime1">
               <a:rPr lang="de-DE" smtClean="0"/>
-              <a:t>09.11.2022</a:t>
+              <a:t>18.11.2022</a:t>
             </a:fld>
             <a:endParaRPr lang="de-DE" dirty="0"/>
           </a:p>
@@ -9452,7 +9453,7 @@
             <a:fld id="{82650ACC-C7DD-445E-BC27-71FC31906D7B}" type="datetime1">
               <a:rPr lang="de-DE" smtClean="0"/>
               <a:pPr/>
-              <a:t>09.11.2022</a:t>
+              <a:t>18.11.2022</a:t>
             </a:fld>
             <a:endParaRPr lang="de-DE" dirty="0"/>
           </a:p>
@@ -21845,6 +21846,471 @@
 </p:sld>
 </file>
 
+<file path=ppt/slides/slide7.xml><?xml version="1.0" encoding="utf-8"?>
+<p:sld xmlns:a="http://schemas.openxmlformats.org/drawingml/2006/main" xmlns:r="http://schemas.openxmlformats.org/officeDocument/2006/relationships" xmlns:p="http://schemas.openxmlformats.org/presentationml/2006/main">
+  <p:cSld>
+    <p:spTree>
+      <p:nvGrpSpPr>
+        <p:cNvPr id="1" name=""/>
+        <p:cNvGrpSpPr/>
+        <p:nvPr/>
+      </p:nvGrpSpPr>
+      <p:grpSpPr>
+        <a:xfrm>
+          <a:off x="0" y="0"/>
+          <a:ext cx="0" cy="0"/>
+          <a:chOff x="0" y="0"/>
+          <a:chExt cx="0" cy="0"/>
+        </a:xfrm>
+      </p:grpSpPr>
+      <p:sp>
+        <p:nvSpPr>
+          <p:cNvPr id="2" name="Titel 1">
+            <a:extLst>
+              <a:ext uri="{FF2B5EF4-FFF2-40B4-BE49-F238E27FC236}">
+                <a16:creationId xmlns:a16="http://schemas.microsoft.com/office/drawing/2014/main" id="{6486B241-B0F4-3C41-A754-3621162A5DF3}"/>
+              </a:ext>
+            </a:extLst>
+          </p:cNvPr>
+          <p:cNvSpPr>
+            <a:spLocks noGrp="1"/>
+          </p:cNvSpPr>
+          <p:nvPr>
+            <p:ph type="title"/>
+          </p:nvPr>
+        </p:nvSpPr>
+        <p:spPr/>
+        <p:txBody>
+          <a:bodyPr>
+            <a:normAutofit/>
+          </a:bodyPr>
+          <a:lstStyle/>
+          <a:p>
+            <a:r>
+              <a:rPr lang="de-DE" dirty="0"/>
+              <a:t>Meeting </a:t>
+            </a:r>
+            <a:r>
+              <a:rPr lang="de-DE" dirty="0" err="1"/>
+              <a:t>No</a:t>
+            </a:r>
+            <a:r>
+              <a:rPr lang="de-DE" dirty="0"/>
+              <a:t>. 01 22.11.22</a:t>
+            </a:r>
+          </a:p>
+        </p:txBody>
+      </p:sp>
+      <p:sp>
+        <p:nvSpPr>
+          <p:cNvPr id="3" name="Inhaltsplatzhalter 2">
+            <a:extLst>
+              <a:ext uri="{FF2B5EF4-FFF2-40B4-BE49-F238E27FC236}">
+                <a16:creationId xmlns:a16="http://schemas.microsoft.com/office/drawing/2014/main" id="{8104E86C-6562-3D59-6B1F-1109F282E63C}"/>
+              </a:ext>
+            </a:extLst>
+          </p:cNvPr>
+          <p:cNvSpPr>
+            <a:spLocks noGrp="1"/>
+          </p:cNvSpPr>
+          <p:nvPr>
+            <p:ph idx="1"/>
+          </p:nvPr>
+        </p:nvSpPr>
+        <p:spPr/>
+        <p:txBody>
+          <a:bodyPr/>
+          <a:lstStyle/>
+          <a:p>
+            <a:endParaRPr lang="de-DE" dirty="0"/>
+          </a:p>
+          <a:p>
+            <a:endParaRPr lang="de-DE" dirty="0"/>
+          </a:p>
+        </p:txBody>
+      </p:sp>
+      <p:sp>
+        <p:nvSpPr>
+          <p:cNvPr id="4" name="Foliennummernplatzhalter 3">
+            <a:extLst>
+              <a:ext uri="{FF2B5EF4-FFF2-40B4-BE49-F238E27FC236}">
+                <a16:creationId xmlns:a16="http://schemas.microsoft.com/office/drawing/2014/main" id="{112574EA-713E-A19F-F991-1F9FF7E43A83}"/>
+              </a:ext>
+            </a:extLst>
+          </p:cNvPr>
+          <p:cNvSpPr>
+            <a:spLocks noGrp="1"/>
+          </p:cNvSpPr>
+          <p:nvPr>
+            <p:ph type="sldNum" sz="quarter" idx="12"/>
+          </p:nvPr>
+        </p:nvSpPr>
+        <p:spPr/>
+        <p:txBody>
+          <a:bodyPr/>
+          <a:lstStyle/>
+          <a:p>
+            <a:pPr rtl="0"/>
+            <a:fld id="{D8DA9DAA-006C-4F4B-980E-E3DF019B24E2}" type="slidenum">
+              <a:rPr lang="de-DE" noProof="0" smtClean="0"/>
+              <a:t>7</a:t>
+            </a:fld>
+            <a:endParaRPr lang="de-DE" noProof="0"/>
+          </a:p>
+        </p:txBody>
+      </p:sp>
+      <p:sp>
+        <p:nvSpPr>
+          <p:cNvPr id="5" name="Inhaltsplatzhalter 2">
+            <a:extLst>
+              <a:ext uri="{FF2B5EF4-FFF2-40B4-BE49-F238E27FC236}">
+                <a16:creationId xmlns:a16="http://schemas.microsoft.com/office/drawing/2014/main" id="{A4760D2C-3B03-E7F3-E9BC-3DBCD16C5035}"/>
+              </a:ext>
+            </a:extLst>
+          </p:cNvPr>
+          <p:cNvSpPr txBox="1">
+            <a:spLocks/>
+          </p:cNvSpPr>
+          <p:nvPr/>
+        </p:nvSpPr>
+        <p:spPr>
+          <a:xfrm>
+            <a:off x="990600" y="1978025"/>
+            <a:ext cx="10515600" cy="4351338"/>
+          </a:xfrm>
+          <a:prstGeom prst="rect">
+            <a:avLst/>
+          </a:prstGeom>
+        </p:spPr>
+        <p:txBody>
+          <a:bodyPr vert="horz" lIns="91440" tIns="45720" rIns="91440" bIns="45720" rtlCol="0">
+            <a:normAutofit/>
+          </a:bodyPr>
+          <a:lstStyle>
+            <a:lvl1pPr marL="228600" indent="-228600" algn="l" defTabSz="914400" rtl="0" eaLnBrk="1" latinLnBrk="0" hangingPunct="1">
+              <a:lnSpc>
+                <a:spcPct val="90000"/>
+              </a:lnSpc>
+              <a:spcBef>
+                <a:spcPts val="1000"/>
+              </a:spcBef>
+              <a:buFont typeface="Arial" panose="020B0604020202020204" pitchFamily="34" charset="0"/>
+              <a:buChar char="•"/>
+              <a:defRPr sz="2800" kern="1200">
+                <a:solidFill>
+                  <a:schemeClr val="tx1"/>
+                </a:solidFill>
+                <a:latin typeface="+mn-lt"/>
+                <a:ea typeface="+mn-ea"/>
+                <a:cs typeface="+mn-cs"/>
+              </a:defRPr>
+            </a:lvl1pPr>
+            <a:lvl2pPr marL="685800" indent="-228600" algn="l" defTabSz="914400" rtl="0" eaLnBrk="1" latinLnBrk="0" hangingPunct="1">
+              <a:lnSpc>
+                <a:spcPct val="90000"/>
+              </a:lnSpc>
+              <a:spcBef>
+                <a:spcPts val="500"/>
+              </a:spcBef>
+              <a:buFont typeface="Arial" panose="020B0604020202020204" pitchFamily="34" charset="0"/>
+              <a:buChar char="•"/>
+              <a:defRPr sz="2400" kern="1200">
+                <a:solidFill>
+                  <a:schemeClr val="tx1"/>
+                </a:solidFill>
+                <a:latin typeface="+mn-lt"/>
+                <a:ea typeface="+mn-ea"/>
+                <a:cs typeface="+mn-cs"/>
+              </a:defRPr>
+            </a:lvl2pPr>
+            <a:lvl3pPr marL="1143000" indent="-228600" algn="l" defTabSz="914400" rtl="0" eaLnBrk="1" latinLnBrk="0" hangingPunct="1">
+              <a:lnSpc>
+                <a:spcPct val="90000"/>
+              </a:lnSpc>
+              <a:spcBef>
+                <a:spcPts val="500"/>
+              </a:spcBef>
+              <a:buFont typeface="Arial" panose="020B0604020202020204" pitchFamily="34" charset="0"/>
+              <a:buChar char="•"/>
+              <a:defRPr sz="2000" kern="1200">
+                <a:solidFill>
+                  <a:schemeClr val="tx1"/>
+                </a:solidFill>
+                <a:latin typeface="+mn-lt"/>
+                <a:ea typeface="+mn-ea"/>
+                <a:cs typeface="+mn-cs"/>
+              </a:defRPr>
+            </a:lvl3pPr>
+            <a:lvl4pPr marL="1600200" indent="-228600" algn="l" defTabSz="914400" rtl="0" eaLnBrk="1" latinLnBrk="0" hangingPunct="1">
+              <a:lnSpc>
+                <a:spcPct val="90000"/>
+              </a:lnSpc>
+              <a:spcBef>
+                <a:spcPts val="500"/>
+              </a:spcBef>
+              <a:buFont typeface="Arial" panose="020B0604020202020204" pitchFamily="34" charset="0"/>
+              <a:buChar char="•"/>
+              <a:defRPr sz="1800" kern="1200">
+                <a:solidFill>
+                  <a:schemeClr val="tx1"/>
+                </a:solidFill>
+                <a:latin typeface="+mn-lt"/>
+                <a:ea typeface="+mn-ea"/>
+                <a:cs typeface="+mn-cs"/>
+              </a:defRPr>
+            </a:lvl4pPr>
+            <a:lvl5pPr marL="2057400" indent="-228600" algn="l" defTabSz="914400" rtl="0" eaLnBrk="1" latinLnBrk="0" hangingPunct="1">
+              <a:lnSpc>
+                <a:spcPct val="90000"/>
+              </a:lnSpc>
+              <a:spcBef>
+                <a:spcPts val="500"/>
+              </a:spcBef>
+              <a:buFont typeface="Arial" panose="020B0604020202020204" pitchFamily="34" charset="0"/>
+              <a:buChar char="•"/>
+              <a:defRPr sz="1800" kern="1200">
+                <a:solidFill>
+                  <a:schemeClr val="tx1"/>
+                </a:solidFill>
+                <a:latin typeface="+mn-lt"/>
+                <a:ea typeface="+mn-ea"/>
+                <a:cs typeface="+mn-cs"/>
+              </a:defRPr>
+            </a:lvl5pPr>
+            <a:lvl6pPr marL="2514600" indent="-228600" algn="l" defTabSz="914400" rtl="0" eaLnBrk="1" latinLnBrk="0" hangingPunct="1">
+              <a:lnSpc>
+                <a:spcPct val="90000"/>
+              </a:lnSpc>
+              <a:spcBef>
+                <a:spcPts val="500"/>
+              </a:spcBef>
+              <a:buFont typeface="Arial" panose="020B0604020202020204" pitchFamily="34" charset="0"/>
+              <a:buChar char="•"/>
+              <a:defRPr sz="1800" kern="1200">
+                <a:solidFill>
+                  <a:schemeClr val="tx1"/>
+                </a:solidFill>
+                <a:latin typeface="+mn-lt"/>
+                <a:ea typeface="+mn-ea"/>
+                <a:cs typeface="+mn-cs"/>
+              </a:defRPr>
+            </a:lvl6pPr>
+            <a:lvl7pPr marL="2971800" indent="-228600" algn="l" defTabSz="914400" rtl="0" eaLnBrk="1" latinLnBrk="0" hangingPunct="1">
+              <a:lnSpc>
+                <a:spcPct val="90000"/>
+              </a:lnSpc>
+              <a:spcBef>
+                <a:spcPts val="500"/>
+              </a:spcBef>
+              <a:buFont typeface="Arial" panose="020B0604020202020204" pitchFamily="34" charset="0"/>
+              <a:buChar char="•"/>
+              <a:defRPr sz="1800" kern="1200">
+                <a:solidFill>
+                  <a:schemeClr val="tx1"/>
+                </a:solidFill>
+                <a:latin typeface="+mn-lt"/>
+                <a:ea typeface="+mn-ea"/>
+                <a:cs typeface="+mn-cs"/>
+              </a:defRPr>
+            </a:lvl7pPr>
+            <a:lvl8pPr marL="3429000" indent="-228600" algn="l" defTabSz="914400" rtl="0" eaLnBrk="1" latinLnBrk="0" hangingPunct="1">
+              <a:lnSpc>
+                <a:spcPct val="90000"/>
+              </a:lnSpc>
+              <a:spcBef>
+                <a:spcPts val="500"/>
+              </a:spcBef>
+              <a:buFont typeface="Arial" panose="020B0604020202020204" pitchFamily="34" charset="0"/>
+              <a:buChar char="•"/>
+              <a:defRPr sz="1800" kern="1200">
+                <a:solidFill>
+                  <a:schemeClr val="tx1"/>
+                </a:solidFill>
+                <a:latin typeface="+mn-lt"/>
+                <a:ea typeface="+mn-ea"/>
+                <a:cs typeface="+mn-cs"/>
+              </a:defRPr>
+            </a:lvl8pPr>
+            <a:lvl9pPr marL="3886200" indent="-228600" algn="l" defTabSz="914400" rtl="0" eaLnBrk="1" latinLnBrk="0" hangingPunct="1">
+              <a:lnSpc>
+                <a:spcPct val="90000"/>
+              </a:lnSpc>
+              <a:spcBef>
+                <a:spcPts val="500"/>
+              </a:spcBef>
+              <a:buFont typeface="Arial" panose="020B0604020202020204" pitchFamily="34" charset="0"/>
+              <a:buChar char="•"/>
+              <a:defRPr sz="1800" kern="1200">
+                <a:solidFill>
+                  <a:schemeClr val="tx1"/>
+                </a:solidFill>
+                <a:latin typeface="+mn-lt"/>
+                <a:ea typeface="+mn-ea"/>
+                <a:cs typeface="+mn-cs"/>
+              </a:defRPr>
+            </a:lvl9pPr>
+          </a:lstStyle>
+          <a:p>
+            <a:r>
+              <a:rPr lang="de-DE" dirty="0"/>
+              <a:t>Project Setup </a:t>
+            </a:r>
+            <a:r>
+              <a:rPr lang="de-DE" dirty="0" err="1"/>
+              <a:t>Git</a:t>
+            </a:r>
+            <a:r>
+              <a:rPr lang="de-DE" dirty="0"/>
+              <a:t>, LFS &amp; Unity ✅</a:t>
+            </a:r>
+          </a:p>
+          <a:p>
+            <a:r>
+              <a:rPr lang="de-DE" dirty="0"/>
+              <a:t>First Chunk Generation ✅</a:t>
+            </a:r>
+          </a:p>
+          <a:p>
+            <a:r>
+              <a:rPr lang="de-DE" dirty="0"/>
+              <a:t>Rough MC Implementation </a:t>
+            </a:r>
+            <a:r>
+              <a:rPr lang="de-DE" dirty="0" err="1"/>
+              <a:t>with</a:t>
+            </a:r>
+            <a:r>
+              <a:rPr lang="de-DE" dirty="0"/>
+              <a:t> </a:t>
+            </a:r>
+            <a:r>
+              <a:rPr lang="de-DE" dirty="0" err="1"/>
+              <a:t>Compute</a:t>
+            </a:r>
+            <a:r>
+              <a:rPr lang="de-DE" dirty="0"/>
+              <a:t> Shader ✅</a:t>
+            </a:r>
+          </a:p>
+          <a:p>
+            <a:endParaRPr lang="de-DE" dirty="0"/>
+          </a:p>
+          <a:p>
+            <a:r>
+              <a:rPr lang="de-DE" b="1" dirty="0"/>
+              <a:t>Next </a:t>
+            </a:r>
+            <a:r>
+              <a:rPr lang="de-DE" b="1" dirty="0" err="1"/>
+              <a:t>steps</a:t>
+            </a:r>
+            <a:r>
+              <a:rPr lang="de-DE" dirty="0"/>
+              <a:t>: Terrain Material, </a:t>
+            </a:r>
+            <a:r>
+              <a:rPr lang="de-DE" b="1" dirty="0" err="1"/>
+              <a:t>work</a:t>
+            </a:r>
+            <a:r>
+              <a:rPr lang="de-DE" b="1" dirty="0"/>
+              <a:t> on Density </a:t>
+            </a:r>
+            <a:r>
+              <a:rPr lang="de-DE" b="1" dirty="0" err="1"/>
+              <a:t>Function</a:t>
+            </a:r>
+            <a:r>
+              <a:rPr lang="de-DE" b="1" dirty="0"/>
+              <a:t> </a:t>
+            </a:r>
+            <a:r>
+              <a:rPr lang="de-DE" dirty="0"/>
+              <a:t>(</a:t>
+            </a:r>
+            <a:r>
+              <a:rPr lang="de-DE" dirty="0" err="1"/>
+              <a:t>implement</a:t>
+            </a:r>
+            <a:r>
+              <a:rPr lang="de-DE" dirty="0"/>
+              <a:t> </a:t>
+            </a:r>
+            <a:r>
+              <a:rPr lang="de-DE" dirty="0" err="1"/>
+              <a:t>constraints</a:t>
+            </a:r>
+            <a:r>
+              <a:rPr lang="de-DE" dirty="0"/>
+              <a:t> </a:t>
+            </a:r>
+            <a:r>
+              <a:rPr lang="de-DE" dirty="0" err="1"/>
+              <a:t>that</a:t>
+            </a:r>
+            <a:r>
+              <a:rPr lang="de-DE" dirty="0"/>
+              <a:t> </a:t>
+            </a:r>
+            <a:r>
+              <a:rPr lang="de-DE" dirty="0" err="1"/>
+              <a:t>are</a:t>
+            </a:r>
+            <a:r>
+              <a:rPr lang="de-DE" dirty="0"/>
+              <a:t> plausible, </a:t>
+            </a:r>
+            <a:r>
+              <a:rPr lang="de-DE" dirty="0" err="1"/>
+              <a:t>user</a:t>
+            </a:r>
+            <a:r>
+              <a:rPr lang="de-DE" dirty="0"/>
+              <a:t> </a:t>
+            </a:r>
+            <a:r>
+              <a:rPr lang="de-DE" dirty="0" err="1"/>
+              <a:t>parameters</a:t>
+            </a:r>
+            <a:r>
+              <a:rPr lang="de-DE" dirty="0"/>
+              <a:t>), Chunk </a:t>
+            </a:r>
+            <a:r>
+              <a:rPr lang="de-DE" dirty="0" err="1"/>
+              <a:t>saving</a:t>
+            </a:r>
+            <a:r>
+              <a:rPr lang="de-DE" dirty="0"/>
+              <a:t> and </a:t>
+            </a:r>
+            <a:r>
+              <a:rPr lang="de-DE" dirty="0" err="1"/>
+              <a:t>loading</a:t>
+            </a:r>
+            <a:r>
+              <a:rPr lang="de-DE" dirty="0"/>
+              <a:t>…</a:t>
+            </a:r>
+          </a:p>
+          <a:p>
+            <a:endParaRPr lang="de-DE" dirty="0"/>
+          </a:p>
+        </p:txBody>
+      </p:sp>
+    </p:spTree>
+    <p:extLst>
+      <p:ext uri="{BB962C8B-B14F-4D97-AF65-F5344CB8AC3E}">
+        <p14:creationId xmlns:p14="http://schemas.microsoft.com/office/powerpoint/2010/main" val="4039965536"/>
+      </p:ext>
+    </p:extLst>
+  </p:cSld>
+  <p:clrMapOvr>
+    <a:masterClrMapping/>
+  </p:clrMapOvr>
+</p:sld>
+</file>
+
 <file path=ppt/theme/theme1.xml><?xml version="1.0" encoding="utf-8"?>
 <a:theme xmlns:a="http://schemas.openxmlformats.org/drawingml/2006/main" name="GradientUnivers">
   <a:themeElements>
@@ -22637,21 +23103,21 @@
 </file>
 
 <file path=customXml/item1.xml><?xml version="1.0" encoding="utf-8"?>
+<?mso-contentType ?>
+<FormTemplates xmlns="http://schemas.microsoft.com/sharepoint/v3/contenttype/forms">
+  <Display>DocumentLibraryForm</Display>
+  <Edit>DocumentLibraryForm</Edit>
+  <New>DocumentLibraryForm</New>
+</FormTemplates>
+</file>
+
+<file path=customXml/item2.xml><?xml version="1.0" encoding="utf-8"?>
 <p:properties xmlns:p="http://schemas.microsoft.com/office/2006/metadata/properties" xmlns:xsi="http://www.w3.org/2001/XMLSchema-instance" xmlns:pc="http://schemas.microsoft.com/office/infopath/2007/PartnerControls">
   <documentManagement>
     <Status xmlns="71af3243-3dd4-4a8d-8c0d-dd76da1f02a5">Not started</Status>
     <MediaServiceKeyPoints xmlns="71af3243-3dd4-4a8d-8c0d-dd76da1f02a5" xsi:nil="true"/>
   </documentManagement>
 </p:properties>
-</file>
-
-<file path=customXml/item2.xml><?xml version="1.0" encoding="utf-8"?>
-<?mso-contentType ?>
-<FormTemplates xmlns="http://schemas.microsoft.com/sharepoint/v3/contenttype/forms">
-  <Display>DocumentLibraryForm</Display>
-  <Edit>DocumentLibraryForm</Edit>
-  <New>DocumentLibraryForm</New>
-</FormTemplates>
 </file>
 
 <file path=customXml/item3.xml><?xml version="1.0" encoding="utf-8"?>
@@ -22876,19 +23342,19 @@
 </file>
 
 <file path=customXml/itemProps1.xml><?xml version="1.0" encoding="utf-8"?>
+<ds:datastoreItem xmlns:ds="http://schemas.openxmlformats.org/officeDocument/2006/customXml" ds:itemID="{3C8E00D1-8EA3-4E42-801D-0253E1EAFC21}">
+  <ds:schemaRefs>
+    <ds:schemaRef ds:uri="http://schemas.microsoft.com/sharepoint/v3/contenttype/forms"/>
+  </ds:schemaRefs>
+</ds:datastoreItem>
+</file>
+
+<file path=customXml/itemProps2.xml><?xml version="1.0" encoding="utf-8"?>
 <ds:datastoreItem xmlns:ds="http://schemas.openxmlformats.org/officeDocument/2006/customXml" ds:itemID="{99919F73-B6C2-4A43-95E2-833EC48925FE}">
   <ds:schemaRefs>
     <ds:schemaRef ds:uri="http://schemas.microsoft.com/office/2006/metadata/properties"/>
     <ds:schemaRef ds:uri="http://schemas.microsoft.com/office/infopath/2007/PartnerControls"/>
     <ds:schemaRef ds:uri="71af3243-3dd4-4a8d-8c0d-dd76da1f02a5"/>
-  </ds:schemaRefs>
-</ds:datastoreItem>
-</file>
-
-<file path=customXml/itemProps2.xml><?xml version="1.0" encoding="utf-8"?>
-<ds:datastoreItem xmlns:ds="http://schemas.openxmlformats.org/officeDocument/2006/customXml" ds:itemID="{3C8E00D1-8EA3-4E42-801D-0253E1EAFC21}">
-  <ds:schemaRefs>
-    <ds:schemaRef ds:uri="http://schemas.microsoft.com/sharepoint/v3/contenttype/forms"/>
   </ds:schemaRefs>
 </ds:datastoreItem>
 </file>

--- a/Computergrafik Praktikum.pptx
+++ b/Computergrafik Praktikum.pptx
@@ -5,10 +5,10 @@
     <p:sldMasterId id="2147483696" r:id="rId4"/>
   </p:sldMasterIdLst>
   <p:notesMasterIdLst>
-    <p:notesMasterId r:id="rId12"/>
+    <p:notesMasterId r:id="rId13"/>
   </p:notesMasterIdLst>
   <p:handoutMasterIdLst>
-    <p:handoutMasterId r:id="rId13"/>
+    <p:handoutMasterId r:id="rId14"/>
   </p:handoutMasterIdLst>
   <p:sldIdLst>
     <p:sldId id="306" r:id="rId5"/>
@@ -18,6 +18,7 @@
     <p:sldId id="311" r:id="rId9"/>
     <p:sldId id="312" r:id="rId10"/>
     <p:sldId id="313" r:id="rId11"/>
+    <p:sldId id="314" r:id="rId12"/>
   </p:sldIdLst>
   <p:sldSz cx="12192000" cy="6858000"/>
   <p:notesSz cx="6858000" cy="9144000"/>
@@ -9273,7 +9274,7 @@
           <a:p>
             <a:fld id="{67702A17-7AE3-4B44-889C-4D77A0FC7177}" type="datetime1">
               <a:rPr lang="de-DE" smtClean="0"/>
-              <a:t>18.11.2022</a:t>
+              <a:t>02.12.2022</a:t>
             </a:fld>
             <a:endParaRPr lang="de-DE" dirty="0"/>
           </a:p>
@@ -9453,7 +9454,7 @@
             <a:fld id="{82650ACC-C7DD-445E-BC27-71FC31906D7B}" type="datetime1">
               <a:rPr lang="de-DE" smtClean="0"/>
               <a:pPr/>
-              <a:t>18.11.2022</a:t>
+              <a:t>02.12.2022</a:t>
             </a:fld>
             <a:endParaRPr lang="de-DE" dirty="0"/>
           </a:p>
@@ -22302,6 +22303,396 @@
     <p:extLst>
       <p:ext uri="{BB962C8B-B14F-4D97-AF65-F5344CB8AC3E}">
         <p14:creationId xmlns:p14="http://schemas.microsoft.com/office/powerpoint/2010/main" val="4039965536"/>
+      </p:ext>
+    </p:extLst>
+  </p:cSld>
+  <p:clrMapOvr>
+    <a:masterClrMapping/>
+  </p:clrMapOvr>
+</p:sld>
+</file>
+
+<file path=ppt/slides/slide8.xml><?xml version="1.0" encoding="utf-8"?>
+<p:sld xmlns:a="http://schemas.openxmlformats.org/drawingml/2006/main" xmlns:r="http://schemas.openxmlformats.org/officeDocument/2006/relationships" xmlns:p="http://schemas.openxmlformats.org/presentationml/2006/main">
+  <p:cSld>
+    <p:spTree>
+      <p:nvGrpSpPr>
+        <p:cNvPr id="1" name=""/>
+        <p:cNvGrpSpPr/>
+        <p:nvPr/>
+      </p:nvGrpSpPr>
+      <p:grpSpPr>
+        <a:xfrm>
+          <a:off x="0" y="0"/>
+          <a:ext cx="0" cy="0"/>
+          <a:chOff x="0" y="0"/>
+          <a:chExt cx="0" cy="0"/>
+        </a:xfrm>
+      </p:grpSpPr>
+      <p:sp>
+        <p:nvSpPr>
+          <p:cNvPr id="2" name="Titel 1">
+            <a:extLst>
+              <a:ext uri="{FF2B5EF4-FFF2-40B4-BE49-F238E27FC236}">
+                <a16:creationId xmlns:a16="http://schemas.microsoft.com/office/drawing/2014/main" id="{6486B241-B0F4-3C41-A754-3621162A5DF3}"/>
+              </a:ext>
+            </a:extLst>
+          </p:cNvPr>
+          <p:cNvSpPr>
+            <a:spLocks noGrp="1"/>
+          </p:cNvSpPr>
+          <p:nvPr>
+            <p:ph type="title"/>
+          </p:nvPr>
+        </p:nvSpPr>
+        <p:spPr/>
+        <p:txBody>
+          <a:bodyPr>
+            <a:normAutofit/>
+          </a:bodyPr>
+          <a:lstStyle/>
+          <a:p>
+            <a:r>
+              <a:rPr lang="de-DE" sz="4800" dirty="0" err="1"/>
+              <a:t>Upcoming</a:t>
+            </a:r>
+            <a:r>
+              <a:rPr lang="de-DE" sz="4800" dirty="0"/>
+              <a:t> Features</a:t>
+            </a:r>
+          </a:p>
+        </p:txBody>
+      </p:sp>
+      <p:sp>
+        <p:nvSpPr>
+          <p:cNvPr id="4" name="Foliennummernplatzhalter 3">
+            <a:extLst>
+              <a:ext uri="{FF2B5EF4-FFF2-40B4-BE49-F238E27FC236}">
+                <a16:creationId xmlns:a16="http://schemas.microsoft.com/office/drawing/2014/main" id="{112574EA-713E-A19F-F991-1F9FF7E43A83}"/>
+              </a:ext>
+            </a:extLst>
+          </p:cNvPr>
+          <p:cNvSpPr>
+            <a:spLocks noGrp="1"/>
+          </p:cNvSpPr>
+          <p:nvPr>
+            <p:ph type="sldNum" sz="quarter" idx="12"/>
+          </p:nvPr>
+        </p:nvSpPr>
+        <p:spPr/>
+        <p:txBody>
+          <a:bodyPr/>
+          <a:lstStyle/>
+          <a:p>
+            <a:pPr rtl="0"/>
+            <a:fld id="{D8DA9DAA-006C-4F4B-980E-E3DF019B24E2}" type="slidenum">
+              <a:rPr lang="de-DE" noProof="0" smtClean="0"/>
+              <a:t>8</a:t>
+            </a:fld>
+            <a:endParaRPr lang="de-DE" noProof="0"/>
+          </a:p>
+        </p:txBody>
+      </p:sp>
+      <p:sp>
+        <p:nvSpPr>
+          <p:cNvPr id="5" name="Inhaltsplatzhalter 2">
+            <a:extLst>
+              <a:ext uri="{FF2B5EF4-FFF2-40B4-BE49-F238E27FC236}">
+                <a16:creationId xmlns:a16="http://schemas.microsoft.com/office/drawing/2014/main" id="{A4760D2C-3B03-E7F3-E9BC-3DBCD16C5035}"/>
+              </a:ext>
+            </a:extLst>
+          </p:cNvPr>
+          <p:cNvSpPr txBox="1">
+            <a:spLocks/>
+          </p:cNvSpPr>
+          <p:nvPr/>
+        </p:nvSpPr>
+        <p:spPr>
+          <a:xfrm>
+            <a:off x="990600" y="1978025"/>
+            <a:ext cx="10515600" cy="4351338"/>
+          </a:xfrm>
+          <a:prstGeom prst="rect">
+            <a:avLst/>
+          </a:prstGeom>
+        </p:spPr>
+        <p:txBody>
+          <a:bodyPr vert="horz" lIns="91440" tIns="45720" rIns="91440" bIns="45720" rtlCol="0">
+            <a:normAutofit/>
+          </a:bodyPr>
+          <a:lstStyle>
+            <a:lvl1pPr marL="228600" indent="-228600" algn="l" defTabSz="914400" rtl="0" eaLnBrk="1" latinLnBrk="0" hangingPunct="1">
+              <a:lnSpc>
+                <a:spcPct val="90000"/>
+              </a:lnSpc>
+              <a:spcBef>
+                <a:spcPts val="1000"/>
+              </a:spcBef>
+              <a:buFont typeface="Arial" panose="020B0604020202020204" pitchFamily="34" charset="0"/>
+              <a:buChar char="•"/>
+              <a:defRPr sz="2800" kern="1200">
+                <a:solidFill>
+                  <a:schemeClr val="tx1"/>
+                </a:solidFill>
+                <a:latin typeface="+mn-lt"/>
+                <a:ea typeface="+mn-ea"/>
+                <a:cs typeface="+mn-cs"/>
+              </a:defRPr>
+            </a:lvl1pPr>
+            <a:lvl2pPr marL="685800" indent="-228600" algn="l" defTabSz="914400" rtl="0" eaLnBrk="1" latinLnBrk="0" hangingPunct="1">
+              <a:lnSpc>
+                <a:spcPct val="90000"/>
+              </a:lnSpc>
+              <a:spcBef>
+                <a:spcPts val="500"/>
+              </a:spcBef>
+              <a:buFont typeface="Arial" panose="020B0604020202020204" pitchFamily="34" charset="0"/>
+              <a:buChar char="•"/>
+              <a:defRPr sz="2400" kern="1200">
+                <a:solidFill>
+                  <a:schemeClr val="tx1"/>
+                </a:solidFill>
+                <a:latin typeface="+mn-lt"/>
+                <a:ea typeface="+mn-ea"/>
+                <a:cs typeface="+mn-cs"/>
+              </a:defRPr>
+            </a:lvl2pPr>
+            <a:lvl3pPr marL="1143000" indent="-228600" algn="l" defTabSz="914400" rtl="0" eaLnBrk="1" latinLnBrk="0" hangingPunct="1">
+              <a:lnSpc>
+                <a:spcPct val="90000"/>
+              </a:lnSpc>
+              <a:spcBef>
+                <a:spcPts val="500"/>
+              </a:spcBef>
+              <a:buFont typeface="Arial" panose="020B0604020202020204" pitchFamily="34" charset="0"/>
+              <a:buChar char="•"/>
+              <a:defRPr sz="2000" kern="1200">
+                <a:solidFill>
+                  <a:schemeClr val="tx1"/>
+                </a:solidFill>
+                <a:latin typeface="+mn-lt"/>
+                <a:ea typeface="+mn-ea"/>
+                <a:cs typeface="+mn-cs"/>
+              </a:defRPr>
+            </a:lvl3pPr>
+            <a:lvl4pPr marL="1600200" indent="-228600" algn="l" defTabSz="914400" rtl="0" eaLnBrk="1" latinLnBrk="0" hangingPunct="1">
+              <a:lnSpc>
+                <a:spcPct val="90000"/>
+              </a:lnSpc>
+              <a:spcBef>
+                <a:spcPts val="500"/>
+              </a:spcBef>
+              <a:buFont typeface="Arial" panose="020B0604020202020204" pitchFamily="34" charset="0"/>
+              <a:buChar char="•"/>
+              <a:defRPr sz="1800" kern="1200">
+                <a:solidFill>
+                  <a:schemeClr val="tx1"/>
+                </a:solidFill>
+                <a:latin typeface="+mn-lt"/>
+                <a:ea typeface="+mn-ea"/>
+                <a:cs typeface="+mn-cs"/>
+              </a:defRPr>
+            </a:lvl4pPr>
+            <a:lvl5pPr marL="2057400" indent="-228600" algn="l" defTabSz="914400" rtl="0" eaLnBrk="1" latinLnBrk="0" hangingPunct="1">
+              <a:lnSpc>
+                <a:spcPct val="90000"/>
+              </a:lnSpc>
+              <a:spcBef>
+                <a:spcPts val="500"/>
+              </a:spcBef>
+              <a:buFont typeface="Arial" panose="020B0604020202020204" pitchFamily="34" charset="0"/>
+              <a:buChar char="•"/>
+              <a:defRPr sz="1800" kern="1200">
+                <a:solidFill>
+                  <a:schemeClr val="tx1"/>
+                </a:solidFill>
+                <a:latin typeface="+mn-lt"/>
+                <a:ea typeface="+mn-ea"/>
+                <a:cs typeface="+mn-cs"/>
+              </a:defRPr>
+            </a:lvl5pPr>
+            <a:lvl6pPr marL="2514600" indent="-228600" algn="l" defTabSz="914400" rtl="0" eaLnBrk="1" latinLnBrk="0" hangingPunct="1">
+              <a:lnSpc>
+                <a:spcPct val="90000"/>
+              </a:lnSpc>
+              <a:spcBef>
+                <a:spcPts val="500"/>
+              </a:spcBef>
+              <a:buFont typeface="Arial" panose="020B0604020202020204" pitchFamily="34" charset="0"/>
+              <a:buChar char="•"/>
+              <a:defRPr sz="1800" kern="1200">
+                <a:solidFill>
+                  <a:schemeClr val="tx1"/>
+                </a:solidFill>
+                <a:latin typeface="+mn-lt"/>
+                <a:ea typeface="+mn-ea"/>
+                <a:cs typeface="+mn-cs"/>
+              </a:defRPr>
+            </a:lvl6pPr>
+            <a:lvl7pPr marL="2971800" indent="-228600" algn="l" defTabSz="914400" rtl="0" eaLnBrk="1" latinLnBrk="0" hangingPunct="1">
+              <a:lnSpc>
+                <a:spcPct val="90000"/>
+              </a:lnSpc>
+              <a:spcBef>
+                <a:spcPts val="500"/>
+              </a:spcBef>
+              <a:buFont typeface="Arial" panose="020B0604020202020204" pitchFamily="34" charset="0"/>
+              <a:buChar char="•"/>
+              <a:defRPr sz="1800" kern="1200">
+                <a:solidFill>
+                  <a:schemeClr val="tx1"/>
+                </a:solidFill>
+                <a:latin typeface="+mn-lt"/>
+                <a:ea typeface="+mn-ea"/>
+                <a:cs typeface="+mn-cs"/>
+              </a:defRPr>
+            </a:lvl7pPr>
+            <a:lvl8pPr marL="3429000" indent="-228600" algn="l" defTabSz="914400" rtl="0" eaLnBrk="1" latinLnBrk="0" hangingPunct="1">
+              <a:lnSpc>
+                <a:spcPct val="90000"/>
+              </a:lnSpc>
+              <a:spcBef>
+                <a:spcPts val="500"/>
+              </a:spcBef>
+              <a:buFont typeface="Arial" panose="020B0604020202020204" pitchFamily="34" charset="0"/>
+              <a:buChar char="•"/>
+              <a:defRPr sz="1800" kern="1200">
+                <a:solidFill>
+                  <a:schemeClr val="tx1"/>
+                </a:solidFill>
+                <a:latin typeface="+mn-lt"/>
+                <a:ea typeface="+mn-ea"/>
+                <a:cs typeface="+mn-cs"/>
+              </a:defRPr>
+            </a:lvl8pPr>
+            <a:lvl9pPr marL="3886200" indent="-228600" algn="l" defTabSz="914400" rtl="0" eaLnBrk="1" latinLnBrk="0" hangingPunct="1">
+              <a:lnSpc>
+                <a:spcPct val="90000"/>
+              </a:lnSpc>
+              <a:spcBef>
+                <a:spcPts val="500"/>
+              </a:spcBef>
+              <a:buFont typeface="Arial" panose="020B0604020202020204" pitchFamily="34" charset="0"/>
+              <a:buChar char="•"/>
+              <a:defRPr sz="1800" kern="1200">
+                <a:solidFill>
+                  <a:schemeClr val="tx1"/>
+                </a:solidFill>
+                <a:latin typeface="+mn-lt"/>
+                <a:ea typeface="+mn-ea"/>
+                <a:cs typeface="+mn-cs"/>
+              </a:defRPr>
+            </a:lvl9pPr>
+          </a:lstStyle>
+          <a:p>
+            <a:r>
+              <a:rPr lang="de-DE" sz="2400" b="1" dirty="0" err="1"/>
+              <a:t>Improved</a:t>
+            </a:r>
+            <a:r>
+              <a:rPr lang="de-DE" sz="2400" b="1" dirty="0"/>
+              <a:t> Density </a:t>
+            </a:r>
+            <a:r>
+              <a:rPr lang="de-DE" sz="2400" b="1" dirty="0" err="1"/>
+              <a:t>Function</a:t>
+            </a:r>
+            <a:r>
+              <a:rPr lang="de-DE" sz="2400" b="1" dirty="0"/>
+              <a:t> (Noise </a:t>
+            </a:r>
+            <a:r>
+              <a:rPr lang="de-DE" sz="2400" b="1" dirty="0" err="1"/>
+              <a:t>with</a:t>
+            </a:r>
+            <a:r>
+              <a:rPr lang="de-DE" sz="2400" b="1" dirty="0"/>
+              <a:t> </a:t>
+            </a:r>
+            <a:r>
+              <a:rPr lang="de-DE" sz="2400" b="1" dirty="0" err="1"/>
+              <a:t>seed</a:t>
+            </a:r>
+            <a:r>
+              <a:rPr lang="de-DE" sz="2400" b="1" dirty="0"/>
+              <a:t>, </a:t>
+            </a:r>
+            <a:r>
+              <a:rPr lang="de-DE" sz="2400" b="1" dirty="0" err="1"/>
+              <a:t>octaves</a:t>
+            </a:r>
+            <a:r>
+              <a:rPr lang="de-DE" sz="2400" b="1" dirty="0"/>
+              <a:t> …)</a:t>
+            </a:r>
+          </a:p>
+          <a:p>
+            <a:r>
+              <a:rPr lang="de-DE" sz="2400" b="1" dirty="0"/>
+              <a:t>Chunk Management (</a:t>
+            </a:r>
+            <a:r>
+              <a:rPr lang="de-DE" sz="2400" b="1" dirty="0" err="1"/>
+              <a:t>Frustum</a:t>
+            </a:r>
+            <a:r>
+              <a:rPr lang="de-DE" sz="2400" b="1" dirty="0"/>
+              <a:t> Calling, LODs, </a:t>
+            </a:r>
+            <a:r>
+              <a:rPr lang="de-DE" sz="2400" b="1" dirty="0" err="1"/>
+              <a:t>draw</a:t>
+            </a:r>
+            <a:r>
+              <a:rPr lang="de-DE" sz="2400" b="1" dirty="0"/>
+              <a:t> </a:t>
+            </a:r>
+            <a:r>
+              <a:rPr lang="de-DE" sz="2400" b="1" dirty="0" err="1"/>
+              <a:t>distance</a:t>
+            </a:r>
+            <a:r>
+              <a:rPr lang="de-DE" sz="2400" b="1" dirty="0"/>
+              <a:t>)</a:t>
+            </a:r>
+          </a:p>
+          <a:p>
+            <a:r>
+              <a:rPr lang="de-DE" sz="2400" dirty="0"/>
+              <a:t>Terrain Material</a:t>
+            </a:r>
+          </a:p>
+          <a:p>
+            <a:r>
+              <a:rPr lang="de-DE" sz="2400" dirty="0"/>
+              <a:t>Shader </a:t>
+            </a:r>
+            <a:r>
+              <a:rPr lang="de-DE" sz="2400" dirty="0" err="1"/>
+              <a:t>based</a:t>
+            </a:r>
+            <a:r>
+              <a:rPr lang="de-DE" sz="2400" dirty="0"/>
+              <a:t> smooth normal </a:t>
+            </a:r>
+            <a:r>
+              <a:rPr lang="de-DE" sz="2400" dirty="0" err="1"/>
+              <a:t>shading</a:t>
+            </a:r>
+            <a:endParaRPr lang="de-DE" sz="2400" dirty="0"/>
+          </a:p>
+          <a:p>
+            <a:endParaRPr lang="de-DE" sz="2400" dirty="0"/>
+          </a:p>
+          <a:p>
+            <a:endParaRPr lang="de-DE" dirty="0"/>
+          </a:p>
+        </p:txBody>
+      </p:sp>
+    </p:spTree>
+    <p:extLst>
+      <p:ext uri="{BB962C8B-B14F-4D97-AF65-F5344CB8AC3E}">
+        <p14:creationId xmlns:p14="http://schemas.microsoft.com/office/powerpoint/2010/main" val="2307507720"/>
       </p:ext>
     </p:extLst>
   </p:cSld>
@@ -23103,21 +23494,21 @@
 </file>
 
 <file path=customXml/item1.xml><?xml version="1.0" encoding="utf-8"?>
+<p:properties xmlns:p="http://schemas.microsoft.com/office/2006/metadata/properties" xmlns:xsi="http://www.w3.org/2001/XMLSchema-instance" xmlns:pc="http://schemas.microsoft.com/office/infopath/2007/PartnerControls">
+  <documentManagement>
+    <Status xmlns="71af3243-3dd4-4a8d-8c0d-dd76da1f02a5">Not started</Status>
+    <MediaServiceKeyPoints xmlns="71af3243-3dd4-4a8d-8c0d-dd76da1f02a5" xsi:nil="true"/>
+  </documentManagement>
+</p:properties>
+</file>
+
+<file path=customXml/item2.xml><?xml version="1.0" encoding="utf-8"?>
 <?mso-contentType ?>
 <FormTemplates xmlns="http://schemas.microsoft.com/sharepoint/v3/contenttype/forms">
   <Display>DocumentLibraryForm</Display>
   <Edit>DocumentLibraryForm</Edit>
   <New>DocumentLibraryForm</New>
 </FormTemplates>
-</file>
-
-<file path=customXml/item2.xml><?xml version="1.0" encoding="utf-8"?>
-<p:properties xmlns:p="http://schemas.microsoft.com/office/2006/metadata/properties" xmlns:xsi="http://www.w3.org/2001/XMLSchema-instance" xmlns:pc="http://schemas.microsoft.com/office/infopath/2007/PartnerControls">
-  <documentManagement>
-    <Status xmlns="71af3243-3dd4-4a8d-8c0d-dd76da1f02a5">Not started</Status>
-    <MediaServiceKeyPoints xmlns="71af3243-3dd4-4a8d-8c0d-dd76da1f02a5" xsi:nil="true"/>
-  </documentManagement>
-</p:properties>
 </file>
 
 <file path=customXml/item3.xml><?xml version="1.0" encoding="utf-8"?>
@@ -23342,19 +23733,19 @@
 </file>
 
 <file path=customXml/itemProps1.xml><?xml version="1.0" encoding="utf-8"?>
-<ds:datastoreItem xmlns:ds="http://schemas.openxmlformats.org/officeDocument/2006/customXml" ds:itemID="{3C8E00D1-8EA3-4E42-801D-0253E1EAFC21}">
+<ds:datastoreItem xmlns:ds="http://schemas.openxmlformats.org/officeDocument/2006/customXml" ds:itemID="{99919F73-B6C2-4A43-95E2-833EC48925FE}">
   <ds:schemaRefs>
-    <ds:schemaRef ds:uri="http://schemas.microsoft.com/sharepoint/v3/contenttype/forms"/>
+    <ds:schemaRef ds:uri="http://schemas.microsoft.com/office/2006/metadata/properties"/>
+    <ds:schemaRef ds:uri="http://schemas.microsoft.com/office/infopath/2007/PartnerControls"/>
+    <ds:schemaRef ds:uri="71af3243-3dd4-4a8d-8c0d-dd76da1f02a5"/>
   </ds:schemaRefs>
 </ds:datastoreItem>
 </file>
 
 <file path=customXml/itemProps2.xml><?xml version="1.0" encoding="utf-8"?>
-<ds:datastoreItem xmlns:ds="http://schemas.openxmlformats.org/officeDocument/2006/customXml" ds:itemID="{99919F73-B6C2-4A43-95E2-833EC48925FE}">
+<ds:datastoreItem xmlns:ds="http://schemas.openxmlformats.org/officeDocument/2006/customXml" ds:itemID="{3C8E00D1-8EA3-4E42-801D-0253E1EAFC21}">
   <ds:schemaRefs>
-    <ds:schemaRef ds:uri="http://schemas.microsoft.com/office/2006/metadata/properties"/>
-    <ds:schemaRef ds:uri="http://schemas.microsoft.com/office/infopath/2007/PartnerControls"/>
-    <ds:schemaRef ds:uri="71af3243-3dd4-4a8d-8c0d-dd76da1f02a5"/>
+    <ds:schemaRef ds:uri="http://schemas.microsoft.com/sharepoint/v3/contenttype/forms"/>
   </ds:schemaRefs>
 </ds:datastoreItem>
 </file>

--- a/Computergrafik Praktikum.pptx
+++ b/Computergrafik Praktikum.pptx
@@ -22658,6 +22658,17 @@
           </a:p>
           <a:p>
             <a:r>
+              <a:rPr lang="de-DE" sz="2400" b="1" dirty="0"/>
+              <a:t>More </a:t>
+            </a:r>
+            <a:r>
+              <a:rPr lang="de-DE" sz="2400" b="1" dirty="0" err="1"/>
+              <a:t>papers</a:t>
+            </a:r>
+            <a:endParaRPr lang="de-DE" sz="2400" b="1" dirty="0"/>
+          </a:p>
+          <a:p>
+            <a:r>
               <a:rPr lang="de-DE" sz="2400" dirty="0"/>
               <a:t>Terrain Material</a:t>
             </a:r>
@@ -23494,21 +23505,21 @@
 </file>
 
 <file path=customXml/item1.xml><?xml version="1.0" encoding="utf-8"?>
+<?mso-contentType ?>
+<FormTemplates xmlns="http://schemas.microsoft.com/sharepoint/v3/contenttype/forms">
+  <Display>DocumentLibraryForm</Display>
+  <Edit>DocumentLibraryForm</Edit>
+  <New>DocumentLibraryForm</New>
+</FormTemplates>
+</file>
+
+<file path=customXml/item2.xml><?xml version="1.0" encoding="utf-8"?>
 <p:properties xmlns:p="http://schemas.microsoft.com/office/2006/metadata/properties" xmlns:xsi="http://www.w3.org/2001/XMLSchema-instance" xmlns:pc="http://schemas.microsoft.com/office/infopath/2007/PartnerControls">
   <documentManagement>
     <Status xmlns="71af3243-3dd4-4a8d-8c0d-dd76da1f02a5">Not started</Status>
     <MediaServiceKeyPoints xmlns="71af3243-3dd4-4a8d-8c0d-dd76da1f02a5" xsi:nil="true"/>
   </documentManagement>
 </p:properties>
-</file>
-
-<file path=customXml/item2.xml><?xml version="1.0" encoding="utf-8"?>
-<?mso-contentType ?>
-<FormTemplates xmlns="http://schemas.microsoft.com/sharepoint/v3/contenttype/forms">
-  <Display>DocumentLibraryForm</Display>
-  <Edit>DocumentLibraryForm</Edit>
-  <New>DocumentLibraryForm</New>
-</FormTemplates>
 </file>
 
 <file path=customXml/item3.xml><?xml version="1.0" encoding="utf-8"?>
@@ -23733,19 +23744,19 @@
 </file>
 
 <file path=customXml/itemProps1.xml><?xml version="1.0" encoding="utf-8"?>
+<ds:datastoreItem xmlns:ds="http://schemas.openxmlformats.org/officeDocument/2006/customXml" ds:itemID="{3C8E00D1-8EA3-4E42-801D-0253E1EAFC21}">
+  <ds:schemaRefs>
+    <ds:schemaRef ds:uri="http://schemas.microsoft.com/sharepoint/v3/contenttype/forms"/>
+  </ds:schemaRefs>
+</ds:datastoreItem>
+</file>
+
+<file path=customXml/itemProps2.xml><?xml version="1.0" encoding="utf-8"?>
 <ds:datastoreItem xmlns:ds="http://schemas.openxmlformats.org/officeDocument/2006/customXml" ds:itemID="{99919F73-B6C2-4A43-95E2-833EC48925FE}">
   <ds:schemaRefs>
     <ds:schemaRef ds:uri="http://schemas.microsoft.com/office/2006/metadata/properties"/>
     <ds:schemaRef ds:uri="http://schemas.microsoft.com/office/infopath/2007/PartnerControls"/>
     <ds:schemaRef ds:uri="71af3243-3dd4-4a8d-8c0d-dd76da1f02a5"/>
-  </ds:schemaRefs>
-</ds:datastoreItem>
-</file>
-
-<file path=customXml/itemProps2.xml><?xml version="1.0" encoding="utf-8"?>
-<ds:datastoreItem xmlns:ds="http://schemas.openxmlformats.org/officeDocument/2006/customXml" ds:itemID="{3C8E00D1-8EA3-4E42-801D-0253E1EAFC21}">
-  <ds:schemaRefs>
-    <ds:schemaRef ds:uri="http://schemas.microsoft.com/sharepoint/v3/contenttype/forms"/>
   </ds:schemaRefs>
 </ds:datastoreItem>
 </file>

--- a/Computergrafik Praktikum.pptx
+++ b/Computergrafik Praktikum.pptx
@@ -5,10 +5,10 @@
     <p:sldMasterId id="2147483696" r:id="rId4"/>
   </p:sldMasterIdLst>
   <p:notesMasterIdLst>
-    <p:notesMasterId r:id="rId13"/>
+    <p:notesMasterId r:id="rId14"/>
   </p:notesMasterIdLst>
   <p:handoutMasterIdLst>
-    <p:handoutMasterId r:id="rId14"/>
+    <p:handoutMasterId r:id="rId15"/>
   </p:handoutMasterIdLst>
   <p:sldIdLst>
     <p:sldId id="306" r:id="rId5"/>
@@ -18,7 +18,8 @@
     <p:sldId id="311" r:id="rId9"/>
     <p:sldId id="312" r:id="rId10"/>
     <p:sldId id="313" r:id="rId11"/>
-    <p:sldId id="314" r:id="rId12"/>
+    <p:sldId id="315" r:id="rId12"/>
+    <p:sldId id="314" r:id="rId13"/>
   </p:sldIdLst>
   <p:sldSz cx="12192000" cy="6858000"/>
   <p:notesSz cx="6858000" cy="9144000"/>
@@ -9274,7 +9275,7 @@
           <a:p>
             <a:fld id="{67702A17-7AE3-4B44-889C-4D77A0FC7177}" type="datetime1">
               <a:rPr lang="de-DE" smtClean="0"/>
-              <a:t>02.12.2022</a:t>
+              <a:t>16.12.2022</a:t>
             </a:fld>
             <a:endParaRPr lang="de-DE" dirty="0"/>
           </a:p>
@@ -9454,7 +9455,7 @@
             <a:fld id="{82650ACC-C7DD-445E-BC27-71FC31906D7B}" type="datetime1">
               <a:rPr lang="de-DE" smtClean="0"/>
               <a:pPr/>
-              <a:t>02.12.2022</a:t>
+              <a:t>16.12.2022</a:t>
             </a:fld>
             <a:endParaRPr lang="de-DE" dirty="0"/>
           </a:p>
@@ -22353,13 +22354,45 @@
           <a:lstStyle/>
           <a:p>
             <a:r>
-              <a:rPr lang="de-DE" sz="4800" dirty="0" err="1"/>
-              <a:t>Upcoming</a:t>
-            </a:r>
-            <a:r>
-              <a:rPr lang="de-DE" sz="4800" dirty="0"/>
-              <a:t> Features</a:t>
-            </a:r>
+              <a:rPr lang="de-DE" dirty="0"/>
+              <a:t>Meeting </a:t>
+            </a:r>
+            <a:r>
+              <a:rPr lang="de-DE" dirty="0" err="1"/>
+              <a:t>No</a:t>
+            </a:r>
+            <a:r>
+              <a:rPr lang="de-DE" dirty="0"/>
+              <a:t>. 02 20.12.22</a:t>
+            </a:r>
+          </a:p>
+        </p:txBody>
+      </p:sp>
+      <p:sp>
+        <p:nvSpPr>
+          <p:cNvPr id="3" name="Inhaltsplatzhalter 2">
+            <a:extLst>
+              <a:ext uri="{FF2B5EF4-FFF2-40B4-BE49-F238E27FC236}">
+                <a16:creationId xmlns:a16="http://schemas.microsoft.com/office/drawing/2014/main" id="{8104E86C-6562-3D59-6B1F-1109F282E63C}"/>
+              </a:ext>
+            </a:extLst>
+          </p:cNvPr>
+          <p:cNvSpPr>
+            <a:spLocks noGrp="1"/>
+          </p:cNvSpPr>
+          <p:nvPr>
+            <p:ph idx="1"/>
+          </p:nvPr>
+        </p:nvSpPr>
+        <p:spPr/>
+        <p:txBody>
+          <a:bodyPr/>
+          <a:lstStyle/>
+          <a:p>
+            <a:endParaRPr lang="de-DE" dirty="0"/>
+          </a:p>
+          <a:p>
+            <a:endParaRPr lang="de-DE" dirty="0"/>
           </a:p>
         </p:txBody>
       </p:sp>
@@ -22586,6 +22619,436 @@
           </a:lstStyle>
           <a:p>
             <a:r>
+              <a:rPr lang="de-DE" sz="2800" dirty="0" err="1"/>
+              <a:t>Improved</a:t>
+            </a:r>
+            <a:r>
+              <a:rPr lang="de-DE" sz="2800" dirty="0"/>
+              <a:t> Density </a:t>
+            </a:r>
+            <a:r>
+              <a:rPr lang="de-DE" sz="2800" dirty="0" err="1"/>
+              <a:t>Function</a:t>
+            </a:r>
+            <a:r>
+              <a:rPr lang="de-DE" sz="2800" dirty="0"/>
+              <a:t> </a:t>
+            </a:r>
+            <a:r>
+              <a:rPr lang="de-DE" dirty="0"/>
+              <a:t>✅</a:t>
+            </a:r>
+          </a:p>
+          <a:p>
+            <a:pPr lvl="1"/>
+            <a:r>
+              <a:rPr lang="de-DE" dirty="0"/>
+              <a:t>2D / 3D Noise </a:t>
+            </a:r>
+            <a:r>
+              <a:rPr lang="de-DE" dirty="0" err="1"/>
+              <a:t>option</a:t>
+            </a:r>
+            <a:endParaRPr lang="de-DE" dirty="0"/>
+          </a:p>
+          <a:p>
+            <a:pPr lvl="1"/>
+            <a:r>
+              <a:rPr lang="de-DE" dirty="0" err="1"/>
+              <a:t>user</a:t>
+            </a:r>
+            <a:r>
+              <a:rPr lang="de-DE" dirty="0"/>
+              <a:t> </a:t>
+            </a:r>
+            <a:r>
+              <a:rPr lang="de-DE" dirty="0" err="1"/>
+              <a:t>chosen</a:t>
+            </a:r>
+            <a:r>
+              <a:rPr lang="de-DE" dirty="0"/>
+              <a:t> </a:t>
+            </a:r>
+            <a:r>
+              <a:rPr lang="de-DE" dirty="0" err="1"/>
+              <a:t>frequencies</a:t>
+            </a:r>
+            <a:endParaRPr lang="de-DE" dirty="0"/>
+          </a:p>
+          <a:p>
+            <a:pPr lvl="1"/>
+            <a:r>
+              <a:rPr lang="de-DE" dirty="0" err="1"/>
+              <a:t>octave</a:t>
+            </a:r>
+            <a:r>
+              <a:rPr lang="de-DE" dirty="0"/>
+              <a:t> </a:t>
+            </a:r>
+            <a:r>
+              <a:rPr lang="de-DE" dirty="0" err="1"/>
+              <a:t>levels</a:t>
+            </a:r>
+            <a:endParaRPr lang="de-DE" dirty="0"/>
+          </a:p>
+          <a:p>
+            <a:pPr lvl="1"/>
+            <a:endParaRPr lang="de-DE" dirty="0"/>
+          </a:p>
+          <a:p>
+            <a:r>
+              <a:rPr lang="de-DE" dirty="0"/>
+              <a:t>Chunk </a:t>
+            </a:r>
+            <a:r>
+              <a:rPr lang="de-DE" dirty="0" err="1"/>
+              <a:t>management</a:t>
+            </a:r>
+            <a:r>
+              <a:rPr lang="de-DE" dirty="0"/>
+              <a:t> ✅</a:t>
+            </a:r>
+          </a:p>
+          <a:p>
+            <a:pPr lvl="1"/>
+            <a:r>
+              <a:rPr lang="de-DE" dirty="0" err="1"/>
+              <a:t>propagate</a:t>
+            </a:r>
+            <a:r>
+              <a:rPr lang="de-DE" dirty="0"/>
+              <a:t> </a:t>
+            </a:r>
+            <a:r>
+              <a:rPr lang="de-DE" dirty="0" err="1"/>
+              <a:t>noise</a:t>
+            </a:r>
+            <a:r>
+              <a:rPr lang="de-DE" dirty="0"/>
+              <a:t> </a:t>
+            </a:r>
+            <a:r>
+              <a:rPr lang="de-DE" dirty="0" err="1"/>
+              <a:t>across</a:t>
+            </a:r>
+            <a:r>
+              <a:rPr lang="de-DE" dirty="0"/>
+              <a:t> </a:t>
+            </a:r>
+            <a:r>
+              <a:rPr lang="de-DE" dirty="0" err="1"/>
+              <a:t>chunks</a:t>
+            </a:r>
+            <a:endParaRPr lang="de-DE" dirty="0"/>
+          </a:p>
+          <a:p>
+            <a:pPr lvl="1"/>
+            <a:r>
+              <a:rPr lang="de-DE" dirty="0" err="1"/>
+              <a:t>chunk</a:t>
+            </a:r>
+            <a:r>
+              <a:rPr lang="de-DE" dirty="0"/>
+              <a:t> holder </a:t>
+            </a:r>
+            <a:r>
+              <a:rPr lang="de-DE" dirty="0" err="1"/>
+              <a:t>structure</a:t>
+            </a:r>
+            <a:endParaRPr lang="de-DE" sz="2800" dirty="0"/>
+          </a:p>
+          <a:p>
+            <a:endParaRPr lang="de-DE" sz="2800" dirty="0"/>
+          </a:p>
+        </p:txBody>
+      </p:sp>
+    </p:spTree>
+    <p:extLst>
+      <p:ext uri="{BB962C8B-B14F-4D97-AF65-F5344CB8AC3E}">
+        <p14:creationId xmlns:p14="http://schemas.microsoft.com/office/powerpoint/2010/main" val="4194388649"/>
+      </p:ext>
+    </p:extLst>
+  </p:cSld>
+  <p:clrMapOvr>
+    <a:masterClrMapping/>
+  </p:clrMapOvr>
+</p:sld>
+</file>
+
+<file path=ppt/slides/slide9.xml><?xml version="1.0" encoding="utf-8"?>
+<p:sld xmlns:a="http://schemas.openxmlformats.org/drawingml/2006/main" xmlns:r="http://schemas.openxmlformats.org/officeDocument/2006/relationships" xmlns:p="http://schemas.openxmlformats.org/presentationml/2006/main">
+  <p:cSld>
+    <p:spTree>
+      <p:nvGrpSpPr>
+        <p:cNvPr id="1" name=""/>
+        <p:cNvGrpSpPr/>
+        <p:nvPr/>
+      </p:nvGrpSpPr>
+      <p:grpSpPr>
+        <a:xfrm>
+          <a:off x="0" y="0"/>
+          <a:ext cx="0" cy="0"/>
+          <a:chOff x="0" y="0"/>
+          <a:chExt cx="0" cy="0"/>
+        </a:xfrm>
+      </p:grpSpPr>
+      <p:sp>
+        <p:nvSpPr>
+          <p:cNvPr id="2" name="Titel 1">
+            <a:extLst>
+              <a:ext uri="{FF2B5EF4-FFF2-40B4-BE49-F238E27FC236}">
+                <a16:creationId xmlns:a16="http://schemas.microsoft.com/office/drawing/2014/main" id="{6486B241-B0F4-3C41-A754-3621162A5DF3}"/>
+              </a:ext>
+            </a:extLst>
+          </p:cNvPr>
+          <p:cNvSpPr>
+            <a:spLocks noGrp="1"/>
+          </p:cNvSpPr>
+          <p:nvPr>
+            <p:ph type="title"/>
+          </p:nvPr>
+        </p:nvSpPr>
+        <p:spPr/>
+        <p:txBody>
+          <a:bodyPr>
+            <a:normAutofit/>
+          </a:bodyPr>
+          <a:lstStyle/>
+          <a:p>
+            <a:r>
+              <a:rPr lang="de-DE" sz="4800" dirty="0" err="1"/>
+              <a:t>Upcoming</a:t>
+            </a:r>
+            <a:r>
+              <a:rPr lang="de-DE" sz="4800" dirty="0"/>
+              <a:t> Features</a:t>
+            </a:r>
+          </a:p>
+        </p:txBody>
+      </p:sp>
+      <p:sp>
+        <p:nvSpPr>
+          <p:cNvPr id="4" name="Foliennummernplatzhalter 3">
+            <a:extLst>
+              <a:ext uri="{FF2B5EF4-FFF2-40B4-BE49-F238E27FC236}">
+                <a16:creationId xmlns:a16="http://schemas.microsoft.com/office/drawing/2014/main" id="{112574EA-713E-A19F-F991-1F9FF7E43A83}"/>
+              </a:ext>
+            </a:extLst>
+          </p:cNvPr>
+          <p:cNvSpPr>
+            <a:spLocks noGrp="1"/>
+          </p:cNvSpPr>
+          <p:nvPr>
+            <p:ph type="sldNum" sz="quarter" idx="12"/>
+          </p:nvPr>
+        </p:nvSpPr>
+        <p:spPr/>
+        <p:txBody>
+          <a:bodyPr/>
+          <a:lstStyle/>
+          <a:p>
+            <a:pPr rtl="0"/>
+            <a:fld id="{D8DA9DAA-006C-4F4B-980E-E3DF019B24E2}" type="slidenum">
+              <a:rPr lang="de-DE" noProof="0" smtClean="0"/>
+              <a:t>9</a:t>
+            </a:fld>
+            <a:endParaRPr lang="de-DE" noProof="0"/>
+          </a:p>
+        </p:txBody>
+      </p:sp>
+      <p:sp>
+        <p:nvSpPr>
+          <p:cNvPr id="5" name="Inhaltsplatzhalter 2">
+            <a:extLst>
+              <a:ext uri="{FF2B5EF4-FFF2-40B4-BE49-F238E27FC236}">
+                <a16:creationId xmlns:a16="http://schemas.microsoft.com/office/drawing/2014/main" id="{A4760D2C-3B03-E7F3-E9BC-3DBCD16C5035}"/>
+              </a:ext>
+            </a:extLst>
+          </p:cNvPr>
+          <p:cNvSpPr txBox="1">
+            <a:spLocks/>
+          </p:cNvSpPr>
+          <p:nvPr/>
+        </p:nvSpPr>
+        <p:spPr>
+          <a:xfrm>
+            <a:off x="990600" y="1978025"/>
+            <a:ext cx="10515600" cy="4351338"/>
+          </a:xfrm>
+          <a:prstGeom prst="rect">
+            <a:avLst/>
+          </a:prstGeom>
+        </p:spPr>
+        <p:txBody>
+          <a:bodyPr vert="horz" lIns="91440" tIns="45720" rIns="91440" bIns="45720" rtlCol="0">
+            <a:normAutofit/>
+          </a:bodyPr>
+          <a:lstStyle>
+            <a:lvl1pPr marL="228600" indent="-228600" algn="l" defTabSz="914400" rtl="0" eaLnBrk="1" latinLnBrk="0" hangingPunct="1">
+              <a:lnSpc>
+                <a:spcPct val="90000"/>
+              </a:lnSpc>
+              <a:spcBef>
+                <a:spcPts val="1000"/>
+              </a:spcBef>
+              <a:buFont typeface="Arial" panose="020B0604020202020204" pitchFamily="34" charset="0"/>
+              <a:buChar char="•"/>
+              <a:defRPr sz="2800" kern="1200">
+                <a:solidFill>
+                  <a:schemeClr val="tx1"/>
+                </a:solidFill>
+                <a:latin typeface="+mn-lt"/>
+                <a:ea typeface="+mn-ea"/>
+                <a:cs typeface="+mn-cs"/>
+              </a:defRPr>
+            </a:lvl1pPr>
+            <a:lvl2pPr marL="685800" indent="-228600" algn="l" defTabSz="914400" rtl="0" eaLnBrk="1" latinLnBrk="0" hangingPunct="1">
+              <a:lnSpc>
+                <a:spcPct val="90000"/>
+              </a:lnSpc>
+              <a:spcBef>
+                <a:spcPts val="500"/>
+              </a:spcBef>
+              <a:buFont typeface="Arial" panose="020B0604020202020204" pitchFamily="34" charset="0"/>
+              <a:buChar char="•"/>
+              <a:defRPr sz="2400" kern="1200">
+                <a:solidFill>
+                  <a:schemeClr val="tx1"/>
+                </a:solidFill>
+                <a:latin typeface="+mn-lt"/>
+                <a:ea typeface="+mn-ea"/>
+                <a:cs typeface="+mn-cs"/>
+              </a:defRPr>
+            </a:lvl2pPr>
+            <a:lvl3pPr marL="1143000" indent="-228600" algn="l" defTabSz="914400" rtl="0" eaLnBrk="1" latinLnBrk="0" hangingPunct="1">
+              <a:lnSpc>
+                <a:spcPct val="90000"/>
+              </a:lnSpc>
+              <a:spcBef>
+                <a:spcPts val="500"/>
+              </a:spcBef>
+              <a:buFont typeface="Arial" panose="020B0604020202020204" pitchFamily="34" charset="0"/>
+              <a:buChar char="•"/>
+              <a:defRPr sz="2000" kern="1200">
+                <a:solidFill>
+                  <a:schemeClr val="tx1"/>
+                </a:solidFill>
+                <a:latin typeface="+mn-lt"/>
+                <a:ea typeface="+mn-ea"/>
+                <a:cs typeface="+mn-cs"/>
+              </a:defRPr>
+            </a:lvl3pPr>
+            <a:lvl4pPr marL="1600200" indent="-228600" algn="l" defTabSz="914400" rtl="0" eaLnBrk="1" latinLnBrk="0" hangingPunct="1">
+              <a:lnSpc>
+                <a:spcPct val="90000"/>
+              </a:lnSpc>
+              <a:spcBef>
+                <a:spcPts val="500"/>
+              </a:spcBef>
+              <a:buFont typeface="Arial" panose="020B0604020202020204" pitchFamily="34" charset="0"/>
+              <a:buChar char="•"/>
+              <a:defRPr sz="1800" kern="1200">
+                <a:solidFill>
+                  <a:schemeClr val="tx1"/>
+                </a:solidFill>
+                <a:latin typeface="+mn-lt"/>
+                <a:ea typeface="+mn-ea"/>
+                <a:cs typeface="+mn-cs"/>
+              </a:defRPr>
+            </a:lvl4pPr>
+            <a:lvl5pPr marL="2057400" indent="-228600" algn="l" defTabSz="914400" rtl="0" eaLnBrk="1" latinLnBrk="0" hangingPunct="1">
+              <a:lnSpc>
+                <a:spcPct val="90000"/>
+              </a:lnSpc>
+              <a:spcBef>
+                <a:spcPts val="500"/>
+              </a:spcBef>
+              <a:buFont typeface="Arial" panose="020B0604020202020204" pitchFamily="34" charset="0"/>
+              <a:buChar char="•"/>
+              <a:defRPr sz="1800" kern="1200">
+                <a:solidFill>
+                  <a:schemeClr val="tx1"/>
+                </a:solidFill>
+                <a:latin typeface="+mn-lt"/>
+                <a:ea typeface="+mn-ea"/>
+                <a:cs typeface="+mn-cs"/>
+              </a:defRPr>
+            </a:lvl5pPr>
+            <a:lvl6pPr marL="2514600" indent="-228600" algn="l" defTabSz="914400" rtl="0" eaLnBrk="1" latinLnBrk="0" hangingPunct="1">
+              <a:lnSpc>
+                <a:spcPct val="90000"/>
+              </a:lnSpc>
+              <a:spcBef>
+                <a:spcPts val="500"/>
+              </a:spcBef>
+              <a:buFont typeface="Arial" panose="020B0604020202020204" pitchFamily="34" charset="0"/>
+              <a:buChar char="•"/>
+              <a:defRPr sz="1800" kern="1200">
+                <a:solidFill>
+                  <a:schemeClr val="tx1"/>
+                </a:solidFill>
+                <a:latin typeface="+mn-lt"/>
+                <a:ea typeface="+mn-ea"/>
+                <a:cs typeface="+mn-cs"/>
+              </a:defRPr>
+            </a:lvl6pPr>
+            <a:lvl7pPr marL="2971800" indent="-228600" algn="l" defTabSz="914400" rtl="0" eaLnBrk="1" latinLnBrk="0" hangingPunct="1">
+              <a:lnSpc>
+                <a:spcPct val="90000"/>
+              </a:lnSpc>
+              <a:spcBef>
+                <a:spcPts val="500"/>
+              </a:spcBef>
+              <a:buFont typeface="Arial" panose="020B0604020202020204" pitchFamily="34" charset="0"/>
+              <a:buChar char="•"/>
+              <a:defRPr sz="1800" kern="1200">
+                <a:solidFill>
+                  <a:schemeClr val="tx1"/>
+                </a:solidFill>
+                <a:latin typeface="+mn-lt"/>
+                <a:ea typeface="+mn-ea"/>
+                <a:cs typeface="+mn-cs"/>
+              </a:defRPr>
+            </a:lvl7pPr>
+            <a:lvl8pPr marL="3429000" indent="-228600" algn="l" defTabSz="914400" rtl="0" eaLnBrk="1" latinLnBrk="0" hangingPunct="1">
+              <a:lnSpc>
+                <a:spcPct val="90000"/>
+              </a:lnSpc>
+              <a:spcBef>
+                <a:spcPts val="500"/>
+              </a:spcBef>
+              <a:buFont typeface="Arial" panose="020B0604020202020204" pitchFamily="34" charset="0"/>
+              <a:buChar char="•"/>
+              <a:defRPr sz="1800" kern="1200">
+                <a:solidFill>
+                  <a:schemeClr val="tx1"/>
+                </a:solidFill>
+                <a:latin typeface="+mn-lt"/>
+                <a:ea typeface="+mn-ea"/>
+                <a:cs typeface="+mn-cs"/>
+              </a:defRPr>
+            </a:lvl8pPr>
+            <a:lvl9pPr marL="3886200" indent="-228600" algn="l" defTabSz="914400" rtl="0" eaLnBrk="1" latinLnBrk="0" hangingPunct="1">
+              <a:lnSpc>
+                <a:spcPct val="90000"/>
+              </a:lnSpc>
+              <a:spcBef>
+                <a:spcPts val="500"/>
+              </a:spcBef>
+              <a:buFont typeface="Arial" panose="020B0604020202020204" pitchFamily="34" charset="0"/>
+              <a:buChar char="•"/>
+              <a:defRPr sz="1800" kern="1200">
+                <a:solidFill>
+                  <a:schemeClr val="tx1"/>
+                </a:solidFill>
+                <a:latin typeface="+mn-lt"/>
+                <a:ea typeface="+mn-ea"/>
+                <a:cs typeface="+mn-cs"/>
+              </a:defRPr>
+            </a:lvl9pPr>
+          </a:lstStyle>
+          <a:p>
+            <a:r>
               <a:rPr lang="de-DE" sz="2400" b="1" dirty="0" err="1"/>
               <a:t>Improved</a:t>
             </a:r>
@@ -22599,11 +23062,25 @@
             </a:r>
             <a:r>
               <a:rPr lang="de-DE" sz="2400" b="1" dirty="0"/>
-              <a:t> (Noise </a:t>
+              <a:t> (Threshold, Noise </a:t>
             </a:r>
             <a:r>
               <a:rPr lang="de-DE" sz="2400" b="1" dirty="0" err="1"/>
-              <a:t>with</a:t>
+              <a:t>improvements</a:t>
+            </a:r>
+            <a:r>
+              <a:rPr lang="de-DE" sz="2400" b="1" dirty="0"/>
+              <a:t>?)</a:t>
+            </a:r>
+          </a:p>
+          <a:p>
+            <a:r>
+              <a:rPr lang="de-DE" sz="2400" b="1" dirty="0"/>
+              <a:t>Chunk Management (LODs, </a:t>
+            </a:r>
+            <a:r>
+              <a:rPr lang="de-DE" sz="2400" b="1" dirty="0" err="1"/>
+              <a:t>draw</a:t>
             </a:r>
             <a:r>
               <a:rPr lang="de-DE" sz="2400" b="1" dirty="0"/>
@@ -22611,61 +23088,44 @@
             </a:r>
             <a:r>
               <a:rPr lang="de-DE" sz="2400" b="1" dirty="0" err="1"/>
-              <a:t>seed</a:t>
+              <a:t>distance</a:t>
             </a:r>
             <a:r>
               <a:rPr lang="de-DE" sz="2400" b="1" dirty="0"/>
-              <a:t>, </a:t>
-            </a:r>
-            <a:r>
-              <a:rPr lang="de-DE" sz="2400" b="1" dirty="0" err="1"/>
-              <a:t>octaves</a:t>
-            </a:r>
-            <a:r>
-              <a:rPr lang="de-DE" sz="2400" b="1" dirty="0"/>
-              <a:t> …)</a:t>
+              <a:t>)</a:t>
             </a:r>
           </a:p>
           <a:p>
             <a:r>
               <a:rPr lang="de-DE" sz="2400" b="1" dirty="0"/>
-              <a:t>Chunk Management (</a:t>
+              <a:t>Efficiency </a:t>
             </a:r>
             <a:r>
               <a:rPr lang="de-DE" sz="2400" b="1" dirty="0" err="1"/>
-              <a:t>Frustum</a:t>
-            </a:r>
+              <a:t>analysis</a:t>
+            </a:r>
+            <a:endParaRPr lang="de-DE" sz="2400" b="1" dirty="0"/>
+          </a:p>
+          <a:p>
             <a:r>
               <a:rPr lang="de-DE" sz="2400" b="1" dirty="0"/>
-              <a:t> Calling, LODs, </a:t>
+              <a:t>More </a:t>
             </a:r>
             <a:r>
               <a:rPr lang="de-DE" sz="2400" b="1" dirty="0" err="1"/>
-              <a:t>draw</a:t>
+              <a:t>papers</a:t>
             </a:r>
             <a:r>
               <a:rPr lang="de-DE" sz="2400" b="1" dirty="0"/>
               <a:t> </a:t>
             </a:r>
-            <a:r>
-              <a:rPr lang="de-DE" sz="2400" b="1" dirty="0" err="1"/>
-              <a:t>distance</a:t>
-            </a:r>
-            <a:r>
-              <a:rPr lang="de-DE" sz="2400" b="1" dirty="0"/>
-              <a:t>)</a:t>
-            </a:r>
           </a:p>
           <a:p>
-            <a:r>
-              <a:rPr lang="de-DE" sz="2400" b="1" dirty="0"/>
-              <a:t>More </a:t>
-            </a:r>
-            <a:r>
-              <a:rPr lang="de-DE" sz="2400" b="1" dirty="0" err="1"/>
-              <a:t>papers</a:t>
-            </a:r>
-            <a:endParaRPr lang="de-DE" sz="2400" b="1" dirty="0"/>
+            <a:pPr lvl="1"/>
+            <a:r>
+              <a:rPr lang="de-DE" sz="2000" b="1" dirty="0"/>
+              <a:t>Marching Cubes: https://dl.acm.org/doi/10.1145/37402.37422</a:t>
+            </a:r>
           </a:p>
           <a:p>
             <a:r>
@@ -23505,21 +23965,21 @@
 </file>
 
 <file path=customXml/item1.xml><?xml version="1.0" encoding="utf-8"?>
+<p:properties xmlns:p="http://schemas.microsoft.com/office/2006/metadata/properties" xmlns:xsi="http://www.w3.org/2001/XMLSchema-instance" xmlns:pc="http://schemas.microsoft.com/office/infopath/2007/PartnerControls">
+  <documentManagement>
+    <Status xmlns="71af3243-3dd4-4a8d-8c0d-dd76da1f02a5">Not started</Status>
+    <MediaServiceKeyPoints xmlns="71af3243-3dd4-4a8d-8c0d-dd76da1f02a5" xsi:nil="true"/>
+  </documentManagement>
+</p:properties>
+</file>
+
+<file path=customXml/item2.xml><?xml version="1.0" encoding="utf-8"?>
 <?mso-contentType ?>
 <FormTemplates xmlns="http://schemas.microsoft.com/sharepoint/v3/contenttype/forms">
   <Display>DocumentLibraryForm</Display>
   <Edit>DocumentLibraryForm</Edit>
   <New>DocumentLibraryForm</New>
 </FormTemplates>
-</file>
-
-<file path=customXml/item2.xml><?xml version="1.0" encoding="utf-8"?>
-<p:properties xmlns:p="http://schemas.microsoft.com/office/2006/metadata/properties" xmlns:xsi="http://www.w3.org/2001/XMLSchema-instance" xmlns:pc="http://schemas.microsoft.com/office/infopath/2007/PartnerControls">
-  <documentManagement>
-    <Status xmlns="71af3243-3dd4-4a8d-8c0d-dd76da1f02a5">Not started</Status>
-    <MediaServiceKeyPoints xmlns="71af3243-3dd4-4a8d-8c0d-dd76da1f02a5" xsi:nil="true"/>
-  </documentManagement>
-</p:properties>
 </file>
 
 <file path=customXml/item3.xml><?xml version="1.0" encoding="utf-8"?>
@@ -23744,19 +24204,19 @@
 </file>
 
 <file path=customXml/itemProps1.xml><?xml version="1.0" encoding="utf-8"?>
-<ds:datastoreItem xmlns:ds="http://schemas.openxmlformats.org/officeDocument/2006/customXml" ds:itemID="{3C8E00D1-8EA3-4E42-801D-0253E1EAFC21}">
+<ds:datastoreItem xmlns:ds="http://schemas.openxmlformats.org/officeDocument/2006/customXml" ds:itemID="{99919F73-B6C2-4A43-95E2-833EC48925FE}">
   <ds:schemaRefs>
-    <ds:schemaRef ds:uri="http://schemas.microsoft.com/sharepoint/v3/contenttype/forms"/>
+    <ds:schemaRef ds:uri="http://schemas.microsoft.com/office/2006/metadata/properties"/>
+    <ds:schemaRef ds:uri="http://schemas.microsoft.com/office/infopath/2007/PartnerControls"/>
+    <ds:schemaRef ds:uri="71af3243-3dd4-4a8d-8c0d-dd76da1f02a5"/>
   </ds:schemaRefs>
 </ds:datastoreItem>
 </file>
 
 <file path=customXml/itemProps2.xml><?xml version="1.0" encoding="utf-8"?>
-<ds:datastoreItem xmlns:ds="http://schemas.openxmlformats.org/officeDocument/2006/customXml" ds:itemID="{99919F73-B6C2-4A43-95E2-833EC48925FE}">
+<ds:datastoreItem xmlns:ds="http://schemas.openxmlformats.org/officeDocument/2006/customXml" ds:itemID="{3C8E00D1-8EA3-4E42-801D-0253E1EAFC21}">
   <ds:schemaRefs>
-    <ds:schemaRef ds:uri="http://schemas.microsoft.com/office/2006/metadata/properties"/>
-    <ds:schemaRef ds:uri="http://schemas.microsoft.com/office/infopath/2007/PartnerControls"/>
-    <ds:schemaRef ds:uri="71af3243-3dd4-4a8d-8c0d-dd76da1f02a5"/>
+    <ds:schemaRef ds:uri="http://schemas.microsoft.com/sharepoint/v3/contenttype/forms"/>
   </ds:schemaRefs>
 </ds:datastoreItem>
 </file>

--- a/Computergrafik Praktikum.pptx
+++ b/Computergrafik Praktikum.pptx
@@ -5,10 +5,10 @@
     <p:sldMasterId id="2147483696" r:id="rId4"/>
   </p:sldMasterIdLst>
   <p:notesMasterIdLst>
-    <p:notesMasterId r:id="rId14"/>
+    <p:notesMasterId r:id="rId15"/>
   </p:notesMasterIdLst>
   <p:handoutMasterIdLst>
-    <p:handoutMasterId r:id="rId15"/>
+    <p:handoutMasterId r:id="rId16"/>
   </p:handoutMasterIdLst>
   <p:sldIdLst>
     <p:sldId id="306" r:id="rId5"/>
@@ -20,6 +20,7 @@
     <p:sldId id="313" r:id="rId11"/>
     <p:sldId id="315" r:id="rId12"/>
     <p:sldId id="314" r:id="rId13"/>
+    <p:sldId id="316" r:id="rId14"/>
   </p:sldIdLst>
   <p:sldSz cx="12192000" cy="6858000"/>
   <p:notesSz cx="6858000" cy="9144000"/>
@@ -1077,6 +1078,931 @@
 </file>
 
 <file path=ppt/diagrams/colors2.xml><?xml version="1.0" encoding="utf-8"?>
+<dgm:colorsDef xmlns:dgm="http://schemas.openxmlformats.org/drawingml/2006/diagram" xmlns:a="http://schemas.openxmlformats.org/drawingml/2006/main" uniqueId="urn:microsoft.com/office/officeart/2018/5/colors/Iconchunking_coloredoutline_colorful1">
+  <dgm:title val=""/>
+  <dgm:desc val=""/>
+  <dgm:catLst>
+    <dgm:cat type="colorful" pri="10100"/>
+  </dgm:catLst>
+  <dgm:styleLbl name="node0">
+    <dgm:fillClrLst meth="repeat">
+      <a:schemeClr val="accent1"/>
+    </dgm:fillClrLst>
+    <dgm:linClrLst meth="repeat">
+      <a:schemeClr val="lt1"/>
+    </dgm:linClrLst>
+    <dgm:effectClrLst/>
+    <dgm:txLinClrLst/>
+    <dgm:txFillClrLst/>
+    <dgm:txEffectClrLst/>
+  </dgm:styleLbl>
+  <dgm:styleLbl name="node1">
+    <dgm:fillClrLst meth="repeat">
+      <a:schemeClr val="accent2"/>
+      <a:schemeClr val="accent3"/>
+      <a:schemeClr val="accent4"/>
+      <a:schemeClr val="accent5"/>
+      <a:schemeClr val="accent6"/>
+    </dgm:fillClrLst>
+    <dgm:linClrLst meth="repeat">
+      <a:schemeClr val="lt1">
+        <a:alpha val="0"/>
+      </a:schemeClr>
+    </dgm:linClrLst>
+    <dgm:effectClrLst/>
+    <dgm:txLinClrLst/>
+    <dgm:txFillClrLst/>
+    <dgm:txEffectClrLst/>
+  </dgm:styleLbl>
+  <dgm:styleLbl name="alignNode1">
+    <dgm:fillClrLst meth="repeat">
+      <a:schemeClr val="accent2"/>
+      <a:schemeClr val="accent3"/>
+      <a:schemeClr val="accent4"/>
+      <a:schemeClr val="accent5"/>
+      <a:schemeClr val="accent6"/>
+    </dgm:fillClrLst>
+    <dgm:linClrLst meth="repeat">
+      <a:schemeClr val="accent2"/>
+      <a:schemeClr val="accent3"/>
+      <a:schemeClr val="accent4"/>
+      <a:schemeClr val="accent5"/>
+      <a:schemeClr val="accent6"/>
+    </dgm:linClrLst>
+    <dgm:effectClrLst/>
+    <dgm:txLinClrLst/>
+    <dgm:txFillClrLst/>
+    <dgm:txEffectClrLst/>
+  </dgm:styleLbl>
+  <dgm:styleLbl name="lnNode1">
+    <dgm:fillClrLst meth="repeat">
+      <a:schemeClr val="accent2"/>
+      <a:schemeClr val="accent3"/>
+      <a:schemeClr val="accent4"/>
+      <a:schemeClr val="accent5"/>
+      <a:schemeClr val="accent6"/>
+    </dgm:fillClrLst>
+    <dgm:linClrLst meth="repeat">
+      <a:schemeClr val="lt1"/>
+    </dgm:linClrLst>
+    <dgm:effectClrLst/>
+    <dgm:txLinClrLst/>
+    <dgm:txFillClrLst/>
+    <dgm:txEffectClrLst/>
+  </dgm:styleLbl>
+  <dgm:styleLbl name="vennNode1">
+    <dgm:fillClrLst meth="repeat">
+      <a:schemeClr val="accent2">
+        <a:alpha val="50000"/>
+      </a:schemeClr>
+      <a:schemeClr val="accent3">
+        <a:alpha val="50000"/>
+      </a:schemeClr>
+      <a:schemeClr val="accent4">
+        <a:alpha val="50000"/>
+      </a:schemeClr>
+      <a:schemeClr val="accent5">
+        <a:alpha val="50000"/>
+      </a:schemeClr>
+      <a:schemeClr val="accent6">
+        <a:alpha val="50000"/>
+      </a:schemeClr>
+    </dgm:fillClrLst>
+    <dgm:linClrLst meth="repeat">
+      <a:schemeClr val="lt1"/>
+    </dgm:linClrLst>
+    <dgm:effectClrLst/>
+    <dgm:txLinClrLst/>
+    <dgm:txFillClrLst/>
+    <dgm:txEffectClrLst/>
+  </dgm:styleLbl>
+  <dgm:styleLbl name="node2">
+    <dgm:fillClrLst>
+      <a:schemeClr val="accent2"/>
+    </dgm:fillClrLst>
+    <dgm:linClrLst meth="repeat">
+      <a:schemeClr val="lt1"/>
+    </dgm:linClrLst>
+    <dgm:effectClrLst/>
+    <dgm:txLinClrLst/>
+    <dgm:txFillClrLst/>
+    <dgm:txEffectClrLst/>
+  </dgm:styleLbl>
+  <dgm:styleLbl name="node3">
+    <dgm:fillClrLst>
+      <a:schemeClr val="accent3"/>
+    </dgm:fillClrLst>
+    <dgm:linClrLst meth="repeat">
+      <a:schemeClr val="lt1"/>
+    </dgm:linClrLst>
+    <dgm:effectClrLst/>
+    <dgm:txLinClrLst/>
+    <dgm:txFillClrLst/>
+    <dgm:txEffectClrLst/>
+  </dgm:styleLbl>
+  <dgm:styleLbl name="node4">
+    <dgm:fillClrLst>
+      <a:schemeClr val="accent4"/>
+    </dgm:fillClrLst>
+    <dgm:linClrLst meth="repeat">
+      <a:schemeClr val="lt1"/>
+    </dgm:linClrLst>
+    <dgm:effectClrLst/>
+    <dgm:txLinClrLst/>
+    <dgm:txFillClrLst/>
+    <dgm:txEffectClrLst/>
+  </dgm:styleLbl>
+  <dgm:styleLbl name="fgImgPlace1">
+    <dgm:fillClrLst meth="repeat">
+      <a:schemeClr val="accent2">
+        <a:tint val="50000"/>
+      </a:schemeClr>
+      <a:schemeClr val="accent3">
+        <a:tint val="50000"/>
+      </a:schemeClr>
+      <a:schemeClr val="accent4">
+        <a:tint val="50000"/>
+      </a:schemeClr>
+      <a:schemeClr val="accent5">
+        <a:tint val="50000"/>
+      </a:schemeClr>
+      <a:schemeClr val="accent6">
+        <a:tint val="50000"/>
+      </a:schemeClr>
+    </dgm:fillClrLst>
+    <dgm:linClrLst meth="repeat">
+      <a:schemeClr val="lt1"/>
+    </dgm:linClrLst>
+    <dgm:effectClrLst/>
+    <dgm:txLinClrLst/>
+    <dgm:txFillClrLst meth="repeat">
+      <a:schemeClr val="lt1"/>
+    </dgm:txFillClrLst>
+    <dgm:txEffectClrLst/>
+  </dgm:styleLbl>
+  <dgm:styleLbl name="alignImgPlace1">
+    <dgm:fillClrLst>
+      <a:schemeClr val="accent1">
+        <a:tint val="50000"/>
+      </a:schemeClr>
+      <a:schemeClr val="accent2">
+        <a:tint val="20000"/>
+      </a:schemeClr>
+    </dgm:fillClrLst>
+    <dgm:linClrLst meth="repeat">
+      <a:schemeClr val="lt1"/>
+    </dgm:linClrLst>
+    <dgm:effectClrLst/>
+    <dgm:txLinClrLst/>
+    <dgm:txFillClrLst meth="repeat">
+      <a:schemeClr val="lt1"/>
+    </dgm:txFillClrLst>
+    <dgm:txEffectClrLst/>
+  </dgm:styleLbl>
+  <dgm:styleLbl name="bgImgPlace1">
+    <dgm:fillClrLst>
+      <a:schemeClr val="accent1">
+        <a:tint val="50000"/>
+      </a:schemeClr>
+      <a:schemeClr val="accent2">
+        <a:tint val="20000"/>
+      </a:schemeClr>
+    </dgm:fillClrLst>
+    <dgm:linClrLst meth="repeat">
+      <a:schemeClr val="lt1"/>
+    </dgm:linClrLst>
+    <dgm:effectClrLst/>
+    <dgm:txLinClrLst/>
+    <dgm:txFillClrLst meth="repeat">
+      <a:schemeClr val="lt1"/>
+    </dgm:txFillClrLst>
+    <dgm:txEffectClrLst/>
+  </dgm:styleLbl>
+  <dgm:styleLbl name="sibTrans2D1">
+    <dgm:fillClrLst meth="repeat">
+      <a:schemeClr val="accent2"/>
+      <a:schemeClr val="accent3"/>
+      <a:schemeClr val="accent4"/>
+      <a:schemeClr val="accent5"/>
+      <a:schemeClr val="accent6"/>
+    </dgm:fillClrLst>
+    <dgm:linClrLst meth="cycle">
+      <a:schemeClr val="lt1"/>
+    </dgm:linClrLst>
+    <dgm:effectClrLst/>
+    <dgm:txLinClrLst/>
+    <dgm:txFillClrLst/>
+    <dgm:txEffectClrLst/>
+  </dgm:styleLbl>
+  <dgm:styleLbl name="fgSibTrans2D1">
+    <dgm:fillClrLst meth="repeat">
+      <a:schemeClr val="accent2"/>
+      <a:schemeClr val="accent3"/>
+      <a:schemeClr val="accent4"/>
+      <a:schemeClr val="accent5"/>
+      <a:schemeClr val="accent6"/>
+    </dgm:fillClrLst>
+    <dgm:linClrLst meth="cycle">
+      <a:schemeClr val="lt1"/>
+    </dgm:linClrLst>
+    <dgm:effectClrLst/>
+    <dgm:txLinClrLst/>
+    <dgm:txFillClrLst meth="repeat">
+      <a:schemeClr val="lt1"/>
+    </dgm:txFillClrLst>
+    <dgm:txEffectClrLst/>
+  </dgm:styleLbl>
+  <dgm:styleLbl name="bgSibTrans2D1">
+    <dgm:fillClrLst meth="repeat">
+      <a:schemeClr val="accent2"/>
+      <a:schemeClr val="accent3"/>
+      <a:schemeClr val="accent4"/>
+      <a:schemeClr val="accent5"/>
+      <a:schemeClr val="accent6"/>
+    </dgm:fillClrLst>
+    <dgm:linClrLst meth="cycle">
+      <a:schemeClr val="lt1"/>
+    </dgm:linClrLst>
+    <dgm:effectClrLst/>
+    <dgm:txLinClrLst/>
+    <dgm:txFillClrLst meth="repeat">
+      <a:schemeClr val="lt1"/>
+    </dgm:txFillClrLst>
+    <dgm:txEffectClrLst/>
+  </dgm:styleLbl>
+  <dgm:styleLbl name="sibTrans1D1">
+    <dgm:fillClrLst meth="repeat">
+      <a:schemeClr val="accent2"/>
+      <a:schemeClr val="accent3"/>
+      <a:schemeClr val="accent4"/>
+      <a:schemeClr val="accent5"/>
+      <a:schemeClr val="accent6"/>
+    </dgm:fillClrLst>
+    <dgm:linClrLst meth="repeat">
+      <a:schemeClr val="accent2"/>
+      <a:schemeClr val="accent3"/>
+      <a:schemeClr val="accent4"/>
+      <a:schemeClr val="accent5"/>
+      <a:schemeClr val="accent6"/>
+    </dgm:linClrLst>
+    <dgm:effectClrLst/>
+    <dgm:txLinClrLst/>
+    <dgm:txFillClrLst meth="repeat">
+      <a:schemeClr val="tx1"/>
+    </dgm:txFillClrLst>
+    <dgm:txEffectClrLst/>
+  </dgm:styleLbl>
+  <dgm:styleLbl name="callout">
+    <dgm:fillClrLst meth="repeat">
+      <a:schemeClr val="accent2"/>
+    </dgm:fillClrLst>
+    <dgm:linClrLst meth="repeat">
+      <a:schemeClr val="accent2">
+        <a:tint val="50000"/>
+      </a:schemeClr>
+    </dgm:linClrLst>
+    <dgm:effectClrLst/>
+    <dgm:txLinClrLst/>
+    <dgm:txFillClrLst meth="repeat">
+      <a:schemeClr val="tx1"/>
+    </dgm:txFillClrLst>
+    <dgm:txEffectClrLst/>
+  </dgm:styleLbl>
+  <dgm:styleLbl name="asst0">
+    <dgm:fillClrLst meth="repeat">
+      <a:schemeClr val="accent1"/>
+    </dgm:fillClrLst>
+    <dgm:linClrLst meth="repeat">
+      <a:schemeClr val="lt1"/>
+    </dgm:linClrLst>
+    <dgm:effectClrLst/>
+    <dgm:txLinClrLst/>
+    <dgm:txFillClrLst/>
+    <dgm:txEffectClrLst/>
+  </dgm:styleLbl>
+  <dgm:styleLbl name="asst1">
+    <dgm:fillClrLst meth="repeat">
+      <a:schemeClr val="accent2"/>
+    </dgm:fillClrLst>
+    <dgm:linClrLst meth="repeat">
+      <a:schemeClr val="lt1"/>
+    </dgm:linClrLst>
+    <dgm:effectClrLst/>
+    <dgm:txLinClrLst/>
+    <dgm:txFillClrLst/>
+    <dgm:txEffectClrLst/>
+  </dgm:styleLbl>
+  <dgm:styleLbl name="asst2">
+    <dgm:fillClrLst>
+      <a:schemeClr val="accent3"/>
+    </dgm:fillClrLst>
+    <dgm:linClrLst meth="repeat">
+      <a:schemeClr val="lt1"/>
+    </dgm:linClrLst>
+    <dgm:effectClrLst/>
+    <dgm:txLinClrLst/>
+    <dgm:txFillClrLst/>
+    <dgm:txEffectClrLst/>
+  </dgm:styleLbl>
+  <dgm:styleLbl name="asst3">
+    <dgm:fillClrLst>
+      <a:schemeClr val="accent4"/>
+    </dgm:fillClrLst>
+    <dgm:linClrLst meth="repeat">
+      <a:schemeClr val="lt1"/>
+    </dgm:linClrLst>
+    <dgm:effectClrLst/>
+    <dgm:txLinClrLst/>
+    <dgm:txFillClrLst/>
+    <dgm:txEffectClrLst/>
+  </dgm:styleLbl>
+  <dgm:styleLbl name="asst4">
+    <dgm:fillClrLst>
+      <a:schemeClr val="accent5"/>
+    </dgm:fillClrLst>
+    <dgm:linClrLst meth="repeat">
+      <a:schemeClr val="lt1"/>
+    </dgm:linClrLst>
+    <dgm:effectClrLst/>
+    <dgm:txLinClrLst/>
+    <dgm:txFillClrLst/>
+    <dgm:txEffectClrLst/>
+  </dgm:styleLbl>
+  <dgm:styleLbl name="parChTrans2D1">
+    <dgm:fillClrLst meth="repeat">
+      <a:schemeClr val="accent2"/>
+    </dgm:fillClrLst>
+    <dgm:linClrLst meth="repeat">
+      <a:schemeClr val="lt1"/>
+    </dgm:linClrLst>
+    <dgm:effectClrLst/>
+    <dgm:txLinClrLst/>
+    <dgm:txFillClrLst meth="repeat">
+      <a:schemeClr val="lt1"/>
+    </dgm:txFillClrLst>
+    <dgm:txEffectClrLst/>
+  </dgm:styleLbl>
+  <dgm:styleLbl name="parChTrans2D2">
+    <dgm:fillClrLst meth="repeat">
+      <a:schemeClr val="accent3"/>
+    </dgm:fillClrLst>
+    <dgm:linClrLst meth="repeat">
+      <a:schemeClr val="lt1"/>
+    </dgm:linClrLst>
+    <dgm:effectClrLst/>
+    <dgm:txLinClrLst/>
+    <dgm:txFillClrLst/>
+    <dgm:txEffectClrLst/>
+  </dgm:styleLbl>
+  <dgm:styleLbl name="parChTrans2D3">
+    <dgm:fillClrLst meth="repeat">
+      <a:schemeClr val="accent4"/>
+    </dgm:fillClrLst>
+    <dgm:linClrLst meth="repeat">
+      <a:schemeClr val="lt1"/>
+    </dgm:linClrLst>
+    <dgm:effectClrLst/>
+    <dgm:txLinClrLst/>
+    <dgm:txFillClrLst/>
+    <dgm:txEffectClrLst/>
+  </dgm:styleLbl>
+  <dgm:styleLbl name="parChTrans2D4">
+    <dgm:fillClrLst meth="repeat">
+      <a:schemeClr val="accent5"/>
+    </dgm:fillClrLst>
+    <dgm:linClrLst meth="repeat">
+      <a:schemeClr val="lt1"/>
+    </dgm:linClrLst>
+    <dgm:effectClrLst/>
+    <dgm:txLinClrLst/>
+    <dgm:txFillClrLst meth="repeat">
+      <a:schemeClr val="lt1"/>
+    </dgm:txFillClrLst>
+    <dgm:txEffectClrLst/>
+  </dgm:styleLbl>
+  <dgm:styleLbl name="parChTrans1D1">
+    <dgm:fillClrLst meth="repeat">
+      <a:schemeClr val="accent2"/>
+    </dgm:fillClrLst>
+    <dgm:linClrLst meth="repeat">
+      <a:schemeClr val="accent1"/>
+    </dgm:linClrLst>
+    <dgm:effectClrLst/>
+    <dgm:txLinClrLst/>
+    <dgm:txFillClrLst meth="repeat">
+      <a:schemeClr val="tx1"/>
+    </dgm:txFillClrLst>
+    <dgm:txEffectClrLst/>
+  </dgm:styleLbl>
+  <dgm:styleLbl name="parChTrans1D2">
+    <dgm:fillClrLst meth="repeat">
+      <a:schemeClr val="accent3">
+        <a:tint val="90000"/>
+      </a:schemeClr>
+    </dgm:fillClrLst>
+    <dgm:linClrLst meth="repeat">
+      <a:schemeClr val="accent2"/>
+    </dgm:linClrLst>
+    <dgm:effectClrLst/>
+    <dgm:txLinClrLst/>
+    <dgm:txFillClrLst meth="repeat">
+      <a:schemeClr val="tx1"/>
+    </dgm:txFillClrLst>
+    <dgm:txEffectClrLst/>
+  </dgm:styleLbl>
+  <dgm:styleLbl name="parChTrans1D3">
+    <dgm:fillClrLst meth="repeat">
+      <a:schemeClr val="accent4">
+        <a:tint val="70000"/>
+      </a:schemeClr>
+    </dgm:fillClrLst>
+    <dgm:linClrLst meth="repeat">
+      <a:schemeClr val="accent3"/>
+    </dgm:linClrLst>
+    <dgm:effectClrLst/>
+    <dgm:txLinClrLst/>
+    <dgm:txFillClrLst meth="repeat">
+      <a:schemeClr val="tx1"/>
+    </dgm:txFillClrLst>
+    <dgm:txEffectClrLst/>
+  </dgm:styleLbl>
+  <dgm:styleLbl name="parChTrans1D4">
+    <dgm:fillClrLst meth="repeat">
+      <a:schemeClr val="accent5">
+        <a:tint val="50000"/>
+      </a:schemeClr>
+    </dgm:fillClrLst>
+    <dgm:linClrLst meth="repeat">
+      <a:schemeClr val="accent4"/>
+    </dgm:linClrLst>
+    <dgm:effectClrLst/>
+    <dgm:txLinClrLst/>
+    <dgm:txFillClrLst meth="repeat">
+      <a:schemeClr val="tx1"/>
+    </dgm:txFillClrLst>
+    <dgm:txEffectClrLst/>
+  </dgm:styleLbl>
+  <dgm:styleLbl name="fgAcc1">
+    <dgm:fillClrLst meth="repeat">
+      <a:schemeClr val="lt1">
+        <a:alpha val="90000"/>
+      </a:schemeClr>
+    </dgm:fillClrLst>
+    <dgm:linClrLst meth="repeat">
+      <a:schemeClr val="accent2"/>
+      <a:schemeClr val="accent3"/>
+      <a:schemeClr val="accent4"/>
+      <a:schemeClr val="accent5"/>
+      <a:schemeClr val="accent6"/>
+    </dgm:linClrLst>
+    <dgm:effectClrLst/>
+    <dgm:txLinClrLst/>
+    <dgm:txFillClrLst meth="repeat">
+      <a:schemeClr val="dk1"/>
+    </dgm:txFillClrLst>
+    <dgm:txEffectClrLst/>
+  </dgm:styleLbl>
+  <dgm:styleLbl name="conFgAcc1">
+    <dgm:fillClrLst meth="repeat">
+      <a:schemeClr val="lt1">
+        <a:alpha val="90000"/>
+      </a:schemeClr>
+    </dgm:fillClrLst>
+    <dgm:linClrLst meth="repeat">
+      <a:schemeClr val="accent2"/>
+      <a:schemeClr val="accent3"/>
+      <a:schemeClr val="accent4"/>
+      <a:schemeClr val="accent5"/>
+      <a:schemeClr val="accent6"/>
+    </dgm:linClrLst>
+    <dgm:effectClrLst/>
+    <dgm:txLinClrLst/>
+    <dgm:txFillClrLst meth="repeat">
+      <a:schemeClr val="dk1"/>
+    </dgm:txFillClrLst>
+    <dgm:txEffectClrLst/>
+  </dgm:styleLbl>
+  <dgm:styleLbl name="alignAcc1">
+    <dgm:fillClrLst meth="repeat">
+      <a:schemeClr val="lt1">
+        <a:alpha val="90000"/>
+      </a:schemeClr>
+    </dgm:fillClrLst>
+    <dgm:linClrLst meth="repeat">
+      <a:schemeClr val="accent2"/>
+      <a:schemeClr val="accent3"/>
+      <a:schemeClr val="accent4"/>
+      <a:schemeClr val="accent5"/>
+      <a:schemeClr val="accent6"/>
+    </dgm:linClrLst>
+    <dgm:effectClrLst/>
+    <dgm:txLinClrLst/>
+    <dgm:txFillClrLst meth="repeat">
+      <a:schemeClr val="dk1"/>
+    </dgm:txFillClrLst>
+    <dgm:txEffectClrLst/>
+  </dgm:styleLbl>
+  <dgm:styleLbl name="trAlignAcc1">
+    <dgm:fillClrLst meth="repeat">
+      <a:schemeClr val="lt1">
+        <a:alpha val="0"/>
+      </a:schemeClr>
+    </dgm:fillClrLst>
+    <dgm:linClrLst meth="repeat">
+      <a:schemeClr val="accent2"/>
+      <a:schemeClr val="accent3"/>
+      <a:schemeClr val="accent4"/>
+      <a:schemeClr val="accent5"/>
+      <a:schemeClr val="accent6"/>
+    </dgm:linClrLst>
+    <dgm:effectClrLst/>
+    <dgm:txLinClrLst/>
+    <dgm:txFillClrLst meth="repeat">
+      <a:schemeClr val="dk1"/>
+    </dgm:txFillClrLst>
+    <dgm:txEffectClrLst/>
+  </dgm:styleLbl>
+  <dgm:styleLbl name="bgAcc1">
+    <dgm:fillClrLst meth="repeat">
+      <a:schemeClr val="lt1">
+        <a:alpha val="90000"/>
+      </a:schemeClr>
+    </dgm:fillClrLst>
+    <dgm:linClrLst meth="repeat">
+      <a:schemeClr val="accent2"/>
+      <a:schemeClr val="accent3"/>
+      <a:schemeClr val="accent4"/>
+      <a:schemeClr val="accent5"/>
+      <a:schemeClr val="accent6"/>
+    </dgm:linClrLst>
+    <dgm:effectClrLst/>
+    <dgm:txLinClrLst/>
+    <dgm:txFillClrLst meth="repeat">
+      <a:schemeClr val="dk1"/>
+    </dgm:txFillClrLst>
+    <dgm:txEffectClrLst/>
+  </dgm:styleLbl>
+  <dgm:styleLbl name="solidFgAcc1">
+    <dgm:fillClrLst meth="repeat">
+      <a:schemeClr val="lt1"/>
+    </dgm:fillClrLst>
+    <dgm:linClrLst meth="repeat">
+      <a:schemeClr val="accent2"/>
+      <a:schemeClr val="accent3"/>
+      <a:schemeClr val="accent4"/>
+      <a:schemeClr val="accent5"/>
+      <a:schemeClr val="accent6"/>
+    </dgm:linClrLst>
+    <dgm:effectClrLst/>
+    <dgm:txLinClrLst/>
+    <dgm:txFillClrLst meth="repeat">
+      <a:schemeClr val="dk1"/>
+    </dgm:txFillClrLst>
+    <dgm:txEffectClrLst/>
+  </dgm:styleLbl>
+  <dgm:styleLbl name="solidAlignAcc1">
+    <dgm:fillClrLst meth="repeat">
+      <a:schemeClr val="lt1"/>
+    </dgm:fillClrLst>
+    <dgm:linClrLst meth="repeat">
+      <a:schemeClr val="accent2"/>
+      <a:schemeClr val="accent3"/>
+      <a:schemeClr val="accent4"/>
+      <a:schemeClr val="accent5"/>
+      <a:schemeClr val="accent6"/>
+    </dgm:linClrLst>
+    <dgm:effectClrLst/>
+    <dgm:txLinClrLst/>
+    <dgm:txFillClrLst meth="repeat">
+      <a:schemeClr val="dk1"/>
+    </dgm:txFillClrLst>
+    <dgm:txEffectClrLst/>
+  </dgm:styleLbl>
+  <dgm:styleLbl name="solidBgAcc1">
+    <dgm:fillClrLst meth="repeat">
+      <a:schemeClr val="lt1"/>
+    </dgm:fillClrLst>
+    <dgm:linClrLst meth="repeat">
+      <a:schemeClr val="accent2"/>
+      <a:schemeClr val="accent3"/>
+      <a:schemeClr val="accent4"/>
+      <a:schemeClr val="accent5"/>
+      <a:schemeClr val="accent6"/>
+    </dgm:linClrLst>
+    <dgm:effectClrLst/>
+    <dgm:txLinClrLst/>
+    <dgm:txFillClrLst meth="repeat">
+      <a:schemeClr val="dk1"/>
+    </dgm:txFillClrLst>
+    <dgm:txEffectClrLst/>
+  </dgm:styleLbl>
+  <dgm:styleLbl name="fgAccFollowNode1">
+    <dgm:fillClrLst meth="repeat">
+      <a:schemeClr val="accent2">
+        <a:tint val="40000"/>
+        <a:alpha val="90000"/>
+      </a:schemeClr>
+      <a:schemeClr val="accent3">
+        <a:tint val="40000"/>
+        <a:alpha val="90000"/>
+      </a:schemeClr>
+      <a:schemeClr val="accent4">
+        <a:tint val="40000"/>
+        <a:alpha val="90000"/>
+      </a:schemeClr>
+      <a:schemeClr val="accent5">
+        <a:tint val="40000"/>
+        <a:alpha val="90000"/>
+      </a:schemeClr>
+      <a:schemeClr val="accent6">
+        <a:tint val="40000"/>
+        <a:alpha val="90000"/>
+      </a:schemeClr>
+    </dgm:fillClrLst>
+    <dgm:linClrLst meth="repeat">
+      <a:schemeClr val="accent2">
+        <a:tint val="40000"/>
+        <a:alpha val="90000"/>
+      </a:schemeClr>
+      <a:schemeClr val="accent3">
+        <a:tint val="40000"/>
+        <a:alpha val="90000"/>
+      </a:schemeClr>
+      <a:schemeClr val="accent4">
+        <a:tint val="40000"/>
+        <a:alpha val="90000"/>
+      </a:schemeClr>
+      <a:schemeClr val="accent5">
+        <a:tint val="40000"/>
+        <a:alpha val="90000"/>
+      </a:schemeClr>
+      <a:schemeClr val="accent6">
+        <a:tint val="40000"/>
+        <a:alpha val="90000"/>
+      </a:schemeClr>
+    </dgm:linClrLst>
+    <dgm:effectClrLst/>
+    <dgm:txLinClrLst/>
+    <dgm:txFillClrLst meth="repeat">
+      <a:schemeClr val="dk1"/>
+    </dgm:txFillClrLst>
+    <dgm:txEffectClrLst/>
+  </dgm:styleLbl>
+  <dgm:styleLbl name="alignAccFollowNode1">
+    <dgm:fillClrLst meth="repeat">
+      <a:schemeClr val="accent2">
+        <a:tint val="40000"/>
+        <a:alpha val="90000"/>
+      </a:schemeClr>
+      <a:schemeClr val="accent3">
+        <a:tint val="40000"/>
+        <a:alpha val="90000"/>
+      </a:schemeClr>
+      <a:schemeClr val="accent4">
+        <a:tint val="40000"/>
+        <a:alpha val="90000"/>
+      </a:schemeClr>
+      <a:schemeClr val="accent5">
+        <a:tint val="40000"/>
+        <a:alpha val="90000"/>
+      </a:schemeClr>
+      <a:schemeClr val="accent6">
+        <a:tint val="40000"/>
+        <a:alpha val="90000"/>
+      </a:schemeClr>
+    </dgm:fillClrLst>
+    <dgm:linClrLst meth="repeat">
+      <a:schemeClr val="accent2">
+        <a:tint val="40000"/>
+        <a:alpha val="90000"/>
+      </a:schemeClr>
+      <a:schemeClr val="accent3">
+        <a:tint val="40000"/>
+        <a:alpha val="90000"/>
+      </a:schemeClr>
+      <a:schemeClr val="accent4">
+        <a:tint val="40000"/>
+        <a:alpha val="90000"/>
+      </a:schemeClr>
+      <a:schemeClr val="accent5">
+        <a:tint val="40000"/>
+        <a:alpha val="90000"/>
+      </a:schemeClr>
+      <a:schemeClr val="accent6">
+        <a:tint val="40000"/>
+        <a:alpha val="90000"/>
+      </a:schemeClr>
+    </dgm:linClrLst>
+    <dgm:effectClrLst/>
+    <dgm:txLinClrLst/>
+    <dgm:txFillClrLst meth="repeat">
+      <a:schemeClr val="dk1"/>
+    </dgm:txFillClrLst>
+    <dgm:txEffectClrLst/>
+  </dgm:styleLbl>
+  <dgm:styleLbl name="bgAccFollowNode1">
+    <dgm:fillClrLst meth="repeat">
+      <a:schemeClr val="accent2">
+        <a:tint val="40000"/>
+        <a:alpha val="90000"/>
+      </a:schemeClr>
+      <a:schemeClr val="accent3">
+        <a:tint val="40000"/>
+        <a:alpha val="90000"/>
+      </a:schemeClr>
+      <a:schemeClr val="accent4">
+        <a:tint val="40000"/>
+        <a:alpha val="90000"/>
+      </a:schemeClr>
+      <a:schemeClr val="accent5">
+        <a:tint val="40000"/>
+        <a:alpha val="90000"/>
+      </a:schemeClr>
+      <a:schemeClr val="accent6">
+        <a:tint val="40000"/>
+        <a:alpha val="90000"/>
+      </a:schemeClr>
+    </dgm:fillClrLst>
+    <dgm:linClrLst meth="repeat">
+      <a:schemeClr val="accent2">
+        <a:tint val="40000"/>
+        <a:alpha val="90000"/>
+      </a:schemeClr>
+      <a:schemeClr val="accent3">
+        <a:tint val="40000"/>
+        <a:alpha val="90000"/>
+      </a:schemeClr>
+      <a:schemeClr val="accent4">
+        <a:tint val="40000"/>
+        <a:alpha val="90000"/>
+      </a:schemeClr>
+      <a:schemeClr val="accent5">
+        <a:tint val="40000"/>
+        <a:alpha val="90000"/>
+      </a:schemeClr>
+      <a:schemeClr val="accent6">
+        <a:tint val="40000"/>
+        <a:alpha val="90000"/>
+      </a:schemeClr>
+    </dgm:linClrLst>
+    <dgm:effectClrLst/>
+    <dgm:txLinClrLst/>
+    <dgm:txFillClrLst meth="repeat">
+      <a:schemeClr val="dk1"/>
+    </dgm:txFillClrLst>
+    <dgm:txEffectClrLst/>
+  </dgm:styleLbl>
+  <dgm:styleLbl name="fgAcc0">
+    <dgm:fillClrLst meth="repeat">
+      <a:schemeClr val="lt1">
+        <a:alpha val="90000"/>
+      </a:schemeClr>
+    </dgm:fillClrLst>
+    <dgm:linClrLst>
+      <a:schemeClr val="accent1"/>
+    </dgm:linClrLst>
+    <dgm:effectClrLst/>
+    <dgm:txLinClrLst/>
+    <dgm:txFillClrLst meth="repeat">
+      <a:schemeClr val="dk1"/>
+    </dgm:txFillClrLst>
+    <dgm:txEffectClrLst/>
+  </dgm:styleLbl>
+  <dgm:styleLbl name="fgAcc2">
+    <dgm:fillClrLst meth="repeat">
+      <a:schemeClr val="lt1">
+        <a:alpha val="90000"/>
+      </a:schemeClr>
+    </dgm:fillClrLst>
+    <dgm:linClrLst>
+      <a:schemeClr val="accent2"/>
+    </dgm:linClrLst>
+    <dgm:effectClrLst/>
+    <dgm:txLinClrLst/>
+    <dgm:txFillClrLst meth="repeat">
+      <a:schemeClr val="dk1"/>
+    </dgm:txFillClrLst>
+    <dgm:txEffectClrLst/>
+  </dgm:styleLbl>
+  <dgm:styleLbl name="fgAcc3">
+    <dgm:fillClrLst meth="repeat">
+      <a:schemeClr val="lt1">
+        <a:alpha val="90000"/>
+      </a:schemeClr>
+    </dgm:fillClrLst>
+    <dgm:linClrLst>
+      <a:schemeClr val="accent3"/>
+    </dgm:linClrLst>
+    <dgm:effectClrLst/>
+    <dgm:txLinClrLst/>
+    <dgm:txFillClrLst meth="repeat">
+      <a:schemeClr val="dk1"/>
+    </dgm:txFillClrLst>
+    <dgm:txEffectClrLst/>
+  </dgm:styleLbl>
+  <dgm:styleLbl name="fgAcc4">
+    <dgm:fillClrLst meth="repeat">
+      <a:schemeClr val="lt1">
+        <a:alpha val="90000"/>
+      </a:schemeClr>
+    </dgm:fillClrLst>
+    <dgm:linClrLst>
+      <a:schemeClr val="accent4"/>
+    </dgm:linClrLst>
+    <dgm:effectClrLst/>
+    <dgm:txLinClrLst/>
+    <dgm:txFillClrLst meth="repeat">
+      <a:schemeClr val="dk1"/>
+    </dgm:txFillClrLst>
+    <dgm:txEffectClrLst/>
+  </dgm:styleLbl>
+  <dgm:styleLbl name="bgShp">
+    <dgm:fillClrLst meth="repeat">
+      <a:schemeClr val="accent2">
+        <a:tint val="40000"/>
+      </a:schemeClr>
+    </dgm:fillClrLst>
+    <dgm:linClrLst meth="repeat">
+      <a:schemeClr val="dk1"/>
+    </dgm:linClrLst>
+    <dgm:effectClrLst/>
+    <dgm:txLinClrLst/>
+    <dgm:txFillClrLst meth="repeat">
+      <a:schemeClr val="dk1"/>
+    </dgm:txFillClrLst>
+    <dgm:txEffectClrLst/>
+  </dgm:styleLbl>
+  <dgm:styleLbl name="dkBgShp">
+    <dgm:fillClrLst meth="repeat">
+      <a:schemeClr val="accent2">
+        <a:shade val="90000"/>
+      </a:schemeClr>
+    </dgm:fillClrLst>
+    <dgm:linClrLst meth="repeat">
+      <a:schemeClr val="dk1"/>
+    </dgm:linClrLst>
+    <dgm:effectClrLst/>
+    <dgm:txLinClrLst/>
+    <dgm:txFillClrLst meth="repeat">
+      <a:schemeClr val="lt1"/>
+    </dgm:txFillClrLst>
+    <dgm:txEffectClrLst/>
+  </dgm:styleLbl>
+  <dgm:styleLbl name="trBgShp">
+    <dgm:fillClrLst meth="repeat">
+      <a:schemeClr val="accent1">
+        <a:tint val="50000"/>
+        <a:alpha val="40000"/>
+      </a:schemeClr>
+    </dgm:fillClrLst>
+    <dgm:linClrLst meth="repeat">
+      <a:schemeClr val="accent2"/>
+    </dgm:linClrLst>
+    <dgm:effectClrLst/>
+    <dgm:txLinClrLst/>
+    <dgm:txFillClrLst meth="repeat">
+      <a:schemeClr val="lt1"/>
+    </dgm:txFillClrLst>
+    <dgm:txEffectClrLst/>
+  </dgm:styleLbl>
+  <dgm:styleLbl name="fgShp">
+    <dgm:fillClrLst meth="repeat">
+      <a:schemeClr val="accent2">
+        <a:tint val="40000"/>
+      </a:schemeClr>
+    </dgm:fillClrLst>
+    <dgm:linClrLst meth="repeat">
+      <a:schemeClr val="lt1"/>
+    </dgm:linClrLst>
+    <dgm:effectClrLst/>
+    <dgm:txLinClrLst/>
+    <dgm:txFillClrLst meth="repeat">
+      <a:schemeClr val="dk1"/>
+    </dgm:txFillClrLst>
+    <dgm:txEffectClrLst/>
+  </dgm:styleLbl>
+  <dgm:styleLbl name="revTx">
+    <dgm:fillClrLst meth="repeat">
+      <a:schemeClr val="lt1">
+        <a:alpha val="0"/>
+      </a:schemeClr>
+    </dgm:fillClrLst>
+    <dgm:linClrLst meth="repeat">
+      <a:schemeClr val="dk1">
+        <a:alpha val="0"/>
+      </a:schemeClr>
+    </dgm:linClrLst>
+    <dgm:effectClrLst/>
+    <dgm:txLinClrLst/>
+    <dgm:txFillClrLst meth="repeat">
+      <a:schemeClr val="tx1"/>
+    </dgm:txFillClrLst>
+    <dgm:txEffectClrLst/>
+  </dgm:styleLbl>
+</dgm:colorsDef>
+</file>
+
+<file path=ppt/diagrams/colors3.xml><?xml version="1.0" encoding="utf-8"?>
 <dgm:colorsDef xmlns:dgm="http://schemas.openxmlformats.org/drawingml/2006/diagram" xmlns:a="http://schemas.openxmlformats.org/drawingml/2006/main" uniqueId="urn:microsoft.com/office/officeart/2018/5/colors/Iconchunking_coloredoutline_colorful1">
   <dgm:title val=""/>
   <dgm:desc val=""/>
@@ -3513,6 +4439,945 @@
         </a:p>
         <a:p>
           <a:pPr rtl="0"/>
+          <a:endParaRPr lang="de-DE" sz="1400" noProof="0" dirty="0"/>
+        </a:p>
+      </dgm:t>
+    </dgm:pt>
+    <dgm:pt modelId="{8F483F27-8D97-48E5-9210-1B448F1CE277}" type="parTrans" cxnId="{8A3D4B73-3658-4A4C-9DFE-F59E22A79482}">
+      <dgm:prSet/>
+      <dgm:spPr/>
+      <dgm:t>
+        <a:bodyPr rtlCol="0"/>
+        <a:lstStyle/>
+        <a:p>
+          <a:pPr rtl="0"/>
+          <a:endParaRPr lang="de-DE" noProof="0" dirty="0"/>
+        </a:p>
+      </dgm:t>
+    </dgm:pt>
+    <dgm:pt modelId="{A46A41DD-2CA4-4800-8F85-546ABB24ED07}" type="sibTrans" cxnId="{8A3D4B73-3658-4A4C-9DFE-F59E22A79482}">
+      <dgm:prSet/>
+      <dgm:spPr/>
+      <dgm:t>
+        <a:bodyPr rtlCol="0"/>
+        <a:lstStyle/>
+        <a:p>
+          <a:pPr rtl="0"/>
+          <a:endParaRPr lang="de-DE" noProof="0" dirty="0"/>
+        </a:p>
+      </dgm:t>
+    </dgm:pt>
+    <dgm:pt modelId="{7B2FF309-5120-45E2-ACC8-F8FAA9DBDA55}">
+      <dgm:prSet phldrT="[Text]" custT="1"/>
+      <dgm:spPr>
+        <a:solidFill>
+          <a:schemeClr val="accent4"/>
+        </a:solidFill>
+        <a:ln>
+          <a:solidFill>
+            <a:schemeClr val="accent4"/>
+          </a:solidFill>
+        </a:ln>
+      </dgm:spPr>
+      <dgm:t>
+        <a:bodyPr rtlCol="0"/>
+        <a:lstStyle/>
+        <a:p>
+          <a:pPr rtl="0"/>
+          <a:r>
+            <a:rPr lang="de-DE" sz="2000" noProof="0" dirty="0"/>
+            <a:t>04.04</a:t>
+          </a:r>
+        </a:p>
+      </dgm:t>
+    </dgm:pt>
+    <dgm:pt modelId="{2CF5AF8A-5687-489A-9838-EDDBB760D421}" type="parTrans" cxnId="{D35DB9DA-961B-46CD-BB14-44CD766D8CB7}">
+      <dgm:prSet/>
+      <dgm:spPr/>
+      <dgm:t>
+        <a:bodyPr rtlCol="0"/>
+        <a:lstStyle/>
+        <a:p>
+          <a:pPr rtl="0"/>
+          <a:endParaRPr lang="de-DE" noProof="0" dirty="0"/>
+        </a:p>
+      </dgm:t>
+    </dgm:pt>
+    <dgm:pt modelId="{D5CAA101-B828-45D7-965B-F77CD6FBA109}" type="sibTrans" cxnId="{D35DB9DA-961B-46CD-BB14-44CD766D8CB7}">
+      <dgm:prSet/>
+      <dgm:spPr/>
+      <dgm:t>
+        <a:bodyPr rtlCol="0"/>
+        <a:lstStyle/>
+        <a:p>
+          <a:pPr rtl="0"/>
+          <a:endParaRPr lang="de-DE" noProof="0" dirty="0"/>
+        </a:p>
+      </dgm:t>
+    </dgm:pt>
+    <dgm:pt modelId="{EE155DB2-6788-4019-961C-F8B89C275CE8}">
+      <dgm:prSet phldrT="[Text]" custT="1"/>
+      <dgm:spPr/>
+      <dgm:t>
+        <a:bodyPr rtlCol="0"/>
+        <a:lstStyle/>
+        <a:p>
+          <a:pPr rtl="0"/>
+          <a:r>
+            <a:rPr lang="de-DE" sz="1400" b="1" noProof="0" dirty="0"/>
+            <a:t>Final </a:t>
+          </a:r>
+          <a:r>
+            <a:rPr lang="de-DE" sz="1400" b="1" noProof="0" dirty="0" err="1"/>
+            <a:t>report</a:t>
+          </a:r>
+          <a:endParaRPr lang="de-DE" sz="1400" b="1" noProof="0" dirty="0"/>
+        </a:p>
+      </dgm:t>
+    </dgm:pt>
+    <dgm:pt modelId="{8395B9D5-FF39-4045-8569-9C13F11FB1E5}" type="parTrans" cxnId="{E3D274C7-DB39-45B8-B18F-742495FE5026}">
+      <dgm:prSet/>
+      <dgm:spPr/>
+      <dgm:t>
+        <a:bodyPr rtlCol="0"/>
+        <a:lstStyle/>
+        <a:p>
+          <a:pPr rtl="0"/>
+          <a:endParaRPr lang="de-DE" noProof="0" dirty="0"/>
+        </a:p>
+      </dgm:t>
+    </dgm:pt>
+    <dgm:pt modelId="{F94C628D-62C1-4AF5-B102-2A2AA7FD22DE}" type="sibTrans" cxnId="{E3D274C7-DB39-45B8-B18F-742495FE5026}">
+      <dgm:prSet/>
+      <dgm:spPr/>
+      <dgm:t>
+        <a:bodyPr rtlCol="0"/>
+        <a:lstStyle/>
+        <a:p>
+          <a:pPr rtl="0"/>
+          <a:endParaRPr lang="de-DE" noProof="0" dirty="0"/>
+        </a:p>
+      </dgm:t>
+    </dgm:pt>
+    <dgm:pt modelId="{7CAB1AF4-4DD4-4560-AB9D-100C0D524066}">
+      <dgm:prSet phldrT="[Text]" custT="1"/>
+      <dgm:spPr/>
+      <dgm:t>
+        <a:bodyPr rtlCol="0"/>
+        <a:lstStyle/>
+        <a:p>
+          <a:pPr rtl="0"/>
+          <a:r>
+            <a:rPr lang="de-DE" sz="1400" b="0" noProof="0" dirty="0"/>
+            <a:t>More </a:t>
+          </a:r>
+          <a:r>
+            <a:rPr lang="de-DE" sz="1400" b="0" noProof="0" dirty="0" err="1"/>
+            <a:t>Polishing</a:t>
+          </a:r>
+          <a:r>
+            <a:rPr lang="de-DE" sz="1400" b="0" noProof="0" dirty="0"/>
+            <a:t> and </a:t>
+          </a:r>
+          <a:r>
+            <a:rPr lang="de-DE" sz="1400" b="0" noProof="0" dirty="0" err="1"/>
+            <a:t>report</a:t>
+          </a:r>
+          <a:r>
+            <a:rPr lang="de-DE" sz="1400" b="0" noProof="0" dirty="0"/>
+            <a:t> </a:t>
+          </a:r>
+          <a:r>
+            <a:rPr lang="de-DE" sz="1400" b="0" noProof="0" dirty="0" err="1"/>
+            <a:t>writing</a:t>
+          </a:r>
+          <a:endParaRPr lang="de-DE" sz="1400" b="0" noProof="0" dirty="0"/>
+        </a:p>
+      </dgm:t>
+    </dgm:pt>
+    <dgm:pt modelId="{8BEDC246-2C36-49CB-92B4-E37B4CAE02EF}" type="parTrans" cxnId="{50C74B06-38EC-45AB-AC83-EE5EAF7C5999}">
+      <dgm:prSet/>
+      <dgm:spPr/>
+      <dgm:t>
+        <a:bodyPr/>
+        <a:lstStyle/>
+        <a:p>
+          <a:endParaRPr lang="de-DE"/>
+        </a:p>
+      </dgm:t>
+    </dgm:pt>
+    <dgm:pt modelId="{5FD07782-ADC6-4D3E-8BC6-02A4444008E1}" type="sibTrans" cxnId="{50C74B06-38EC-45AB-AC83-EE5EAF7C5999}">
+      <dgm:prSet/>
+      <dgm:spPr/>
+      <dgm:t>
+        <a:bodyPr/>
+        <a:lstStyle/>
+        <a:p>
+          <a:endParaRPr lang="de-DE"/>
+        </a:p>
+      </dgm:t>
+    </dgm:pt>
+    <dgm:pt modelId="{594BF422-752C-42F3-A230-3D0E6AE9A886}" type="pres">
+      <dgm:prSet presAssocID="{55C0B14E-AEA6-48D3-A387-ED4A3A3BF840}" presName="Name0" presStyleCnt="0">
+        <dgm:presLayoutVars>
+          <dgm:animLvl val="lvl"/>
+          <dgm:resizeHandles val="exact"/>
+        </dgm:presLayoutVars>
+      </dgm:prSet>
+      <dgm:spPr/>
+    </dgm:pt>
+    <dgm:pt modelId="{F6A1B9E0-4B4A-47A4-A011-67526CEEA770}" type="pres">
+      <dgm:prSet presAssocID="{AACEAFD5-63CF-4AFC-B46F-BE086C5D447C}" presName="composite" presStyleCnt="0"/>
+      <dgm:spPr/>
+    </dgm:pt>
+    <dgm:pt modelId="{FA4E6E73-A3C8-4495-927B-8AADA5A74297}" type="pres">
+      <dgm:prSet presAssocID="{AACEAFD5-63CF-4AFC-B46F-BE086C5D447C}" presName="L" presStyleLbl="solidFgAcc1" presStyleIdx="0" presStyleCnt="5">
+        <dgm:presLayoutVars>
+          <dgm:chMax val="0"/>
+          <dgm:chPref val="0"/>
+        </dgm:presLayoutVars>
+      </dgm:prSet>
+      <dgm:spPr>
+        <a:ln>
+          <a:solidFill>
+            <a:schemeClr val="accent2"/>
+          </a:solidFill>
+        </a:ln>
+      </dgm:spPr>
+    </dgm:pt>
+    <dgm:pt modelId="{CA3A6A4E-2D39-41D2-A6B1-B590D0C452D2}" type="pres">
+      <dgm:prSet presAssocID="{AACEAFD5-63CF-4AFC-B46F-BE086C5D447C}" presName="parTx" presStyleLbl="alignNode1" presStyleIdx="0" presStyleCnt="5">
+        <dgm:presLayoutVars>
+          <dgm:chMax val="0"/>
+          <dgm:chPref val="0"/>
+          <dgm:bulletEnabled val="1"/>
+        </dgm:presLayoutVars>
+      </dgm:prSet>
+      <dgm:spPr/>
+    </dgm:pt>
+    <dgm:pt modelId="{810D7AA7-A541-4507-BE7F-36CCF210089F}" type="pres">
+      <dgm:prSet presAssocID="{AACEAFD5-63CF-4AFC-B46F-BE086C5D447C}" presName="desTx" presStyleLbl="revTx" presStyleIdx="0" presStyleCnt="5">
+        <dgm:presLayoutVars>
+          <dgm:chMax val="0"/>
+          <dgm:chPref val="0"/>
+          <dgm:bulletEnabled val="1"/>
+        </dgm:presLayoutVars>
+      </dgm:prSet>
+      <dgm:spPr/>
+    </dgm:pt>
+    <dgm:pt modelId="{4F7CDD44-32F1-4759-861F-8DABEBBA8D89}" type="pres">
+      <dgm:prSet presAssocID="{AACEAFD5-63CF-4AFC-B46F-BE086C5D447C}" presName="EmptyPlaceHolder" presStyleCnt="0"/>
+      <dgm:spPr/>
+    </dgm:pt>
+    <dgm:pt modelId="{C9A9B9EA-6A1D-4A13-9C7F-C112F25D2888}" type="pres">
+      <dgm:prSet presAssocID="{7A8D4B4D-06E9-4958-810D-A6226B6AC588}" presName="space" presStyleCnt="0"/>
+      <dgm:spPr/>
+    </dgm:pt>
+    <dgm:pt modelId="{EC37843F-14A6-4E20-B7AE-2B086A8F5F45}" type="pres">
+      <dgm:prSet presAssocID="{D07AD3FD-84FF-467E-9693-752776549C61}" presName="composite" presStyleCnt="0"/>
+      <dgm:spPr/>
+    </dgm:pt>
+    <dgm:pt modelId="{E41E7729-FD3F-426D-804C-45BD60BD762D}" type="pres">
+      <dgm:prSet presAssocID="{D07AD3FD-84FF-467E-9693-752776549C61}" presName="L" presStyleLbl="solidFgAcc1" presStyleIdx="1" presStyleCnt="5">
+        <dgm:presLayoutVars>
+          <dgm:chMax val="0"/>
+          <dgm:chPref val="0"/>
+        </dgm:presLayoutVars>
+      </dgm:prSet>
+      <dgm:spPr>
+        <a:ln>
+          <a:solidFill>
+            <a:schemeClr val="accent1"/>
+          </a:solidFill>
+        </a:ln>
+      </dgm:spPr>
+    </dgm:pt>
+    <dgm:pt modelId="{6C46E586-0364-4C52-98F9-74A7ACD803D1}" type="pres">
+      <dgm:prSet presAssocID="{D07AD3FD-84FF-467E-9693-752776549C61}" presName="parTx" presStyleLbl="alignNode1" presStyleIdx="1" presStyleCnt="5">
+        <dgm:presLayoutVars>
+          <dgm:chMax val="0"/>
+          <dgm:chPref val="0"/>
+          <dgm:bulletEnabled val="1"/>
+        </dgm:presLayoutVars>
+      </dgm:prSet>
+      <dgm:spPr/>
+    </dgm:pt>
+    <dgm:pt modelId="{5E07F9E4-149C-4A89-848F-4ABDD305F0C5}" type="pres">
+      <dgm:prSet presAssocID="{D07AD3FD-84FF-467E-9693-752776549C61}" presName="desTx" presStyleLbl="revTx" presStyleIdx="1" presStyleCnt="5">
+        <dgm:presLayoutVars>
+          <dgm:chMax val="0"/>
+          <dgm:chPref val="0"/>
+          <dgm:bulletEnabled val="1"/>
+        </dgm:presLayoutVars>
+      </dgm:prSet>
+      <dgm:spPr/>
+    </dgm:pt>
+    <dgm:pt modelId="{2928FCAD-BE3F-45AC-93A5-FD98F8A50E00}" type="pres">
+      <dgm:prSet presAssocID="{D07AD3FD-84FF-467E-9693-752776549C61}" presName="EmptyPlaceHolder" presStyleCnt="0"/>
+      <dgm:spPr/>
+    </dgm:pt>
+    <dgm:pt modelId="{C2DF8D93-19C7-4E07-BCAF-9FAAB62C8CF2}" type="pres">
+      <dgm:prSet presAssocID="{A8C9B7A9-BC2A-4753-B7F0-F2E361D95520}" presName="space" presStyleCnt="0"/>
+      <dgm:spPr/>
+    </dgm:pt>
+    <dgm:pt modelId="{86E313B1-36D3-44D7-907E-22A08CB8E9CC}" type="pres">
+      <dgm:prSet presAssocID="{D71FC021-6A65-44D1-95B9-0E6C89079866}" presName="composite" presStyleCnt="0"/>
+      <dgm:spPr/>
+    </dgm:pt>
+    <dgm:pt modelId="{473F2067-7126-4D56-A328-5A8CFD3D8D52}" type="pres">
+      <dgm:prSet presAssocID="{D71FC021-6A65-44D1-95B9-0E6C89079866}" presName="L" presStyleLbl="solidFgAcc1" presStyleIdx="2" presStyleCnt="5">
+        <dgm:presLayoutVars>
+          <dgm:chMax val="0"/>
+          <dgm:chPref val="0"/>
+        </dgm:presLayoutVars>
+      </dgm:prSet>
+      <dgm:spPr>
+        <a:ln>
+          <a:solidFill>
+            <a:schemeClr val="accent5"/>
+          </a:solidFill>
+        </a:ln>
+      </dgm:spPr>
+    </dgm:pt>
+    <dgm:pt modelId="{7A0B5EFC-88FB-4ED5-994F-D5F6584C2293}" type="pres">
+      <dgm:prSet presAssocID="{D71FC021-6A65-44D1-95B9-0E6C89079866}" presName="parTx" presStyleLbl="alignNode1" presStyleIdx="2" presStyleCnt="5">
+        <dgm:presLayoutVars>
+          <dgm:chMax val="0"/>
+          <dgm:chPref val="0"/>
+          <dgm:bulletEnabled val="1"/>
+        </dgm:presLayoutVars>
+      </dgm:prSet>
+      <dgm:spPr/>
+    </dgm:pt>
+    <dgm:pt modelId="{FD7B29F2-0D66-4B4B-BC8A-82DA23575305}" type="pres">
+      <dgm:prSet presAssocID="{D71FC021-6A65-44D1-95B9-0E6C89079866}" presName="desTx" presStyleLbl="revTx" presStyleIdx="2" presStyleCnt="5">
+        <dgm:presLayoutVars>
+          <dgm:chMax val="0"/>
+          <dgm:chPref val="0"/>
+          <dgm:bulletEnabled val="1"/>
+        </dgm:presLayoutVars>
+      </dgm:prSet>
+      <dgm:spPr/>
+    </dgm:pt>
+    <dgm:pt modelId="{BABAA172-7B81-4C6B-BCF2-4572322515C5}" type="pres">
+      <dgm:prSet presAssocID="{D71FC021-6A65-44D1-95B9-0E6C89079866}" presName="EmptyPlaceHolder" presStyleCnt="0"/>
+      <dgm:spPr/>
+    </dgm:pt>
+    <dgm:pt modelId="{0B65942F-B336-42B6-A72B-DA6B6B07B79B}" type="pres">
+      <dgm:prSet presAssocID="{9B090D9D-470E-46E2-AABB-0368A52481AA}" presName="space" presStyleCnt="0"/>
+      <dgm:spPr/>
+    </dgm:pt>
+    <dgm:pt modelId="{1D5539F6-8B97-4801-8139-D49EE44FFF3E}" type="pres">
+      <dgm:prSet presAssocID="{5EDA317F-AB2E-47DE-BA46-16FA60C3C561}" presName="composite" presStyleCnt="0"/>
+      <dgm:spPr/>
+    </dgm:pt>
+    <dgm:pt modelId="{2377F551-4CF6-4656-B644-60A7FC1B0F64}" type="pres">
+      <dgm:prSet presAssocID="{5EDA317F-AB2E-47DE-BA46-16FA60C3C561}" presName="L" presStyleLbl="solidFgAcc1" presStyleIdx="3" presStyleCnt="5">
+        <dgm:presLayoutVars>
+          <dgm:chMax val="0"/>
+          <dgm:chPref val="0"/>
+        </dgm:presLayoutVars>
+      </dgm:prSet>
+      <dgm:spPr>
+        <a:ln>
+          <a:solidFill>
+            <a:schemeClr val="accent3"/>
+          </a:solidFill>
+        </a:ln>
+      </dgm:spPr>
+    </dgm:pt>
+    <dgm:pt modelId="{69ED255C-64AC-4764-BC2C-7679ECCC9FE9}" type="pres">
+      <dgm:prSet presAssocID="{5EDA317F-AB2E-47DE-BA46-16FA60C3C561}" presName="parTx" presStyleLbl="alignNode1" presStyleIdx="3" presStyleCnt="5">
+        <dgm:presLayoutVars>
+          <dgm:chMax val="0"/>
+          <dgm:chPref val="0"/>
+          <dgm:bulletEnabled val="1"/>
+        </dgm:presLayoutVars>
+      </dgm:prSet>
+      <dgm:spPr/>
+    </dgm:pt>
+    <dgm:pt modelId="{1F1B09A6-DA7E-41D1-B8A6-E3B6E775E5C1}" type="pres">
+      <dgm:prSet presAssocID="{5EDA317F-AB2E-47DE-BA46-16FA60C3C561}" presName="desTx" presStyleLbl="revTx" presStyleIdx="3" presStyleCnt="5">
+        <dgm:presLayoutVars>
+          <dgm:chMax val="0"/>
+          <dgm:chPref val="0"/>
+          <dgm:bulletEnabled val="1"/>
+        </dgm:presLayoutVars>
+      </dgm:prSet>
+      <dgm:spPr/>
+    </dgm:pt>
+    <dgm:pt modelId="{89DACDC6-8676-47A4-A430-164754F46172}" type="pres">
+      <dgm:prSet presAssocID="{5EDA317F-AB2E-47DE-BA46-16FA60C3C561}" presName="EmptyPlaceHolder" presStyleCnt="0"/>
+      <dgm:spPr/>
+    </dgm:pt>
+    <dgm:pt modelId="{38A6C30B-D5BF-4A1A-A273-D265DC00F2EC}" type="pres">
+      <dgm:prSet presAssocID="{A75B061E-69EA-487C-8330-1430DA0F139D}" presName="space" presStyleCnt="0"/>
+      <dgm:spPr/>
+    </dgm:pt>
+    <dgm:pt modelId="{761684DA-3DB5-4618-9A30-6E2731CDFCA3}" type="pres">
+      <dgm:prSet presAssocID="{7B2FF309-5120-45E2-ACC8-F8FAA9DBDA55}" presName="composite" presStyleCnt="0"/>
+      <dgm:spPr/>
+    </dgm:pt>
+    <dgm:pt modelId="{E2C584B7-5B6E-4F6E-A7B8-E679FEF7BC4D}" type="pres">
+      <dgm:prSet presAssocID="{7B2FF309-5120-45E2-ACC8-F8FAA9DBDA55}" presName="L" presStyleLbl="solidFgAcc1" presStyleIdx="4" presStyleCnt="5">
+        <dgm:presLayoutVars>
+          <dgm:chMax val="0"/>
+          <dgm:chPref val="0"/>
+        </dgm:presLayoutVars>
+      </dgm:prSet>
+      <dgm:spPr>
+        <a:ln>
+          <a:solidFill>
+            <a:schemeClr val="accent4"/>
+          </a:solidFill>
+        </a:ln>
+      </dgm:spPr>
+    </dgm:pt>
+    <dgm:pt modelId="{B89F8758-DA9D-4018-859A-710084D7ABF3}" type="pres">
+      <dgm:prSet presAssocID="{7B2FF309-5120-45E2-ACC8-F8FAA9DBDA55}" presName="parTx" presStyleLbl="alignNode1" presStyleIdx="4" presStyleCnt="5">
+        <dgm:presLayoutVars>
+          <dgm:chMax val="0"/>
+          <dgm:chPref val="0"/>
+          <dgm:bulletEnabled val="1"/>
+        </dgm:presLayoutVars>
+      </dgm:prSet>
+      <dgm:spPr/>
+    </dgm:pt>
+    <dgm:pt modelId="{B73D2BBA-574C-491E-A31C-8B6EA5CC871A}" type="pres">
+      <dgm:prSet presAssocID="{7B2FF309-5120-45E2-ACC8-F8FAA9DBDA55}" presName="desTx" presStyleLbl="revTx" presStyleIdx="4" presStyleCnt="5">
+        <dgm:presLayoutVars>
+          <dgm:chMax val="0"/>
+          <dgm:chPref val="0"/>
+          <dgm:bulletEnabled val="1"/>
+        </dgm:presLayoutVars>
+      </dgm:prSet>
+      <dgm:spPr/>
+    </dgm:pt>
+    <dgm:pt modelId="{DC9D8E0A-674F-4E74-BF10-5C0EF64E638E}" type="pres">
+      <dgm:prSet presAssocID="{7B2FF309-5120-45E2-ACC8-F8FAA9DBDA55}" presName="EmptyPlaceHolder" presStyleCnt="0"/>
+      <dgm:spPr/>
+    </dgm:pt>
+  </dgm:ptLst>
+  <dgm:cxnLst>
+    <dgm:cxn modelId="{50C74B06-38EC-45AB-AC83-EE5EAF7C5999}" srcId="{7B2FF309-5120-45E2-ACC8-F8FAA9DBDA55}" destId="{7CAB1AF4-4DD4-4560-AB9D-100C0D524066}" srcOrd="1" destOrd="0" parTransId="{8BEDC246-2C36-49CB-92B4-E37B4CAE02EF}" sibTransId="{5FD07782-ADC6-4D3E-8BC6-02A4444008E1}"/>
+    <dgm:cxn modelId="{A903DE1B-AC8A-4C77-850B-32A9F4D87BCB}" type="presOf" srcId="{5EDA317F-AB2E-47DE-BA46-16FA60C3C561}" destId="{69ED255C-64AC-4764-BC2C-7679ECCC9FE9}" srcOrd="0" destOrd="0" presId="urn:microsoft.com/office/officeart/2016/7/layout/AccentHomeChevronProcess"/>
+    <dgm:cxn modelId="{F23BFC27-EEA1-48DD-A68B-3C9BF1AE455D}" type="presOf" srcId="{349299C9-846E-4827-813A-349CCCE20782}" destId="{810D7AA7-A541-4507-BE7F-36CCF210089F}" srcOrd="0" destOrd="0" presId="urn:microsoft.com/office/officeart/2016/7/layout/AccentHomeChevronProcess"/>
+    <dgm:cxn modelId="{7B8F902E-4BA3-41AA-9991-54805A6B93DE}" srcId="{55C0B14E-AEA6-48D3-A387-ED4A3A3BF840}" destId="{5EDA317F-AB2E-47DE-BA46-16FA60C3C561}" srcOrd="3" destOrd="0" parTransId="{775EBB35-E8CF-4A14-B0A8-45A53D65E711}" sibTransId="{A75B061E-69EA-487C-8330-1430DA0F139D}"/>
+    <dgm:cxn modelId="{0EFA3039-6828-403C-9445-4359BA6645E6}" srcId="{AACEAFD5-63CF-4AFC-B46F-BE086C5D447C}" destId="{349299C9-846E-4827-813A-349CCCE20782}" srcOrd="0" destOrd="0" parTransId="{AEA27547-B9ED-4994-BD27-04EC297EF367}" sibTransId="{9D819F52-ACA0-4B08-8256-DF6BD8FA3A0B}"/>
+    <dgm:cxn modelId="{6CDEA839-6538-453E-9113-58ECC65280CB}" type="presOf" srcId="{AACEAFD5-63CF-4AFC-B46F-BE086C5D447C}" destId="{CA3A6A4E-2D39-41D2-A6B1-B590D0C452D2}" srcOrd="0" destOrd="0" presId="urn:microsoft.com/office/officeart/2016/7/layout/AccentHomeChevronProcess"/>
+    <dgm:cxn modelId="{8B80445D-C246-40E8-AA3E-15C9CBA15510}" type="presOf" srcId="{7CAB1AF4-4DD4-4560-AB9D-100C0D524066}" destId="{B73D2BBA-574C-491E-A31C-8B6EA5CC871A}" srcOrd="0" destOrd="1" presId="urn:microsoft.com/office/officeart/2016/7/layout/AccentHomeChevronProcess"/>
+    <dgm:cxn modelId="{F5A7A062-FA53-4976-B49E-235CE658F38A}" type="presOf" srcId="{EE155DB2-6788-4019-961C-F8B89C275CE8}" destId="{B73D2BBA-574C-491E-A31C-8B6EA5CC871A}" srcOrd="0" destOrd="0" presId="urn:microsoft.com/office/officeart/2016/7/layout/AccentHomeChevronProcess"/>
+    <dgm:cxn modelId="{55492768-9A5E-4F74-AC7C-959C5C24EFD3}" srcId="{55C0B14E-AEA6-48D3-A387-ED4A3A3BF840}" destId="{D07AD3FD-84FF-467E-9693-752776549C61}" srcOrd="1" destOrd="0" parTransId="{7B691773-F524-4FAD-A272-BDF0B0C4370A}" sibTransId="{A8C9B7A9-BC2A-4753-B7F0-F2E361D95520}"/>
+    <dgm:cxn modelId="{E97FF64F-8020-497E-AE7D-2395DDA4560D}" srcId="{D07AD3FD-84FF-467E-9693-752776549C61}" destId="{5D70EFF5-8B31-4A1F-AE44-51E4CF0013EB}" srcOrd="0" destOrd="0" parTransId="{96C720A0-FEEF-48D1-8DF6-ABA03C304822}" sibTransId="{B6A59CDE-18AD-4553-B6C5-FF001A8E8510}"/>
+    <dgm:cxn modelId="{8A3D4B73-3658-4A4C-9DFE-F59E22A79482}" srcId="{5EDA317F-AB2E-47DE-BA46-16FA60C3C561}" destId="{F757DBC8-3670-4122-937A-47DB91C0F3FE}" srcOrd="0" destOrd="0" parTransId="{8F483F27-8D97-48E5-9210-1B448F1CE277}" sibTransId="{A46A41DD-2CA4-4800-8F85-546ABB24ED07}"/>
+    <dgm:cxn modelId="{00A52954-B4C4-4ECD-B0D0-AE5EF5CDC4E1}" type="presOf" srcId="{7B2FF309-5120-45E2-ACC8-F8FAA9DBDA55}" destId="{B89F8758-DA9D-4018-859A-710084D7ABF3}" srcOrd="0" destOrd="0" presId="urn:microsoft.com/office/officeart/2016/7/layout/AccentHomeChevronProcess"/>
+    <dgm:cxn modelId="{219EA357-E48B-4A91-91A7-8282DFF10601}" type="presOf" srcId="{55C0B14E-AEA6-48D3-A387-ED4A3A3BF840}" destId="{594BF422-752C-42F3-A230-3D0E6AE9A886}" srcOrd="0" destOrd="0" presId="urn:microsoft.com/office/officeart/2016/7/layout/AccentHomeChevronProcess"/>
+    <dgm:cxn modelId="{D8B51958-63B3-49F6-A150-9B1A638B15CE}" type="presOf" srcId="{F757DBC8-3670-4122-937A-47DB91C0F3FE}" destId="{1F1B09A6-DA7E-41D1-B8A6-E3B6E775E5C1}" srcOrd="0" destOrd="0" presId="urn:microsoft.com/office/officeart/2016/7/layout/AccentHomeChevronProcess"/>
+    <dgm:cxn modelId="{61E56288-5A92-4019-989A-398C8EA8A844}" type="presOf" srcId="{4A6BB192-9983-4F48-BBC5-6E384EED7EC5}" destId="{FD7B29F2-0D66-4B4B-BC8A-82DA23575305}" srcOrd="0" destOrd="0" presId="urn:microsoft.com/office/officeart/2016/7/layout/AccentHomeChevronProcess"/>
+    <dgm:cxn modelId="{60399491-EC61-4ACD-870E-1A66600F3D26}" type="presOf" srcId="{D71FC021-6A65-44D1-95B9-0E6C89079866}" destId="{7A0B5EFC-88FB-4ED5-994F-D5F6584C2293}" srcOrd="0" destOrd="0" presId="urn:microsoft.com/office/officeart/2016/7/layout/AccentHomeChevronProcess"/>
+    <dgm:cxn modelId="{53239C96-427C-420B-95DC-546F3B30ED65}" srcId="{55C0B14E-AEA6-48D3-A387-ED4A3A3BF840}" destId="{D71FC021-6A65-44D1-95B9-0E6C89079866}" srcOrd="2" destOrd="0" parTransId="{862AAE39-3AAD-40E3-BA20-90187BD73242}" sibTransId="{9B090D9D-470E-46E2-AABB-0368A52481AA}"/>
+    <dgm:cxn modelId="{2F6485B4-0735-4D01-8060-5A89B7562619}" type="presOf" srcId="{5D70EFF5-8B31-4A1F-AE44-51E4CF0013EB}" destId="{5E07F9E4-149C-4A89-848F-4ABDD305F0C5}" srcOrd="0" destOrd="0" presId="urn:microsoft.com/office/officeart/2016/7/layout/AccentHomeChevronProcess"/>
+    <dgm:cxn modelId="{AE101ABC-7EA3-4444-A576-8AB15A371C84}" srcId="{55C0B14E-AEA6-48D3-A387-ED4A3A3BF840}" destId="{AACEAFD5-63CF-4AFC-B46F-BE086C5D447C}" srcOrd="0" destOrd="0" parTransId="{7A0BD8EC-BB4A-4912-A54E-6F39B681264E}" sibTransId="{7A8D4B4D-06E9-4958-810D-A6226B6AC588}"/>
+    <dgm:cxn modelId="{665C05C7-3CB0-428C-B457-E59A0AF60DA1}" type="presOf" srcId="{D07AD3FD-84FF-467E-9693-752776549C61}" destId="{6C46E586-0364-4C52-98F9-74A7ACD803D1}" srcOrd="0" destOrd="0" presId="urn:microsoft.com/office/officeart/2016/7/layout/AccentHomeChevronProcess"/>
+    <dgm:cxn modelId="{E3D274C7-DB39-45B8-B18F-742495FE5026}" srcId="{7B2FF309-5120-45E2-ACC8-F8FAA9DBDA55}" destId="{EE155DB2-6788-4019-961C-F8B89C275CE8}" srcOrd="0" destOrd="0" parTransId="{8395B9D5-FF39-4045-8569-9C13F11FB1E5}" sibTransId="{F94C628D-62C1-4AF5-B102-2A2AA7FD22DE}"/>
+    <dgm:cxn modelId="{D35DB9DA-961B-46CD-BB14-44CD766D8CB7}" srcId="{55C0B14E-AEA6-48D3-A387-ED4A3A3BF840}" destId="{7B2FF309-5120-45E2-ACC8-F8FAA9DBDA55}" srcOrd="4" destOrd="0" parTransId="{2CF5AF8A-5687-489A-9838-EDDBB760D421}" sibTransId="{D5CAA101-B828-45D7-965B-F77CD6FBA109}"/>
+    <dgm:cxn modelId="{E3115EEA-DE9C-4F06-B8B3-BEB263D5F2B1}" srcId="{D71FC021-6A65-44D1-95B9-0E6C89079866}" destId="{4A6BB192-9983-4F48-BBC5-6E384EED7EC5}" srcOrd="0" destOrd="0" parTransId="{230A6E4A-6CED-4DC0-AEFE-6859FE07B658}" sibTransId="{0B568EC2-5D2A-4B00-8047-B7832F245B44}"/>
+    <dgm:cxn modelId="{C93892E1-28C0-4B75-A464-293C00708672}" type="presParOf" srcId="{594BF422-752C-42F3-A230-3D0E6AE9A886}" destId="{F6A1B9E0-4B4A-47A4-A011-67526CEEA770}" srcOrd="0" destOrd="0" presId="urn:microsoft.com/office/officeart/2016/7/layout/AccentHomeChevronProcess"/>
+    <dgm:cxn modelId="{D5413575-9692-46A2-A045-9ED8482318DF}" type="presParOf" srcId="{F6A1B9E0-4B4A-47A4-A011-67526CEEA770}" destId="{FA4E6E73-A3C8-4495-927B-8AADA5A74297}" srcOrd="0" destOrd="0" presId="urn:microsoft.com/office/officeart/2016/7/layout/AccentHomeChevronProcess"/>
+    <dgm:cxn modelId="{3303BDD6-668D-45F1-9491-4125E782D67C}" type="presParOf" srcId="{F6A1B9E0-4B4A-47A4-A011-67526CEEA770}" destId="{CA3A6A4E-2D39-41D2-A6B1-B590D0C452D2}" srcOrd="1" destOrd="0" presId="urn:microsoft.com/office/officeart/2016/7/layout/AccentHomeChevronProcess"/>
+    <dgm:cxn modelId="{3BAD5A1C-162E-4722-B818-968C4083BECD}" type="presParOf" srcId="{F6A1B9E0-4B4A-47A4-A011-67526CEEA770}" destId="{810D7AA7-A541-4507-BE7F-36CCF210089F}" srcOrd="2" destOrd="0" presId="urn:microsoft.com/office/officeart/2016/7/layout/AccentHomeChevronProcess"/>
+    <dgm:cxn modelId="{A3B267C1-BAFC-42F0-A63A-6491CFDC1ED2}" type="presParOf" srcId="{F6A1B9E0-4B4A-47A4-A011-67526CEEA770}" destId="{4F7CDD44-32F1-4759-861F-8DABEBBA8D89}" srcOrd="3" destOrd="0" presId="urn:microsoft.com/office/officeart/2016/7/layout/AccentHomeChevronProcess"/>
+    <dgm:cxn modelId="{80CC9289-BA8F-4ED7-A4ED-9FA5EF71D964}" type="presParOf" srcId="{594BF422-752C-42F3-A230-3D0E6AE9A886}" destId="{C9A9B9EA-6A1D-4A13-9C7F-C112F25D2888}" srcOrd="1" destOrd="0" presId="urn:microsoft.com/office/officeart/2016/7/layout/AccentHomeChevronProcess"/>
+    <dgm:cxn modelId="{5B7985CA-BC92-461D-A77E-E2320D4992D0}" type="presParOf" srcId="{594BF422-752C-42F3-A230-3D0E6AE9A886}" destId="{EC37843F-14A6-4E20-B7AE-2B086A8F5F45}" srcOrd="2" destOrd="0" presId="urn:microsoft.com/office/officeart/2016/7/layout/AccentHomeChevronProcess"/>
+    <dgm:cxn modelId="{1996E4D7-D809-45CA-9DF0-561A93BDAFB1}" type="presParOf" srcId="{EC37843F-14A6-4E20-B7AE-2B086A8F5F45}" destId="{E41E7729-FD3F-426D-804C-45BD60BD762D}" srcOrd="0" destOrd="0" presId="urn:microsoft.com/office/officeart/2016/7/layout/AccentHomeChevronProcess"/>
+    <dgm:cxn modelId="{16E53752-1AB8-4CD2-BFD6-85C0CDA26E1B}" type="presParOf" srcId="{EC37843F-14A6-4E20-B7AE-2B086A8F5F45}" destId="{6C46E586-0364-4C52-98F9-74A7ACD803D1}" srcOrd="1" destOrd="0" presId="urn:microsoft.com/office/officeart/2016/7/layout/AccentHomeChevronProcess"/>
+    <dgm:cxn modelId="{FAC2F23D-E510-4342-91C3-FCAB11B207C0}" type="presParOf" srcId="{EC37843F-14A6-4E20-B7AE-2B086A8F5F45}" destId="{5E07F9E4-149C-4A89-848F-4ABDD305F0C5}" srcOrd="2" destOrd="0" presId="urn:microsoft.com/office/officeart/2016/7/layout/AccentHomeChevronProcess"/>
+    <dgm:cxn modelId="{3843A525-0A63-4743-B0E8-0F795D54B4E4}" type="presParOf" srcId="{EC37843F-14A6-4E20-B7AE-2B086A8F5F45}" destId="{2928FCAD-BE3F-45AC-93A5-FD98F8A50E00}" srcOrd="3" destOrd="0" presId="urn:microsoft.com/office/officeart/2016/7/layout/AccentHomeChevronProcess"/>
+    <dgm:cxn modelId="{D179D84E-BE2C-46EF-8594-412D3A7F9213}" type="presParOf" srcId="{594BF422-752C-42F3-A230-3D0E6AE9A886}" destId="{C2DF8D93-19C7-4E07-BCAF-9FAAB62C8CF2}" srcOrd="3" destOrd="0" presId="urn:microsoft.com/office/officeart/2016/7/layout/AccentHomeChevronProcess"/>
+    <dgm:cxn modelId="{D8554B98-FAA7-4800-BB76-916BA7A2B10E}" type="presParOf" srcId="{594BF422-752C-42F3-A230-3D0E6AE9A886}" destId="{86E313B1-36D3-44D7-907E-22A08CB8E9CC}" srcOrd="4" destOrd="0" presId="urn:microsoft.com/office/officeart/2016/7/layout/AccentHomeChevronProcess"/>
+    <dgm:cxn modelId="{19D10FBF-8E65-4EB5-9B54-54A271982B0D}" type="presParOf" srcId="{86E313B1-36D3-44D7-907E-22A08CB8E9CC}" destId="{473F2067-7126-4D56-A328-5A8CFD3D8D52}" srcOrd="0" destOrd="0" presId="urn:microsoft.com/office/officeart/2016/7/layout/AccentHomeChevronProcess"/>
+    <dgm:cxn modelId="{11A73768-8587-4E2B-BDDA-6254211FDF2D}" type="presParOf" srcId="{86E313B1-36D3-44D7-907E-22A08CB8E9CC}" destId="{7A0B5EFC-88FB-4ED5-994F-D5F6584C2293}" srcOrd="1" destOrd="0" presId="urn:microsoft.com/office/officeart/2016/7/layout/AccentHomeChevronProcess"/>
+    <dgm:cxn modelId="{522D3FED-6E8C-40DF-8BA8-A80510ACC48F}" type="presParOf" srcId="{86E313B1-36D3-44D7-907E-22A08CB8E9CC}" destId="{FD7B29F2-0D66-4B4B-BC8A-82DA23575305}" srcOrd="2" destOrd="0" presId="urn:microsoft.com/office/officeart/2016/7/layout/AccentHomeChevronProcess"/>
+    <dgm:cxn modelId="{8075A955-4651-4DD2-B114-EB147BF378DF}" type="presParOf" srcId="{86E313B1-36D3-44D7-907E-22A08CB8E9CC}" destId="{BABAA172-7B81-4C6B-BCF2-4572322515C5}" srcOrd="3" destOrd="0" presId="urn:microsoft.com/office/officeart/2016/7/layout/AccentHomeChevronProcess"/>
+    <dgm:cxn modelId="{505D5263-214F-48F5-9678-AA87C7C04F54}" type="presParOf" srcId="{594BF422-752C-42F3-A230-3D0E6AE9A886}" destId="{0B65942F-B336-42B6-A72B-DA6B6B07B79B}" srcOrd="5" destOrd="0" presId="urn:microsoft.com/office/officeart/2016/7/layout/AccentHomeChevronProcess"/>
+    <dgm:cxn modelId="{F0861DFD-F2E8-400C-9B5C-4AA4849B2BE4}" type="presParOf" srcId="{594BF422-752C-42F3-A230-3D0E6AE9A886}" destId="{1D5539F6-8B97-4801-8139-D49EE44FFF3E}" srcOrd="6" destOrd="0" presId="urn:microsoft.com/office/officeart/2016/7/layout/AccentHomeChevronProcess"/>
+    <dgm:cxn modelId="{D22CB840-CF4F-404F-97C0-0629311A5E51}" type="presParOf" srcId="{1D5539F6-8B97-4801-8139-D49EE44FFF3E}" destId="{2377F551-4CF6-4656-B644-60A7FC1B0F64}" srcOrd="0" destOrd="0" presId="urn:microsoft.com/office/officeart/2016/7/layout/AccentHomeChevronProcess"/>
+    <dgm:cxn modelId="{6FFE5C0B-250C-4EEB-9BDD-E47B6B414225}" type="presParOf" srcId="{1D5539F6-8B97-4801-8139-D49EE44FFF3E}" destId="{69ED255C-64AC-4764-BC2C-7679ECCC9FE9}" srcOrd="1" destOrd="0" presId="urn:microsoft.com/office/officeart/2016/7/layout/AccentHomeChevronProcess"/>
+    <dgm:cxn modelId="{EB2B0AEE-0679-4C51-B5D9-13C0989C2DC6}" type="presParOf" srcId="{1D5539F6-8B97-4801-8139-D49EE44FFF3E}" destId="{1F1B09A6-DA7E-41D1-B8A6-E3B6E775E5C1}" srcOrd="2" destOrd="0" presId="urn:microsoft.com/office/officeart/2016/7/layout/AccentHomeChevronProcess"/>
+    <dgm:cxn modelId="{21A6189F-60BA-4472-B858-99323388D0B0}" type="presParOf" srcId="{1D5539F6-8B97-4801-8139-D49EE44FFF3E}" destId="{89DACDC6-8676-47A4-A430-164754F46172}" srcOrd="3" destOrd="0" presId="urn:microsoft.com/office/officeart/2016/7/layout/AccentHomeChevronProcess"/>
+    <dgm:cxn modelId="{7D7FFE7B-0A37-4D36-9728-C99051BA3C40}" type="presParOf" srcId="{594BF422-752C-42F3-A230-3D0E6AE9A886}" destId="{38A6C30B-D5BF-4A1A-A273-D265DC00F2EC}" srcOrd="7" destOrd="0" presId="urn:microsoft.com/office/officeart/2016/7/layout/AccentHomeChevronProcess"/>
+    <dgm:cxn modelId="{626D4800-17BB-462C-BE7D-935B963B6EC7}" type="presParOf" srcId="{594BF422-752C-42F3-A230-3D0E6AE9A886}" destId="{761684DA-3DB5-4618-9A30-6E2731CDFCA3}" srcOrd="8" destOrd="0" presId="urn:microsoft.com/office/officeart/2016/7/layout/AccentHomeChevronProcess"/>
+    <dgm:cxn modelId="{2B2ED8B7-5577-4410-8D8A-61A1D71B9F15}" type="presParOf" srcId="{761684DA-3DB5-4618-9A30-6E2731CDFCA3}" destId="{E2C584B7-5B6E-4F6E-A7B8-E679FEF7BC4D}" srcOrd="0" destOrd="0" presId="urn:microsoft.com/office/officeart/2016/7/layout/AccentHomeChevronProcess"/>
+    <dgm:cxn modelId="{CFB7BBCC-4189-422A-9163-265E17C16D21}" type="presParOf" srcId="{761684DA-3DB5-4618-9A30-6E2731CDFCA3}" destId="{B89F8758-DA9D-4018-859A-710084D7ABF3}" srcOrd="1" destOrd="0" presId="urn:microsoft.com/office/officeart/2016/7/layout/AccentHomeChevronProcess"/>
+    <dgm:cxn modelId="{72C8C8DD-71B0-4E2B-BE4F-7AF4AF3DD218}" type="presParOf" srcId="{761684DA-3DB5-4618-9A30-6E2731CDFCA3}" destId="{B73D2BBA-574C-491E-A31C-8B6EA5CC871A}" srcOrd="2" destOrd="0" presId="urn:microsoft.com/office/officeart/2016/7/layout/AccentHomeChevronProcess"/>
+    <dgm:cxn modelId="{34912DD7-C0FC-4C18-ABAB-DA8DF69C4254}" type="presParOf" srcId="{761684DA-3DB5-4618-9A30-6E2731CDFCA3}" destId="{DC9D8E0A-674F-4E74-BF10-5C0EF64E638E}" srcOrd="3" destOrd="0" presId="urn:microsoft.com/office/officeart/2016/7/layout/AccentHomeChevronProcess"/>
+  </dgm:cxnLst>
+  <dgm:bg/>
+  <dgm:whole/>
+  <dgm:extLst>
+    <a:ext uri="http://schemas.microsoft.com/office/drawing/2008/diagram">
+      <dsp:dataModelExt xmlns:dsp="http://schemas.microsoft.com/office/drawing/2008/diagram" relId="rId7" minVer="http://schemas.openxmlformats.org/drawingml/2006/diagram"/>
+    </a:ext>
+  </dgm:extLst>
+</dgm:dataModel>
+</file>
+
+<file path=ppt/diagrams/data3.xml><?xml version="1.0" encoding="utf-8"?>
+<dgm:dataModel xmlns:dgm="http://schemas.openxmlformats.org/drawingml/2006/diagram" xmlns:a="http://schemas.openxmlformats.org/drawingml/2006/main">
+  <dgm:ptLst>
+    <dgm:pt modelId="{55C0B14E-AEA6-48D3-A387-ED4A3A3BF840}" type="doc">
+      <dgm:prSet loTypeId="urn:microsoft.com/office/officeart/2016/7/layout/AccentHomeChevronProcess" loCatId="process" qsTypeId="urn:microsoft.com/office/officeart/2005/8/quickstyle/simple1" qsCatId="simple" csTypeId="urn:microsoft.com/office/officeart/2018/5/colors/Iconchunking_coloredoutline_colorful1" csCatId="colorful" phldr="1"/>
+      <dgm:spPr/>
+      <dgm:t>
+        <a:bodyPr rtlCol="0"/>
+        <a:lstStyle/>
+        <a:p>
+          <a:pPr rtl="0"/>
+          <a:endParaRPr lang="en-US"/>
+        </a:p>
+      </dgm:t>
+    </dgm:pt>
+    <dgm:pt modelId="{AACEAFD5-63CF-4AFC-B46F-BE086C5D447C}">
+      <dgm:prSet phldrT="[Text]" custT="1"/>
+      <dgm:spPr>
+        <a:solidFill>
+          <a:schemeClr val="accent2"/>
+        </a:solidFill>
+        <a:ln>
+          <a:solidFill>
+            <a:schemeClr val="accent2"/>
+          </a:solidFill>
+        </a:ln>
+      </dgm:spPr>
+      <dgm:t>
+        <a:bodyPr rtlCol="0"/>
+        <a:lstStyle/>
+        <a:p>
+          <a:pPr rtl="0"/>
+          <a:r>
+            <a:rPr lang="de-DE" sz="2000" noProof="0" dirty="0"/>
+            <a:t>22.11.</a:t>
+          </a:r>
+        </a:p>
+      </dgm:t>
+    </dgm:pt>
+    <dgm:pt modelId="{7A0BD8EC-BB4A-4912-A54E-6F39B681264E}" type="parTrans" cxnId="{AE101ABC-7EA3-4444-A576-8AB15A371C84}">
+      <dgm:prSet/>
+      <dgm:spPr/>
+      <dgm:t>
+        <a:bodyPr rtlCol="0"/>
+        <a:lstStyle/>
+        <a:p>
+          <a:pPr rtl="0"/>
+          <a:endParaRPr lang="de-DE" noProof="0" dirty="0"/>
+        </a:p>
+      </dgm:t>
+    </dgm:pt>
+    <dgm:pt modelId="{7A8D4B4D-06E9-4958-810D-A6226B6AC588}" type="sibTrans" cxnId="{AE101ABC-7EA3-4444-A576-8AB15A371C84}">
+      <dgm:prSet/>
+      <dgm:spPr/>
+      <dgm:t>
+        <a:bodyPr rtlCol="0"/>
+        <a:lstStyle/>
+        <a:p>
+          <a:pPr rtl="0"/>
+          <a:endParaRPr lang="de-DE" noProof="0" dirty="0"/>
+        </a:p>
+      </dgm:t>
+    </dgm:pt>
+    <dgm:pt modelId="{349299C9-846E-4827-813A-349CCCE20782}">
+      <dgm:prSet phldrT="[Text]" custT="1"/>
+      <dgm:spPr/>
+      <dgm:t>
+        <a:bodyPr rtlCol="0"/>
+        <a:lstStyle/>
+        <a:p>
+          <a:pPr rtl="0"/>
+          <a:r>
+            <a:rPr lang="de-DE" sz="1400" b="1" i="0" u="none" noProof="0" dirty="0"/>
+            <a:t>Meeting </a:t>
+          </a:r>
+          <a:r>
+            <a:rPr lang="de-DE" sz="1400" b="1" i="0" u="none" noProof="0" dirty="0" err="1"/>
+            <a:t>No</a:t>
+          </a:r>
+          <a:r>
+            <a:rPr lang="de-DE" sz="1400" b="1" i="0" u="none" noProof="0" dirty="0"/>
+            <a:t>. 1 ✅</a:t>
+          </a:r>
+        </a:p>
+        <a:p>
+          <a:pPr rtl="0"/>
+          <a:r>
+            <a:rPr lang="de-DE" sz="1400" b="0" i="0" u="none" noProof="0" dirty="0"/>
+            <a:t>Project Setup </a:t>
+          </a:r>
+          <a:r>
+            <a:rPr lang="de-DE" sz="1400" b="0" i="0" u="none" noProof="0" dirty="0" err="1"/>
+            <a:t>Git</a:t>
+          </a:r>
+          <a:r>
+            <a:rPr lang="de-DE" sz="1400" b="0" i="0" u="none" noProof="0" dirty="0"/>
+            <a:t>, LFS &amp; Unity</a:t>
+          </a:r>
+        </a:p>
+        <a:p>
+          <a:pPr rtl="0"/>
+          <a:r>
+            <a:rPr lang="de-DE" sz="1400" b="0" i="0" u="none" noProof="0" dirty="0"/>
+            <a:t>First Chunk Generation</a:t>
+          </a:r>
+        </a:p>
+        <a:p>
+          <a:pPr rtl="0"/>
+          <a:r>
+            <a:rPr lang="de-DE" sz="1400" b="0" i="0" u="none" noProof="0" dirty="0"/>
+            <a:t>Rough MC </a:t>
+          </a:r>
+          <a:r>
+            <a:rPr lang="de-DE" sz="1400" b="0" i="0" u="none" noProof="0" dirty="0" err="1"/>
+            <a:t>implementation</a:t>
+          </a:r>
+          <a:endParaRPr lang="de-DE" sz="1400" noProof="0" dirty="0"/>
+        </a:p>
+      </dgm:t>
+    </dgm:pt>
+    <dgm:pt modelId="{AEA27547-B9ED-4994-BD27-04EC297EF367}" type="parTrans" cxnId="{0EFA3039-6828-403C-9445-4359BA6645E6}">
+      <dgm:prSet/>
+      <dgm:spPr/>
+      <dgm:t>
+        <a:bodyPr rtlCol="0"/>
+        <a:lstStyle/>
+        <a:p>
+          <a:pPr rtl="0"/>
+          <a:endParaRPr lang="de-DE" noProof="0" dirty="0"/>
+        </a:p>
+      </dgm:t>
+    </dgm:pt>
+    <dgm:pt modelId="{9D819F52-ACA0-4B08-8256-DF6BD8FA3A0B}" type="sibTrans" cxnId="{0EFA3039-6828-403C-9445-4359BA6645E6}">
+      <dgm:prSet/>
+      <dgm:spPr/>
+      <dgm:t>
+        <a:bodyPr rtlCol="0"/>
+        <a:lstStyle/>
+        <a:p>
+          <a:pPr rtl="0"/>
+          <a:endParaRPr lang="de-DE" noProof="0" dirty="0"/>
+        </a:p>
+      </dgm:t>
+    </dgm:pt>
+    <dgm:pt modelId="{D07AD3FD-84FF-467E-9693-752776549C61}">
+      <dgm:prSet phldrT="[Text]" custT="1"/>
+      <dgm:spPr>
+        <a:solidFill>
+          <a:schemeClr val="accent1"/>
+        </a:solidFill>
+        <a:ln>
+          <a:solidFill>
+            <a:schemeClr val="accent1"/>
+          </a:solidFill>
+        </a:ln>
+      </dgm:spPr>
+      <dgm:t>
+        <a:bodyPr rtlCol="0"/>
+        <a:lstStyle/>
+        <a:p>
+          <a:pPr rtl="0"/>
+          <a:r>
+            <a:rPr lang="de-DE" sz="2000" noProof="0" dirty="0"/>
+            <a:t>20.12.</a:t>
+          </a:r>
+        </a:p>
+      </dgm:t>
+    </dgm:pt>
+    <dgm:pt modelId="{7B691773-F524-4FAD-A272-BDF0B0C4370A}" type="parTrans" cxnId="{55492768-9A5E-4F74-AC7C-959C5C24EFD3}">
+      <dgm:prSet/>
+      <dgm:spPr/>
+      <dgm:t>
+        <a:bodyPr rtlCol="0"/>
+        <a:lstStyle/>
+        <a:p>
+          <a:pPr rtl="0"/>
+          <a:endParaRPr lang="de-DE" noProof="0" dirty="0"/>
+        </a:p>
+      </dgm:t>
+    </dgm:pt>
+    <dgm:pt modelId="{A8C9B7A9-BC2A-4753-B7F0-F2E361D95520}" type="sibTrans" cxnId="{55492768-9A5E-4F74-AC7C-959C5C24EFD3}">
+      <dgm:prSet/>
+      <dgm:spPr/>
+      <dgm:t>
+        <a:bodyPr rtlCol="0"/>
+        <a:lstStyle/>
+        <a:p>
+          <a:pPr rtl="0"/>
+          <a:endParaRPr lang="de-DE" noProof="0" dirty="0"/>
+        </a:p>
+      </dgm:t>
+    </dgm:pt>
+    <dgm:pt modelId="{5D70EFF5-8B31-4A1F-AE44-51E4CF0013EB}">
+      <dgm:prSet phldrT="[Text]" custT="1"/>
+      <dgm:spPr/>
+      <dgm:t>
+        <a:bodyPr rtlCol="0"/>
+        <a:lstStyle/>
+        <a:p>
+          <a:pPr rtl="0"/>
+          <a:r>
+            <a:rPr lang="de-DE" sz="1400" b="1" i="0" u="none" noProof="0" dirty="0"/>
+            <a:t>Meeting </a:t>
+          </a:r>
+          <a:r>
+            <a:rPr lang="de-DE" sz="1400" b="1" i="0" u="none" noProof="0" dirty="0" err="1"/>
+            <a:t>No</a:t>
+          </a:r>
+          <a:r>
+            <a:rPr lang="de-DE" sz="1400" b="1" i="0" u="none" noProof="0" dirty="0"/>
+            <a:t>. 2 ✅</a:t>
+          </a:r>
+        </a:p>
+        <a:p>
+          <a:pPr rtl="0"/>
+          <a:r>
+            <a:rPr lang="de-DE" sz="1400" b="0" i="0" u="none" noProof="0" dirty="0"/>
+            <a:t>Marching Cubes in Unity </a:t>
+          </a:r>
+          <a:r>
+            <a:rPr lang="de-DE" sz="1400" b="0" i="0" u="none" noProof="0" dirty="0" err="1"/>
+            <a:t>with</a:t>
+          </a:r>
+          <a:r>
+            <a:rPr lang="de-DE" sz="1400" b="0" i="0" u="none" noProof="0" dirty="0"/>
+            <a:t> </a:t>
+          </a:r>
+          <a:r>
+            <a:rPr lang="de-DE" sz="1400" b="0" i="0" u="none" noProof="0" dirty="0" err="1"/>
+            <a:t>reasonable</a:t>
+          </a:r>
+          <a:r>
+            <a:rPr lang="de-DE" sz="1400" b="0" i="0" u="none" noProof="0" dirty="0"/>
+            <a:t> Density </a:t>
+          </a:r>
+          <a:r>
+            <a:rPr lang="de-DE" sz="1400" b="0" i="0" u="none" noProof="0" dirty="0" err="1"/>
+            <a:t>Function</a:t>
+          </a:r>
+          <a:r>
+            <a:rPr lang="de-DE" sz="1400" b="0" i="0" u="none" noProof="0" dirty="0"/>
+            <a:t> &amp; Chunk Management</a:t>
+          </a:r>
+          <a:endParaRPr lang="de-DE" sz="1400" b="0" noProof="0" dirty="0"/>
+        </a:p>
+      </dgm:t>
+    </dgm:pt>
+    <dgm:pt modelId="{96C720A0-FEEF-48D1-8DF6-ABA03C304822}" type="parTrans" cxnId="{E97FF64F-8020-497E-AE7D-2395DDA4560D}">
+      <dgm:prSet/>
+      <dgm:spPr/>
+      <dgm:t>
+        <a:bodyPr rtlCol="0"/>
+        <a:lstStyle/>
+        <a:p>
+          <a:pPr rtl="0"/>
+          <a:endParaRPr lang="de-DE" noProof="0" dirty="0"/>
+        </a:p>
+      </dgm:t>
+    </dgm:pt>
+    <dgm:pt modelId="{B6A59CDE-18AD-4553-B6C5-FF001A8E8510}" type="sibTrans" cxnId="{E97FF64F-8020-497E-AE7D-2395DDA4560D}">
+      <dgm:prSet/>
+      <dgm:spPr/>
+      <dgm:t>
+        <a:bodyPr rtlCol="0"/>
+        <a:lstStyle/>
+        <a:p>
+          <a:pPr rtl="0"/>
+          <a:endParaRPr lang="de-DE" noProof="0" dirty="0"/>
+        </a:p>
+      </dgm:t>
+    </dgm:pt>
+    <dgm:pt modelId="{D71FC021-6A65-44D1-95B9-0E6C89079866}">
+      <dgm:prSet phldrT="[Text]" custT="1"/>
+      <dgm:spPr>
+        <a:solidFill>
+          <a:schemeClr val="accent5"/>
+        </a:solidFill>
+        <a:ln>
+          <a:solidFill>
+            <a:schemeClr val="accent5"/>
+          </a:solidFill>
+        </a:ln>
+      </dgm:spPr>
+      <dgm:t>
+        <a:bodyPr rtlCol="0"/>
+        <a:lstStyle/>
+        <a:p>
+          <a:pPr rtl="0"/>
+          <a:r>
+            <a:rPr lang="de-DE" sz="2000" noProof="0" dirty="0"/>
+            <a:t>17.01.</a:t>
+          </a:r>
+        </a:p>
+      </dgm:t>
+    </dgm:pt>
+    <dgm:pt modelId="{862AAE39-3AAD-40E3-BA20-90187BD73242}" type="parTrans" cxnId="{53239C96-427C-420B-95DC-546F3B30ED65}">
+      <dgm:prSet/>
+      <dgm:spPr/>
+      <dgm:t>
+        <a:bodyPr rtlCol="0"/>
+        <a:lstStyle/>
+        <a:p>
+          <a:pPr rtl="0"/>
+          <a:endParaRPr lang="de-DE" noProof="0" dirty="0"/>
+        </a:p>
+      </dgm:t>
+    </dgm:pt>
+    <dgm:pt modelId="{9B090D9D-470E-46E2-AABB-0368A52481AA}" type="sibTrans" cxnId="{53239C96-427C-420B-95DC-546F3B30ED65}">
+      <dgm:prSet/>
+      <dgm:spPr/>
+      <dgm:t>
+        <a:bodyPr rtlCol="0"/>
+        <a:lstStyle/>
+        <a:p>
+          <a:pPr rtl="0"/>
+          <a:endParaRPr lang="de-DE" noProof="0" dirty="0"/>
+        </a:p>
+      </dgm:t>
+    </dgm:pt>
+    <dgm:pt modelId="{4A6BB192-9983-4F48-BBC5-6E384EED7EC5}">
+      <dgm:prSet phldrT="[Text]" custT="1"/>
+      <dgm:spPr/>
+      <dgm:t>
+        <a:bodyPr rtlCol="0"/>
+        <a:lstStyle/>
+        <a:p>
+          <a:pPr rtl="0"/>
+          <a:r>
+            <a:rPr lang="de-DE" sz="1400" b="1" i="0" u="none" noProof="0" dirty="0"/>
+            <a:t>Meeting No.3 </a:t>
+          </a:r>
+        </a:p>
+        <a:p>
+          <a:pPr rtl="0"/>
+          <a:r>
+            <a:rPr lang="de-DE" sz="1400" b="1" i="0" u="none" noProof="0" dirty="0" err="1"/>
+            <a:t>Improve</a:t>
+          </a:r>
+          <a:r>
+            <a:rPr lang="de-DE" sz="1400" b="1" i="0" u="none" noProof="0" dirty="0"/>
+            <a:t> Density </a:t>
+          </a:r>
+          <a:r>
+            <a:rPr lang="de-DE" sz="1400" b="1" i="0" u="none" noProof="0" dirty="0" err="1"/>
+            <a:t>Function</a:t>
+          </a:r>
+          <a:endParaRPr lang="de-DE" sz="1400" b="1" i="0" u="none" noProof="0" dirty="0"/>
+        </a:p>
+        <a:p>
+          <a:pPr rtl="0"/>
+          <a:r>
+            <a:rPr lang="de-DE" sz="1400" b="1" i="0" u="none" noProof="0" dirty="0"/>
+            <a:t>Chunk LODs</a:t>
+          </a:r>
+        </a:p>
+        <a:p>
+          <a:pPr rtl="0"/>
+          <a:endParaRPr lang="de-DE" sz="1400" b="1" i="0" u="none" noProof="0" dirty="0"/>
+        </a:p>
+      </dgm:t>
+    </dgm:pt>
+    <dgm:pt modelId="{230A6E4A-6CED-4DC0-AEFE-6859FE07B658}" type="parTrans" cxnId="{E3115EEA-DE9C-4F06-B8B3-BEB263D5F2B1}">
+      <dgm:prSet/>
+      <dgm:spPr/>
+      <dgm:t>
+        <a:bodyPr rtlCol="0"/>
+        <a:lstStyle/>
+        <a:p>
+          <a:pPr rtl="0"/>
+          <a:endParaRPr lang="de-DE" noProof="0" dirty="0"/>
+        </a:p>
+      </dgm:t>
+    </dgm:pt>
+    <dgm:pt modelId="{0B568EC2-5D2A-4B00-8047-B7832F245B44}" type="sibTrans" cxnId="{E3115EEA-DE9C-4F06-B8B3-BEB263D5F2B1}">
+      <dgm:prSet/>
+      <dgm:spPr/>
+      <dgm:t>
+        <a:bodyPr rtlCol="0"/>
+        <a:lstStyle/>
+        <a:p>
+          <a:pPr rtl="0"/>
+          <a:endParaRPr lang="de-DE" noProof="0" dirty="0"/>
+        </a:p>
+      </dgm:t>
+    </dgm:pt>
+    <dgm:pt modelId="{5EDA317F-AB2E-47DE-BA46-16FA60C3C561}">
+      <dgm:prSet phldrT="[Text]" custT="1"/>
+      <dgm:spPr>
+        <a:solidFill>
+          <a:schemeClr val="accent3"/>
+        </a:solidFill>
+        <a:ln>
+          <a:solidFill>
+            <a:schemeClr val="accent3"/>
+          </a:solidFill>
+        </a:ln>
+      </dgm:spPr>
+      <dgm:t>
+        <a:bodyPr rtlCol="0"/>
+        <a:lstStyle/>
+        <a:p>
+          <a:pPr rtl="0"/>
+          <a:r>
+            <a:rPr lang="de-DE" sz="2000" noProof="0" dirty="0"/>
+            <a:t>14.02.</a:t>
+          </a:r>
+        </a:p>
+      </dgm:t>
+    </dgm:pt>
+    <dgm:pt modelId="{775EBB35-E8CF-4A14-B0A8-45A53D65E711}" type="parTrans" cxnId="{7B8F902E-4BA3-41AA-9991-54805A6B93DE}">
+      <dgm:prSet/>
+      <dgm:spPr/>
+      <dgm:t>
+        <a:bodyPr rtlCol="0"/>
+        <a:lstStyle/>
+        <a:p>
+          <a:pPr rtl="0"/>
+          <a:endParaRPr lang="de-DE" noProof="0" dirty="0"/>
+        </a:p>
+      </dgm:t>
+    </dgm:pt>
+    <dgm:pt modelId="{A75B061E-69EA-487C-8330-1430DA0F139D}" type="sibTrans" cxnId="{7B8F902E-4BA3-41AA-9991-54805A6B93DE}">
+      <dgm:prSet/>
+      <dgm:spPr/>
+      <dgm:t>
+        <a:bodyPr rtlCol="0"/>
+        <a:lstStyle/>
+        <a:p>
+          <a:pPr rtl="0"/>
+          <a:endParaRPr lang="de-DE" noProof="0" dirty="0"/>
+        </a:p>
+      </dgm:t>
+    </dgm:pt>
+    <dgm:pt modelId="{F757DBC8-3670-4122-937A-47DB91C0F3FE}">
+      <dgm:prSet phldrT="[Text]" custT="1"/>
+      <dgm:spPr/>
+      <dgm:t>
+        <a:bodyPr rtlCol="0"/>
+        <a:lstStyle/>
+        <a:p>
+          <a:pPr rtl="0"/>
+          <a:r>
+            <a:rPr lang="de-DE" sz="1400" b="1" i="0" u="none" noProof="0" dirty="0"/>
+            <a:t>Final </a:t>
+          </a:r>
+          <a:r>
+            <a:rPr lang="de-DE" sz="1400" b="1" i="0" u="none" noProof="0" dirty="0" err="1"/>
+            <a:t>Presentation</a:t>
+          </a:r>
+          <a:br>
+            <a:rPr lang="de-DE" sz="1400" b="1" i="0" u="none" noProof="0" dirty="0"/>
+          </a:br>
+          <a:r>
+            <a:rPr lang="de-DE" sz="1400" b="0" i="0" u="none" noProof="0" dirty="0" err="1"/>
+            <a:t>Polishing</a:t>
+          </a:r>
           <a:endParaRPr lang="de-DE" sz="1400" noProof="0" dirty="0"/>
         </a:p>
       </dgm:t>
@@ -6083,6 +7948,1140 @@
             </a:spcAft>
             <a:buNone/>
           </a:pPr>
+          <a:endParaRPr lang="de-DE" sz="1400" kern="1200" noProof="0" dirty="0"/>
+        </a:p>
+      </dsp:txBody>
+      <dsp:txXfrm>
+        <a:off x="6046360" y="982941"/>
+        <a:ext cx="1675110" cy="1414310"/>
+      </dsp:txXfrm>
+    </dsp:sp>
+    <dsp:sp modelId="{E2C584B7-5B6E-4F6E-A7B8-E679FEF7BC4D}">
+      <dsp:nvSpPr>
+        <dsp:cNvPr id="0" name=""/>
+        <dsp:cNvSpPr/>
+      </dsp:nvSpPr>
+      <dsp:spPr>
+        <a:xfrm rot="5400000">
+          <a:off x="6929229" y="1795812"/>
+          <a:ext cx="1988820" cy="165035"/>
+        </a:xfrm>
+        <a:prstGeom prst="corner">
+          <a:avLst>
+            <a:gd name="adj1" fmla="val 1000"/>
+            <a:gd name="adj2" fmla="val 1000"/>
+          </a:avLst>
+        </a:prstGeom>
+        <a:solidFill>
+          <a:schemeClr val="lt1">
+            <a:hueOff val="0"/>
+            <a:satOff val="0"/>
+            <a:lumOff val="0"/>
+            <a:alphaOff val="0"/>
+          </a:schemeClr>
+        </a:solidFill>
+        <a:ln w="12700" cap="flat" cmpd="sng" algn="ctr">
+          <a:solidFill>
+            <a:schemeClr val="accent4"/>
+          </a:solidFill>
+          <a:prstDash val="solid"/>
+          <a:miter lim="800000"/>
+        </a:ln>
+        <a:effectLst/>
+      </dsp:spPr>
+      <dsp:style>
+        <a:lnRef idx="2">
+          <a:scrgbClr r="0" g="0" b="0"/>
+        </a:lnRef>
+        <a:fillRef idx="1">
+          <a:scrgbClr r="0" g="0" b="0"/>
+        </a:fillRef>
+        <a:effectRef idx="0">
+          <a:scrgbClr r="0" g="0" b="0"/>
+        </a:effectRef>
+        <a:fontRef idx="minor"/>
+      </dsp:style>
+    </dsp:sp>
+    <dsp:sp modelId="{B89F8758-DA9D-4018-859A-710084D7ABF3}">
+      <dsp:nvSpPr>
+        <dsp:cNvPr id="0" name=""/>
+        <dsp:cNvSpPr/>
+      </dsp:nvSpPr>
+      <dsp:spPr>
+        <a:xfrm>
+          <a:off x="7841121" y="2872740"/>
+          <a:ext cx="2062943" cy="662940"/>
+        </a:xfrm>
+        <a:prstGeom prst="chevron">
+          <a:avLst>
+            <a:gd name="adj" fmla="val 25000"/>
+          </a:avLst>
+        </a:prstGeom>
+        <a:solidFill>
+          <a:schemeClr val="accent4"/>
+        </a:solidFill>
+        <a:ln w="12700" cap="flat" cmpd="sng" algn="ctr">
+          <a:solidFill>
+            <a:schemeClr val="accent4"/>
+          </a:solidFill>
+          <a:prstDash val="solid"/>
+          <a:miter lim="800000"/>
+        </a:ln>
+        <a:effectLst/>
+      </dsp:spPr>
+      <dsp:style>
+        <a:lnRef idx="2">
+          <a:scrgbClr r="0" g="0" b="0"/>
+        </a:lnRef>
+        <a:fillRef idx="1">
+          <a:scrgbClr r="0" g="0" b="0"/>
+        </a:fillRef>
+        <a:effectRef idx="0">
+          <a:scrgbClr r="0" g="0" b="0"/>
+        </a:effectRef>
+        <a:fontRef idx="minor">
+          <a:schemeClr val="lt1"/>
+        </a:fontRef>
+      </dsp:style>
+      <dsp:txBody>
+        <a:bodyPr spcFirstLastPara="0" vert="horz" wrap="square" lIns="127000" tIns="254000" rIns="127000" bIns="254000" numCol="1" spcCol="1270" rtlCol="0" anchor="ctr" anchorCtr="0">
+          <a:noAutofit/>
+        </a:bodyPr>
+        <a:lstStyle/>
+        <a:p>
+          <a:pPr marL="0" lvl="0" indent="0" algn="ctr" defTabSz="889000" rtl="0">
+            <a:lnSpc>
+              <a:spcPct val="90000"/>
+            </a:lnSpc>
+            <a:spcBef>
+              <a:spcPct val="0"/>
+            </a:spcBef>
+            <a:spcAft>
+              <a:spcPct val="35000"/>
+            </a:spcAft>
+            <a:buNone/>
+          </a:pPr>
+          <a:r>
+            <a:rPr lang="de-DE" sz="2000" kern="1200" noProof="0" dirty="0"/>
+            <a:t>04.04</a:t>
+          </a:r>
+        </a:p>
+      </dsp:txBody>
+      <dsp:txXfrm>
+        <a:off x="8006856" y="2872740"/>
+        <a:ext cx="1731473" cy="662940"/>
+      </dsp:txXfrm>
+    </dsp:sp>
+    <dsp:sp modelId="{B73D2BBA-574C-491E-A31C-8B6EA5CC871A}">
+      <dsp:nvSpPr>
+        <dsp:cNvPr id="0" name=""/>
+        <dsp:cNvSpPr/>
+      </dsp:nvSpPr>
+      <dsp:spPr>
+        <a:xfrm>
+          <a:off x="8006156" y="982941"/>
+          <a:ext cx="1675110" cy="1414310"/>
+        </a:xfrm>
+        <a:prstGeom prst="rect">
+          <a:avLst/>
+        </a:prstGeom>
+        <a:noFill/>
+        <a:ln>
+          <a:noFill/>
+        </a:ln>
+        <a:effectLst/>
+      </dsp:spPr>
+      <dsp:style>
+        <a:lnRef idx="0">
+          <a:scrgbClr r="0" g="0" b="0"/>
+        </a:lnRef>
+        <a:fillRef idx="0">
+          <a:scrgbClr r="0" g="0" b="0"/>
+        </a:fillRef>
+        <a:effectRef idx="0">
+          <a:scrgbClr r="0" g="0" b="0"/>
+        </a:effectRef>
+        <a:fontRef idx="minor"/>
+      </dsp:style>
+      <dsp:txBody>
+        <a:bodyPr spcFirstLastPara="0" vert="horz" wrap="square" lIns="0" tIns="0" rIns="0" bIns="0" numCol="1" spcCol="1270" rtlCol="0" anchor="t" anchorCtr="0">
+          <a:noAutofit/>
+        </a:bodyPr>
+        <a:lstStyle/>
+        <a:p>
+          <a:pPr marL="0" lvl="0" indent="0" algn="l" defTabSz="622300" rtl="0">
+            <a:lnSpc>
+              <a:spcPct val="90000"/>
+            </a:lnSpc>
+            <a:spcBef>
+              <a:spcPct val="0"/>
+            </a:spcBef>
+            <a:spcAft>
+              <a:spcPct val="35000"/>
+            </a:spcAft>
+            <a:buNone/>
+          </a:pPr>
+          <a:r>
+            <a:rPr lang="de-DE" sz="1400" b="1" kern="1200" noProof="0" dirty="0"/>
+            <a:t>Final </a:t>
+          </a:r>
+          <a:r>
+            <a:rPr lang="de-DE" sz="1400" b="1" kern="1200" noProof="0" dirty="0" err="1"/>
+            <a:t>report</a:t>
+          </a:r>
+          <a:endParaRPr lang="de-DE" sz="1400" b="1" kern="1200" noProof="0" dirty="0"/>
+        </a:p>
+        <a:p>
+          <a:pPr marL="0" lvl="0" indent="0" algn="l" defTabSz="622300" rtl="0">
+            <a:lnSpc>
+              <a:spcPct val="90000"/>
+            </a:lnSpc>
+            <a:spcBef>
+              <a:spcPct val="0"/>
+            </a:spcBef>
+            <a:spcAft>
+              <a:spcPct val="35000"/>
+            </a:spcAft>
+            <a:buNone/>
+          </a:pPr>
+          <a:r>
+            <a:rPr lang="de-DE" sz="1400" b="0" kern="1200" noProof="0" dirty="0"/>
+            <a:t>More </a:t>
+          </a:r>
+          <a:r>
+            <a:rPr lang="de-DE" sz="1400" b="0" kern="1200" noProof="0" dirty="0" err="1"/>
+            <a:t>Polishing</a:t>
+          </a:r>
+          <a:r>
+            <a:rPr lang="de-DE" sz="1400" b="0" kern="1200" noProof="0" dirty="0"/>
+            <a:t> and </a:t>
+          </a:r>
+          <a:r>
+            <a:rPr lang="de-DE" sz="1400" b="0" kern="1200" noProof="0" dirty="0" err="1"/>
+            <a:t>report</a:t>
+          </a:r>
+          <a:r>
+            <a:rPr lang="de-DE" sz="1400" b="0" kern="1200" noProof="0" dirty="0"/>
+            <a:t> </a:t>
+          </a:r>
+          <a:r>
+            <a:rPr lang="de-DE" sz="1400" b="0" kern="1200" noProof="0" dirty="0" err="1"/>
+            <a:t>writing</a:t>
+          </a:r>
+          <a:endParaRPr lang="de-DE" sz="1400" b="0" kern="1200" noProof="0" dirty="0"/>
+        </a:p>
+      </dsp:txBody>
+      <dsp:txXfrm>
+        <a:off x="8006156" y="982941"/>
+        <a:ext cx="1675110" cy="1414310"/>
+      </dsp:txXfrm>
+    </dsp:sp>
+  </dsp:spTree>
+</dsp:drawing>
+</file>
+
+<file path=ppt/diagrams/drawing3.xml><?xml version="1.0" encoding="utf-8"?>
+<dsp:drawing xmlns:dgm="http://schemas.openxmlformats.org/drawingml/2006/diagram" xmlns:dsp="http://schemas.microsoft.com/office/drawing/2008/diagram" xmlns:a="http://schemas.openxmlformats.org/drawingml/2006/main">
+  <dsp:spTree>
+    <dsp:nvGrpSpPr>
+      <dsp:cNvPr id="0" name=""/>
+      <dsp:cNvGrpSpPr/>
+    </dsp:nvGrpSpPr>
+    <dsp:grpSpPr/>
+    <dsp:sp modelId="{FA4E6E73-A3C8-4495-927B-8AADA5A74297}">
+      <dsp:nvSpPr>
+        <dsp:cNvPr id="0" name=""/>
+        <dsp:cNvSpPr/>
+      </dsp:nvSpPr>
+      <dsp:spPr>
+        <a:xfrm rot="5400000">
+          <a:off x="-909957" y="1795812"/>
+          <a:ext cx="1988820" cy="165035"/>
+        </a:xfrm>
+        <a:prstGeom prst="corner">
+          <a:avLst>
+            <a:gd name="adj1" fmla="val 1000"/>
+            <a:gd name="adj2" fmla="val 1000"/>
+          </a:avLst>
+        </a:prstGeom>
+        <a:solidFill>
+          <a:schemeClr val="lt1">
+            <a:hueOff val="0"/>
+            <a:satOff val="0"/>
+            <a:lumOff val="0"/>
+            <a:alphaOff val="0"/>
+          </a:schemeClr>
+        </a:solidFill>
+        <a:ln w="12700" cap="flat" cmpd="sng" algn="ctr">
+          <a:solidFill>
+            <a:schemeClr val="accent2"/>
+          </a:solidFill>
+          <a:prstDash val="solid"/>
+          <a:miter lim="800000"/>
+        </a:ln>
+        <a:effectLst/>
+      </dsp:spPr>
+      <dsp:style>
+        <a:lnRef idx="2">
+          <a:scrgbClr r="0" g="0" b="0"/>
+        </a:lnRef>
+        <a:fillRef idx="1">
+          <a:scrgbClr r="0" g="0" b="0"/>
+        </a:fillRef>
+        <a:effectRef idx="0">
+          <a:scrgbClr r="0" g="0" b="0"/>
+        </a:effectRef>
+        <a:fontRef idx="minor"/>
+      </dsp:style>
+    </dsp:sp>
+    <dsp:sp modelId="{CA3A6A4E-2D39-41D2-A6B1-B590D0C452D2}">
+      <dsp:nvSpPr>
+        <dsp:cNvPr id="0" name=""/>
+        <dsp:cNvSpPr/>
+      </dsp:nvSpPr>
+      <dsp:spPr>
+        <a:xfrm>
+          <a:off x="1934" y="2872740"/>
+          <a:ext cx="2062943" cy="662940"/>
+        </a:xfrm>
+        <a:prstGeom prst="homePlate">
+          <a:avLst>
+            <a:gd name="adj" fmla="val 25000"/>
+          </a:avLst>
+        </a:prstGeom>
+        <a:solidFill>
+          <a:schemeClr val="accent2"/>
+        </a:solidFill>
+        <a:ln w="12700" cap="flat" cmpd="sng" algn="ctr">
+          <a:solidFill>
+            <a:schemeClr val="accent2"/>
+          </a:solidFill>
+          <a:prstDash val="solid"/>
+          <a:miter lim="800000"/>
+        </a:ln>
+        <a:effectLst/>
+      </dsp:spPr>
+      <dsp:style>
+        <a:lnRef idx="2">
+          <a:scrgbClr r="0" g="0" b="0"/>
+        </a:lnRef>
+        <a:fillRef idx="1">
+          <a:scrgbClr r="0" g="0" b="0"/>
+        </a:fillRef>
+        <a:effectRef idx="0">
+          <a:scrgbClr r="0" g="0" b="0"/>
+        </a:effectRef>
+        <a:fontRef idx="minor">
+          <a:schemeClr val="lt1"/>
+        </a:fontRef>
+      </dsp:style>
+      <dsp:txBody>
+        <a:bodyPr spcFirstLastPara="0" vert="horz" wrap="square" lIns="127000" tIns="254000" rIns="127000" bIns="254000" numCol="1" spcCol="1270" rtlCol="0" anchor="ctr" anchorCtr="0">
+          <a:noAutofit/>
+        </a:bodyPr>
+        <a:lstStyle/>
+        <a:p>
+          <a:pPr marL="0" lvl="0" indent="0" algn="ctr" defTabSz="889000" rtl="0">
+            <a:lnSpc>
+              <a:spcPct val="90000"/>
+            </a:lnSpc>
+            <a:spcBef>
+              <a:spcPct val="0"/>
+            </a:spcBef>
+            <a:spcAft>
+              <a:spcPct val="35000"/>
+            </a:spcAft>
+            <a:buNone/>
+          </a:pPr>
+          <a:r>
+            <a:rPr lang="de-DE" sz="2000" kern="1200" noProof="0" dirty="0"/>
+            <a:t>22.11.</a:t>
+          </a:r>
+        </a:p>
+      </dsp:txBody>
+      <dsp:txXfrm>
+        <a:off x="1934" y="2872740"/>
+        <a:ext cx="1980076" cy="662940"/>
+      </dsp:txXfrm>
+    </dsp:sp>
+    <dsp:sp modelId="{810D7AA7-A541-4507-BE7F-36CCF210089F}">
+      <dsp:nvSpPr>
+        <dsp:cNvPr id="0" name=""/>
+        <dsp:cNvSpPr/>
+      </dsp:nvSpPr>
+      <dsp:spPr>
+        <a:xfrm>
+          <a:off x="166970" y="982941"/>
+          <a:ext cx="1675110" cy="1414310"/>
+        </a:xfrm>
+        <a:prstGeom prst="rect">
+          <a:avLst/>
+        </a:prstGeom>
+        <a:noFill/>
+        <a:ln>
+          <a:noFill/>
+        </a:ln>
+        <a:effectLst/>
+      </dsp:spPr>
+      <dsp:style>
+        <a:lnRef idx="0">
+          <a:scrgbClr r="0" g="0" b="0"/>
+        </a:lnRef>
+        <a:fillRef idx="0">
+          <a:scrgbClr r="0" g="0" b="0"/>
+        </a:fillRef>
+        <a:effectRef idx="0">
+          <a:scrgbClr r="0" g="0" b="0"/>
+        </a:effectRef>
+        <a:fontRef idx="minor"/>
+      </dsp:style>
+      <dsp:txBody>
+        <a:bodyPr spcFirstLastPara="0" vert="horz" wrap="square" lIns="0" tIns="0" rIns="0" bIns="0" numCol="1" spcCol="1270" rtlCol="0" anchor="t" anchorCtr="0">
+          <a:noAutofit/>
+        </a:bodyPr>
+        <a:lstStyle/>
+        <a:p>
+          <a:pPr marL="0" lvl="0" indent="0" algn="l" defTabSz="622300" rtl="0">
+            <a:lnSpc>
+              <a:spcPct val="90000"/>
+            </a:lnSpc>
+            <a:spcBef>
+              <a:spcPct val="0"/>
+            </a:spcBef>
+            <a:spcAft>
+              <a:spcPct val="35000"/>
+            </a:spcAft>
+            <a:buNone/>
+          </a:pPr>
+          <a:r>
+            <a:rPr lang="de-DE" sz="1400" b="1" i="0" u="none" kern="1200" noProof="0" dirty="0"/>
+            <a:t>Meeting </a:t>
+          </a:r>
+          <a:r>
+            <a:rPr lang="de-DE" sz="1400" b="1" i="0" u="none" kern="1200" noProof="0" dirty="0" err="1"/>
+            <a:t>No</a:t>
+          </a:r>
+          <a:r>
+            <a:rPr lang="de-DE" sz="1400" b="1" i="0" u="none" kern="1200" noProof="0" dirty="0"/>
+            <a:t>. 1 ✅</a:t>
+          </a:r>
+        </a:p>
+        <a:p>
+          <a:pPr marL="0" lvl="0" indent="0" algn="l" defTabSz="622300" rtl="0">
+            <a:lnSpc>
+              <a:spcPct val="90000"/>
+            </a:lnSpc>
+            <a:spcBef>
+              <a:spcPct val="0"/>
+            </a:spcBef>
+            <a:spcAft>
+              <a:spcPct val="35000"/>
+            </a:spcAft>
+            <a:buNone/>
+          </a:pPr>
+          <a:r>
+            <a:rPr lang="de-DE" sz="1400" b="0" i="0" u="none" kern="1200" noProof="0" dirty="0"/>
+            <a:t>Project Setup </a:t>
+          </a:r>
+          <a:r>
+            <a:rPr lang="de-DE" sz="1400" b="0" i="0" u="none" kern="1200" noProof="0" dirty="0" err="1"/>
+            <a:t>Git</a:t>
+          </a:r>
+          <a:r>
+            <a:rPr lang="de-DE" sz="1400" b="0" i="0" u="none" kern="1200" noProof="0" dirty="0"/>
+            <a:t>, LFS &amp; Unity</a:t>
+          </a:r>
+        </a:p>
+        <a:p>
+          <a:pPr marL="0" lvl="0" indent="0" algn="l" defTabSz="622300" rtl="0">
+            <a:lnSpc>
+              <a:spcPct val="90000"/>
+            </a:lnSpc>
+            <a:spcBef>
+              <a:spcPct val="0"/>
+            </a:spcBef>
+            <a:spcAft>
+              <a:spcPct val="35000"/>
+            </a:spcAft>
+            <a:buNone/>
+          </a:pPr>
+          <a:r>
+            <a:rPr lang="de-DE" sz="1400" b="0" i="0" u="none" kern="1200" noProof="0" dirty="0"/>
+            <a:t>First Chunk Generation</a:t>
+          </a:r>
+        </a:p>
+        <a:p>
+          <a:pPr marL="0" lvl="0" indent="0" algn="l" defTabSz="622300" rtl="0">
+            <a:lnSpc>
+              <a:spcPct val="90000"/>
+            </a:lnSpc>
+            <a:spcBef>
+              <a:spcPct val="0"/>
+            </a:spcBef>
+            <a:spcAft>
+              <a:spcPct val="35000"/>
+            </a:spcAft>
+            <a:buNone/>
+          </a:pPr>
+          <a:r>
+            <a:rPr lang="de-DE" sz="1400" b="0" i="0" u="none" kern="1200" noProof="0" dirty="0"/>
+            <a:t>Rough MC </a:t>
+          </a:r>
+          <a:r>
+            <a:rPr lang="de-DE" sz="1400" b="0" i="0" u="none" kern="1200" noProof="0" dirty="0" err="1"/>
+            <a:t>implementation</a:t>
+          </a:r>
+          <a:endParaRPr lang="de-DE" sz="1400" kern="1200" noProof="0" dirty="0"/>
+        </a:p>
+      </dsp:txBody>
+      <dsp:txXfrm>
+        <a:off x="166970" y="982941"/>
+        <a:ext cx="1675110" cy="1414310"/>
+      </dsp:txXfrm>
+    </dsp:sp>
+    <dsp:sp modelId="{E41E7729-FD3F-426D-804C-45BD60BD762D}">
+      <dsp:nvSpPr>
+        <dsp:cNvPr id="0" name=""/>
+        <dsp:cNvSpPr/>
+      </dsp:nvSpPr>
+      <dsp:spPr>
+        <a:xfrm rot="5400000">
+          <a:off x="1049839" y="1795812"/>
+          <a:ext cx="1988820" cy="165035"/>
+        </a:xfrm>
+        <a:prstGeom prst="corner">
+          <a:avLst>
+            <a:gd name="adj1" fmla="val 1000"/>
+            <a:gd name="adj2" fmla="val 1000"/>
+          </a:avLst>
+        </a:prstGeom>
+        <a:solidFill>
+          <a:schemeClr val="lt1">
+            <a:hueOff val="0"/>
+            <a:satOff val="0"/>
+            <a:lumOff val="0"/>
+            <a:alphaOff val="0"/>
+          </a:schemeClr>
+        </a:solidFill>
+        <a:ln w="12700" cap="flat" cmpd="sng" algn="ctr">
+          <a:solidFill>
+            <a:schemeClr val="accent1"/>
+          </a:solidFill>
+          <a:prstDash val="solid"/>
+          <a:miter lim="800000"/>
+        </a:ln>
+        <a:effectLst/>
+      </dsp:spPr>
+      <dsp:style>
+        <a:lnRef idx="2">
+          <a:scrgbClr r="0" g="0" b="0"/>
+        </a:lnRef>
+        <a:fillRef idx="1">
+          <a:scrgbClr r="0" g="0" b="0"/>
+        </a:fillRef>
+        <a:effectRef idx="0">
+          <a:scrgbClr r="0" g="0" b="0"/>
+        </a:effectRef>
+        <a:fontRef idx="minor"/>
+      </dsp:style>
+    </dsp:sp>
+    <dsp:sp modelId="{6C46E586-0364-4C52-98F9-74A7ACD803D1}">
+      <dsp:nvSpPr>
+        <dsp:cNvPr id="0" name=""/>
+        <dsp:cNvSpPr/>
+      </dsp:nvSpPr>
+      <dsp:spPr>
+        <a:xfrm>
+          <a:off x="1961731" y="2872740"/>
+          <a:ext cx="2062943" cy="662940"/>
+        </a:xfrm>
+        <a:prstGeom prst="chevron">
+          <a:avLst>
+            <a:gd name="adj" fmla="val 25000"/>
+          </a:avLst>
+        </a:prstGeom>
+        <a:solidFill>
+          <a:schemeClr val="accent1"/>
+        </a:solidFill>
+        <a:ln w="12700" cap="flat" cmpd="sng" algn="ctr">
+          <a:solidFill>
+            <a:schemeClr val="accent1"/>
+          </a:solidFill>
+          <a:prstDash val="solid"/>
+          <a:miter lim="800000"/>
+        </a:ln>
+        <a:effectLst/>
+      </dsp:spPr>
+      <dsp:style>
+        <a:lnRef idx="2">
+          <a:scrgbClr r="0" g="0" b="0"/>
+        </a:lnRef>
+        <a:fillRef idx="1">
+          <a:scrgbClr r="0" g="0" b="0"/>
+        </a:fillRef>
+        <a:effectRef idx="0">
+          <a:scrgbClr r="0" g="0" b="0"/>
+        </a:effectRef>
+        <a:fontRef idx="minor">
+          <a:schemeClr val="lt1"/>
+        </a:fontRef>
+      </dsp:style>
+      <dsp:txBody>
+        <a:bodyPr spcFirstLastPara="0" vert="horz" wrap="square" lIns="127000" tIns="254000" rIns="127000" bIns="254000" numCol="1" spcCol="1270" rtlCol="0" anchor="ctr" anchorCtr="0">
+          <a:noAutofit/>
+        </a:bodyPr>
+        <a:lstStyle/>
+        <a:p>
+          <a:pPr marL="0" lvl="0" indent="0" algn="ctr" defTabSz="889000" rtl="0">
+            <a:lnSpc>
+              <a:spcPct val="90000"/>
+            </a:lnSpc>
+            <a:spcBef>
+              <a:spcPct val="0"/>
+            </a:spcBef>
+            <a:spcAft>
+              <a:spcPct val="35000"/>
+            </a:spcAft>
+            <a:buNone/>
+          </a:pPr>
+          <a:r>
+            <a:rPr lang="de-DE" sz="2000" kern="1200" noProof="0" dirty="0"/>
+            <a:t>20.12.</a:t>
+          </a:r>
+        </a:p>
+      </dsp:txBody>
+      <dsp:txXfrm>
+        <a:off x="2127466" y="2872740"/>
+        <a:ext cx="1731473" cy="662940"/>
+      </dsp:txXfrm>
+    </dsp:sp>
+    <dsp:sp modelId="{5E07F9E4-149C-4A89-848F-4ABDD305F0C5}">
+      <dsp:nvSpPr>
+        <dsp:cNvPr id="0" name=""/>
+        <dsp:cNvSpPr/>
+      </dsp:nvSpPr>
+      <dsp:spPr>
+        <a:xfrm>
+          <a:off x="2126766" y="982941"/>
+          <a:ext cx="1675110" cy="1414310"/>
+        </a:xfrm>
+        <a:prstGeom prst="rect">
+          <a:avLst/>
+        </a:prstGeom>
+        <a:noFill/>
+        <a:ln>
+          <a:noFill/>
+        </a:ln>
+        <a:effectLst/>
+      </dsp:spPr>
+      <dsp:style>
+        <a:lnRef idx="0">
+          <a:scrgbClr r="0" g="0" b="0"/>
+        </a:lnRef>
+        <a:fillRef idx="0">
+          <a:scrgbClr r="0" g="0" b="0"/>
+        </a:fillRef>
+        <a:effectRef idx="0">
+          <a:scrgbClr r="0" g="0" b="0"/>
+        </a:effectRef>
+        <a:fontRef idx="minor"/>
+      </dsp:style>
+      <dsp:txBody>
+        <a:bodyPr spcFirstLastPara="0" vert="horz" wrap="square" lIns="0" tIns="0" rIns="0" bIns="0" numCol="1" spcCol="1270" rtlCol="0" anchor="t" anchorCtr="0">
+          <a:noAutofit/>
+        </a:bodyPr>
+        <a:lstStyle/>
+        <a:p>
+          <a:pPr marL="0" lvl="0" indent="0" algn="l" defTabSz="622300" rtl="0">
+            <a:lnSpc>
+              <a:spcPct val="90000"/>
+            </a:lnSpc>
+            <a:spcBef>
+              <a:spcPct val="0"/>
+            </a:spcBef>
+            <a:spcAft>
+              <a:spcPct val="35000"/>
+            </a:spcAft>
+            <a:buNone/>
+          </a:pPr>
+          <a:r>
+            <a:rPr lang="de-DE" sz="1400" b="1" i="0" u="none" kern="1200" noProof="0" dirty="0"/>
+            <a:t>Meeting </a:t>
+          </a:r>
+          <a:r>
+            <a:rPr lang="de-DE" sz="1400" b="1" i="0" u="none" kern="1200" noProof="0" dirty="0" err="1"/>
+            <a:t>No</a:t>
+          </a:r>
+          <a:r>
+            <a:rPr lang="de-DE" sz="1400" b="1" i="0" u="none" kern="1200" noProof="0" dirty="0"/>
+            <a:t>. 2 ✅</a:t>
+          </a:r>
+        </a:p>
+        <a:p>
+          <a:pPr marL="0" lvl="0" indent="0" algn="l" defTabSz="622300" rtl="0">
+            <a:lnSpc>
+              <a:spcPct val="90000"/>
+            </a:lnSpc>
+            <a:spcBef>
+              <a:spcPct val="0"/>
+            </a:spcBef>
+            <a:spcAft>
+              <a:spcPct val="35000"/>
+            </a:spcAft>
+            <a:buNone/>
+          </a:pPr>
+          <a:r>
+            <a:rPr lang="de-DE" sz="1400" b="0" i="0" u="none" kern="1200" noProof="0" dirty="0"/>
+            <a:t>Marching Cubes in Unity </a:t>
+          </a:r>
+          <a:r>
+            <a:rPr lang="de-DE" sz="1400" b="0" i="0" u="none" kern="1200" noProof="0" dirty="0" err="1"/>
+            <a:t>with</a:t>
+          </a:r>
+          <a:r>
+            <a:rPr lang="de-DE" sz="1400" b="0" i="0" u="none" kern="1200" noProof="0" dirty="0"/>
+            <a:t> </a:t>
+          </a:r>
+          <a:r>
+            <a:rPr lang="de-DE" sz="1400" b="0" i="0" u="none" kern="1200" noProof="0" dirty="0" err="1"/>
+            <a:t>reasonable</a:t>
+          </a:r>
+          <a:r>
+            <a:rPr lang="de-DE" sz="1400" b="0" i="0" u="none" kern="1200" noProof="0" dirty="0"/>
+            <a:t> Density </a:t>
+          </a:r>
+          <a:r>
+            <a:rPr lang="de-DE" sz="1400" b="0" i="0" u="none" kern="1200" noProof="0" dirty="0" err="1"/>
+            <a:t>Function</a:t>
+          </a:r>
+          <a:r>
+            <a:rPr lang="de-DE" sz="1400" b="0" i="0" u="none" kern="1200" noProof="0" dirty="0"/>
+            <a:t> &amp; Chunk Management</a:t>
+          </a:r>
+          <a:endParaRPr lang="de-DE" sz="1400" b="0" kern="1200" noProof="0" dirty="0"/>
+        </a:p>
+      </dsp:txBody>
+      <dsp:txXfrm>
+        <a:off x="2126766" y="982941"/>
+        <a:ext cx="1675110" cy="1414310"/>
+      </dsp:txXfrm>
+    </dsp:sp>
+    <dsp:sp modelId="{473F2067-7126-4D56-A328-5A8CFD3D8D52}">
+      <dsp:nvSpPr>
+        <dsp:cNvPr id="0" name=""/>
+        <dsp:cNvSpPr/>
+      </dsp:nvSpPr>
+      <dsp:spPr>
+        <a:xfrm rot="5400000">
+          <a:off x="3009635" y="1795812"/>
+          <a:ext cx="1988820" cy="165035"/>
+        </a:xfrm>
+        <a:prstGeom prst="corner">
+          <a:avLst>
+            <a:gd name="adj1" fmla="val 1000"/>
+            <a:gd name="adj2" fmla="val 1000"/>
+          </a:avLst>
+        </a:prstGeom>
+        <a:solidFill>
+          <a:schemeClr val="lt1">
+            <a:hueOff val="0"/>
+            <a:satOff val="0"/>
+            <a:lumOff val="0"/>
+            <a:alphaOff val="0"/>
+          </a:schemeClr>
+        </a:solidFill>
+        <a:ln w="12700" cap="flat" cmpd="sng" algn="ctr">
+          <a:solidFill>
+            <a:schemeClr val="accent5"/>
+          </a:solidFill>
+          <a:prstDash val="solid"/>
+          <a:miter lim="800000"/>
+        </a:ln>
+        <a:effectLst/>
+      </dsp:spPr>
+      <dsp:style>
+        <a:lnRef idx="2">
+          <a:scrgbClr r="0" g="0" b="0"/>
+        </a:lnRef>
+        <a:fillRef idx="1">
+          <a:scrgbClr r="0" g="0" b="0"/>
+        </a:fillRef>
+        <a:effectRef idx="0">
+          <a:scrgbClr r="0" g="0" b="0"/>
+        </a:effectRef>
+        <a:fontRef idx="minor"/>
+      </dsp:style>
+    </dsp:sp>
+    <dsp:sp modelId="{7A0B5EFC-88FB-4ED5-994F-D5F6584C2293}">
+      <dsp:nvSpPr>
+        <dsp:cNvPr id="0" name=""/>
+        <dsp:cNvSpPr/>
+      </dsp:nvSpPr>
+      <dsp:spPr>
+        <a:xfrm>
+          <a:off x="3921528" y="2872740"/>
+          <a:ext cx="2062943" cy="662940"/>
+        </a:xfrm>
+        <a:prstGeom prst="chevron">
+          <a:avLst>
+            <a:gd name="adj" fmla="val 25000"/>
+          </a:avLst>
+        </a:prstGeom>
+        <a:solidFill>
+          <a:schemeClr val="accent5"/>
+        </a:solidFill>
+        <a:ln w="12700" cap="flat" cmpd="sng" algn="ctr">
+          <a:solidFill>
+            <a:schemeClr val="accent5"/>
+          </a:solidFill>
+          <a:prstDash val="solid"/>
+          <a:miter lim="800000"/>
+        </a:ln>
+        <a:effectLst/>
+      </dsp:spPr>
+      <dsp:style>
+        <a:lnRef idx="2">
+          <a:scrgbClr r="0" g="0" b="0"/>
+        </a:lnRef>
+        <a:fillRef idx="1">
+          <a:scrgbClr r="0" g="0" b="0"/>
+        </a:fillRef>
+        <a:effectRef idx="0">
+          <a:scrgbClr r="0" g="0" b="0"/>
+        </a:effectRef>
+        <a:fontRef idx="minor">
+          <a:schemeClr val="lt1"/>
+        </a:fontRef>
+      </dsp:style>
+      <dsp:txBody>
+        <a:bodyPr spcFirstLastPara="0" vert="horz" wrap="square" lIns="127000" tIns="254000" rIns="127000" bIns="254000" numCol="1" spcCol="1270" rtlCol="0" anchor="ctr" anchorCtr="0">
+          <a:noAutofit/>
+        </a:bodyPr>
+        <a:lstStyle/>
+        <a:p>
+          <a:pPr marL="0" lvl="0" indent="0" algn="ctr" defTabSz="889000" rtl="0">
+            <a:lnSpc>
+              <a:spcPct val="90000"/>
+            </a:lnSpc>
+            <a:spcBef>
+              <a:spcPct val="0"/>
+            </a:spcBef>
+            <a:spcAft>
+              <a:spcPct val="35000"/>
+            </a:spcAft>
+            <a:buNone/>
+          </a:pPr>
+          <a:r>
+            <a:rPr lang="de-DE" sz="2000" kern="1200" noProof="0" dirty="0"/>
+            <a:t>17.01.</a:t>
+          </a:r>
+        </a:p>
+      </dsp:txBody>
+      <dsp:txXfrm>
+        <a:off x="4087263" y="2872740"/>
+        <a:ext cx="1731473" cy="662940"/>
+      </dsp:txXfrm>
+    </dsp:sp>
+    <dsp:sp modelId="{FD7B29F2-0D66-4B4B-BC8A-82DA23575305}">
+      <dsp:nvSpPr>
+        <dsp:cNvPr id="0" name=""/>
+        <dsp:cNvSpPr/>
+      </dsp:nvSpPr>
+      <dsp:spPr>
+        <a:xfrm>
+          <a:off x="4086563" y="982941"/>
+          <a:ext cx="1675110" cy="1414310"/>
+        </a:xfrm>
+        <a:prstGeom prst="rect">
+          <a:avLst/>
+        </a:prstGeom>
+        <a:noFill/>
+        <a:ln>
+          <a:noFill/>
+        </a:ln>
+        <a:effectLst/>
+      </dsp:spPr>
+      <dsp:style>
+        <a:lnRef idx="0">
+          <a:scrgbClr r="0" g="0" b="0"/>
+        </a:lnRef>
+        <a:fillRef idx="0">
+          <a:scrgbClr r="0" g="0" b="0"/>
+        </a:fillRef>
+        <a:effectRef idx="0">
+          <a:scrgbClr r="0" g="0" b="0"/>
+        </a:effectRef>
+        <a:fontRef idx="minor"/>
+      </dsp:style>
+      <dsp:txBody>
+        <a:bodyPr spcFirstLastPara="0" vert="horz" wrap="square" lIns="0" tIns="0" rIns="0" bIns="0" numCol="1" spcCol="1270" rtlCol="0" anchor="t" anchorCtr="0">
+          <a:noAutofit/>
+        </a:bodyPr>
+        <a:lstStyle/>
+        <a:p>
+          <a:pPr marL="0" lvl="0" indent="0" algn="l" defTabSz="622300" rtl="0">
+            <a:lnSpc>
+              <a:spcPct val="90000"/>
+            </a:lnSpc>
+            <a:spcBef>
+              <a:spcPct val="0"/>
+            </a:spcBef>
+            <a:spcAft>
+              <a:spcPct val="35000"/>
+            </a:spcAft>
+            <a:buNone/>
+          </a:pPr>
+          <a:r>
+            <a:rPr lang="de-DE" sz="1400" b="1" i="0" u="none" kern="1200" noProof="0" dirty="0"/>
+            <a:t>Meeting No.3 </a:t>
+          </a:r>
+        </a:p>
+        <a:p>
+          <a:pPr marL="0" lvl="0" indent="0" algn="l" defTabSz="622300" rtl="0">
+            <a:lnSpc>
+              <a:spcPct val="90000"/>
+            </a:lnSpc>
+            <a:spcBef>
+              <a:spcPct val="0"/>
+            </a:spcBef>
+            <a:spcAft>
+              <a:spcPct val="35000"/>
+            </a:spcAft>
+            <a:buNone/>
+          </a:pPr>
+          <a:r>
+            <a:rPr lang="de-DE" sz="1400" b="1" i="0" u="none" kern="1200" noProof="0" dirty="0" err="1"/>
+            <a:t>Improve</a:t>
+          </a:r>
+          <a:r>
+            <a:rPr lang="de-DE" sz="1400" b="1" i="0" u="none" kern="1200" noProof="0" dirty="0"/>
+            <a:t> Density </a:t>
+          </a:r>
+          <a:r>
+            <a:rPr lang="de-DE" sz="1400" b="1" i="0" u="none" kern="1200" noProof="0" dirty="0" err="1"/>
+            <a:t>Function</a:t>
+          </a:r>
+          <a:endParaRPr lang="de-DE" sz="1400" b="1" i="0" u="none" kern="1200" noProof="0" dirty="0"/>
+        </a:p>
+        <a:p>
+          <a:pPr marL="0" lvl="0" indent="0" algn="l" defTabSz="622300" rtl="0">
+            <a:lnSpc>
+              <a:spcPct val="90000"/>
+            </a:lnSpc>
+            <a:spcBef>
+              <a:spcPct val="0"/>
+            </a:spcBef>
+            <a:spcAft>
+              <a:spcPct val="35000"/>
+            </a:spcAft>
+            <a:buNone/>
+          </a:pPr>
+          <a:r>
+            <a:rPr lang="de-DE" sz="1400" b="1" i="0" u="none" kern="1200" noProof="0" dirty="0"/>
+            <a:t>Chunk LODs</a:t>
+          </a:r>
+        </a:p>
+        <a:p>
+          <a:pPr marL="0" lvl="0" indent="0" algn="l" defTabSz="622300" rtl="0">
+            <a:lnSpc>
+              <a:spcPct val="90000"/>
+            </a:lnSpc>
+            <a:spcBef>
+              <a:spcPct val="0"/>
+            </a:spcBef>
+            <a:spcAft>
+              <a:spcPct val="35000"/>
+            </a:spcAft>
+            <a:buNone/>
+          </a:pPr>
+          <a:endParaRPr lang="de-DE" sz="1400" b="1" i="0" u="none" kern="1200" noProof="0" dirty="0"/>
+        </a:p>
+      </dsp:txBody>
+      <dsp:txXfrm>
+        <a:off x="4086563" y="982941"/>
+        <a:ext cx="1675110" cy="1414310"/>
+      </dsp:txXfrm>
+    </dsp:sp>
+    <dsp:sp modelId="{2377F551-4CF6-4656-B644-60A7FC1B0F64}">
+      <dsp:nvSpPr>
+        <dsp:cNvPr id="0" name=""/>
+        <dsp:cNvSpPr/>
+      </dsp:nvSpPr>
+      <dsp:spPr>
+        <a:xfrm rot="5400000">
+          <a:off x="4969432" y="1795812"/>
+          <a:ext cx="1988820" cy="165035"/>
+        </a:xfrm>
+        <a:prstGeom prst="corner">
+          <a:avLst>
+            <a:gd name="adj1" fmla="val 1000"/>
+            <a:gd name="adj2" fmla="val 1000"/>
+          </a:avLst>
+        </a:prstGeom>
+        <a:solidFill>
+          <a:schemeClr val="lt1">
+            <a:hueOff val="0"/>
+            <a:satOff val="0"/>
+            <a:lumOff val="0"/>
+            <a:alphaOff val="0"/>
+          </a:schemeClr>
+        </a:solidFill>
+        <a:ln w="12700" cap="flat" cmpd="sng" algn="ctr">
+          <a:solidFill>
+            <a:schemeClr val="accent3"/>
+          </a:solidFill>
+          <a:prstDash val="solid"/>
+          <a:miter lim="800000"/>
+        </a:ln>
+        <a:effectLst/>
+      </dsp:spPr>
+      <dsp:style>
+        <a:lnRef idx="2">
+          <a:scrgbClr r="0" g="0" b="0"/>
+        </a:lnRef>
+        <a:fillRef idx="1">
+          <a:scrgbClr r="0" g="0" b="0"/>
+        </a:fillRef>
+        <a:effectRef idx="0">
+          <a:scrgbClr r="0" g="0" b="0"/>
+        </a:effectRef>
+        <a:fontRef idx="minor"/>
+      </dsp:style>
+    </dsp:sp>
+    <dsp:sp modelId="{69ED255C-64AC-4764-BC2C-7679ECCC9FE9}">
+      <dsp:nvSpPr>
+        <dsp:cNvPr id="0" name=""/>
+        <dsp:cNvSpPr/>
+      </dsp:nvSpPr>
+      <dsp:spPr>
+        <a:xfrm>
+          <a:off x="5881324" y="2872740"/>
+          <a:ext cx="2062943" cy="662940"/>
+        </a:xfrm>
+        <a:prstGeom prst="chevron">
+          <a:avLst>
+            <a:gd name="adj" fmla="val 25000"/>
+          </a:avLst>
+        </a:prstGeom>
+        <a:solidFill>
+          <a:schemeClr val="accent3"/>
+        </a:solidFill>
+        <a:ln w="12700" cap="flat" cmpd="sng" algn="ctr">
+          <a:solidFill>
+            <a:schemeClr val="accent3"/>
+          </a:solidFill>
+          <a:prstDash val="solid"/>
+          <a:miter lim="800000"/>
+        </a:ln>
+        <a:effectLst/>
+      </dsp:spPr>
+      <dsp:style>
+        <a:lnRef idx="2">
+          <a:scrgbClr r="0" g="0" b="0"/>
+        </a:lnRef>
+        <a:fillRef idx="1">
+          <a:scrgbClr r="0" g="0" b="0"/>
+        </a:fillRef>
+        <a:effectRef idx="0">
+          <a:scrgbClr r="0" g="0" b="0"/>
+        </a:effectRef>
+        <a:fontRef idx="minor">
+          <a:schemeClr val="lt1"/>
+        </a:fontRef>
+      </dsp:style>
+      <dsp:txBody>
+        <a:bodyPr spcFirstLastPara="0" vert="horz" wrap="square" lIns="127000" tIns="254000" rIns="127000" bIns="254000" numCol="1" spcCol="1270" rtlCol="0" anchor="ctr" anchorCtr="0">
+          <a:noAutofit/>
+        </a:bodyPr>
+        <a:lstStyle/>
+        <a:p>
+          <a:pPr marL="0" lvl="0" indent="0" algn="ctr" defTabSz="889000" rtl="0">
+            <a:lnSpc>
+              <a:spcPct val="90000"/>
+            </a:lnSpc>
+            <a:spcBef>
+              <a:spcPct val="0"/>
+            </a:spcBef>
+            <a:spcAft>
+              <a:spcPct val="35000"/>
+            </a:spcAft>
+            <a:buNone/>
+          </a:pPr>
+          <a:r>
+            <a:rPr lang="de-DE" sz="2000" kern="1200" noProof="0" dirty="0"/>
+            <a:t>14.02.</a:t>
+          </a:r>
+        </a:p>
+      </dsp:txBody>
+      <dsp:txXfrm>
+        <a:off x="6047059" y="2872740"/>
+        <a:ext cx="1731473" cy="662940"/>
+      </dsp:txXfrm>
+    </dsp:sp>
+    <dsp:sp modelId="{1F1B09A6-DA7E-41D1-B8A6-E3B6E775E5C1}">
+      <dsp:nvSpPr>
+        <dsp:cNvPr id="0" name=""/>
+        <dsp:cNvSpPr/>
+      </dsp:nvSpPr>
+      <dsp:spPr>
+        <a:xfrm>
+          <a:off x="6046360" y="982941"/>
+          <a:ext cx="1675110" cy="1414310"/>
+        </a:xfrm>
+        <a:prstGeom prst="rect">
+          <a:avLst/>
+        </a:prstGeom>
+        <a:noFill/>
+        <a:ln>
+          <a:noFill/>
+        </a:ln>
+        <a:effectLst/>
+      </dsp:spPr>
+      <dsp:style>
+        <a:lnRef idx="0">
+          <a:scrgbClr r="0" g="0" b="0"/>
+        </a:lnRef>
+        <a:fillRef idx="0">
+          <a:scrgbClr r="0" g="0" b="0"/>
+        </a:fillRef>
+        <a:effectRef idx="0">
+          <a:scrgbClr r="0" g="0" b="0"/>
+        </a:effectRef>
+        <a:fontRef idx="minor"/>
+      </dsp:style>
+      <dsp:txBody>
+        <a:bodyPr spcFirstLastPara="0" vert="horz" wrap="square" lIns="0" tIns="0" rIns="0" bIns="0" numCol="1" spcCol="1270" rtlCol="0" anchor="t" anchorCtr="0">
+          <a:noAutofit/>
+        </a:bodyPr>
+        <a:lstStyle/>
+        <a:p>
+          <a:pPr marL="0" lvl="0" indent="0" algn="l" defTabSz="622300" rtl="0">
+            <a:lnSpc>
+              <a:spcPct val="90000"/>
+            </a:lnSpc>
+            <a:spcBef>
+              <a:spcPct val="0"/>
+            </a:spcBef>
+            <a:spcAft>
+              <a:spcPct val="35000"/>
+            </a:spcAft>
+            <a:buNone/>
+          </a:pPr>
+          <a:r>
+            <a:rPr lang="de-DE" sz="1400" b="1" i="0" u="none" kern="1200" noProof="0" dirty="0"/>
+            <a:t>Final </a:t>
+          </a:r>
+          <a:r>
+            <a:rPr lang="de-DE" sz="1400" b="1" i="0" u="none" kern="1200" noProof="0" dirty="0" err="1"/>
+            <a:t>Presentation</a:t>
+          </a:r>
+          <a:br>
+            <a:rPr lang="de-DE" sz="1400" b="1" i="0" u="none" kern="1200" noProof="0" dirty="0"/>
+          </a:br>
+          <a:r>
+            <a:rPr lang="de-DE" sz="1400" b="0" i="0" u="none" kern="1200" noProof="0" dirty="0" err="1"/>
+            <a:t>Polishing</a:t>
+          </a:r>
           <a:endParaRPr lang="de-DE" sz="1400" kern="1200" noProof="0" dirty="0"/>
         </a:p>
       </dsp:txBody>
@@ -7113,6 +10112,405 @@
 </dgm:layoutDef>
 </file>
 
+<file path=ppt/diagrams/layout3.xml><?xml version="1.0" encoding="utf-8"?>
+<dgm:layoutDef xmlns:dgm="http://schemas.openxmlformats.org/drawingml/2006/diagram" xmlns:a="http://schemas.openxmlformats.org/drawingml/2006/main" uniqueId="urn:microsoft.com/office/officeart/2016/7/layout/AccentHomeChevronProcess">
+  <dgm:title val="Akzentuierte Startseite – Winkelprozess"/>
+  <dgm:desc val="Hiermit können Sie einen Verlauf, eine Zeitachse, aufeinanderfolgende Schritte – etwa in einer Aufgabe, einem Prozess oder einem Workflow – darstellen oder eine Bewegung bzw. Richtung hervorheben. Text der Ebene 1 wird in Winkelform angezeigt (ausgenommen die erste Form, bei der es sich um eine Startseitenform handelt), während Text der Ebene 2 unter den unsichtbaren Rechteckformen aufscheint."/>
+  <dgm:catLst>
+    <dgm:cat type="process" pri="500"/>
+    <dgm:cat type="timeline" pri="600"/>
+  </dgm:catLst>
+  <dgm:sampData>
+    <dgm:dataModel>
+      <dgm:ptLst>
+        <dgm:pt modelId="0" type="doc"/>
+        <dgm:pt modelId="10">
+          <dgm:prSet phldr="1"/>
+        </dgm:pt>
+        <dgm:pt modelId="11">
+          <dgm:prSet phldr="1"/>
+        </dgm:pt>
+        <dgm:pt modelId="20">
+          <dgm:prSet phldr="1"/>
+        </dgm:pt>
+        <dgm:pt modelId="21">
+          <dgm:prSet phldr="1"/>
+        </dgm:pt>
+        <dgm:pt modelId="30">
+          <dgm:prSet phldr="1"/>
+        </dgm:pt>
+        <dgm:pt modelId="31">
+          <dgm:prSet phldr="1"/>
+        </dgm:pt>
+      </dgm:ptLst>
+      <dgm:cxnLst>
+        <dgm:cxn modelId="40" srcId="0" destId="10" srcOrd="0" destOrd="0"/>
+        <dgm:cxn modelId="12" srcId="10" destId="11" srcOrd="0" destOrd="0"/>
+        <dgm:cxn modelId="50" srcId="0" destId="20" srcOrd="1" destOrd="0"/>
+        <dgm:cxn modelId="22" srcId="20" destId="21" srcOrd="0" destOrd="0"/>
+        <dgm:cxn modelId="60" srcId="0" destId="30" srcOrd="1" destOrd="0"/>
+        <dgm:cxn modelId="32" srcId="30" destId="31" srcOrd="0" destOrd="0"/>
+      </dgm:cxnLst>
+      <dgm:bg/>
+      <dgm:whole/>
+    </dgm:dataModel>
+  </dgm:sampData>
+  <dgm:styleData>
+    <dgm:dataModel>
+      <dgm:ptLst>
+        <dgm:pt modelId="0" type="doc"/>
+        <dgm:pt modelId="10">
+          <dgm:prSet phldr="1"/>
+        </dgm:pt>
+        <dgm:pt modelId="20">
+          <dgm:prSet phldr="1"/>
+        </dgm:pt>
+      </dgm:ptLst>
+      <dgm:cxnLst>
+        <dgm:cxn modelId="60" srcId="0" destId="10" srcOrd="0" destOrd="0"/>
+        <dgm:cxn modelId="70" srcId="0" destId="20" srcOrd="1" destOrd="0"/>
+      </dgm:cxnLst>
+      <dgm:bg/>
+      <dgm:whole/>
+    </dgm:dataModel>
+  </dgm:styleData>
+  <dgm:clrData>
+    <dgm:dataModel>
+      <dgm:ptLst>
+        <dgm:pt modelId="0" type="doc"/>
+        <dgm:pt modelId="10">
+          <dgm:prSet phldr="1"/>
+        </dgm:pt>
+        <dgm:pt modelId="20">
+          <dgm:prSet phldr="1"/>
+        </dgm:pt>
+        <dgm:pt modelId="30">
+          <dgm:prSet phldr="1"/>
+        </dgm:pt>
+        <dgm:pt modelId="40">
+          <dgm:prSet phldr="1"/>
+        </dgm:pt>
+      </dgm:ptLst>
+      <dgm:cxnLst>
+        <dgm:cxn modelId="60" srcId="0" destId="10" srcOrd="0" destOrd="0"/>
+        <dgm:cxn modelId="70" srcId="0" destId="20" srcOrd="1" destOrd="0"/>
+        <dgm:cxn modelId="80" srcId="0" destId="30" srcOrd="2" destOrd="0"/>
+        <dgm:cxn modelId="90" srcId="0" destId="40" srcOrd="3" destOrd="0"/>
+      </dgm:cxnLst>
+      <dgm:bg/>
+      <dgm:whole/>
+    </dgm:dataModel>
+  </dgm:clrData>
+  <dgm:layoutNode name="Name0">
+    <dgm:varLst>
+      <dgm:animLvl val="lvl"/>
+      <dgm:resizeHandles val="exact"/>
+    </dgm:varLst>
+    <dgm:choose name="Name1">
+      <dgm:if name="Name2" func="var" arg="dir" op="equ" val="norm">
+        <dgm:alg type="lin"/>
+      </dgm:if>
+      <dgm:else name="Name3">
+        <dgm:alg type="lin">
+          <dgm:param type="linDir" val="fromR"/>
+        </dgm:alg>
+      </dgm:else>
+    </dgm:choose>
+    <dgm:shape xmlns:r="http://schemas.openxmlformats.org/officeDocument/2006/relationships" r:blip="">
+      <dgm:adjLst/>
+    </dgm:shape>
+    <dgm:presOf/>
+    <dgm:choose name="contrsBasedOnsibTransCount">
+      <dgm:if name="oneSibTrans" axis="ch" ptType="sibTrans" func="cnt" op="equ" val="1">
+        <dgm:constrLst>
+          <dgm:constr type="h" for="ch" forName="composite" refType="h" fact="0.6"/>
+          <dgm:constr type="w" for="ch" forName="composite" refType="w"/>
+          <dgm:constr type="primFontSz" for="des" forName="parTx" val="20"/>
+          <dgm:constr type="primFontSz" for="des" forName="desTx" refType="primFontSz" refFor="des" refForName="parTx" op="lte"/>
+          <dgm:constr type="primFontSz" for="des" forName="parTx" op="equ"/>
+          <dgm:constr type="primFontSz" for="des" forName="desTx" op="equ"/>
+          <dgm:constr type="w" for="ch" forName="space" refType="w" refFor="ch" refForName="composite" fact="-0.02"/>
+          <dgm:constr type="w" for="ch" ptType="sibTrans" op="equ"/>
+        </dgm:constrLst>
+      </dgm:if>
+      <dgm:else name="moreThanOneSibTrans">
+        <dgm:choose name="contrsForMoreThanOneSibTrans">
+          <dgm:if name="twoSibTrans" axis="ch" ptType="sibTrans" func="cnt" op="equ" val="2">
+            <dgm:constrLst>
+              <dgm:constr type="h" for="ch" forName="composite" refType="h" fact="0.6"/>
+              <dgm:constr type="w" for="ch" forName="composite" refType="w"/>
+              <dgm:constr type="primFontSz" for="des" forName="parTx" val="20"/>
+              <dgm:constr type="primFontSz" for="des" forName="desTx" refType="primFontSz" refFor="des" refForName="parTx" op="lte"/>
+              <dgm:constr type="primFontSz" for="des" forName="parTx" op="equ"/>
+              <dgm:constr type="primFontSz" for="des" forName="desTx" op="equ"/>
+              <dgm:constr type="w" for="ch" forName="space" refType="w" refFor="ch" refForName="composite" fact="-0.03"/>
+              <dgm:constr type="w" for="ch" ptType="sibTrans" op="equ"/>
+            </dgm:constrLst>
+          </dgm:if>
+          <dgm:else name="moreThanTwoSibTrans">
+            <dgm:choose name="contrsForMoreThanTwoSibTrans">
+              <dgm:if name="threeSibTrans" axis="ch" ptType="sibTrans" func="cnt" op="equ" val="3">
+                <dgm:constrLst>
+                  <dgm:constr type="h" for="ch" forName="composite" refType="h" fact="0.6"/>
+                  <dgm:constr type="w" for="ch" forName="composite" refType="w"/>
+                  <dgm:constr type="primFontSz" for="des" forName="parTx" val="20"/>
+                  <dgm:constr type="primFontSz" for="des" forName="desTx" refType="primFontSz" refFor="des" refForName="parTx" op="lte"/>
+                  <dgm:constr type="primFontSz" for="des" forName="parTx" op="equ"/>
+                  <dgm:constr type="primFontSz" for="des" forName="desTx" op="equ"/>
+                  <dgm:constr type="w" for="ch" forName="space" refType="w" refFor="ch" refForName="composite" fact="-0.04"/>
+                  <dgm:constr type="w" for="ch" ptType="sibTrans" op="equ"/>
+                </dgm:constrLst>
+              </dgm:if>
+              <dgm:else name="moreThanThreeSibTrans">
+                <dgm:choose name="contrsForMoreThanThreeSibTrans">
+                  <dgm:if name="fourToSixSibTrans" axis="ch" ptType="sibTrans" func="cnt" op="lte" val="6">
+                    <dgm:constrLst>
+                      <dgm:constr type="h" for="ch" forName="composite" refType="h" fact="0.6"/>
+                      <dgm:constr type="w" for="ch" forName="composite" refType="w"/>
+                      <dgm:constr type="primFontSz" for="des" forName="parTx" val="20"/>
+                      <dgm:constr type="primFontSz" for="des" forName="desTx" refType="primFontSz" refFor="des" refForName="parTx" op="lte"/>
+                      <dgm:constr type="primFontSz" for="des" forName="parTx" op="equ"/>
+                      <dgm:constr type="primFontSz" for="des" forName="desTx" op="equ"/>
+                      <dgm:constr type="w" for="ch" forName="space" refType="w" refFor="ch" refForName="composite" fact="-0.05"/>
+                      <dgm:constr type="w" for="ch" ptType="sibTrans" op="equ"/>
+                    </dgm:constrLst>
+                  </dgm:if>
+                  <dgm:else name="moreThanSixSibTrans">
+                    <dgm:choose name="contrsForMoreThanSixSibTrans">
+                      <dgm:if name="sevenToEightSibTrans" axis="ch" ptType="sibTrans" func="cnt" op="lte" val="8">
+                        <dgm:constrLst>
+                          <dgm:constr type="h" for="ch" forName="composite" refType="h" fact="0.6"/>
+                          <dgm:constr type="w" for="ch" forName="composite" refType="w"/>
+                          <dgm:constr type="primFontSz" for="des" forName="parTx" val="20"/>
+                          <dgm:constr type="primFontSz" for="des" forName="desTx" refType="primFontSz" refFor="des" refForName="parTx" op="lte"/>
+                          <dgm:constr type="primFontSz" for="des" forName="parTx" op="equ"/>
+                          <dgm:constr type="primFontSz" for="des" forName="desTx" op="equ"/>
+                          <dgm:constr type="w" for="ch" forName="space" refType="w" refFor="ch" refForName="composite" fact="-0.07"/>
+                          <dgm:constr type="w" for="ch" ptType="sibTrans" op="equ"/>
+                        </dgm:constrLst>
+                      </dgm:if>
+                      <dgm:else name="moreThanEightSibTrans">
+                        <dgm:constrLst>
+                          <dgm:constr type="h" for="ch" forName="composite" refType="h" fact="0.6"/>
+                          <dgm:constr type="w" for="ch" forName="composite" refType="w"/>
+                          <dgm:constr type="primFontSz" for="des" forName="parTx" val="20"/>
+                          <dgm:constr type="primFontSz" for="des" forName="desTx" refType="primFontSz" refFor="des" refForName="parTx" op="lte"/>
+                          <dgm:constr type="primFontSz" for="des" forName="parTx" op="equ"/>
+                          <dgm:constr type="primFontSz" for="des" forName="desTx" op="equ"/>
+                          <dgm:constr type="w" for="ch" forName="space" refType="w" refFor="ch" refForName="composite" fact="-0.09"/>
+                          <dgm:constr type="w" for="ch" ptType="sibTrans" op="equ"/>
+                        </dgm:constrLst>
+                      </dgm:else>
+                    </dgm:choose>
+                  </dgm:else>
+                </dgm:choose>
+              </dgm:else>
+            </dgm:choose>
+          </dgm:else>
+        </dgm:choose>
+      </dgm:else>
+    </dgm:choose>
+    <dgm:ruleLst/>
+    <dgm:forEach name="Name6" axis="ch" ptType="node">
+      <dgm:layoutNode name="composite">
+        <dgm:alg type="composite"/>
+        <dgm:shape xmlns:r="http://schemas.openxmlformats.org/officeDocument/2006/relationships" r:blip="">
+          <dgm:adjLst/>
+        </dgm:shape>
+        <dgm:presOf/>
+        <dgm:choose name="LayoutLTRorRTL">
+          <dgm:if name="LayoutLTR" func="var" arg="dir" op="equ" val="norm">
+            <dgm:constrLst>
+              <dgm:constr type="w" for="ch" forName="L" refType="w" fact="0.08"/>
+              <dgm:constr type="h" for="ch" forName="L" refType="h" fact="0.75"/>
+              <dgm:constr type="l" for="ch" forName="L"/>
+              <dgm:constr type="l" for="ch" forName="parTx"/>
+              <dgm:constr type="w" for="ch" forName="parTx" refType="w"/>
+              <dgm:constr type="h" for="ch" forName="parTx" refType="h" fact="0.25"/>
+              <dgm:constr type="t" for="ch" forName="parTx" refType="b" refFor="ch" refForName="L"/>
+              <dgm:constr type="t" for="ch" forName="desTx" refType="w" refFor="ch" refForName="L" fact="0.6"/>
+              <dgm:constr type="b" for="ch" forName="desTx" refType="t" refFor="ch" refForName="EmptyPlaceHolder"/>
+              <dgm:constr type="l" for="ch" forName="desTx" refType="r" refFor="ch" refForName="L"/>
+              <dgm:constr type="w" for="ch" forName="desTx" refType="w" fact="0.812"/>
+              <dgm:constr type="w" for="ch" forName="EmptyPlaceHolder" refType="w" fact="0.82"/>
+              <dgm:constr type="l" for="ch" forName="EmptyPlaceHolder" refType="r" refFor="ch" refForName="L"/>
+              <dgm:constr type="b" for="ch" forName="EmptyPlaceHolder" refType="b" refFor="ch" refForName="L"/>
+              <dgm:constr type="h" for="ch" forName="EmptyPlaceHolder" refType="t" refFor="ch" refForName="desTx"/>
+            </dgm:constrLst>
+          </dgm:if>
+          <dgm:else name="LayoutRTL">
+            <dgm:constrLst>
+              <dgm:constr type="w" for="ch" forName="L" refType="w" fact="0.08"/>
+              <dgm:constr type="h" for="ch" forName="L" refType="h" fact="0.75"/>
+              <dgm:constr type="r" for="ch" forName="L" refType="w"/>
+              <dgm:constr type="r" for="ch" forName="parTx" refType="w"/>
+              <dgm:constr type="w" for="ch" forName="parTx" refType="w"/>
+              <dgm:constr type="h" for="ch" forName="parTx" refType="h" fact="0.25"/>
+              <dgm:constr type="t" for="ch" forName="parTx" refType="b" refFor="ch" refForName="L"/>
+              <dgm:constr type="t" for="ch" forName="desTx" refType="w" refFor="ch" refForName="L" fact="0.6"/>
+              <dgm:constr type="b" for="ch" forName="desTx" refType="t" refFor="ch" refForName="EmptyPlaceHolder"/>
+              <dgm:constr type="r" for="ch" forName="desTx" refType="l" refFor="ch" refForName="L"/>
+              <dgm:constr type="w" for="ch" forName="desTx" refType="w" fact="0.812"/>
+              <dgm:constr type="w" for="ch" forName="EmptyPlaceHolder" refType="w" fact="0.82"/>
+              <dgm:constr type="h" for="ch" forName="EmptyPlaceHolder" refType="w" refFor="ch" refForName="L" fact="0.6"/>
+              <dgm:constr type="b" for="ch" forName="EmptyPlaceHolder" refType="b" refFor="ch" refForName="L"/>
+            </dgm:constrLst>
+          </dgm:else>
+        </dgm:choose>
+        <dgm:layoutNode name="L" styleLbl="solidFgAcc1" moveWith="parTx">
+          <dgm:varLst>
+            <dgm:chMax val="0"/>
+            <dgm:chPref val="0"/>
+          </dgm:varLst>
+          <dgm:alg type="sp"/>
+          <dgm:choose name="Name310">
+            <dgm:if name="Name311" func="var" arg="dir" op="equ" val="norm">
+              <dgm:shape xmlns:r="http://schemas.openxmlformats.org/officeDocument/2006/relationships" rot="90" type="corner" r:blip="">
+                <dgm:adjLst>
+                  <dgm:adj idx="1" val="0.01"/>
+                  <dgm:adj idx="2" val="0.01"/>
+                </dgm:adjLst>
+              </dgm:shape>
+            </dgm:if>
+            <dgm:else name="Name312">
+              <dgm:shape xmlns:r="http://schemas.openxmlformats.org/officeDocument/2006/relationships" rot="180" type="corner" r:blip="">
+                <dgm:adjLst>
+                  <dgm:adj idx="1" val="0.01"/>
+                  <dgm:adj idx="2" val="0.01"/>
+                </dgm:adjLst>
+              </dgm:shape>
+            </dgm:else>
+          </dgm:choose>
+          <dgm:presOf/>
+          <dgm:constrLst/>
+          <dgm:ruleLst/>
+        </dgm:layoutNode>
+        <dgm:layoutNode name="parTx" styleLbl="alignNode1">
+          <dgm:varLst>
+            <dgm:chMax val="0"/>
+            <dgm:chPref val="0"/>
+            <dgm:bulletEnabled val="1"/>
+          </dgm:varLst>
+          <dgm:alg type="tx">
+            <dgm:param type="txAnchorVert" val="mid"/>
+            <dgm:param type="parTxLTRAlign" val="ctr"/>
+            <dgm:param type="parTxRTLAlign" val="ctr"/>
+          </dgm:alg>
+          <dgm:choose name="MakeFirstNodeHomePlate">
+            <dgm:if name="IfFirstNode" axis="self" ptType="node" func="pos" op="equ" val="1">
+              <dgm:choose name="Name110">
+                <dgm:if name="Name111" func="var" arg="dir" op="equ" val="norm">
+                  <dgm:shape xmlns:r="http://schemas.openxmlformats.org/officeDocument/2006/relationships" type="homePlate" r:blip="">
+                    <dgm:adjLst>
+                      <dgm:adj idx="1" val="0.25"/>
+                    </dgm:adjLst>
+                  </dgm:shape>
+                </dgm:if>
+                <dgm:else name="Name112">
+                  <dgm:shape xmlns:r="http://schemas.openxmlformats.org/officeDocument/2006/relationships" rot="180" type="homePlate" r:blip="">
+                    <dgm:adjLst>
+                      <dgm:adj idx="1" val="0.25"/>
+                    </dgm:adjLst>
+                  </dgm:shape>
+                </dgm:else>
+              </dgm:choose>
+            </dgm:if>
+            <dgm:else name="MakeRestOfNodesChevrons">
+              <dgm:choose name="Name10">
+                <dgm:if name="Name11" func="var" arg="dir" op="equ" val="norm">
+                  <dgm:shape xmlns:r="http://schemas.openxmlformats.org/officeDocument/2006/relationships" type="chevron" r:blip="">
+                    <dgm:adjLst>
+                      <dgm:adj idx="1" val="0.25"/>
+                    </dgm:adjLst>
+                  </dgm:shape>
+                </dgm:if>
+                <dgm:else name="Name12">
+                  <dgm:shape xmlns:r="http://schemas.openxmlformats.org/officeDocument/2006/relationships" rot="180" type="chevron" r:blip="">
+                    <dgm:adjLst>
+                      <dgm:adj idx="1" val="0.25"/>
+                    </dgm:adjLst>
+                  </dgm:shape>
+                </dgm:else>
+              </dgm:choose>
+            </dgm:else>
+          </dgm:choose>
+          <dgm:presOf axis="self" ptType="node"/>
+          <dgm:constrLst>
+            <dgm:constr type="tMarg" refType="primFontSz"/>
+            <dgm:constr type="bMarg" refType="primFontSz"/>
+            <dgm:constr type="lMarg" refType="primFontSz" fact="0.5"/>
+            <dgm:constr type="rMarg" refType="primFontSz" fact="0.5"/>
+          </dgm:constrLst>
+          <dgm:ruleLst>
+            <dgm:rule type="primFontSz" val="13" fact="NaN" max="NaN"/>
+          </dgm:ruleLst>
+        </dgm:layoutNode>
+        <dgm:layoutNode name="desTx" styleLbl="revTx" moveWith="parTx">
+          <dgm:varLst>
+            <dgm:chMax val="0"/>
+            <dgm:chPref val="0"/>
+            <dgm:bulletEnabled val="1"/>
+          </dgm:varLst>
+          <dgm:choose name="Name210">
+            <dgm:if name="Name211" func="var" arg="dir" op="equ" val="norm">
+              <dgm:alg type="tx">
+                <dgm:param type="txAnchorVert" val="t"/>
+                <dgm:param type="parTxLTRAlign" val="l"/>
+                <dgm:param type="shpTxLTRAlignCh" val="l"/>
+                <dgm:param type="parTxRTLAlign" val="l"/>
+                <dgm:param type="shpTxRTLAlignCh" val="l"/>
+              </dgm:alg>
+            </dgm:if>
+            <dgm:else name="Name212">
+              <dgm:alg type="tx">
+                <dgm:param type="txAnchorVert" val="t"/>
+                <dgm:param type="parTxLTRAlign" val="r"/>
+                <dgm:param type="shpTxLTRAlignCh" val="r"/>
+                <dgm:param type="parTxRTLAlign" val="r"/>
+                <dgm:param type="shpTxRTLAlignCh" val="r"/>
+              </dgm:alg>
+            </dgm:else>
+          </dgm:choose>
+          <dgm:shape xmlns:r="http://schemas.openxmlformats.org/officeDocument/2006/relationships" type="rect" r:blip="">
+            <dgm:adjLst/>
+          </dgm:shape>
+          <dgm:presOf axis="des" ptType="node"/>
+          <dgm:constrLst>
+            <dgm:constr type="tMarg"/>
+            <dgm:constr type="bMarg"/>
+            <dgm:constr type="lMarg"/>
+            <dgm:constr type="rMarg"/>
+          </dgm:constrLst>
+          <dgm:ruleLst>
+            <dgm:rule type="primFontSz" val="11" fact="NaN" max="NaN"/>
+            <dgm:rule type="secFontSz" val="9" fact="NaN" max="NaN"/>
+          </dgm:ruleLst>
+        </dgm:layoutNode>
+        <dgm:layoutNode name="EmptyPlaceHolder">
+          <dgm:alg type="sp"/>
+          <dgm:shape xmlns:r="http://schemas.openxmlformats.org/officeDocument/2006/relationships" r:blip="">
+            <dgm:adjLst/>
+          </dgm:shape>
+          <dgm:presOf/>
+          <dgm:constrLst/>
+        </dgm:layoutNode>
+      </dgm:layoutNode>
+      <dgm:forEach name="Name19" axis="followSib" ptType="sibTrans" cnt="1">
+        <dgm:layoutNode name="space">
+          <dgm:alg type="sp"/>
+          <dgm:shape xmlns:r="http://schemas.openxmlformats.org/officeDocument/2006/relationships" r:blip="">
+            <dgm:adjLst/>
+          </dgm:shape>
+          <dgm:presOf/>
+          <dgm:constrLst/>
+          <dgm:ruleLst/>
+        </dgm:layoutNode>
+      </dgm:forEach>
+    </dgm:forEach>
+  </dgm:layoutNode>
+</dgm:layoutDef>
+</file>
+
 <file path=ppt/diagrams/quickStyle1.xml><?xml version="1.0" encoding="utf-8"?>
 <dgm:styleDef xmlns:dgm="http://schemas.openxmlformats.org/drawingml/2006/diagram" xmlns:a="http://schemas.openxmlformats.org/drawingml/2006/main" uniqueId="urn:microsoft.com/office/officeart/2005/8/quickstyle/simple1">
   <dgm:title val=""/>
@@ -8148,6 +11546,1040 @@
 </file>
 
 <file path=ppt/diagrams/quickStyle2.xml><?xml version="1.0" encoding="utf-8"?>
+<dgm:styleDef xmlns:dgm="http://schemas.openxmlformats.org/drawingml/2006/diagram" xmlns:a="http://schemas.openxmlformats.org/drawingml/2006/main" uniqueId="urn:microsoft.com/office/officeart/2005/8/quickstyle/simple1">
+  <dgm:title val=""/>
+  <dgm:desc val=""/>
+  <dgm:catLst>
+    <dgm:cat type="simple" pri="10100"/>
+  </dgm:catLst>
+  <dgm:scene3d>
+    <a:camera prst="orthographicFront"/>
+    <a:lightRig rig="threePt" dir="t"/>
+  </dgm:scene3d>
+  <dgm:styleLbl name="node0">
+    <dgm:scene3d>
+      <a:camera prst="orthographicFront"/>
+      <a:lightRig rig="threePt" dir="t"/>
+    </dgm:scene3d>
+    <dgm:sp3d/>
+    <dgm:txPr/>
+    <dgm:style>
+      <a:lnRef idx="2">
+        <a:scrgbClr r="0" g="0" b="0"/>
+      </a:lnRef>
+      <a:fillRef idx="1">
+        <a:scrgbClr r="0" g="0" b="0"/>
+      </a:fillRef>
+      <a:effectRef idx="0">
+        <a:scrgbClr r="0" g="0" b="0"/>
+      </a:effectRef>
+      <a:fontRef idx="minor">
+        <a:schemeClr val="lt1"/>
+      </a:fontRef>
+    </dgm:style>
+  </dgm:styleLbl>
+  <dgm:styleLbl name="lnNode1">
+    <dgm:scene3d>
+      <a:camera prst="orthographicFront"/>
+      <a:lightRig rig="threePt" dir="t"/>
+    </dgm:scene3d>
+    <dgm:sp3d/>
+    <dgm:txPr/>
+    <dgm:style>
+      <a:lnRef idx="2">
+        <a:scrgbClr r="0" g="0" b="0"/>
+      </a:lnRef>
+      <a:fillRef idx="1">
+        <a:scrgbClr r="0" g="0" b="0"/>
+      </a:fillRef>
+      <a:effectRef idx="0">
+        <a:scrgbClr r="0" g="0" b="0"/>
+      </a:effectRef>
+      <a:fontRef idx="minor">
+        <a:schemeClr val="lt1"/>
+      </a:fontRef>
+    </dgm:style>
+  </dgm:styleLbl>
+  <dgm:styleLbl name="vennNode1">
+    <dgm:scene3d>
+      <a:camera prst="orthographicFront"/>
+      <a:lightRig rig="threePt" dir="t"/>
+    </dgm:scene3d>
+    <dgm:sp3d/>
+    <dgm:txPr/>
+    <dgm:style>
+      <a:lnRef idx="2">
+        <a:scrgbClr r="0" g="0" b="0"/>
+      </a:lnRef>
+      <a:fillRef idx="1">
+        <a:scrgbClr r="0" g="0" b="0"/>
+      </a:fillRef>
+      <a:effectRef idx="0">
+        <a:scrgbClr r="0" g="0" b="0"/>
+      </a:effectRef>
+      <a:fontRef idx="minor">
+        <a:schemeClr val="tx1"/>
+      </a:fontRef>
+    </dgm:style>
+  </dgm:styleLbl>
+  <dgm:styleLbl name="alignNode1">
+    <dgm:scene3d>
+      <a:camera prst="orthographicFront"/>
+      <a:lightRig rig="threePt" dir="t"/>
+    </dgm:scene3d>
+    <dgm:sp3d/>
+    <dgm:txPr/>
+    <dgm:style>
+      <a:lnRef idx="2">
+        <a:scrgbClr r="0" g="0" b="0"/>
+      </a:lnRef>
+      <a:fillRef idx="1">
+        <a:scrgbClr r="0" g="0" b="0"/>
+      </a:fillRef>
+      <a:effectRef idx="0">
+        <a:scrgbClr r="0" g="0" b="0"/>
+      </a:effectRef>
+      <a:fontRef idx="minor">
+        <a:schemeClr val="lt1"/>
+      </a:fontRef>
+    </dgm:style>
+  </dgm:styleLbl>
+  <dgm:styleLbl name="node1">
+    <dgm:scene3d>
+      <a:camera prst="orthographicFront"/>
+      <a:lightRig rig="threePt" dir="t"/>
+    </dgm:scene3d>
+    <dgm:sp3d/>
+    <dgm:txPr/>
+    <dgm:style>
+      <a:lnRef idx="2">
+        <a:scrgbClr r="0" g="0" b="0"/>
+      </a:lnRef>
+      <a:fillRef idx="1">
+        <a:scrgbClr r="0" g="0" b="0"/>
+      </a:fillRef>
+      <a:effectRef idx="0">
+        <a:scrgbClr r="0" g="0" b="0"/>
+      </a:effectRef>
+      <a:fontRef idx="minor">
+        <a:schemeClr val="lt1"/>
+      </a:fontRef>
+    </dgm:style>
+  </dgm:styleLbl>
+  <dgm:styleLbl name="node2">
+    <dgm:scene3d>
+      <a:camera prst="orthographicFront"/>
+      <a:lightRig rig="threePt" dir="t"/>
+    </dgm:scene3d>
+    <dgm:sp3d/>
+    <dgm:txPr/>
+    <dgm:style>
+      <a:lnRef idx="2">
+        <a:scrgbClr r="0" g="0" b="0"/>
+      </a:lnRef>
+      <a:fillRef idx="1">
+        <a:scrgbClr r="0" g="0" b="0"/>
+      </a:fillRef>
+      <a:effectRef idx="0">
+        <a:scrgbClr r="0" g="0" b="0"/>
+      </a:effectRef>
+      <a:fontRef idx="minor">
+        <a:schemeClr val="lt1"/>
+      </a:fontRef>
+    </dgm:style>
+  </dgm:styleLbl>
+  <dgm:styleLbl name="node3">
+    <dgm:scene3d>
+      <a:camera prst="orthographicFront"/>
+      <a:lightRig rig="threePt" dir="t"/>
+    </dgm:scene3d>
+    <dgm:sp3d/>
+    <dgm:txPr/>
+    <dgm:style>
+      <a:lnRef idx="2">
+        <a:scrgbClr r="0" g="0" b="0"/>
+      </a:lnRef>
+      <a:fillRef idx="1">
+        <a:scrgbClr r="0" g="0" b="0"/>
+      </a:fillRef>
+      <a:effectRef idx="0">
+        <a:scrgbClr r="0" g="0" b="0"/>
+      </a:effectRef>
+      <a:fontRef idx="minor">
+        <a:schemeClr val="lt1"/>
+      </a:fontRef>
+    </dgm:style>
+  </dgm:styleLbl>
+  <dgm:styleLbl name="node4">
+    <dgm:scene3d>
+      <a:camera prst="orthographicFront"/>
+      <a:lightRig rig="threePt" dir="t"/>
+    </dgm:scene3d>
+    <dgm:sp3d/>
+    <dgm:txPr/>
+    <dgm:style>
+      <a:lnRef idx="2">
+        <a:scrgbClr r="0" g="0" b="0"/>
+      </a:lnRef>
+      <a:fillRef idx="1">
+        <a:scrgbClr r="0" g="0" b="0"/>
+      </a:fillRef>
+      <a:effectRef idx="0">
+        <a:scrgbClr r="0" g="0" b="0"/>
+      </a:effectRef>
+      <a:fontRef idx="minor">
+        <a:schemeClr val="lt1"/>
+      </a:fontRef>
+    </dgm:style>
+  </dgm:styleLbl>
+  <dgm:styleLbl name="fgImgPlace1">
+    <dgm:scene3d>
+      <a:camera prst="orthographicFront"/>
+      <a:lightRig rig="threePt" dir="t"/>
+    </dgm:scene3d>
+    <dgm:sp3d/>
+    <dgm:txPr/>
+    <dgm:style>
+      <a:lnRef idx="2">
+        <a:scrgbClr r="0" g="0" b="0"/>
+      </a:lnRef>
+      <a:fillRef idx="1">
+        <a:scrgbClr r="0" g="0" b="0"/>
+      </a:fillRef>
+      <a:effectRef idx="0">
+        <a:scrgbClr r="0" g="0" b="0"/>
+      </a:effectRef>
+      <a:fontRef idx="minor"/>
+    </dgm:style>
+  </dgm:styleLbl>
+  <dgm:styleLbl name="alignImgPlace1">
+    <dgm:scene3d>
+      <a:camera prst="orthographicFront"/>
+      <a:lightRig rig="threePt" dir="t"/>
+    </dgm:scene3d>
+    <dgm:sp3d/>
+    <dgm:txPr/>
+    <dgm:style>
+      <a:lnRef idx="2">
+        <a:scrgbClr r="0" g="0" b="0"/>
+      </a:lnRef>
+      <a:fillRef idx="1">
+        <a:scrgbClr r="0" g="0" b="0"/>
+      </a:fillRef>
+      <a:effectRef idx="0">
+        <a:scrgbClr r="0" g="0" b="0"/>
+      </a:effectRef>
+      <a:fontRef idx="minor"/>
+    </dgm:style>
+  </dgm:styleLbl>
+  <dgm:styleLbl name="bgImgPlace1">
+    <dgm:scene3d>
+      <a:camera prst="orthographicFront"/>
+      <a:lightRig rig="threePt" dir="t"/>
+    </dgm:scene3d>
+    <dgm:sp3d/>
+    <dgm:txPr/>
+    <dgm:style>
+      <a:lnRef idx="2">
+        <a:scrgbClr r="0" g="0" b="0"/>
+      </a:lnRef>
+      <a:fillRef idx="1">
+        <a:scrgbClr r="0" g="0" b="0"/>
+      </a:fillRef>
+      <a:effectRef idx="0">
+        <a:scrgbClr r="0" g="0" b="0"/>
+      </a:effectRef>
+      <a:fontRef idx="minor"/>
+    </dgm:style>
+  </dgm:styleLbl>
+  <dgm:styleLbl name="sibTrans2D1">
+    <dgm:scene3d>
+      <a:camera prst="orthographicFront"/>
+      <a:lightRig rig="threePt" dir="t"/>
+    </dgm:scene3d>
+    <dgm:sp3d/>
+    <dgm:txPr/>
+    <dgm:style>
+      <a:lnRef idx="0">
+        <a:scrgbClr r="0" g="0" b="0"/>
+      </a:lnRef>
+      <a:fillRef idx="1">
+        <a:scrgbClr r="0" g="0" b="0"/>
+      </a:fillRef>
+      <a:effectRef idx="0">
+        <a:scrgbClr r="0" g="0" b="0"/>
+      </a:effectRef>
+      <a:fontRef idx="minor">
+        <a:schemeClr val="lt1"/>
+      </a:fontRef>
+    </dgm:style>
+  </dgm:styleLbl>
+  <dgm:styleLbl name="fgSibTrans2D1">
+    <dgm:scene3d>
+      <a:camera prst="orthographicFront"/>
+      <a:lightRig rig="threePt" dir="t"/>
+    </dgm:scene3d>
+    <dgm:sp3d/>
+    <dgm:txPr/>
+    <dgm:style>
+      <a:lnRef idx="0">
+        <a:scrgbClr r="0" g="0" b="0"/>
+      </a:lnRef>
+      <a:fillRef idx="1">
+        <a:scrgbClr r="0" g="0" b="0"/>
+      </a:fillRef>
+      <a:effectRef idx="0">
+        <a:scrgbClr r="0" g="0" b="0"/>
+      </a:effectRef>
+      <a:fontRef idx="minor">
+        <a:schemeClr val="lt1"/>
+      </a:fontRef>
+    </dgm:style>
+  </dgm:styleLbl>
+  <dgm:styleLbl name="bgSibTrans2D1">
+    <dgm:scene3d>
+      <a:camera prst="orthographicFront"/>
+      <a:lightRig rig="threePt" dir="t"/>
+    </dgm:scene3d>
+    <dgm:sp3d/>
+    <dgm:txPr/>
+    <dgm:style>
+      <a:lnRef idx="0">
+        <a:scrgbClr r="0" g="0" b="0"/>
+      </a:lnRef>
+      <a:fillRef idx="1">
+        <a:scrgbClr r="0" g="0" b="0"/>
+      </a:fillRef>
+      <a:effectRef idx="0">
+        <a:scrgbClr r="0" g="0" b="0"/>
+      </a:effectRef>
+      <a:fontRef idx="minor">
+        <a:schemeClr val="lt1"/>
+      </a:fontRef>
+    </dgm:style>
+  </dgm:styleLbl>
+  <dgm:styleLbl name="sibTrans1D1">
+    <dgm:scene3d>
+      <a:camera prst="orthographicFront"/>
+      <a:lightRig rig="threePt" dir="t"/>
+    </dgm:scene3d>
+    <dgm:sp3d/>
+    <dgm:txPr/>
+    <dgm:style>
+      <a:lnRef idx="1">
+        <a:scrgbClr r="0" g="0" b="0"/>
+      </a:lnRef>
+      <a:fillRef idx="0">
+        <a:scrgbClr r="0" g="0" b="0"/>
+      </a:fillRef>
+      <a:effectRef idx="0">
+        <a:scrgbClr r="0" g="0" b="0"/>
+      </a:effectRef>
+      <a:fontRef idx="minor"/>
+    </dgm:style>
+  </dgm:styleLbl>
+  <dgm:styleLbl name="callout">
+    <dgm:scene3d>
+      <a:camera prst="orthographicFront"/>
+      <a:lightRig rig="threePt" dir="t"/>
+    </dgm:scene3d>
+    <dgm:sp3d/>
+    <dgm:txPr/>
+    <dgm:style>
+      <a:lnRef idx="2">
+        <a:scrgbClr r="0" g="0" b="0"/>
+      </a:lnRef>
+      <a:fillRef idx="1">
+        <a:scrgbClr r="0" g="0" b="0"/>
+      </a:fillRef>
+      <a:effectRef idx="0">
+        <a:scrgbClr r="0" g="0" b="0"/>
+      </a:effectRef>
+      <a:fontRef idx="minor"/>
+    </dgm:style>
+  </dgm:styleLbl>
+  <dgm:styleLbl name="asst0">
+    <dgm:scene3d>
+      <a:camera prst="orthographicFront"/>
+      <a:lightRig rig="threePt" dir="t"/>
+    </dgm:scene3d>
+    <dgm:sp3d/>
+    <dgm:txPr/>
+    <dgm:style>
+      <a:lnRef idx="2">
+        <a:scrgbClr r="0" g="0" b="0"/>
+      </a:lnRef>
+      <a:fillRef idx="1">
+        <a:scrgbClr r="0" g="0" b="0"/>
+      </a:fillRef>
+      <a:effectRef idx="0">
+        <a:scrgbClr r="0" g="0" b="0"/>
+      </a:effectRef>
+      <a:fontRef idx="minor">
+        <a:schemeClr val="lt1"/>
+      </a:fontRef>
+    </dgm:style>
+  </dgm:styleLbl>
+  <dgm:styleLbl name="asst1">
+    <dgm:scene3d>
+      <a:camera prst="orthographicFront"/>
+      <a:lightRig rig="threePt" dir="t"/>
+    </dgm:scene3d>
+    <dgm:sp3d/>
+    <dgm:txPr/>
+    <dgm:style>
+      <a:lnRef idx="2">
+        <a:scrgbClr r="0" g="0" b="0"/>
+      </a:lnRef>
+      <a:fillRef idx="1">
+        <a:scrgbClr r="0" g="0" b="0"/>
+      </a:fillRef>
+      <a:effectRef idx="0">
+        <a:scrgbClr r="0" g="0" b="0"/>
+      </a:effectRef>
+      <a:fontRef idx="minor">
+        <a:schemeClr val="lt1"/>
+      </a:fontRef>
+    </dgm:style>
+  </dgm:styleLbl>
+  <dgm:styleLbl name="asst2">
+    <dgm:scene3d>
+      <a:camera prst="orthographicFront"/>
+      <a:lightRig rig="threePt" dir="t"/>
+    </dgm:scene3d>
+    <dgm:sp3d/>
+    <dgm:txPr/>
+    <dgm:style>
+      <a:lnRef idx="2">
+        <a:scrgbClr r="0" g="0" b="0"/>
+      </a:lnRef>
+      <a:fillRef idx="1">
+        <a:scrgbClr r="0" g="0" b="0"/>
+      </a:fillRef>
+      <a:effectRef idx="0">
+        <a:scrgbClr r="0" g="0" b="0"/>
+      </a:effectRef>
+      <a:fontRef idx="minor">
+        <a:schemeClr val="lt1"/>
+      </a:fontRef>
+    </dgm:style>
+  </dgm:styleLbl>
+  <dgm:styleLbl name="asst3">
+    <dgm:scene3d>
+      <a:camera prst="orthographicFront"/>
+      <a:lightRig rig="threePt" dir="t"/>
+    </dgm:scene3d>
+    <dgm:sp3d/>
+    <dgm:txPr/>
+    <dgm:style>
+      <a:lnRef idx="2">
+        <a:scrgbClr r="0" g="0" b="0"/>
+      </a:lnRef>
+      <a:fillRef idx="1">
+        <a:scrgbClr r="0" g="0" b="0"/>
+      </a:fillRef>
+      <a:effectRef idx="0">
+        <a:scrgbClr r="0" g="0" b="0"/>
+      </a:effectRef>
+      <a:fontRef idx="minor">
+        <a:schemeClr val="lt1"/>
+      </a:fontRef>
+    </dgm:style>
+  </dgm:styleLbl>
+  <dgm:styleLbl name="asst4">
+    <dgm:scene3d>
+      <a:camera prst="orthographicFront"/>
+      <a:lightRig rig="threePt" dir="t"/>
+    </dgm:scene3d>
+    <dgm:sp3d/>
+    <dgm:txPr/>
+    <dgm:style>
+      <a:lnRef idx="2">
+        <a:scrgbClr r="0" g="0" b="0"/>
+      </a:lnRef>
+      <a:fillRef idx="1">
+        <a:scrgbClr r="0" g="0" b="0"/>
+      </a:fillRef>
+      <a:effectRef idx="0">
+        <a:scrgbClr r="0" g="0" b="0"/>
+      </a:effectRef>
+      <a:fontRef idx="minor">
+        <a:schemeClr val="lt1"/>
+      </a:fontRef>
+    </dgm:style>
+  </dgm:styleLbl>
+  <dgm:styleLbl name="parChTrans2D1">
+    <dgm:scene3d>
+      <a:camera prst="orthographicFront"/>
+      <a:lightRig rig="threePt" dir="t"/>
+    </dgm:scene3d>
+    <dgm:sp3d/>
+    <dgm:txPr/>
+    <dgm:style>
+      <a:lnRef idx="2">
+        <a:scrgbClr r="0" g="0" b="0"/>
+      </a:lnRef>
+      <a:fillRef idx="1">
+        <a:scrgbClr r="0" g="0" b="0"/>
+      </a:fillRef>
+      <a:effectRef idx="0">
+        <a:scrgbClr r="0" g="0" b="0"/>
+      </a:effectRef>
+      <a:fontRef idx="minor">
+        <a:schemeClr val="lt1"/>
+      </a:fontRef>
+    </dgm:style>
+  </dgm:styleLbl>
+  <dgm:styleLbl name="parChTrans2D2">
+    <dgm:scene3d>
+      <a:camera prst="orthographicFront"/>
+      <a:lightRig rig="threePt" dir="t"/>
+    </dgm:scene3d>
+    <dgm:sp3d/>
+    <dgm:txPr/>
+    <dgm:style>
+      <a:lnRef idx="2">
+        <a:scrgbClr r="0" g="0" b="0"/>
+      </a:lnRef>
+      <a:fillRef idx="1">
+        <a:scrgbClr r="0" g="0" b="0"/>
+      </a:fillRef>
+      <a:effectRef idx="0">
+        <a:scrgbClr r="0" g="0" b="0"/>
+      </a:effectRef>
+      <a:fontRef idx="minor">
+        <a:schemeClr val="lt1"/>
+      </a:fontRef>
+    </dgm:style>
+  </dgm:styleLbl>
+  <dgm:styleLbl name="parChTrans2D3">
+    <dgm:scene3d>
+      <a:camera prst="orthographicFront"/>
+      <a:lightRig rig="threePt" dir="t"/>
+    </dgm:scene3d>
+    <dgm:sp3d/>
+    <dgm:txPr/>
+    <dgm:style>
+      <a:lnRef idx="2">
+        <a:scrgbClr r="0" g="0" b="0"/>
+      </a:lnRef>
+      <a:fillRef idx="1">
+        <a:scrgbClr r="0" g="0" b="0"/>
+      </a:fillRef>
+      <a:effectRef idx="0">
+        <a:scrgbClr r="0" g="0" b="0"/>
+      </a:effectRef>
+      <a:fontRef idx="minor">
+        <a:schemeClr val="lt1"/>
+      </a:fontRef>
+    </dgm:style>
+  </dgm:styleLbl>
+  <dgm:styleLbl name="parChTrans2D4">
+    <dgm:scene3d>
+      <a:camera prst="orthographicFront"/>
+      <a:lightRig rig="threePt" dir="t"/>
+    </dgm:scene3d>
+    <dgm:sp3d/>
+    <dgm:txPr/>
+    <dgm:style>
+      <a:lnRef idx="2">
+        <a:scrgbClr r="0" g="0" b="0"/>
+      </a:lnRef>
+      <a:fillRef idx="1">
+        <a:scrgbClr r="0" g="0" b="0"/>
+      </a:fillRef>
+      <a:effectRef idx="0">
+        <a:scrgbClr r="0" g="0" b="0"/>
+      </a:effectRef>
+      <a:fontRef idx="minor">
+        <a:schemeClr val="lt1"/>
+      </a:fontRef>
+    </dgm:style>
+  </dgm:styleLbl>
+  <dgm:styleLbl name="parChTrans1D1">
+    <dgm:scene3d>
+      <a:camera prst="orthographicFront"/>
+      <a:lightRig rig="threePt" dir="t"/>
+    </dgm:scene3d>
+    <dgm:sp3d/>
+    <dgm:txPr/>
+    <dgm:style>
+      <a:lnRef idx="2">
+        <a:scrgbClr r="0" g="0" b="0"/>
+      </a:lnRef>
+      <a:fillRef idx="0">
+        <a:scrgbClr r="0" g="0" b="0"/>
+      </a:fillRef>
+      <a:effectRef idx="0">
+        <a:scrgbClr r="0" g="0" b="0"/>
+      </a:effectRef>
+      <a:fontRef idx="minor"/>
+    </dgm:style>
+  </dgm:styleLbl>
+  <dgm:styleLbl name="parChTrans1D2">
+    <dgm:scene3d>
+      <a:camera prst="orthographicFront"/>
+      <a:lightRig rig="threePt" dir="t"/>
+    </dgm:scene3d>
+    <dgm:sp3d/>
+    <dgm:txPr/>
+    <dgm:style>
+      <a:lnRef idx="2">
+        <a:scrgbClr r="0" g="0" b="0"/>
+      </a:lnRef>
+      <a:fillRef idx="0">
+        <a:scrgbClr r="0" g="0" b="0"/>
+      </a:fillRef>
+      <a:effectRef idx="0">
+        <a:scrgbClr r="0" g="0" b="0"/>
+      </a:effectRef>
+      <a:fontRef idx="minor"/>
+    </dgm:style>
+  </dgm:styleLbl>
+  <dgm:styleLbl name="parChTrans1D3">
+    <dgm:scene3d>
+      <a:camera prst="orthographicFront"/>
+      <a:lightRig rig="threePt" dir="t"/>
+    </dgm:scene3d>
+    <dgm:sp3d/>
+    <dgm:txPr/>
+    <dgm:style>
+      <a:lnRef idx="2">
+        <a:scrgbClr r="0" g="0" b="0"/>
+      </a:lnRef>
+      <a:fillRef idx="0">
+        <a:scrgbClr r="0" g="0" b="0"/>
+      </a:fillRef>
+      <a:effectRef idx="0">
+        <a:scrgbClr r="0" g="0" b="0"/>
+      </a:effectRef>
+      <a:fontRef idx="minor"/>
+    </dgm:style>
+  </dgm:styleLbl>
+  <dgm:styleLbl name="parChTrans1D4">
+    <dgm:scene3d>
+      <a:camera prst="orthographicFront"/>
+      <a:lightRig rig="threePt" dir="t"/>
+    </dgm:scene3d>
+    <dgm:sp3d/>
+    <dgm:txPr/>
+    <dgm:style>
+      <a:lnRef idx="2">
+        <a:scrgbClr r="0" g="0" b="0"/>
+      </a:lnRef>
+      <a:fillRef idx="0">
+        <a:scrgbClr r="0" g="0" b="0"/>
+      </a:fillRef>
+      <a:effectRef idx="0">
+        <a:scrgbClr r="0" g="0" b="0"/>
+      </a:effectRef>
+      <a:fontRef idx="minor"/>
+    </dgm:style>
+  </dgm:styleLbl>
+  <dgm:styleLbl name="fgAcc1">
+    <dgm:scene3d>
+      <a:camera prst="orthographicFront"/>
+      <a:lightRig rig="threePt" dir="t"/>
+    </dgm:scene3d>
+    <dgm:sp3d/>
+    <dgm:txPr/>
+    <dgm:style>
+      <a:lnRef idx="2">
+        <a:scrgbClr r="0" g="0" b="0"/>
+      </a:lnRef>
+      <a:fillRef idx="1">
+        <a:scrgbClr r="0" g="0" b="0"/>
+      </a:fillRef>
+      <a:effectRef idx="0">
+        <a:scrgbClr r="0" g="0" b="0"/>
+      </a:effectRef>
+      <a:fontRef idx="minor"/>
+    </dgm:style>
+  </dgm:styleLbl>
+  <dgm:styleLbl name="conFgAcc1">
+    <dgm:scene3d>
+      <a:camera prst="orthographicFront"/>
+      <a:lightRig rig="threePt" dir="t"/>
+    </dgm:scene3d>
+    <dgm:sp3d/>
+    <dgm:txPr/>
+    <dgm:style>
+      <a:lnRef idx="2">
+        <a:scrgbClr r="0" g="0" b="0"/>
+      </a:lnRef>
+      <a:fillRef idx="1">
+        <a:scrgbClr r="0" g="0" b="0"/>
+      </a:fillRef>
+      <a:effectRef idx="0">
+        <a:scrgbClr r="0" g="0" b="0"/>
+      </a:effectRef>
+      <a:fontRef idx="minor"/>
+    </dgm:style>
+  </dgm:styleLbl>
+  <dgm:styleLbl name="alignAcc1">
+    <dgm:scene3d>
+      <a:camera prst="orthographicFront"/>
+      <a:lightRig rig="threePt" dir="t"/>
+    </dgm:scene3d>
+    <dgm:sp3d/>
+    <dgm:txPr/>
+    <dgm:style>
+      <a:lnRef idx="2">
+        <a:scrgbClr r="0" g="0" b="0"/>
+      </a:lnRef>
+      <a:fillRef idx="1">
+        <a:scrgbClr r="0" g="0" b="0"/>
+      </a:fillRef>
+      <a:effectRef idx="0">
+        <a:scrgbClr r="0" g="0" b="0"/>
+      </a:effectRef>
+      <a:fontRef idx="minor"/>
+    </dgm:style>
+  </dgm:styleLbl>
+  <dgm:styleLbl name="trAlignAcc1">
+    <dgm:scene3d>
+      <a:camera prst="orthographicFront"/>
+      <a:lightRig rig="threePt" dir="t"/>
+    </dgm:scene3d>
+    <dgm:sp3d/>
+    <dgm:txPr/>
+    <dgm:style>
+      <a:lnRef idx="1">
+        <a:scrgbClr r="0" g="0" b="0"/>
+      </a:lnRef>
+      <a:fillRef idx="1">
+        <a:scrgbClr r="0" g="0" b="0"/>
+      </a:fillRef>
+      <a:effectRef idx="0">
+        <a:scrgbClr r="0" g="0" b="0"/>
+      </a:effectRef>
+      <a:fontRef idx="minor"/>
+    </dgm:style>
+  </dgm:styleLbl>
+  <dgm:styleLbl name="bgAcc1">
+    <dgm:scene3d>
+      <a:camera prst="orthographicFront"/>
+      <a:lightRig rig="threePt" dir="t"/>
+    </dgm:scene3d>
+    <dgm:sp3d/>
+    <dgm:txPr/>
+    <dgm:style>
+      <a:lnRef idx="2">
+        <a:scrgbClr r="0" g="0" b="0"/>
+      </a:lnRef>
+      <a:fillRef idx="1">
+        <a:scrgbClr r="0" g="0" b="0"/>
+      </a:fillRef>
+      <a:effectRef idx="0">
+        <a:scrgbClr r="0" g="0" b="0"/>
+      </a:effectRef>
+      <a:fontRef idx="minor"/>
+    </dgm:style>
+  </dgm:styleLbl>
+  <dgm:styleLbl name="solidFgAcc1">
+    <dgm:scene3d>
+      <a:camera prst="orthographicFront"/>
+      <a:lightRig rig="threePt" dir="t"/>
+    </dgm:scene3d>
+    <dgm:sp3d/>
+    <dgm:txPr/>
+    <dgm:style>
+      <a:lnRef idx="2">
+        <a:scrgbClr r="0" g="0" b="0"/>
+      </a:lnRef>
+      <a:fillRef idx="1">
+        <a:scrgbClr r="0" g="0" b="0"/>
+      </a:fillRef>
+      <a:effectRef idx="0">
+        <a:scrgbClr r="0" g="0" b="0"/>
+      </a:effectRef>
+      <a:fontRef idx="minor"/>
+    </dgm:style>
+  </dgm:styleLbl>
+  <dgm:styleLbl name="solidAlignAcc1">
+    <dgm:scene3d>
+      <a:camera prst="orthographicFront"/>
+      <a:lightRig rig="threePt" dir="t"/>
+    </dgm:scene3d>
+    <dgm:sp3d/>
+    <dgm:txPr/>
+    <dgm:style>
+      <a:lnRef idx="2">
+        <a:scrgbClr r="0" g="0" b="0"/>
+      </a:lnRef>
+      <a:fillRef idx="1">
+        <a:scrgbClr r="0" g="0" b="0"/>
+      </a:fillRef>
+      <a:effectRef idx="0">
+        <a:scrgbClr r="0" g="0" b="0"/>
+      </a:effectRef>
+      <a:fontRef idx="minor"/>
+    </dgm:style>
+  </dgm:styleLbl>
+  <dgm:styleLbl name="solidBgAcc1">
+    <dgm:scene3d>
+      <a:camera prst="orthographicFront"/>
+      <a:lightRig rig="threePt" dir="t"/>
+    </dgm:scene3d>
+    <dgm:sp3d/>
+    <dgm:txPr/>
+    <dgm:style>
+      <a:lnRef idx="2">
+        <a:scrgbClr r="0" g="0" b="0"/>
+      </a:lnRef>
+      <a:fillRef idx="1">
+        <a:scrgbClr r="0" g="0" b="0"/>
+      </a:fillRef>
+      <a:effectRef idx="0">
+        <a:scrgbClr r="0" g="0" b="0"/>
+      </a:effectRef>
+      <a:fontRef idx="minor"/>
+    </dgm:style>
+  </dgm:styleLbl>
+  <dgm:styleLbl name="fgAccFollowNode1">
+    <dgm:scene3d>
+      <a:camera prst="orthographicFront"/>
+      <a:lightRig rig="threePt" dir="t"/>
+    </dgm:scene3d>
+    <dgm:sp3d/>
+    <dgm:txPr/>
+    <dgm:style>
+      <a:lnRef idx="2">
+        <a:scrgbClr r="0" g="0" b="0"/>
+      </a:lnRef>
+      <a:fillRef idx="1">
+        <a:scrgbClr r="0" g="0" b="0"/>
+      </a:fillRef>
+      <a:effectRef idx="0">
+        <a:scrgbClr r="0" g="0" b="0"/>
+      </a:effectRef>
+      <a:fontRef idx="minor"/>
+    </dgm:style>
+  </dgm:styleLbl>
+  <dgm:styleLbl name="alignAccFollowNode1">
+    <dgm:scene3d>
+      <a:camera prst="orthographicFront"/>
+      <a:lightRig rig="threePt" dir="t"/>
+    </dgm:scene3d>
+    <dgm:sp3d/>
+    <dgm:txPr/>
+    <dgm:style>
+      <a:lnRef idx="2">
+        <a:scrgbClr r="0" g="0" b="0"/>
+      </a:lnRef>
+      <a:fillRef idx="1">
+        <a:scrgbClr r="0" g="0" b="0"/>
+      </a:fillRef>
+      <a:effectRef idx="0">
+        <a:scrgbClr r="0" g="0" b="0"/>
+      </a:effectRef>
+      <a:fontRef idx="minor"/>
+    </dgm:style>
+  </dgm:styleLbl>
+  <dgm:styleLbl name="bgAccFollowNode1">
+    <dgm:scene3d>
+      <a:camera prst="orthographicFront"/>
+      <a:lightRig rig="threePt" dir="t"/>
+    </dgm:scene3d>
+    <dgm:sp3d/>
+    <dgm:txPr/>
+    <dgm:style>
+      <a:lnRef idx="2">
+        <a:scrgbClr r="0" g="0" b="0"/>
+      </a:lnRef>
+      <a:fillRef idx="1">
+        <a:scrgbClr r="0" g="0" b="0"/>
+      </a:fillRef>
+      <a:effectRef idx="0">
+        <a:scrgbClr r="0" g="0" b="0"/>
+      </a:effectRef>
+      <a:fontRef idx="minor"/>
+    </dgm:style>
+  </dgm:styleLbl>
+  <dgm:styleLbl name="fgAcc0">
+    <dgm:scene3d>
+      <a:camera prst="orthographicFront"/>
+      <a:lightRig rig="threePt" dir="t"/>
+    </dgm:scene3d>
+    <dgm:sp3d/>
+    <dgm:txPr/>
+    <dgm:style>
+      <a:lnRef idx="2">
+        <a:scrgbClr r="0" g="0" b="0"/>
+      </a:lnRef>
+      <a:fillRef idx="1">
+        <a:scrgbClr r="0" g="0" b="0"/>
+      </a:fillRef>
+      <a:effectRef idx="0">
+        <a:scrgbClr r="0" g="0" b="0"/>
+      </a:effectRef>
+      <a:fontRef idx="minor"/>
+    </dgm:style>
+  </dgm:styleLbl>
+  <dgm:styleLbl name="fgAcc2">
+    <dgm:scene3d>
+      <a:camera prst="orthographicFront"/>
+      <a:lightRig rig="threePt" dir="t"/>
+    </dgm:scene3d>
+    <dgm:sp3d/>
+    <dgm:txPr/>
+    <dgm:style>
+      <a:lnRef idx="2">
+        <a:scrgbClr r="0" g="0" b="0"/>
+      </a:lnRef>
+      <a:fillRef idx="1">
+        <a:scrgbClr r="0" g="0" b="0"/>
+      </a:fillRef>
+      <a:effectRef idx="0">
+        <a:scrgbClr r="0" g="0" b="0"/>
+      </a:effectRef>
+      <a:fontRef idx="minor"/>
+    </dgm:style>
+  </dgm:styleLbl>
+  <dgm:styleLbl name="fgAcc3">
+    <dgm:scene3d>
+      <a:camera prst="orthographicFront"/>
+      <a:lightRig rig="threePt" dir="t"/>
+    </dgm:scene3d>
+    <dgm:sp3d/>
+    <dgm:txPr/>
+    <dgm:style>
+      <a:lnRef idx="2">
+        <a:scrgbClr r="0" g="0" b="0"/>
+      </a:lnRef>
+      <a:fillRef idx="1">
+        <a:scrgbClr r="0" g="0" b="0"/>
+      </a:fillRef>
+      <a:effectRef idx="0">
+        <a:scrgbClr r="0" g="0" b="0"/>
+      </a:effectRef>
+      <a:fontRef idx="minor"/>
+    </dgm:style>
+  </dgm:styleLbl>
+  <dgm:styleLbl name="fgAcc4">
+    <dgm:scene3d>
+      <a:camera prst="orthographicFront"/>
+      <a:lightRig rig="threePt" dir="t"/>
+    </dgm:scene3d>
+    <dgm:sp3d/>
+    <dgm:txPr/>
+    <dgm:style>
+      <a:lnRef idx="2">
+        <a:scrgbClr r="0" g="0" b="0"/>
+      </a:lnRef>
+      <a:fillRef idx="1">
+        <a:scrgbClr r="0" g="0" b="0"/>
+      </a:fillRef>
+      <a:effectRef idx="0">
+        <a:scrgbClr r="0" g="0" b="0"/>
+      </a:effectRef>
+      <a:fontRef idx="minor"/>
+    </dgm:style>
+  </dgm:styleLbl>
+  <dgm:styleLbl name="bgShp">
+    <dgm:scene3d>
+      <a:camera prst="orthographicFront"/>
+      <a:lightRig rig="threePt" dir="t"/>
+    </dgm:scene3d>
+    <dgm:sp3d/>
+    <dgm:txPr/>
+    <dgm:style>
+      <a:lnRef idx="0">
+        <a:scrgbClr r="0" g="0" b="0"/>
+      </a:lnRef>
+      <a:fillRef idx="1">
+        <a:scrgbClr r="0" g="0" b="0"/>
+      </a:fillRef>
+      <a:effectRef idx="0">
+        <a:scrgbClr r="0" g="0" b="0"/>
+      </a:effectRef>
+      <a:fontRef idx="minor"/>
+    </dgm:style>
+  </dgm:styleLbl>
+  <dgm:styleLbl name="dkBgShp">
+    <dgm:scene3d>
+      <a:camera prst="orthographicFront"/>
+      <a:lightRig rig="threePt" dir="t"/>
+    </dgm:scene3d>
+    <dgm:sp3d/>
+    <dgm:txPr/>
+    <dgm:style>
+      <a:lnRef idx="0">
+        <a:scrgbClr r="0" g="0" b="0"/>
+      </a:lnRef>
+      <a:fillRef idx="1">
+        <a:scrgbClr r="0" g="0" b="0"/>
+      </a:fillRef>
+      <a:effectRef idx="0">
+        <a:scrgbClr r="0" g="0" b="0"/>
+      </a:effectRef>
+      <a:fontRef idx="minor"/>
+    </dgm:style>
+  </dgm:styleLbl>
+  <dgm:styleLbl name="trBgShp">
+    <dgm:scene3d>
+      <a:camera prst="orthographicFront"/>
+      <a:lightRig rig="threePt" dir="t"/>
+    </dgm:scene3d>
+    <dgm:sp3d/>
+    <dgm:txPr/>
+    <dgm:style>
+      <a:lnRef idx="0">
+        <a:scrgbClr r="0" g="0" b="0"/>
+      </a:lnRef>
+      <a:fillRef idx="1">
+        <a:scrgbClr r="0" g="0" b="0"/>
+      </a:fillRef>
+      <a:effectRef idx="0">
+        <a:scrgbClr r="0" g="0" b="0"/>
+      </a:effectRef>
+      <a:fontRef idx="minor"/>
+    </dgm:style>
+  </dgm:styleLbl>
+  <dgm:styleLbl name="fgShp">
+    <dgm:scene3d>
+      <a:camera prst="orthographicFront"/>
+      <a:lightRig rig="threePt" dir="t"/>
+    </dgm:scene3d>
+    <dgm:sp3d/>
+    <dgm:txPr/>
+    <dgm:style>
+      <a:lnRef idx="2">
+        <a:scrgbClr r="0" g="0" b="0"/>
+      </a:lnRef>
+      <a:fillRef idx="1">
+        <a:scrgbClr r="0" g="0" b="0"/>
+      </a:fillRef>
+      <a:effectRef idx="0">
+        <a:scrgbClr r="0" g="0" b="0"/>
+      </a:effectRef>
+      <a:fontRef idx="minor"/>
+    </dgm:style>
+  </dgm:styleLbl>
+  <dgm:styleLbl name="revTx">
+    <dgm:scene3d>
+      <a:camera prst="orthographicFront"/>
+      <a:lightRig rig="threePt" dir="t"/>
+    </dgm:scene3d>
+    <dgm:sp3d/>
+    <dgm:txPr/>
+    <dgm:style>
+      <a:lnRef idx="0">
+        <a:scrgbClr r="0" g="0" b="0"/>
+      </a:lnRef>
+      <a:fillRef idx="0">
+        <a:scrgbClr r="0" g="0" b="0"/>
+      </a:fillRef>
+      <a:effectRef idx="0">
+        <a:scrgbClr r="0" g="0" b="0"/>
+      </a:effectRef>
+      <a:fontRef idx="minor"/>
+    </dgm:style>
+  </dgm:styleLbl>
+</dgm:styleDef>
+</file>
+
+<file path=ppt/diagrams/quickStyle3.xml><?xml version="1.0" encoding="utf-8"?>
 <dgm:styleDef xmlns:dgm="http://schemas.openxmlformats.org/drawingml/2006/diagram" xmlns:a="http://schemas.openxmlformats.org/drawingml/2006/main" uniqueId="urn:microsoft.com/office/officeart/2005/8/quickstyle/simple1">
   <dgm:title val=""/>
   <dgm:desc val=""/>
@@ -9275,7 +13707,7 @@
           <a:p>
             <a:fld id="{67702A17-7AE3-4B44-889C-4D77A0FC7177}" type="datetime1">
               <a:rPr lang="de-DE" smtClean="0"/>
-              <a:t>16.12.2022</a:t>
+              <a:t>20.12.2022</a:t>
             </a:fld>
             <a:endParaRPr lang="de-DE" dirty="0"/>
           </a:p>
@@ -9455,7 +13887,7 @@
             <a:fld id="{82650ACC-C7DD-445E-BC27-71FC31906D7B}" type="datetime1">
               <a:rPr lang="de-DE" smtClean="0"/>
               <a:pPr/>
-              <a:t>16.12.2022</a:t>
+              <a:t>20.12.2022</a:t>
             </a:fld>
             <a:endParaRPr lang="de-DE" dirty="0"/>
           </a:p>
@@ -10066,6 +14498,91 @@
 </p:notes>
 </file>
 
+<file path=ppt/notesSlides/notesSlide5.xml><?xml version="1.0" encoding="utf-8"?>
+<p:notes xmlns:a="http://schemas.openxmlformats.org/drawingml/2006/main" xmlns:r="http://schemas.openxmlformats.org/officeDocument/2006/relationships" xmlns:p="http://schemas.openxmlformats.org/presentationml/2006/main">
+  <p:cSld>
+    <p:spTree>
+      <p:nvGrpSpPr>
+        <p:cNvPr id="1" name=""/>
+        <p:cNvGrpSpPr/>
+        <p:nvPr/>
+      </p:nvGrpSpPr>
+      <p:grpSpPr>
+        <a:xfrm>
+          <a:off x="0" y="0"/>
+          <a:ext cx="0" cy="0"/>
+          <a:chOff x="0" y="0"/>
+          <a:chExt cx="0" cy="0"/>
+        </a:xfrm>
+      </p:grpSpPr>
+      <p:sp>
+        <p:nvSpPr>
+          <p:cNvPr id="2" name="Folienbildplatzhalter 1"/>
+          <p:cNvSpPr>
+            <a:spLocks noGrp="1" noRot="1" noChangeAspect="1"/>
+          </p:cNvSpPr>
+          <p:nvPr>
+            <p:ph type="sldImg"/>
+          </p:nvPr>
+        </p:nvSpPr>
+        <p:spPr/>
+      </p:sp>
+      <p:sp>
+        <p:nvSpPr>
+          <p:cNvPr id="3" name="Notizenplatzhalter 2"/>
+          <p:cNvSpPr>
+            <a:spLocks noGrp="1"/>
+          </p:cNvSpPr>
+          <p:nvPr>
+            <p:ph type="body" idx="1"/>
+          </p:nvPr>
+        </p:nvSpPr>
+        <p:spPr/>
+        <p:txBody>
+          <a:bodyPr/>
+          <a:lstStyle/>
+          <a:p>
+            <a:endParaRPr lang="de-DE"/>
+          </a:p>
+        </p:txBody>
+      </p:sp>
+      <p:sp>
+        <p:nvSpPr>
+          <p:cNvPr id="4" name="Foliennummernplatzhalter 3"/>
+          <p:cNvSpPr>
+            <a:spLocks noGrp="1"/>
+          </p:cNvSpPr>
+          <p:nvPr>
+            <p:ph type="sldNum" sz="quarter" idx="5"/>
+          </p:nvPr>
+        </p:nvSpPr>
+        <p:spPr/>
+        <p:txBody>
+          <a:bodyPr/>
+          <a:lstStyle/>
+          <a:p>
+            <a:pPr rtl="0"/>
+            <a:fld id="{D5939589-3E79-4C82-AA4A-FE78234FAA59}" type="slidenum">
+              <a:rPr lang="de-DE" smtClean="0"/>
+              <a:t>10</a:t>
+            </a:fld>
+            <a:endParaRPr lang="de-DE"/>
+          </a:p>
+        </p:txBody>
+      </p:sp>
+    </p:spTree>
+    <p:extLst>
+      <p:ext uri="{BB962C8B-B14F-4D97-AF65-F5344CB8AC3E}">
+        <p14:creationId xmlns:p14="http://schemas.microsoft.com/office/powerpoint/2010/main" val="1997843109"/>
+      </p:ext>
+    </p:extLst>
+  </p:cSld>
+  <p:clrMapOvr>
+    <a:masterClrMapping/>
+  </p:clrMapOvr>
+</p:notes>
+</file>
+
 <file path=ppt/slideLayouts/slideLayout1.xml><?xml version="1.0" encoding="utf-8"?>
 <p:sldLayout xmlns:a="http://schemas.openxmlformats.org/drawingml/2006/main" xmlns:r="http://schemas.openxmlformats.org/officeDocument/2006/relationships" xmlns:p="http://schemas.openxmlformats.org/presentationml/2006/main" type="title" preserve="1">
   <p:cSld name="Titelfolie">
@@ -20941,6 +25458,151 @@
 </p:sld>
 </file>
 
+<file path=ppt/slides/slide10.xml><?xml version="1.0" encoding="utf-8"?>
+<p:sld xmlns:a="http://schemas.openxmlformats.org/drawingml/2006/main" xmlns:r="http://schemas.openxmlformats.org/officeDocument/2006/relationships" xmlns:p="http://schemas.openxmlformats.org/presentationml/2006/main">
+  <p:cSld>
+    <p:spTree>
+      <p:nvGrpSpPr>
+        <p:cNvPr id="1" name=""/>
+        <p:cNvGrpSpPr/>
+        <p:nvPr/>
+      </p:nvGrpSpPr>
+      <p:grpSpPr>
+        <a:xfrm>
+          <a:off x="0" y="0"/>
+          <a:ext cx="0" cy="0"/>
+          <a:chOff x="0" y="0"/>
+          <a:chExt cx="0" cy="0"/>
+        </a:xfrm>
+      </p:grpSpPr>
+      <p:sp>
+        <p:nvSpPr>
+          <p:cNvPr id="2" name="Titel 1">
+            <a:extLst>
+              <a:ext uri="{FF2B5EF4-FFF2-40B4-BE49-F238E27FC236}">
+                <a16:creationId xmlns:a16="http://schemas.microsoft.com/office/drawing/2014/main" id="{66485278-3D07-466F-8351-667A2EBEABB8}"/>
+              </a:ext>
+            </a:extLst>
+          </p:cNvPr>
+          <p:cNvSpPr>
+            <a:spLocks noGrp="1"/>
+          </p:cNvSpPr>
+          <p:nvPr>
+            <p:ph type="title"/>
+          </p:nvPr>
+        </p:nvSpPr>
+        <p:spPr/>
+        <p:txBody>
+          <a:bodyPr rtlCol="0">
+            <a:normAutofit/>
+          </a:bodyPr>
+          <a:lstStyle/>
+          <a:p>
+            <a:pPr rtl="0"/>
+            <a:r>
+              <a:rPr lang="de-DE" dirty="0" err="1"/>
+              <a:t>Timetable</a:t>
+            </a:r>
+            <a:r>
+              <a:rPr lang="de-DE" dirty="0"/>
+              <a:t> Updated</a:t>
+            </a:r>
+          </a:p>
+        </p:txBody>
+      </p:sp>
+      <p:sp>
+        <p:nvSpPr>
+          <p:cNvPr id="6" name="Foliennummernplatzhalter 5">
+            <a:extLst>
+              <a:ext uri="{FF2B5EF4-FFF2-40B4-BE49-F238E27FC236}">
+                <a16:creationId xmlns:a16="http://schemas.microsoft.com/office/drawing/2014/main" id="{AB55FF1C-3CBD-419A-9DE4-7A8AA6371B6A}"/>
+              </a:ext>
+            </a:extLst>
+          </p:cNvPr>
+          <p:cNvSpPr>
+            <a:spLocks noGrp="1"/>
+          </p:cNvSpPr>
+          <p:nvPr>
+            <p:ph type="sldNum" sz="quarter" idx="12"/>
+          </p:nvPr>
+        </p:nvSpPr>
+        <p:spPr/>
+        <p:txBody>
+          <a:bodyPr rtlCol="0">
+            <a:normAutofit/>
+          </a:bodyPr>
+          <a:lstStyle/>
+          <a:p>
+            <a:pPr rtl="0">
+              <a:spcAft>
+                <a:spcPts val="600"/>
+              </a:spcAft>
+            </a:pPr>
+            <a:fld id="{D8DA9DAA-006C-4F4B-980E-E3DF019B24E2}" type="slidenum">
+              <a:rPr lang="de-DE" b="1" cap="all" spc="100" smtClean="0">
+                <a:solidFill>
+                  <a:schemeClr val="accent2"/>
+                </a:solidFill>
+              </a:rPr>
+              <a:pPr rtl="0">
+                <a:spcAft>
+                  <a:spcPts val="600"/>
+                </a:spcAft>
+              </a:pPr>
+              <a:t>10</a:t>
+            </a:fld>
+            <a:endParaRPr lang="de-DE" b="1" cap="all" spc="100" dirty="0">
+              <a:solidFill>
+                <a:schemeClr val="accent2"/>
+              </a:solidFill>
+            </a:endParaRPr>
+          </a:p>
+        </p:txBody>
+      </p:sp>
+      <p:graphicFrame>
+        <p:nvGraphicFramePr>
+          <p:cNvPr id="14" name="Inhaltsplatzhalter 6" descr="SmartArt-Zeitachse">
+            <a:extLst>
+              <a:ext uri="{FF2B5EF4-FFF2-40B4-BE49-F238E27FC236}">
+                <a16:creationId xmlns:a16="http://schemas.microsoft.com/office/drawing/2014/main" id="{CEC6DA80-0404-4CED-A682-9D41A16B341E}"/>
+              </a:ext>
+            </a:extLst>
+          </p:cNvPr>
+          <p:cNvGraphicFramePr>
+            <a:graphicFrameLocks noGrp="1"/>
+          </p:cNvGraphicFramePr>
+          <p:nvPr>
+            <p:ph idx="1"/>
+            <p:extLst>
+              <p:ext uri="{D42A27DB-BD31-4B8C-83A1-F6EECF244321}">
+                <p14:modId xmlns:p14="http://schemas.microsoft.com/office/powerpoint/2010/main" val="3294104799"/>
+              </p:ext>
+            </p:extLst>
+          </p:nvPr>
+        </p:nvGraphicFramePr>
+        <p:xfrm>
+          <a:off x="1447800" y="1325880"/>
+          <a:ext cx="9906000" cy="4419600"/>
+        </p:xfrm>
+        <a:graphic>
+          <a:graphicData uri="http://schemas.openxmlformats.org/drawingml/2006/diagram">
+            <dgm:relIds xmlns:dgm="http://schemas.openxmlformats.org/drawingml/2006/diagram" xmlns:r="http://schemas.openxmlformats.org/officeDocument/2006/relationships" r:dm="rId3" r:lo="rId4" r:qs="rId5" r:cs="rId6"/>
+          </a:graphicData>
+        </a:graphic>
+      </p:graphicFrame>
+    </p:spTree>
+    <p:extLst>
+      <p:ext uri="{BB962C8B-B14F-4D97-AF65-F5344CB8AC3E}">
+        <p14:creationId xmlns:p14="http://schemas.microsoft.com/office/powerpoint/2010/main" val="2525616202"/>
+      </p:ext>
+    </p:extLst>
+  </p:cSld>
+  <p:clrMapOvr>
+    <a:masterClrMapping/>
+  </p:clrMapOvr>
+</p:sld>
+</file>
+
 <file path=ppt/slides/slide2.xml><?xml version="1.0" encoding="utf-8"?>
 <p:sld xmlns:a="http://schemas.openxmlformats.org/drawingml/2006/main" xmlns:r="http://schemas.openxmlformats.org/officeDocument/2006/relationships" xmlns:p="http://schemas.openxmlformats.org/presentationml/2006/main">
   <p:cSld>
@@ -21031,23 +25693,15 @@
                   <a:schemeClr val="bg1"/>
                 </a:solidFill>
               </a:rPr>
-              <a:t> Unity &amp; (</a:t>
-            </a:r>
-            <a:r>
-              <a:rPr lang="de-DE" sz="2000" dirty="0" err="1">
+              <a:t> </a:t>
+            </a:r>
+            <a:r>
+              <a:rPr lang="de-DE" sz="2000">
                 <a:solidFill>
                   <a:schemeClr val="bg1"/>
                 </a:solidFill>
               </a:rPr>
-              <a:t>possibly</a:t>
-            </a:r>
-            <a:r>
-              <a:rPr lang="de-DE" sz="2000" dirty="0">
-                <a:solidFill>
-                  <a:schemeClr val="bg1"/>
-                </a:solidFill>
-              </a:rPr>
-              <a:t>) </a:t>
+              <a:t>Unity &amp; </a:t>
             </a:r>
             <a:r>
               <a:rPr lang="de-DE" sz="2000" dirty="0" err="1">
@@ -22881,7 +27535,7 @@
         </p:spPr>
         <p:txBody>
           <a:bodyPr vert="horz" lIns="91440" tIns="45720" rIns="91440" bIns="45720" rtlCol="0">
-            <a:normAutofit/>
+            <a:normAutofit lnSpcReduction="10000"/>
           </a:bodyPr>
           <a:lstStyle>
             <a:lvl1pPr marL="228600" indent="-228600" algn="l" defTabSz="914400" rtl="0" eaLnBrk="1" latinLnBrk="0" hangingPunct="1">
@@ -23062,7 +27716,31 @@
             </a:r>
             <a:r>
               <a:rPr lang="de-DE" sz="2400" b="1" dirty="0"/>
-              <a:t> (Threshold, Noise </a:t>
+              <a:t> (</a:t>
+            </a:r>
+            <a:r>
+              <a:rPr lang="de-DE" sz="2400" b="1" dirty="0" err="1"/>
+              <a:t>height</a:t>
+            </a:r>
+            <a:r>
+              <a:rPr lang="de-DE" sz="2400" b="1" dirty="0"/>
+              <a:t> </a:t>
+            </a:r>
+            <a:r>
+              <a:rPr lang="de-DE" sz="2400" b="1" dirty="0" err="1"/>
+              <a:t>thresholds</a:t>
+            </a:r>
+            <a:r>
+              <a:rPr lang="de-DE" sz="2400" b="1" dirty="0"/>
+              <a:t>, </a:t>
+            </a:r>
+            <a:r>
+              <a:rPr lang="de-DE" sz="2400" b="1" dirty="0" err="1"/>
+              <a:t>noise</a:t>
+            </a:r>
+            <a:r>
+              <a:rPr lang="de-DE" sz="2400" b="1" dirty="0"/>
+              <a:t> </a:t>
             </a:r>
             <a:r>
               <a:rPr lang="de-DE" sz="2400" b="1" dirty="0" err="1"/>
@@ -23109,31 +27787,103 @@
           <a:p>
             <a:r>
               <a:rPr lang="de-DE" sz="2400" b="1" dirty="0"/>
-              <a:t>More </a:t>
-            </a:r>
-            <a:r>
-              <a:rPr lang="de-DE" sz="2400" b="1" dirty="0" err="1"/>
-              <a:t>papers</a:t>
-            </a:r>
-            <a:r>
-              <a:rPr lang="de-DE" sz="2400" b="1" dirty="0"/>
-              <a:t> </a:t>
+              <a:t>Papers </a:t>
             </a:r>
           </a:p>
           <a:p>
             <a:pPr lvl="1"/>
             <a:r>
-              <a:rPr lang="de-DE" sz="2000" b="1" dirty="0"/>
-              <a:t>Marching Cubes: https://dl.acm.org/doi/10.1145/37402.37422</a:t>
+              <a:rPr lang="de-DE" sz="1800" dirty="0"/>
+              <a:t>Marching Cubes: </a:t>
+            </a:r>
+            <a:r>
+              <a:rPr lang="de-DE" sz="1800" dirty="0">
+                <a:hlinkClick r:id="rId2"/>
+              </a:rPr>
+              <a:t>https://dl.acm.org/doi/10.1145/37402.37422</a:t>
+            </a:r>
+            <a:r>
+              <a:rPr lang="de-DE" sz="1800" dirty="0"/>
+              <a:t> </a:t>
+            </a:r>
+            <a:r>
+              <a:rPr lang="de-DE" sz="2000" dirty="0"/>
+              <a:t>✅</a:t>
             </a:r>
           </a:p>
           <a:p>
-            <a:r>
-              <a:rPr lang="de-DE" sz="2400" dirty="0"/>
-              <a:t>Terrain Material</a:t>
+            <a:pPr lvl="1"/>
+            <a:r>
+              <a:rPr lang="en-US" sz="1800" b="0" i="0" u="none" strike="noStrike" baseline="0" dirty="0"/>
+              <a:t>Efficient Implementation of Marching Cubes' Cases with Topological Guarantees </a:t>
+            </a:r>
+            <a:r>
+              <a:rPr lang="de-DE" sz="1800" b="0" i="0" u="none" strike="noStrike" baseline="0" dirty="0">
+                <a:hlinkClick r:id="rId3"/>
+              </a:rPr>
+              <a:t>https://doi.org/10.1080/10867651.2003.10487582</a:t>
+            </a:r>
+            <a:r>
+              <a:rPr lang="de-DE" sz="1800" b="0" i="0" u="none" strike="noStrike" baseline="0" dirty="0"/>
+              <a:t> </a:t>
             </a:r>
           </a:p>
           <a:p>
+            <a:pPr lvl="1"/>
+            <a:r>
+              <a:rPr lang="en-US" sz="1800" b="0" i="0" u="none" strike="noStrike" baseline="0" dirty="0"/>
+              <a:t>Planetary Marching Cubes: A Marching Cubes Algorithm for Spherical Space: </a:t>
+            </a:r>
+            <a:r>
+              <a:rPr lang="de-DE" sz="1800" b="0" i="0" u="none" strike="noStrike" baseline="0" dirty="0"/>
+              <a:t>https://doi.org/10.1145/3301506.3301522</a:t>
+            </a:r>
+          </a:p>
+          <a:p>
+            <a:pPr marL="457200" lvl="1" indent="0">
+              <a:buNone/>
+            </a:pPr>
+            <a:endParaRPr lang="de-DE" sz="2000" b="1" dirty="0"/>
+          </a:p>
+          <a:p>
+            <a:r>
+              <a:rPr lang="de-DE" sz="2400" dirty="0"/>
+              <a:t>Terrain Material </a:t>
+            </a:r>
+            <a:r>
+              <a:rPr lang="de-DE" sz="2400" dirty="0" err="1"/>
+              <a:t>improvements</a:t>
+            </a:r>
+            <a:r>
+              <a:rPr lang="de-DE" sz="2400" dirty="0"/>
+              <a:t> (</a:t>
+            </a:r>
+            <a:r>
+              <a:rPr lang="de-DE" sz="2400" dirty="0" err="1"/>
+              <a:t>procedural</a:t>
+            </a:r>
+            <a:r>
+              <a:rPr lang="de-DE" sz="2400" dirty="0"/>
+              <a:t> </a:t>
+            </a:r>
+            <a:r>
+              <a:rPr lang="de-DE" sz="2400" dirty="0" err="1"/>
+              <a:t>texture</a:t>
+            </a:r>
+            <a:r>
+              <a:rPr lang="de-DE" sz="2400" dirty="0"/>
+              <a:t> </a:t>
+            </a:r>
+            <a:r>
+              <a:rPr lang="de-DE" sz="2400" dirty="0" err="1"/>
+              <a:t>generation</a:t>
+            </a:r>
+            <a:r>
+              <a:rPr lang="de-DE" sz="2400" dirty="0"/>
+              <a:t>?)</a:t>
+            </a:r>
+          </a:p>
+          <a:p>
             <a:r>
               <a:rPr lang="de-DE" sz="2400" dirty="0"/>
               <a:t>Shader </a:t>
@@ -23150,7 +27900,26 @@
               <a:rPr lang="de-DE" sz="2400" dirty="0" err="1"/>
               <a:t>shading</a:t>
             </a:r>
-            <a:endParaRPr lang="de-DE" sz="2400" dirty="0"/>
+            <a:r>
+              <a:rPr lang="de-DE" sz="2400" dirty="0"/>
+              <a:t> (via </a:t>
+            </a:r>
+            <a:r>
+              <a:rPr lang="de-DE" sz="2400" dirty="0" err="1"/>
+              <a:t>compute</a:t>
+            </a:r>
+            <a:r>
+              <a:rPr lang="de-DE" sz="2400" dirty="0"/>
+              <a:t> </a:t>
+            </a:r>
+            <a:r>
+              <a:rPr lang="de-DE" sz="2400" dirty="0" err="1"/>
+              <a:t>shaders</a:t>
+            </a:r>
+            <a:r>
+              <a:rPr lang="de-DE" sz="2400" dirty="0"/>
+              <a:t>)</a:t>
+            </a:r>
           </a:p>
           <a:p>
             <a:endParaRPr lang="de-DE" sz="2400" dirty="0"/>
@@ -23965,21 +28734,21 @@
 </file>
 
 <file path=customXml/item1.xml><?xml version="1.0" encoding="utf-8"?>
+<?mso-contentType ?>
+<FormTemplates xmlns="http://schemas.microsoft.com/sharepoint/v3/contenttype/forms">
+  <Display>DocumentLibraryForm</Display>
+  <Edit>DocumentLibraryForm</Edit>
+  <New>DocumentLibraryForm</New>
+</FormTemplates>
+</file>
+
+<file path=customXml/item2.xml><?xml version="1.0" encoding="utf-8"?>
 <p:properties xmlns:p="http://schemas.microsoft.com/office/2006/metadata/properties" xmlns:xsi="http://www.w3.org/2001/XMLSchema-instance" xmlns:pc="http://schemas.microsoft.com/office/infopath/2007/PartnerControls">
   <documentManagement>
     <Status xmlns="71af3243-3dd4-4a8d-8c0d-dd76da1f02a5">Not started</Status>
     <MediaServiceKeyPoints xmlns="71af3243-3dd4-4a8d-8c0d-dd76da1f02a5" xsi:nil="true"/>
   </documentManagement>
 </p:properties>
-</file>
-
-<file path=customXml/item2.xml><?xml version="1.0" encoding="utf-8"?>
-<?mso-contentType ?>
-<FormTemplates xmlns="http://schemas.microsoft.com/sharepoint/v3/contenttype/forms">
-  <Display>DocumentLibraryForm</Display>
-  <Edit>DocumentLibraryForm</Edit>
-  <New>DocumentLibraryForm</New>
-</FormTemplates>
 </file>
 
 <file path=customXml/item3.xml><?xml version="1.0" encoding="utf-8"?>
@@ -24204,19 +28973,19 @@
 </file>
 
 <file path=customXml/itemProps1.xml><?xml version="1.0" encoding="utf-8"?>
+<ds:datastoreItem xmlns:ds="http://schemas.openxmlformats.org/officeDocument/2006/customXml" ds:itemID="{3C8E00D1-8EA3-4E42-801D-0253E1EAFC21}">
+  <ds:schemaRefs>
+    <ds:schemaRef ds:uri="http://schemas.microsoft.com/sharepoint/v3/contenttype/forms"/>
+  </ds:schemaRefs>
+</ds:datastoreItem>
+</file>
+
+<file path=customXml/itemProps2.xml><?xml version="1.0" encoding="utf-8"?>
 <ds:datastoreItem xmlns:ds="http://schemas.openxmlformats.org/officeDocument/2006/customXml" ds:itemID="{99919F73-B6C2-4A43-95E2-833EC48925FE}">
   <ds:schemaRefs>
     <ds:schemaRef ds:uri="http://schemas.microsoft.com/office/2006/metadata/properties"/>
     <ds:schemaRef ds:uri="http://schemas.microsoft.com/office/infopath/2007/PartnerControls"/>
     <ds:schemaRef ds:uri="71af3243-3dd4-4a8d-8c0d-dd76da1f02a5"/>
-  </ds:schemaRefs>
-</ds:datastoreItem>
-</file>
-
-<file path=customXml/itemProps2.xml><?xml version="1.0" encoding="utf-8"?>
-<ds:datastoreItem xmlns:ds="http://schemas.openxmlformats.org/officeDocument/2006/customXml" ds:itemID="{3C8E00D1-8EA3-4E42-801D-0253E1EAFC21}">
-  <ds:schemaRefs>
-    <ds:schemaRef ds:uri="http://schemas.microsoft.com/sharepoint/v3/contenttype/forms"/>
   </ds:schemaRefs>
 </ds:datastoreItem>
 </file>

--- a/Computergrafik Praktikum.pptx
+++ b/Computergrafik Praktikum.pptx
@@ -5257,6 +5257,13 @@
         <a:p>
           <a:pPr rtl="0"/>
           <a:r>
+            <a:rPr lang="de-DE" sz="1400" b="1" i="0" u="none" noProof="0" dirty="0"/>
+            <a:t>Efficiency Test</a:t>
+          </a:r>
+        </a:p>
+        <a:p>
+          <a:pPr rtl="0"/>
+          <a:r>
             <a:rPr lang="de-DE" sz="1400" b="1" i="0" u="none" noProof="0" dirty="0" err="1"/>
             <a:t>Improve</a:t>
           </a:r>
@@ -5276,6 +5283,26 @@
             <a:rPr lang="de-DE" sz="1400" b="1" i="0" u="none" noProof="0" dirty="0"/>
             <a:t>Chunk LODs</a:t>
           </a:r>
+        </a:p>
+        <a:p>
+          <a:pPr rtl="0"/>
+          <a:r>
+            <a:rPr lang="de-DE" sz="1400" i="1" dirty="0"/>
+            <a:t>smooth normal </a:t>
+          </a:r>
+          <a:r>
+            <a:rPr lang="de-DE" sz="1400" i="1" dirty="0" err="1"/>
+            <a:t>shading</a:t>
+          </a:r>
+          <a:r>
+            <a:rPr lang="de-DE" sz="1400" i="1" dirty="0"/>
+            <a:t> </a:t>
+          </a:r>
+          <a:r>
+            <a:rPr lang="de-DE" sz="1400" i="1" dirty="0" err="1"/>
+            <a:t>test</a:t>
+          </a:r>
+          <a:endParaRPr lang="de-DE" sz="1400" b="1" i="0" u="none" noProof="0" dirty="0"/>
         </a:p>
         <a:p>
           <a:pPr rtl="0"/>
@@ -5371,14 +5398,30 @@
             <a:rPr lang="de-DE" sz="1400" b="1" i="0" u="none" noProof="0" dirty="0" err="1"/>
             <a:t>Presentation</a:t>
           </a:r>
-          <a:br>
-            <a:rPr lang="de-DE" sz="1400" b="1" i="0" u="none" noProof="0" dirty="0"/>
-          </a:br>
-          <a:r>
-            <a:rPr lang="de-DE" sz="1400" b="0" i="0" u="none" noProof="0" dirty="0" err="1"/>
+          <a:endParaRPr lang="de-DE" sz="1400" b="1" i="0" u="none" noProof="0" dirty="0"/>
+        </a:p>
+        <a:p>
+          <a:pPr rtl="0"/>
+          <a:r>
+            <a:rPr lang="de-DE" sz="1400" i="1" dirty="0"/>
+            <a:t>Material </a:t>
+          </a:r>
+          <a:r>
+            <a:rPr lang="de-DE" sz="1400" i="1"/>
+            <a:t>Tweaks</a:t>
+          </a:r>
+        </a:p>
+        <a:p>
+          <a:pPr rtl="0"/>
+          <a:r>
+            <a:rPr lang="de-DE" sz="1400" i="1" dirty="0" err="1"/>
             <a:t>Polishing</a:t>
           </a:r>
-          <a:endParaRPr lang="de-DE" sz="1400" noProof="0" dirty="0"/>
+          <a:endParaRPr lang="de-DE" sz="1400" i="1" dirty="0"/>
+        </a:p>
+        <a:p>
+          <a:pPr rtl="0"/>
+          <a:endParaRPr lang="de-DE" sz="1400" i="1" dirty="0"/>
         </a:p>
       </dgm:t>
     </dgm:pt>
@@ -8850,6 +8893,24 @@
             <a:buNone/>
           </a:pPr>
           <a:r>
+            <a:rPr lang="de-DE" sz="1400" b="1" i="0" u="none" kern="1200" noProof="0" dirty="0"/>
+            <a:t>Efficiency Test</a:t>
+          </a:r>
+        </a:p>
+        <a:p>
+          <a:pPr marL="0" lvl="0" indent="0" algn="l" defTabSz="622300" rtl="0">
+            <a:lnSpc>
+              <a:spcPct val="90000"/>
+            </a:lnSpc>
+            <a:spcBef>
+              <a:spcPct val="0"/>
+            </a:spcBef>
+            <a:spcAft>
+              <a:spcPct val="35000"/>
+            </a:spcAft>
+            <a:buNone/>
+          </a:pPr>
+          <a:r>
             <a:rPr lang="de-DE" sz="1400" b="1" i="0" u="none" kern="1200" noProof="0" dirty="0" err="1"/>
             <a:t>Improve</a:t>
           </a:r>
@@ -8880,6 +8941,37 @@
             <a:rPr lang="de-DE" sz="1400" b="1" i="0" u="none" kern="1200" noProof="0" dirty="0"/>
             <a:t>Chunk LODs</a:t>
           </a:r>
+        </a:p>
+        <a:p>
+          <a:pPr marL="0" lvl="0" indent="0" algn="l" defTabSz="622300" rtl="0">
+            <a:lnSpc>
+              <a:spcPct val="90000"/>
+            </a:lnSpc>
+            <a:spcBef>
+              <a:spcPct val="0"/>
+            </a:spcBef>
+            <a:spcAft>
+              <a:spcPct val="35000"/>
+            </a:spcAft>
+            <a:buNone/>
+          </a:pPr>
+          <a:r>
+            <a:rPr lang="de-DE" sz="1400" i="1" kern="1200" dirty="0"/>
+            <a:t>smooth normal </a:t>
+          </a:r>
+          <a:r>
+            <a:rPr lang="de-DE" sz="1400" i="1" kern="1200" dirty="0" err="1"/>
+            <a:t>shading</a:t>
+          </a:r>
+          <a:r>
+            <a:rPr lang="de-DE" sz="1400" i="1" kern="1200" dirty="0"/>
+            <a:t> </a:t>
+          </a:r>
+          <a:r>
+            <a:rPr lang="de-DE" sz="1400" i="1" kern="1200" dirty="0" err="1"/>
+            <a:t>test</a:t>
+          </a:r>
+          <a:endParaRPr lang="de-DE" sz="1400" b="1" i="0" u="none" kern="1200" noProof="0" dirty="0"/>
         </a:p>
         <a:p>
           <a:pPr marL="0" lvl="0" indent="0" algn="l" defTabSz="622300" rtl="0">
@@ -9075,14 +9167,63 @@
             <a:rPr lang="de-DE" sz="1400" b="1" i="0" u="none" kern="1200" noProof="0" dirty="0" err="1"/>
             <a:t>Presentation</a:t>
           </a:r>
-          <a:br>
-            <a:rPr lang="de-DE" sz="1400" b="1" i="0" u="none" kern="1200" noProof="0" dirty="0"/>
-          </a:br>
-          <a:r>
-            <a:rPr lang="de-DE" sz="1400" b="0" i="0" u="none" kern="1200" noProof="0" dirty="0" err="1"/>
+          <a:endParaRPr lang="de-DE" sz="1400" b="1" i="0" u="none" kern="1200" noProof="0" dirty="0"/>
+        </a:p>
+        <a:p>
+          <a:pPr marL="0" lvl="0" indent="0" algn="l" defTabSz="622300" rtl="0">
+            <a:lnSpc>
+              <a:spcPct val="90000"/>
+            </a:lnSpc>
+            <a:spcBef>
+              <a:spcPct val="0"/>
+            </a:spcBef>
+            <a:spcAft>
+              <a:spcPct val="35000"/>
+            </a:spcAft>
+            <a:buNone/>
+          </a:pPr>
+          <a:r>
+            <a:rPr lang="de-DE" sz="1400" i="1" kern="1200" dirty="0"/>
+            <a:t>Material </a:t>
+          </a:r>
+          <a:r>
+            <a:rPr lang="de-DE" sz="1400" i="1" kern="1200"/>
+            <a:t>Tweaks</a:t>
+          </a:r>
+        </a:p>
+        <a:p>
+          <a:pPr marL="0" lvl="0" indent="0" algn="l" defTabSz="622300" rtl="0">
+            <a:lnSpc>
+              <a:spcPct val="90000"/>
+            </a:lnSpc>
+            <a:spcBef>
+              <a:spcPct val="0"/>
+            </a:spcBef>
+            <a:spcAft>
+              <a:spcPct val="35000"/>
+            </a:spcAft>
+            <a:buNone/>
+          </a:pPr>
+          <a:r>
+            <a:rPr lang="de-DE" sz="1400" i="1" kern="1200" dirty="0" err="1"/>
             <a:t>Polishing</a:t>
           </a:r>
-          <a:endParaRPr lang="de-DE" sz="1400" kern="1200" noProof="0" dirty="0"/>
+          <a:endParaRPr lang="de-DE" sz="1400" i="1" kern="1200" dirty="0"/>
+        </a:p>
+        <a:p>
+          <a:pPr marL="0" lvl="0" indent="0" algn="l" defTabSz="622300" rtl="0">
+            <a:lnSpc>
+              <a:spcPct val="90000"/>
+            </a:lnSpc>
+            <a:spcBef>
+              <a:spcPct val="0"/>
+            </a:spcBef>
+            <a:spcAft>
+              <a:spcPct val="35000"/>
+            </a:spcAft>
+            <a:buNone/>
+          </a:pPr>
+          <a:endParaRPr lang="de-DE" sz="1400" i="1" kern="1200" dirty="0"/>
         </a:p>
       </dsp:txBody>
       <dsp:txXfrm>
@@ -25575,7 +25716,7 @@
             <p:ph idx="1"/>
             <p:extLst>
               <p:ext uri="{D42A27DB-BD31-4B8C-83A1-F6EECF244321}">
-                <p14:modId xmlns:p14="http://schemas.microsoft.com/office/powerpoint/2010/main" val="3294104799"/>
+                <p14:modId xmlns:p14="http://schemas.microsoft.com/office/powerpoint/2010/main" val="565081228"/>
               </p:ext>
             </p:extLst>
           </p:nvPr>
@@ -25685,7 +25826,7 @@
                   <a:schemeClr val="bg1"/>
                 </a:solidFill>
               </a:rPr>
-              <a:t>With</a:t>
+              <a:t>with</a:t>
             </a:r>
             <a:r>
               <a:rPr lang="de-DE" sz="2000" dirty="0">
@@ -25693,15 +25834,7 @@
                   <a:schemeClr val="bg1"/>
                 </a:solidFill>
               </a:rPr>
-              <a:t> </a:t>
-            </a:r>
-            <a:r>
-              <a:rPr lang="de-DE" sz="2000">
-                <a:solidFill>
-                  <a:schemeClr val="bg1"/>
-                </a:solidFill>
-              </a:rPr>
-              <a:t>Unity &amp; </a:t>
+              <a:t> Unity &amp; </a:t>
             </a:r>
             <a:r>
               <a:rPr lang="de-DE" sz="2000" dirty="0" err="1">
@@ -27703,86 +27836,166 @@
           </a:lstStyle>
           <a:p>
             <a:r>
-              <a:rPr lang="de-DE" sz="2400" b="1" dirty="0" err="1"/>
+              <a:rPr lang="de-DE" sz="2400" b="1" dirty="0" err="1">
+                <a:solidFill>
+                  <a:srgbClr val="FF0000"/>
+                </a:solidFill>
+              </a:rPr>
               <a:t>Improved</a:t>
             </a:r>
             <a:r>
-              <a:rPr lang="de-DE" sz="2400" b="1" dirty="0"/>
+              <a:rPr lang="de-DE" sz="2400" b="1" dirty="0">
+                <a:solidFill>
+                  <a:srgbClr val="FF0000"/>
+                </a:solidFill>
+              </a:rPr>
               <a:t> Density </a:t>
             </a:r>
             <a:r>
-              <a:rPr lang="de-DE" sz="2400" b="1" dirty="0" err="1"/>
+              <a:rPr lang="de-DE" sz="2400" b="1" dirty="0" err="1">
+                <a:solidFill>
+                  <a:srgbClr val="FF0000"/>
+                </a:solidFill>
+              </a:rPr>
               <a:t>Function</a:t>
             </a:r>
             <a:r>
-              <a:rPr lang="de-DE" sz="2400" b="1" dirty="0"/>
+              <a:rPr lang="de-DE" sz="2400" b="1" dirty="0">
+                <a:solidFill>
+                  <a:srgbClr val="FF0000"/>
+                </a:solidFill>
+              </a:rPr>
               <a:t> (</a:t>
             </a:r>
             <a:r>
-              <a:rPr lang="de-DE" sz="2400" b="1" dirty="0" err="1"/>
+              <a:rPr lang="de-DE" sz="2400" b="1" dirty="0" err="1">
+                <a:solidFill>
+                  <a:srgbClr val="FF0000"/>
+                </a:solidFill>
+              </a:rPr>
               <a:t>height</a:t>
             </a:r>
             <a:r>
-              <a:rPr lang="de-DE" sz="2400" b="1" dirty="0"/>
+              <a:rPr lang="de-DE" sz="2400" b="1" dirty="0">
+                <a:solidFill>
+                  <a:srgbClr val="FF0000"/>
+                </a:solidFill>
+              </a:rPr>
               <a:t> </a:t>
             </a:r>
             <a:r>
-              <a:rPr lang="de-DE" sz="2400" b="1" dirty="0" err="1"/>
+              <a:rPr lang="de-DE" sz="2400" b="1" dirty="0" err="1">
+                <a:solidFill>
+                  <a:srgbClr val="FF0000"/>
+                </a:solidFill>
+              </a:rPr>
               <a:t>thresholds</a:t>
             </a:r>
             <a:r>
-              <a:rPr lang="de-DE" sz="2400" b="1" dirty="0"/>
+              <a:rPr lang="de-DE" sz="2400" b="1" dirty="0">
+                <a:solidFill>
+                  <a:srgbClr val="FF0000"/>
+                </a:solidFill>
+              </a:rPr>
               <a:t>, </a:t>
             </a:r>
             <a:r>
-              <a:rPr lang="de-DE" sz="2400" b="1" dirty="0" err="1"/>
+              <a:rPr lang="de-DE" sz="2400" b="1" dirty="0" err="1">
+                <a:solidFill>
+                  <a:srgbClr val="FF0000"/>
+                </a:solidFill>
+              </a:rPr>
               <a:t>noise</a:t>
             </a:r>
             <a:r>
-              <a:rPr lang="de-DE" sz="2400" b="1" dirty="0"/>
+              <a:rPr lang="de-DE" sz="2400" b="1" dirty="0">
+                <a:solidFill>
+                  <a:srgbClr val="FF0000"/>
+                </a:solidFill>
+              </a:rPr>
               <a:t> </a:t>
             </a:r>
             <a:r>
-              <a:rPr lang="de-DE" sz="2400" b="1" dirty="0" err="1"/>
+              <a:rPr lang="de-DE" sz="2400" b="1" dirty="0" err="1">
+                <a:solidFill>
+                  <a:srgbClr val="FF0000"/>
+                </a:solidFill>
+              </a:rPr>
               <a:t>improvements</a:t>
             </a:r>
             <a:r>
-              <a:rPr lang="de-DE" sz="2400" b="1" dirty="0"/>
+              <a:rPr lang="de-DE" sz="2400" b="1" dirty="0">
+                <a:solidFill>
+                  <a:srgbClr val="FF0000"/>
+                </a:solidFill>
+              </a:rPr>
               <a:t>?)</a:t>
             </a:r>
           </a:p>
           <a:p>
             <a:r>
-              <a:rPr lang="de-DE" sz="2400" b="1" dirty="0"/>
+              <a:rPr lang="de-DE" sz="2400" b="1" dirty="0">
+                <a:solidFill>
+                  <a:srgbClr val="FF0000"/>
+                </a:solidFill>
+              </a:rPr>
               <a:t>Chunk Management (LODs, </a:t>
             </a:r>
             <a:r>
-              <a:rPr lang="de-DE" sz="2400" b="1" dirty="0" err="1"/>
+              <a:rPr lang="de-DE" sz="2400" b="1" dirty="0" err="1">
+                <a:solidFill>
+                  <a:srgbClr val="FF0000"/>
+                </a:solidFill>
+              </a:rPr>
               <a:t>draw</a:t>
             </a:r>
             <a:r>
-              <a:rPr lang="de-DE" sz="2400" b="1" dirty="0"/>
+              <a:rPr lang="de-DE" sz="2400" b="1" dirty="0">
+                <a:solidFill>
+                  <a:srgbClr val="FF0000"/>
+                </a:solidFill>
+              </a:rPr>
               <a:t> </a:t>
             </a:r>
             <a:r>
-              <a:rPr lang="de-DE" sz="2400" b="1" dirty="0" err="1"/>
+              <a:rPr lang="de-DE" sz="2400" b="1" dirty="0" err="1">
+                <a:solidFill>
+                  <a:srgbClr val="FF0000"/>
+                </a:solidFill>
+              </a:rPr>
               <a:t>distance</a:t>
             </a:r>
             <a:r>
-              <a:rPr lang="de-DE" sz="2400" b="1" dirty="0"/>
+              <a:rPr lang="de-DE" sz="2400" b="1" dirty="0">
+                <a:solidFill>
+                  <a:srgbClr val="FF0000"/>
+                </a:solidFill>
+              </a:rPr>
               <a:t>)</a:t>
             </a:r>
           </a:p>
           <a:p>
             <a:r>
-              <a:rPr lang="de-DE" sz="2400" b="1" dirty="0"/>
+              <a:rPr lang="de-DE" sz="2400" b="1" dirty="0">
+                <a:solidFill>
+                  <a:srgbClr val="00B050"/>
+                </a:solidFill>
+              </a:rPr>
               <a:t>Efficiency </a:t>
             </a:r>
             <a:r>
-              <a:rPr lang="de-DE" sz="2400" b="1" dirty="0" err="1"/>
+              <a:rPr lang="de-DE" sz="2400" b="1" dirty="0" err="1">
+                <a:solidFill>
+                  <a:srgbClr val="00B050"/>
+                </a:solidFill>
+              </a:rPr>
               <a:t>analysis</a:t>
             </a:r>
-            <a:endParaRPr lang="de-DE" sz="2400" b="1" dirty="0"/>
+            <a:endParaRPr lang="de-DE" sz="2400" b="1" dirty="0">
+              <a:solidFill>
+                <a:srgbClr val="00B050"/>
+              </a:solidFill>
+            </a:endParaRPr>
           </a:p>
           <a:p>
             <a:r>
@@ -27835,8 +28048,14 @@
               <a:t>Planetary Marching Cubes: A Marching Cubes Algorithm for Spherical Space: </a:t>
             </a:r>
             <a:r>
+              <a:rPr lang="de-DE" sz="1800" b="0" i="0" u="none" strike="noStrike" baseline="0" dirty="0">
+                <a:hlinkClick r:id="rId4"/>
+              </a:rPr>
+              <a:t>https://doi.org/10.1145/3301506.3301522</a:t>
+            </a:r>
+            <a:r>
               <a:rPr lang="de-DE" sz="1800" b="0" i="0" u="none" strike="noStrike" baseline="0" dirty="0"/>
-              <a:t>https://doi.org/10.1145/3301506.3301522</a:t>
+              <a:t> </a:t>
             </a:r>
           </a:p>
           <a:p>
@@ -27885,44 +28104,84 @@
           </a:p>
           <a:p>
             <a:r>
-              <a:rPr lang="de-DE" sz="2400" dirty="0"/>
+              <a:rPr lang="de-DE" sz="2400" dirty="0">
+                <a:solidFill>
+                  <a:srgbClr val="00B050"/>
+                </a:solidFill>
+              </a:rPr>
               <a:t>Shader </a:t>
             </a:r>
             <a:r>
-              <a:rPr lang="de-DE" sz="2400" dirty="0" err="1"/>
+              <a:rPr lang="de-DE" sz="2400" dirty="0" err="1">
+                <a:solidFill>
+                  <a:srgbClr val="00B050"/>
+                </a:solidFill>
+              </a:rPr>
               <a:t>based</a:t>
             </a:r>
             <a:r>
-              <a:rPr lang="de-DE" sz="2400" dirty="0"/>
+              <a:rPr lang="de-DE" sz="2400" dirty="0">
+                <a:solidFill>
+                  <a:srgbClr val="00B050"/>
+                </a:solidFill>
+              </a:rPr>
               <a:t> smooth normal </a:t>
             </a:r>
             <a:r>
-              <a:rPr lang="de-DE" sz="2400" dirty="0" err="1"/>
+              <a:rPr lang="de-DE" sz="2400" dirty="0" err="1">
+                <a:solidFill>
+                  <a:srgbClr val="00B050"/>
+                </a:solidFill>
+              </a:rPr>
               <a:t>shading</a:t>
             </a:r>
             <a:r>
-              <a:rPr lang="de-DE" sz="2400" dirty="0"/>
+              <a:rPr lang="de-DE" sz="2400" dirty="0">
+                <a:solidFill>
+                  <a:srgbClr val="00B050"/>
+                </a:solidFill>
+              </a:rPr>
               <a:t> (via </a:t>
             </a:r>
             <a:r>
-              <a:rPr lang="de-DE" sz="2400" dirty="0" err="1"/>
+              <a:rPr lang="de-DE" sz="2400" dirty="0" err="1">
+                <a:solidFill>
+                  <a:srgbClr val="00B050"/>
+                </a:solidFill>
+              </a:rPr>
               <a:t>compute</a:t>
             </a:r>
             <a:r>
-              <a:rPr lang="de-DE" sz="2400" dirty="0"/>
+              <a:rPr lang="de-DE" sz="2400" dirty="0">
+                <a:solidFill>
+                  <a:srgbClr val="00B050"/>
+                </a:solidFill>
+              </a:rPr>
               <a:t> </a:t>
             </a:r>
             <a:r>
-              <a:rPr lang="de-DE" sz="2400" dirty="0" err="1"/>
+              <a:rPr lang="de-DE" sz="2400" dirty="0" err="1">
+                <a:solidFill>
+                  <a:srgbClr val="00B050"/>
+                </a:solidFill>
+              </a:rPr>
               <a:t>shaders</a:t>
             </a:r>
             <a:r>
-              <a:rPr lang="de-DE" sz="2400" dirty="0"/>
+              <a:rPr lang="de-DE" sz="2400" dirty="0">
+                <a:solidFill>
+                  <a:srgbClr val="00B050"/>
+                </a:solidFill>
+              </a:rPr>
               <a:t>)</a:t>
             </a:r>
           </a:p>
           <a:p>
-            <a:endParaRPr lang="de-DE" sz="2400" dirty="0"/>
+            <a:endParaRPr lang="de-DE" sz="2400" dirty="0">
+              <a:solidFill>
+                <a:srgbClr val="00B050"/>
+              </a:solidFill>
+            </a:endParaRPr>
           </a:p>
           <a:p>
             <a:endParaRPr lang="de-DE" dirty="0"/>
@@ -28734,21 +28993,21 @@
 </file>
 
 <file path=customXml/item1.xml><?xml version="1.0" encoding="utf-8"?>
+<p:properties xmlns:p="http://schemas.microsoft.com/office/2006/metadata/properties" xmlns:xsi="http://www.w3.org/2001/XMLSchema-instance" xmlns:pc="http://schemas.microsoft.com/office/infopath/2007/PartnerControls">
+  <documentManagement>
+    <Status xmlns="71af3243-3dd4-4a8d-8c0d-dd76da1f02a5">Not started</Status>
+    <MediaServiceKeyPoints xmlns="71af3243-3dd4-4a8d-8c0d-dd76da1f02a5" xsi:nil="true"/>
+  </documentManagement>
+</p:properties>
+</file>
+
+<file path=customXml/item2.xml><?xml version="1.0" encoding="utf-8"?>
 <?mso-contentType ?>
 <FormTemplates xmlns="http://schemas.microsoft.com/sharepoint/v3/contenttype/forms">
   <Display>DocumentLibraryForm</Display>
   <Edit>DocumentLibraryForm</Edit>
   <New>DocumentLibraryForm</New>
 </FormTemplates>
-</file>
-
-<file path=customXml/item2.xml><?xml version="1.0" encoding="utf-8"?>
-<p:properties xmlns:p="http://schemas.microsoft.com/office/2006/metadata/properties" xmlns:xsi="http://www.w3.org/2001/XMLSchema-instance" xmlns:pc="http://schemas.microsoft.com/office/infopath/2007/PartnerControls">
-  <documentManagement>
-    <Status xmlns="71af3243-3dd4-4a8d-8c0d-dd76da1f02a5">Not started</Status>
-    <MediaServiceKeyPoints xmlns="71af3243-3dd4-4a8d-8c0d-dd76da1f02a5" xsi:nil="true"/>
-  </documentManagement>
-</p:properties>
 </file>
 
 <file path=customXml/item3.xml><?xml version="1.0" encoding="utf-8"?>
@@ -28973,19 +29232,19 @@
 </file>
 
 <file path=customXml/itemProps1.xml><?xml version="1.0" encoding="utf-8"?>
-<ds:datastoreItem xmlns:ds="http://schemas.openxmlformats.org/officeDocument/2006/customXml" ds:itemID="{3C8E00D1-8EA3-4E42-801D-0253E1EAFC21}">
+<ds:datastoreItem xmlns:ds="http://schemas.openxmlformats.org/officeDocument/2006/customXml" ds:itemID="{99919F73-B6C2-4A43-95E2-833EC48925FE}">
   <ds:schemaRefs>
-    <ds:schemaRef ds:uri="http://schemas.microsoft.com/sharepoint/v3/contenttype/forms"/>
+    <ds:schemaRef ds:uri="http://schemas.microsoft.com/office/2006/metadata/properties"/>
+    <ds:schemaRef ds:uri="http://schemas.microsoft.com/office/infopath/2007/PartnerControls"/>
+    <ds:schemaRef ds:uri="71af3243-3dd4-4a8d-8c0d-dd76da1f02a5"/>
   </ds:schemaRefs>
 </ds:datastoreItem>
 </file>
 
 <file path=customXml/itemProps2.xml><?xml version="1.0" encoding="utf-8"?>
-<ds:datastoreItem xmlns:ds="http://schemas.openxmlformats.org/officeDocument/2006/customXml" ds:itemID="{99919F73-B6C2-4A43-95E2-833EC48925FE}">
+<ds:datastoreItem xmlns:ds="http://schemas.openxmlformats.org/officeDocument/2006/customXml" ds:itemID="{3C8E00D1-8EA3-4E42-801D-0253E1EAFC21}">
   <ds:schemaRefs>
-    <ds:schemaRef ds:uri="http://schemas.microsoft.com/office/2006/metadata/properties"/>
-    <ds:schemaRef ds:uri="http://schemas.microsoft.com/office/infopath/2007/PartnerControls"/>
-    <ds:schemaRef ds:uri="71af3243-3dd4-4a8d-8c0d-dd76da1f02a5"/>
+    <ds:schemaRef ds:uri="http://schemas.microsoft.com/sharepoint/v3/contenttype/forms"/>
   </ds:schemaRefs>
 </ds:datastoreItem>
 </file>

--- a/Computergrafik Praktikum.pptx
+++ b/Computergrafik Praktikum.pptx
@@ -5,10 +5,10 @@
     <p:sldMasterId id="2147483696" r:id="rId4"/>
   </p:sldMasterIdLst>
   <p:notesMasterIdLst>
-    <p:notesMasterId r:id="rId15"/>
+    <p:notesMasterId r:id="rId18"/>
   </p:notesMasterIdLst>
   <p:handoutMasterIdLst>
-    <p:handoutMasterId r:id="rId16"/>
+    <p:handoutMasterId r:id="rId19"/>
   </p:handoutMasterIdLst>
   <p:sldIdLst>
     <p:sldId id="306" r:id="rId5"/>
@@ -21,6 +21,9 @@
     <p:sldId id="315" r:id="rId12"/>
     <p:sldId id="314" r:id="rId13"/>
     <p:sldId id="316" r:id="rId14"/>
+    <p:sldId id="317" r:id="rId15"/>
+    <p:sldId id="318" r:id="rId16"/>
+    <p:sldId id="319" r:id="rId17"/>
   </p:sldIdLst>
   <p:sldSz cx="12192000" cy="6858000"/>
   <p:notesSz cx="6858000" cy="9144000"/>
@@ -2003,6 +2006,931 @@
 </file>
 
 <file path=ppt/diagrams/colors3.xml><?xml version="1.0" encoding="utf-8"?>
+<dgm:colorsDef xmlns:dgm="http://schemas.openxmlformats.org/drawingml/2006/diagram" xmlns:a="http://schemas.openxmlformats.org/drawingml/2006/main" uniqueId="urn:microsoft.com/office/officeart/2018/5/colors/Iconchunking_coloredoutline_colorful1">
+  <dgm:title val=""/>
+  <dgm:desc val=""/>
+  <dgm:catLst>
+    <dgm:cat type="colorful" pri="10100"/>
+  </dgm:catLst>
+  <dgm:styleLbl name="node0">
+    <dgm:fillClrLst meth="repeat">
+      <a:schemeClr val="accent1"/>
+    </dgm:fillClrLst>
+    <dgm:linClrLst meth="repeat">
+      <a:schemeClr val="lt1"/>
+    </dgm:linClrLst>
+    <dgm:effectClrLst/>
+    <dgm:txLinClrLst/>
+    <dgm:txFillClrLst/>
+    <dgm:txEffectClrLst/>
+  </dgm:styleLbl>
+  <dgm:styleLbl name="node1">
+    <dgm:fillClrLst meth="repeat">
+      <a:schemeClr val="accent2"/>
+      <a:schemeClr val="accent3"/>
+      <a:schemeClr val="accent4"/>
+      <a:schemeClr val="accent5"/>
+      <a:schemeClr val="accent6"/>
+    </dgm:fillClrLst>
+    <dgm:linClrLst meth="repeat">
+      <a:schemeClr val="lt1">
+        <a:alpha val="0"/>
+      </a:schemeClr>
+    </dgm:linClrLst>
+    <dgm:effectClrLst/>
+    <dgm:txLinClrLst/>
+    <dgm:txFillClrLst/>
+    <dgm:txEffectClrLst/>
+  </dgm:styleLbl>
+  <dgm:styleLbl name="alignNode1">
+    <dgm:fillClrLst meth="repeat">
+      <a:schemeClr val="accent2"/>
+      <a:schemeClr val="accent3"/>
+      <a:schemeClr val="accent4"/>
+      <a:schemeClr val="accent5"/>
+      <a:schemeClr val="accent6"/>
+    </dgm:fillClrLst>
+    <dgm:linClrLst meth="repeat">
+      <a:schemeClr val="accent2"/>
+      <a:schemeClr val="accent3"/>
+      <a:schemeClr val="accent4"/>
+      <a:schemeClr val="accent5"/>
+      <a:schemeClr val="accent6"/>
+    </dgm:linClrLst>
+    <dgm:effectClrLst/>
+    <dgm:txLinClrLst/>
+    <dgm:txFillClrLst/>
+    <dgm:txEffectClrLst/>
+  </dgm:styleLbl>
+  <dgm:styleLbl name="lnNode1">
+    <dgm:fillClrLst meth="repeat">
+      <a:schemeClr val="accent2"/>
+      <a:schemeClr val="accent3"/>
+      <a:schemeClr val="accent4"/>
+      <a:schemeClr val="accent5"/>
+      <a:schemeClr val="accent6"/>
+    </dgm:fillClrLst>
+    <dgm:linClrLst meth="repeat">
+      <a:schemeClr val="lt1"/>
+    </dgm:linClrLst>
+    <dgm:effectClrLst/>
+    <dgm:txLinClrLst/>
+    <dgm:txFillClrLst/>
+    <dgm:txEffectClrLst/>
+  </dgm:styleLbl>
+  <dgm:styleLbl name="vennNode1">
+    <dgm:fillClrLst meth="repeat">
+      <a:schemeClr val="accent2">
+        <a:alpha val="50000"/>
+      </a:schemeClr>
+      <a:schemeClr val="accent3">
+        <a:alpha val="50000"/>
+      </a:schemeClr>
+      <a:schemeClr val="accent4">
+        <a:alpha val="50000"/>
+      </a:schemeClr>
+      <a:schemeClr val="accent5">
+        <a:alpha val="50000"/>
+      </a:schemeClr>
+      <a:schemeClr val="accent6">
+        <a:alpha val="50000"/>
+      </a:schemeClr>
+    </dgm:fillClrLst>
+    <dgm:linClrLst meth="repeat">
+      <a:schemeClr val="lt1"/>
+    </dgm:linClrLst>
+    <dgm:effectClrLst/>
+    <dgm:txLinClrLst/>
+    <dgm:txFillClrLst/>
+    <dgm:txEffectClrLst/>
+  </dgm:styleLbl>
+  <dgm:styleLbl name="node2">
+    <dgm:fillClrLst>
+      <a:schemeClr val="accent2"/>
+    </dgm:fillClrLst>
+    <dgm:linClrLst meth="repeat">
+      <a:schemeClr val="lt1"/>
+    </dgm:linClrLst>
+    <dgm:effectClrLst/>
+    <dgm:txLinClrLst/>
+    <dgm:txFillClrLst/>
+    <dgm:txEffectClrLst/>
+  </dgm:styleLbl>
+  <dgm:styleLbl name="node3">
+    <dgm:fillClrLst>
+      <a:schemeClr val="accent3"/>
+    </dgm:fillClrLst>
+    <dgm:linClrLst meth="repeat">
+      <a:schemeClr val="lt1"/>
+    </dgm:linClrLst>
+    <dgm:effectClrLst/>
+    <dgm:txLinClrLst/>
+    <dgm:txFillClrLst/>
+    <dgm:txEffectClrLst/>
+  </dgm:styleLbl>
+  <dgm:styleLbl name="node4">
+    <dgm:fillClrLst>
+      <a:schemeClr val="accent4"/>
+    </dgm:fillClrLst>
+    <dgm:linClrLst meth="repeat">
+      <a:schemeClr val="lt1"/>
+    </dgm:linClrLst>
+    <dgm:effectClrLst/>
+    <dgm:txLinClrLst/>
+    <dgm:txFillClrLst/>
+    <dgm:txEffectClrLst/>
+  </dgm:styleLbl>
+  <dgm:styleLbl name="fgImgPlace1">
+    <dgm:fillClrLst meth="repeat">
+      <a:schemeClr val="accent2">
+        <a:tint val="50000"/>
+      </a:schemeClr>
+      <a:schemeClr val="accent3">
+        <a:tint val="50000"/>
+      </a:schemeClr>
+      <a:schemeClr val="accent4">
+        <a:tint val="50000"/>
+      </a:schemeClr>
+      <a:schemeClr val="accent5">
+        <a:tint val="50000"/>
+      </a:schemeClr>
+      <a:schemeClr val="accent6">
+        <a:tint val="50000"/>
+      </a:schemeClr>
+    </dgm:fillClrLst>
+    <dgm:linClrLst meth="repeat">
+      <a:schemeClr val="lt1"/>
+    </dgm:linClrLst>
+    <dgm:effectClrLst/>
+    <dgm:txLinClrLst/>
+    <dgm:txFillClrLst meth="repeat">
+      <a:schemeClr val="lt1"/>
+    </dgm:txFillClrLst>
+    <dgm:txEffectClrLst/>
+  </dgm:styleLbl>
+  <dgm:styleLbl name="alignImgPlace1">
+    <dgm:fillClrLst>
+      <a:schemeClr val="accent1">
+        <a:tint val="50000"/>
+      </a:schemeClr>
+      <a:schemeClr val="accent2">
+        <a:tint val="20000"/>
+      </a:schemeClr>
+    </dgm:fillClrLst>
+    <dgm:linClrLst meth="repeat">
+      <a:schemeClr val="lt1"/>
+    </dgm:linClrLst>
+    <dgm:effectClrLst/>
+    <dgm:txLinClrLst/>
+    <dgm:txFillClrLst meth="repeat">
+      <a:schemeClr val="lt1"/>
+    </dgm:txFillClrLst>
+    <dgm:txEffectClrLst/>
+  </dgm:styleLbl>
+  <dgm:styleLbl name="bgImgPlace1">
+    <dgm:fillClrLst>
+      <a:schemeClr val="accent1">
+        <a:tint val="50000"/>
+      </a:schemeClr>
+      <a:schemeClr val="accent2">
+        <a:tint val="20000"/>
+      </a:schemeClr>
+    </dgm:fillClrLst>
+    <dgm:linClrLst meth="repeat">
+      <a:schemeClr val="lt1"/>
+    </dgm:linClrLst>
+    <dgm:effectClrLst/>
+    <dgm:txLinClrLst/>
+    <dgm:txFillClrLst meth="repeat">
+      <a:schemeClr val="lt1"/>
+    </dgm:txFillClrLst>
+    <dgm:txEffectClrLst/>
+  </dgm:styleLbl>
+  <dgm:styleLbl name="sibTrans2D1">
+    <dgm:fillClrLst meth="repeat">
+      <a:schemeClr val="accent2"/>
+      <a:schemeClr val="accent3"/>
+      <a:schemeClr val="accent4"/>
+      <a:schemeClr val="accent5"/>
+      <a:schemeClr val="accent6"/>
+    </dgm:fillClrLst>
+    <dgm:linClrLst meth="cycle">
+      <a:schemeClr val="lt1"/>
+    </dgm:linClrLst>
+    <dgm:effectClrLst/>
+    <dgm:txLinClrLst/>
+    <dgm:txFillClrLst/>
+    <dgm:txEffectClrLst/>
+  </dgm:styleLbl>
+  <dgm:styleLbl name="fgSibTrans2D1">
+    <dgm:fillClrLst meth="repeat">
+      <a:schemeClr val="accent2"/>
+      <a:schemeClr val="accent3"/>
+      <a:schemeClr val="accent4"/>
+      <a:schemeClr val="accent5"/>
+      <a:schemeClr val="accent6"/>
+    </dgm:fillClrLst>
+    <dgm:linClrLst meth="cycle">
+      <a:schemeClr val="lt1"/>
+    </dgm:linClrLst>
+    <dgm:effectClrLst/>
+    <dgm:txLinClrLst/>
+    <dgm:txFillClrLst meth="repeat">
+      <a:schemeClr val="lt1"/>
+    </dgm:txFillClrLst>
+    <dgm:txEffectClrLst/>
+  </dgm:styleLbl>
+  <dgm:styleLbl name="bgSibTrans2D1">
+    <dgm:fillClrLst meth="repeat">
+      <a:schemeClr val="accent2"/>
+      <a:schemeClr val="accent3"/>
+      <a:schemeClr val="accent4"/>
+      <a:schemeClr val="accent5"/>
+      <a:schemeClr val="accent6"/>
+    </dgm:fillClrLst>
+    <dgm:linClrLst meth="cycle">
+      <a:schemeClr val="lt1"/>
+    </dgm:linClrLst>
+    <dgm:effectClrLst/>
+    <dgm:txLinClrLst/>
+    <dgm:txFillClrLst meth="repeat">
+      <a:schemeClr val="lt1"/>
+    </dgm:txFillClrLst>
+    <dgm:txEffectClrLst/>
+  </dgm:styleLbl>
+  <dgm:styleLbl name="sibTrans1D1">
+    <dgm:fillClrLst meth="repeat">
+      <a:schemeClr val="accent2"/>
+      <a:schemeClr val="accent3"/>
+      <a:schemeClr val="accent4"/>
+      <a:schemeClr val="accent5"/>
+      <a:schemeClr val="accent6"/>
+    </dgm:fillClrLst>
+    <dgm:linClrLst meth="repeat">
+      <a:schemeClr val="accent2"/>
+      <a:schemeClr val="accent3"/>
+      <a:schemeClr val="accent4"/>
+      <a:schemeClr val="accent5"/>
+      <a:schemeClr val="accent6"/>
+    </dgm:linClrLst>
+    <dgm:effectClrLst/>
+    <dgm:txLinClrLst/>
+    <dgm:txFillClrLst meth="repeat">
+      <a:schemeClr val="tx1"/>
+    </dgm:txFillClrLst>
+    <dgm:txEffectClrLst/>
+  </dgm:styleLbl>
+  <dgm:styleLbl name="callout">
+    <dgm:fillClrLst meth="repeat">
+      <a:schemeClr val="accent2"/>
+    </dgm:fillClrLst>
+    <dgm:linClrLst meth="repeat">
+      <a:schemeClr val="accent2">
+        <a:tint val="50000"/>
+      </a:schemeClr>
+    </dgm:linClrLst>
+    <dgm:effectClrLst/>
+    <dgm:txLinClrLst/>
+    <dgm:txFillClrLst meth="repeat">
+      <a:schemeClr val="tx1"/>
+    </dgm:txFillClrLst>
+    <dgm:txEffectClrLst/>
+  </dgm:styleLbl>
+  <dgm:styleLbl name="asst0">
+    <dgm:fillClrLst meth="repeat">
+      <a:schemeClr val="accent1"/>
+    </dgm:fillClrLst>
+    <dgm:linClrLst meth="repeat">
+      <a:schemeClr val="lt1"/>
+    </dgm:linClrLst>
+    <dgm:effectClrLst/>
+    <dgm:txLinClrLst/>
+    <dgm:txFillClrLst/>
+    <dgm:txEffectClrLst/>
+  </dgm:styleLbl>
+  <dgm:styleLbl name="asst1">
+    <dgm:fillClrLst meth="repeat">
+      <a:schemeClr val="accent2"/>
+    </dgm:fillClrLst>
+    <dgm:linClrLst meth="repeat">
+      <a:schemeClr val="lt1"/>
+    </dgm:linClrLst>
+    <dgm:effectClrLst/>
+    <dgm:txLinClrLst/>
+    <dgm:txFillClrLst/>
+    <dgm:txEffectClrLst/>
+  </dgm:styleLbl>
+  <dgm:styleLbl name="asst2">
+    <dgm:fillClrLst>
+      <a:schemeClr val="accent3"/>
+    </dgm:fillClrLst>
+    <dgm:linClrLst meth="repeat">
+      <a:schemeClr val="lt1"/>
+    </dgm:linClrLst>
+    <dgm:effectClrLst/>
+    <dgm:txLinClrLst/>
+    <dgm:txFillClrLst/>
+    <dgm:txEffectClrLst/>
+  </dgm:styleLbl>
+  <dgm:styleLbl name="asst3">
+    <dgm:fillClrLst>
+      <a:schemeClr val="accent4"/>
+    </dgm:fillClrLst>
+    <dgm:linClrLst meth="repeat">
+      <a:schemeClr val="lt1"/>
+    </dgm:linClrLst>
+    <dgm:effectClrLst/>
+    <dgm:txLinClrLst/>
+    <dgm:txFillClrLst/>
+    <dgm:txEffectClrLst/>
+  </dgm:styleLbl>
+  <dgm:styleLbl name="asst4">
+    <dgm:fillClrLst>
+      <a:schemeClr val="accent5"/>
+    </dgm:fillClrLst>
+    <dgm:linClrLst meth="repeat">
+      <a:schemeClr val="lt1"/>
+    </dgm:linClrLst>
+    <dgm:effectClrLst/>
+    <dgm:txLinClrLst/>
+    <dgm:txFillClrLst/>
+    <dgm:txEffectClrLst/>
+  </dgm:styleLbl>
+  <dgm:styleLbl name="parChTrans2D1">
+    <dgm:fillClrLst meth="repeat">
+      <a:schemeClr val="accent2"/>
+    </dgm:fillClrLst>
+    <dgm:linClrLst meth="repeat">
+      <a:schemeClr val="lt1"/>
+    </dgm:linClrLst>
+    <dgm:effectClrLst/>
+    <dgm:txLinClrLst/>
+    <dgm:txFillClrLst meth="repeat">
+      <a:schemeClr val="lt1"/>
+    </dgm:txFillClrLst>
+    <dgm:txEffectClrLst/>
+  </dgm:styleLbl>
+  <dgm:styleLbl name="parChTrans2D2">
+    <dgm:fillClrLst meth="repeat">
+      <a:schemeClr val="accent3"/>
+    </dgm:fillClrLst>
+    <dgm:linClrLst meth="repeat">
+      <a:schemeClr val="lt1"/>
+    </dgm:linClrLst>
+    <dgm:effectClrLst/>
+    <dgm:txLinClrLst/>
+    <dgm:txFillClrLst/>
+    <dgm:txEffectClrLst/>
+  </dgm:styleLbl>
+  <dgm:styleLbl name="parChTrans2D3">
+    <dgm:fillClrLst meth="repeat">
+      <a:schemeClr val="accent4"/>
+    </dgm:fillClrLst>
+    <dgm:linClrLst meth="repeat">
+      <a:schemeClr val="lt1"/>
+    </dgm:linClrLst>
+    <dgm:effectClrLst/>
+    <dgm:txLinClrLst/>
+    <dgm:txFillClrLst/>
+    <dgm:txEffectClrLst/>
+  </dgm:styleLbl>
+  <dgm:styleLbl name="parChTrans2D4">
+    <dgm:fillClrLst meth="repeat">
+      <a:schemeClr val="accent5"/>
+    </dgm:fillClrLst>
+    <dgm:linClrLst meth="repeat">
+      <a:schemeClr val="lt1"/>
+    </dgm:linClrLst>
+    <dgm:effectClrLst/>
+    <dgm:txLinClrLst/>
+    <dgm:txFillClrLst meth="repeat">
+      <a:schemeClr val="lt1"/>
+    </dgm:txFillClrLst>
+    <dgm:txEffectClrLst/>
+  </dgm:styleLbl>
+  <dgm:styleLbl name="parChTrans1D1">
+    <dgm:fillClrLst meth="repeat">
+      <a:schemeClr val="accent2"/>
+    </dgm:fillClrLst>
+    <dgm:linClrLst meth="repeat">
+      <a:schemeClr val="accent1"/>
+    </dgm:linClrLst>
+    <dgm:effectClrLst/>
+    <dgm:txLinClrLst/>
+    <dgm:txFillClrLst meth="repeat">
+      <a:schemeClr val="tx1"/>
+    </dgm:txFillClrLst>
+    <dgm:txEffectClrLst/>
+  </dgm:styleLbl>
+  <dgm:styleLbl name="parChTrans1D2">
+    <dgm:fillClrLst meth="repeat">
+      <a:schemeClr val="accent3">
+        <a:tint val="90000"/>
+      </a:schemeClr>
+    </dgm:fillClrLst>
+    <dgm:linClrLst meth="repeat">
+      <a:schemeClr val="accent2"/>
+    </dgm:linClrLst>
+    <dgm:effectClrLst/>
+    <dgm:txLinClrLst/>
+    <dgm:txFillClrLst meth="repeat">
+      <a:schemeClr val="tx1"/>
+    </dgm:txFillClrLst>
+    <dgm:txEffectClrLst/>
+  </dgm:styleLbl>
+  <dgm:styleLbl name="parChTrans1D3">
+    <dgm:fillClrLst meth="repeat">
+      <a:schemeClr val="accent4">
+        <a:tint val="70000"/>
+      </a:schemeClr>
+    </dgm:fillClrLst>
+    <dgm:linClrLst meth="repeat">
+      <a:schemeClr val="accent3"/>
+    </dgm:linClrLst>
+    <dgm:effectClrLst/>
+    <dgm:txLinClrLst/>
+    <dgm:txFillClrLst meth="repeat">
+      <a:schemeClr val="tx1"/>
+    </dgm:txFillClrLst>
+    <dgm:txEffectClrLst/>
+  </dgm:styleLbl>
+  <dgm:styleLbl name="parChTrans1D4">
+    <dgm:fillClrLst meth="repeat">
+      <a:schemeClr val="accent5">
+        <a:tint val="50000"/>
+      </a:schemeClr>
+    </dgm:fillClrLst>
+    <dgm:linClrLst meth="repeat">
+      <a:schemeClr val="accent4"/>
+    </dgm:linClrLst>
+    <dgm:effectClrLst/>
+    <dgm:txLinClrLst/>
+    <dgm:txFillClrLst meth="repeat">
+      <a:schemeClr val="tx1"/>
+    </dgm:txFillClrLst>
+    <dgm:txEffectClrLst/>
+  </dgm:styleLbl>
+  <dgm:styleLbl name="fgAcc1">
+    <dgm:fillClrLst meth="repeat">
+      <a:schemeClr val="lt1">
+        <a:alpha val="90000"/>
+      </a:schemeClr>
+    </dgm:fillClrLst>
+    <dgm:linClrLst meth="repeat">
+      <a:schemeClr val="accent2"/>
+      <a:schemeClr val="accent3"/>
+      <a:schemeClr val="accent4"/>
+      <a:schemeClr val="accent5"/>
+      <a:schemeClr val="accent6"/>
+    </dgm:linClrLst>
+    <dgm:effectClrLst/>
+    <dgm:txLinClrLst/>
+    <dgm:txFillClrLst meth="repeat">
+      <a:schemeClr val="dk1"/>
+    </dgm:txFillClrLst>
+    <dgm:txEffectClrLst/>
+  </dgm:styleLbl>
+  <dgm:styleLbl name="conFgAcc1">
+    <dgm:fillClrLst meth="repeat">
+      <a:schemeClr val="lt1">
+        <a:alpha val="90000"/>
+      </a:schemeClr>
+    </dgm:fillClrLst>
+    <dgm:linClrLst meth="repeat">
+      <a:schemeClr val="accent2"/>
+      <a:schemeClr val="accent3"/>
+      <a:schemeClr val="accent4"/>
+      <a:schemeClr val="accent5"/>
+      <a:schemeClr val="accent6"/>
+    </dgm:linClrLst>
+    <dgm:effectClrLst/>
+    <dgm:txLinClrLst/>
+    <dgm:txFillClrLst meth="repeat">
+      <a:schemeClr val="dk1"/>
+    </dgm:txFillClrLst>
+    <dgm:txEffectClrLst/>
+  </dgm:styleLbl>
+  <dgm:styleLbl name="alignAcc1">
+    <dgm:fillClrLst meth="repeat">
+      <a:schemeClr val="lt1">
+        <a:alpha val="90000"/>
+      </a:schemeClr>
+    </dgm:fillClrLst>
+    <dgm:linClrLst meth="repeat">
+      <a:schemeClr val="accent2"/>
+      <a:schemeClr val="accent3"/>
+      <a:schemeClr val="accent4"/>
+      <a:schemeClr val="accent5"/>
+      <a:schemeClr val="accent6"/>
+    </dgm:linClrLst>
+    <dgm:effectClrLst/>
+    <dgm:txLinClrLst/>
+    <dgm:txFillClrLst meth="repeat">
+      <a:schemeClr val="dk1"/>
+    </dgm:txFillClrLst>
+    <dgm:txEffectClrLst/>
+  </dgm:styleLbl>
+  <dgm:styleLbl name="trAlignAcc1">
+    <dgm:fillClrLst meth="repeat">
+      <a:schemeClr val="lt1">
+        <a:alpha val="0"/>
+      </a:schemeClr>
+    </dgm:fillClrLst>
+    <dgm:linClrLst meth="repeat">
+      <a:schemeClr val="accent2"/>
+      <a:schemeClr val="accent3"/>
+      <a:schemeClr val="accent4"/>
+      <a:schemeClr val="accent5"/>
+      <a:schemeClr val="accent6"/>
+    </dgm:linClrLst>
+    <dgm:effectClrLst/>
+    <dgm:txLinClrLst/>
+    <dgm:txFillClrLst meth="repeat">
+      <a:schemeClr val="dk1"/>
+    </dgm:txFillClrLst>
+    <dgm:txEffectClrLst/>
+  </dgm:styleLbl>
+  <dgm:styleLbl name="bgAcc1">
+    <dgm:fillClrLst meth="repeat">
+      <a:schemeClr val="lt1">
+        <a:alpha val="90000"/>
+      </a:schemeClr>
+    </dgm:fillClrLst>
+    <dgm:linClrLst meth="repeat">
+      <a:schemeClr val="accent2"/>
+      <a:schemeClr val="accent3"/>
+      <a:schemeClr val="accent4"/>
+      <a:schemeClr val="accent5"/>
+      <a:schemeClr val="accent6"/>
+    </dgm:linClrLst>
+    <dgm:effectClrLst/>
+    <dgm:txLinClrLst/>
+    <dgm:txFillClrLst meth="repeat">
+      <a:schemeClr val="dk1"/>
+    </dgm:txFillClrLst>
+    <dgm:txEffectClrLst/>
+  </dgm:styleLbl>
+  <dgm:styleLbl name="solidFgAcc1">
+    <dgm:fillClrLst meth="repeat">
+      <a:schemeClr val="lt1"/>
+    </dgm:fillClrLst>
+    <dgm:linClrLst meth="repeat">
+      <a:schemeClr val="accent2"/>
+      <a:schemeClr val="accent3"/>
+      <a:schemeClr val="accent4"/>
+      <a:schemeClr val="accent5"/>
+      <a:schemeClr val="accent6"/>
+    </dgm:linClrLst>
+    <dgm:effectClrLst/>
+    <dgm:txLinClrLst/>
+    <dgm:txFillClrLst meth="repeat">
+      <a:schemeClr val="dk1"/>
+    </dgm:txFillClrLst>
+    <dgm:txEffectClrLst/>
+  </dgm:styleLbl>
+  <dgm:styleLbl name="solidAlignAcc1">
+    <dgm:fillClrLst meth="repeat">
+      <a:schemeClr val="lt1"/>
+    </dgm:fillClrLst>
+    <dgm:linClrLst meth="repeat">
+      <a:schemeClr val="accent2"/>
+      <a:schemeClr val="accent3"/>
+      <a:schemeClr val="accent4"/>
+      <a:schemeClr val="accent5"/>
+      <a:schemeClr val="accent6"/>
+    </dgm:linClrLst>
+    <dgm:effectClrLst/>
+    <dgm:txLinClrLst/>
+    <dgm:txFillClrLst meth="repeat">
+      <a:schemeClr val="dk1"/>
+    </dgm:txFillClrLst>
+    <dgm:txEffectClrLst/>
+  </dgm:styleLbl>
+  <dgm:styleLbl name="solidBgAcc1">
+    <dgm:fillClrLst meth="repeat">
+      <a:schemeClr val="lt1"/>
+    </dgm:fillClrLst>
+    <dgm:linClrLst meth="repeat">
+      <a:schemeClr val="accent2"/>
+      <a:schemeClr val="accent3"/>
+      <a:schemeClr val="accent4"/>
+      <a:schemeClr val="accent5"/>
+      <a:schemeClr val="accent6"/>
+    </dgm:linClrLst>
+    <dgm:effectClrLst/>
+    <dgm:txLinClrLst/>
+    <dgm:txFillClrLst meth="repeat">
+      <a:schemeClr val="dk1"/>
+    </dgm:txFillClrLst>
+    <dgm:txEffectClrLst/>
+  </dgm:styleLbl>
+  <dgm:styleLbl name="fgAccFollowNode1">
+    <dgm:fillClrLst meth="repeat">
+      <a:schemeClr val="accent2">
+        <a:tint val="40000"/>
+        <a:alpha val="90000"/>
+      </a:schemeClr>
+      <a:schemeClr val="accent3">
+        <a:tint val="40000"/>
+        <a:alpha val="90000"/>
+      </a:schemeClr>
+      <a:schemeClr val="accent4">
+        <a:tint val="40000"/>
+        <a:alpha val="90000"/>
+      </a:schemeClr>
+      <a:schemeClr val="accent5">
+        <a:tint val="40000"/>
+        <a:alpha val="90000"/>
+      </a:schemeClr>
+      <a:schemeClr val="accent6">
+        <a:tint val="40000"/>
+        <a:alpha val="90000"/>
+      </a:schemeClr>
+    </dgm:fillClrLst>
+    <dgm:linClrLst meth="repeat">
+      <a:schemeClr val="accent2">
+        <a:tint val="40000"/>
+        <a:alpha val="90000"/>
+      </a:schemeClr>
+      <a:schemeClr val="accent3">
+        <a:tint val="40000"/>
+        <a:alpha val="90000"/>
+      </a:schemeClr>
+      <a:schemeClr val="accent4">
+        <a:tint val="40000"/>
+        <a:alpha val="90000"/>
+      </a:schemeClr>
+      <a:schemeClr val="accent5">
+        <a:tint val="40000"/>
+        <a:alpha val="90000"/>
+      </a:schemeClr>
+      <a:schemeClr val="accent6">
+        <a:tint val="40000"/>
+        <a:alpha val="90000"/>
+      </a:schemeClr>
+    </dgm:linClrLst>
+    <dgm:effectClrLst/>
+    <dgm:txLinClrLst/>
+    <dgm:txFillClrLst meth="repeat">
+      <a:schemeClr val="dk1"/>
+    </dgm:txFillClrLst>
+    <dgm:txEffectClrLst/>
+  </dgm:styleLbl>
+  <dgm:styleLbl name="alignAccFollowNode1">
+    <dgm:fillClrLst meth="repeat">
+      <a:schemeClr val="accent2">
+        <a:tint val="40000"/>
+        <a:alpha val="90000"/>
+      </a:schemeClr>
+      <a:schemeClr val="accent3">
+        <a:tint val="40000"/>
+        <a:alpha val="90000"/>
+      </a:schemeClr>
+      <a:schemeClr val="accent4">
+        <a:tint val="40000"/>
+        <a:alpha val="90000"/>
+      </a:schemeClr>
+      <a:schemeClr val="accent5">
+        <a:tint val="40000"/>
+        <a:alpha val="90000"/>
+      </a:schemeClr>
+      <a:schemeClr val="accent6">
+        <a:tint val="40000"/>
+        <a:alpha val="90000"/>
+      </a:schemeClr>
+    </dgm:fillClrLst>
+    <dgm:linClrLst meth="repeat">
+      <a:schemeClr val="accent2">
+        <a:tint val="40000"/>
+        <a:alpha val="90000"/>
+      </a:schemeClr>
+      <a:schemeClr val="accent3">
+        <a:tint val="40000"/>
+        <a:alpha val="90000"/>
+      </a:schemeClr>
+      <a:schemeClr val="accent4">
+        <a:tint val="40000"/>
+        <a:alpha val="90000"/>
+      </a:schemeClr>
+      <a:schemeClr val="accent5">
+        <a:tint val="40000"/>
+        <a:alpha val="90000"/>
+      </a:schemeClr>
+      <a:schemeClr val="accent6">
+        <a:tint val="40000"/>
+        <a:alpha val="90000"/>
+      </a:schemeClr>
+    </dgm:linClrLst>
+    <dgm:effectClrLst/>
+    <dgm:txLinClrLst/>
+    <dgm:txFillClrLst meth="repeat">
+      <a:schemeClr val="dk1"/>
+    </dgm:txFillClrLst>
+    <dgm:txEffectClrLst/>
+  </dgm:styleLbl>
+  <dgm:styleLbl name="bgAccFollowNode1">
+    <dgm:fillClrLst meth="repeat">
+      <a:schemeClr val="accent2">
+        <a:tint val="40000"/>
+        <a:alpha val="90000"/>
+      </a:schemeClr>
+      <a:schemeClr val="accent3">
+        <a:tint val="40000"/>
+        <a:alpha val="90000"/>
+      </a:schemeClr>
+      <a:schemeClr val="accent4">
+        <a:tint val="40000"/>
+        <a:alpha val="90000"/>
+      </a:schemeClr>
+      <a:schemeClr val="accent5">
+        <a:tint val="40000"/>
+        <a:alpha val="90000"/>
+      </a:schemeClr>
+      <a:schemeClr val="accent6">
+        <a:tint val="40000"/>
+        <a:alpha val="90000"/>
+      </a:schemeClr>
+    </dgm:fillClrLst>
+    <dgm:linClrLst meth="repeat">
+      <a:schemeClr val="accent2">
+        <a:tint val="40000"/>
+        <a:alpha val="90000"/>
+      </a:schemeClr>
+      <a:schemeClr val="accent3">
+        <a:tint val="40000"/>
+        <a:alpha val="90000"/>
+      </a:schemeClr>
+      <a:schemeClr val="accent4">
+        <a:tint val="40000"/>
+        <a:alpha val="90000"/>
+      </a:schemeClr>
+      <a:schemeClr val="accent5">
+        <a:tint val="40000"/>
+        <a:alpha val="90000"/>
+      </a:schemeClr>
+      <a:schemeClr val="accent6">
+        <a:tint val="40000"/>
+        <a:alpha val="90000"/>
+      </a:schemeClr>
+    </dgm:linClrLst>
+    <dgm:effectClrLst/>
+    <dgm:txLinClrLst/>
+    <dgm:txFillClrLst meth="repeat">
+      <a:schemeClr val="dk1"/>
+    </dgm:txFillClrLst>
+    <dgm:txEffectClrLst/>
+  </dgm:styleLbl>
+  <dgm:styleLbl name="fgAcc0">
+    <dgm:fillClrLst meth="repeat">
+      <a:schemeClr val="lt1">
+        <a:alpha val="90000"/>
+      </a:schemeClr>
+    </dgm:fillClrLst>
+    <dgm:linClrLst>
+      <a:schemeClr val="accent1"/>
+    </dgm:linClrLst>
+    <dgm:effectClrLst/>
+    <dgm:txLinClrLst/>
+    <dgm:txFillClrLst meth="repeat">
+      <a:schemeClr val="dk1"/>
+    </dgm:txFillClrLst>
+    <dgm:txEffectClrLst/>
+  </dgm:styleLbl>
+  <dgm:styleLbl name="fgAcc2">
+    <dgm:fillClrLst meth="repeat">
+      <a:schemeClr val="lt1">
+        <a:alpha val="90000"/>
+      </a:schemeClr>
+    </dgm:fillClrLst>
+    <dgm:linClrLst>
+      <a:schemeClr val="accent2"/>
+    </dgm:linClrLst>
+    <dgm:effectClrLst/>
+    <dgm:txLinClrLst/>
+    <dgm:txFillClrLst meth="repeat">
+      <a:schemeClr val="dk1"/>
+    </dgm:txFillClrLst>
+    <dgm:txEffectClrLst/>
+  </dgm:styleLbl>
+  <dgm:styleLbl name="fgAcc3">
+    <dgm:fillClrLst meth="repeat">
+      <a:schemeClr val="lt1">
+        <a:alpha val="90000"/>
+      </a:schemeClr>
+    </dgm:fillClrLst>
+    <dgm:linClrLst>
+      <a:schemeClr val="accent3"/>
+    </dgm:linClrLst>
+    <dgm:effectClrLst/>
+    <dgm:txLinClrLst/>
+    <dgm:txFillClrLst meth="repeat">
+      <a:schemeClr val="dk1"/>
+    </dgm:txFillClrLst>
+    <dgm:txEffectClrLst/>
+  </dgm:styleLbl>
+  <dgm:styleLbl name="fgAcc4">
+    <dgm:fillClrLst meth="repeat">
+      <a:schemeClr val="lt1">
+        <a:alpha val="90000"/>
+      </a:schemeClr>
+    </dgm:fillClrLst>
+    <dgm:linClrLst>
+      <a:schemeClr val="accent4"/>
+    </dgm:linClrLst>
+    <dgm:effectClrLst/>
+    <dgm:txLinClrLst/>
+    <dgm:txFillClrLst meth="repeat">
+      <a:schemeClr val="dk1"/>
+    </dgm:txFillClrLst>
+    <dgm:txEffectClrLst/>
+  </dgm:styleLbl>
+  <dgm:styleLbl name="bgShp">
+    <dgm:fillClrLst meth="repeat">
+      <a:schemeClr val="accent2">
+        <a:tint val="40000"/>
+      </a:schemeClr>
+    </dgm:fillClrLst>
+    <dgm:linClrLst meth="repeat">
+      <a:schemeClr val="dk1"/>
+    </dgm:linClrLst>
+    <dgm:effectClrLst/>
+    <dgm:txLinClrLst/>
+    <dgm:txFillClrLst meth="repeat">
+      <a:schemeClr val="dk1"/>
+    </dgm:txFillClrLst>
+    <dgm:txEffectClrLst/>
+  </dgm:styleLbl>
+  <dgm:styleLbl name="dkBgShp">
+    <dgm:fillClrLst meth="repeat">
+      <a:schemeClr val="accent2">
+        <a:shade val="90000"/>
+      </a:schemeClr>
+    </dgm:fillClrLst>
+    <dgm:linClrLst meth="repeat">
+      <a:schemeClr val="dk1"/>
+    </dgm:linClrLst>
+    <dgm:effectClrLst/>
+    <dgm:txLinClrLst/>
+    <dgm:txFillClrLst meth="repeat">
+      <a:schemeClr val="lt1"/>
+    </dgm:txFillClrLst>
+    <dgm:txEffectClrLst/>
+  </dgm:styleLbl>
+  <dgm:styleLbl name="trBgShp">
+    <dgm:fillClrLst meth="repeat">
+      <a:schemeClr val="accent1">
+        <a:tint val="50000"/>
+        <a:alpha val="40000"/>
+      </a:schemeClr>
+    </dgm:fillClrLst>
+    <dgm:linClrLst meth="repeat">
+      <a:schemeClr val="accent2"/>
+    </dgm:linClrLst>
+    <dgm:effectClrLst/>
+    <dgm:txLinClrLst/>
+    <dgm:txFillClrLst meth="repeat">
+      <a:schemeClr val="lt1"/>
+    </dgm:txFillClrLst>
+    <dgm:txEffectClrLst/>
+  </dgm:styleLbl>
+  <dgm:styleLbl name="fgShp">
+    <dgm:fillClrLst meth="repeat">
+      <a:schemeClr val="accent2">
+        <a:tint val="40000"/>
+      </a:schemeClr>
+    </dgm:fillClrLst>
+    <dgm:linClrLst meth="repeat">
+      <a:schemeClr val="lt1"/>
+    </dgm:linClrLst>
+    <dgm:effectClrLst/>
+    <dgm:txLinClrLst/>
+    <dgm:txFillClrLst meth="repeat">
+      <a:schemeClr val="dk1"/>
+    </dgm:txFillClrLst>
+    <dgm:txEffectClrLst/>
+  </dgm:styleLbl>
+  <dgm:styleLbl name="revTx">
+    <dgm:fillClrLst meth="repeat">
+      <a:schemeClr val="lt1">
+        <a:alpha val="0"/>
+      </a:schemeClr>
+    </dgm:fillClrLst>
+    <dgm:linClrLst meth="repeat">
+      <a:schemeClr val="dk1">
+        <a:alpha val="0"/>
+      </a:schemeClr>
+    </dgm:linClrLst>
+    <dgm:effectClrLst/>
+    <dgm:txLinClrLst/>
+    <dgm:txFillClrLst meth="repeat">
+      <a:schemeClr val="tx1"/>
+    </dgm:txFillClrLst>
+    <dgm:txEffectClrLst/>
+  </dgm:styleLbl>
+</dgm:colorsDef>
+</file>
+
+<file path=ppt/diagrams/colors4.xml><?xml version="1.0" encoding="utf-8"?>
 <dgm:colorsDef xmlns:dgm="http://schemas.openxmlformats.org/drawingml/2006/diagram" xmlns:a="http://schemas.openxmlformats.org/drawingml/2006/main" uniqueId="urn:microsoft.com/office/officeart/2018/5/colors/Iconchunking_coloredoutline_colorful1">
   <dgm:title val=""/>
   <dgm:desc val=""/>
@@ -5556,6 +6484,973 @@
           <a:r>
             <a:rPr lang="de-DE" sz="1400" b="0" noProof="0" dirty="0" err="1"/>
             <a:t>Polishing</a:t>
+          </a:r>
+          <a:r>
+            <a:rPr lang="de-DE" sz="1400" b="0" noProof="0" dirty="0"/>
+            <a:t> and </a:t>
+          </a:r>
+          <a:r>
+            <a:rPr lang="de-DE" sz="1400" b="0" noProof="0" dirty="0" err="1"/>
+            <a:t>report</a:t>
+          </a:r>
+          <a:r>
+            <a:rPr lang="de-DE" sz="1400" b="0" noProof="0" dirty="0"/>
+            <a:t> </a:t>
+          </a:r>
+          <a:r>
+            <a:rPr lang="de-DE" sz="1400" b="0" noProof="0" dirty="0" err="1"/>
+            <a:t>writing</a:t>
+          </a:r>
+          <a:endParaRPr lang="de-DE" sz="1400" b="0" noProof="0" dirty="0"/>
+        </a:p>
+      </dgm:t>
+    </dgm:pt>
+    <dgm:pt modelId="{8BEDC246-2C36-49CB-92B4-E37B4CAE02EF}" type="parTrans" cxnId="{50C74B06-38EC-45AB-AC83-EE5EAF7C5999}">
+      <dgm:prSet/>
+      <dgm:spPr/>
+      <dgm:t>
+        <a:bodyPr/>
+        <a:lstStyle/>
+        <a:p>
+          <a:endParaRPr lang="de-DE"/>
+        </a:p>
+      </dgm:t>
+    </dgm:pt>
+    <dgm:pt modelId="{5FD07782-ADC6-4D3E-8BC6-02A4444008E1}" type="sibTrans" cxnId="{50C74B06-38EC-45AB-AC83-EE5EAF7C5999}">
+      <dgm:prSet/>
+      <dgm:spPr/>
+      <dgm:t>
+        <a:bodyPr/>
+        <a:lstStyle/>
+        <a:p>
+          <a:endParaRPr lang="de-DE"/>
+        </a:p>
+      </dgm:t>
+    </dgm:pt>
+    <dgm:pt modelId="{594BF422-752C-42F3-A230-3D0E6AE9A886}" type="pres">
+      <dgm:prSet presAssocID="{55C0B14E-AEA6-48D3-A387-ED4A3A3BF840}" presName="Name0" presStyleCnt="0">
+        <dgm:presLayoutVars>
+          <dgm:animLvl val="lvl"/>
+          <dgm:resizeHandles val="exact"/>
+        </dgm:presLayoutVars>
+      </dgm:prSet>
+      <dgm:spPr/>
+    </dgm:pt>
+    <dgm:pt modelId="{F6A1B9E0-4B4A-47A4-A011-67526CEEA770}" type="pres">
+      <dgm:prSet presAssocID="{AACEAFD5-63CF-4AFC-B46F-BE086C5D447C}" presName="composite" presStyleCnt="0"/>
+      <dgm:spPr/>
+    </dgm:pt>
+    <dgm:pt modelId="{FA4E6E73-A3C8-4495-927B-8AADA5A74297}" type="pres">
+      <dgm:prSet presAssocID="{AACEAFD5-63CF-4AFC-B46F-BE086C5D447C}" presName="L" presStyleLbl="solidFgAcc1" presStyleIdx="0" presStyleCnt="5">
+        <dgm:presLayoutVars>
+          <dgm:chMax val="0"/>
+          <dgm:chPref val="0"/>
+        </dgm:presLayoutVars>
+      </dgm:prSet>
+      <dgm:spPr>
+        <a:ln>
+          <a:solidFill>
+            <a:schemeClr val="accent2"/>
+          </a:solidFill>
+        </a:ln>
+      </dgm:spPr>
+    </dgm:pt>
+    <dgm:pt modelId="{CA3A6A4E-2D39-41D2-A6B1-B590D0C452D2}" type="pres">
+      <dgm:prSet presAssocID="{AACEAFD5-63CF-4AFC-B46F-BE086C5D447C}" presName="parTx" presStyleLbl="alignNode1" presStyleIdx="0" presStyleCnt="5">
+        <dgm:presLayoutVars>
+          <dgm:chMax val="0"/>
+          <dgm:chPref val="0"/>
+          <dgm:bulletEnabled val="1"/>
+        </dgm:presLayoutVars>
+      </dgm:prSet>
+      <dgm:spPr/>
+    </dgm:pt>
+    <dgm:pt modelId="{810D7AA7-A541-4507-BE7F-36CCF210089F}" type="pres">
+      <dgm:prSet presAssocID="{AACEAFD5-63CF-4AFC-B46F-BE086C5D447C}" presName="desTx" presStyleLbl="revTx" presStyleIdx="0" presStyleCnt="5">
+        <dgm:presLayoutVars>
+          <dgm:chMax val="0"/>
+          <dgm:chPref val="0"/>
+          <dgm:bulletEnabled val="1"/>
+        </dgm:presLayoutVars>
+      </dgm:prSet>
+      <dgm:spPr/>
+    </dgm:pt>
+    <dgm:pt modelId="{4F7CDD44-32F1-4759-861F-8DABEBBA8D89}" type="pres">
+      <dgm:prSet presAssocID="{AACEAFD5-63CF-4AFC-B46F-BE086C5D447C}" presName="EmptyPlaceHolder" presStyleCnt="0"/>
+      <dgm:spPr/>
+    </dgm:pt>
+    <dgm:pt modelId="{C9A9B9EA-6A1D-4A13-9C7F-C112F25D2888}" type="pres">
+      <dgm:prSet presAssocID="{7A8D4B4D-06E9-4958-810D-A6226B6AC588}" presName="space" presStyleCnt="0"/>
+      <dgm:spPr/>
+    </dgm:pt>
+    <dgm:pt modelId="{EC37843F-14A6-4E20-B7AE-2B086A8F5F45}" type="pres">
+      <dgm:prSet presAssocID="{D07AD3FD-84FF-467E-9693-752776549C61}" presName="composite" presStyleCnt="0"/>
+      <dgm:spPr/>
+    </dgm:pt>
+    <dgm:pt modelId="{E41E7729-FD3F-426D-804C-45BD60BD762D}" type="pres">
+      <dgm:prSet presAssocID="{D07AD3FD-84FF-467E-9693-752776549C61}" presName="L" presStyleLbl="solidFgAcc1" presStyleIdx="1" presStyleCnt="5">
+        <dgm:presLayoutVars>
+          <dgm:chMax val="0"/>
+          <dgm:chPref val="0"/>
+        </dgm:presLayoutVars>
+      </dgm:prSet>
+      <dgm:spPr>
+        <a:ln>
+          <a:solidFill>
+            <a:schemeClr val="accent1"/>
+          </a:solidFill>
+        </a:ln>
+      </dgm:spPr>
+    </dgm:pt>
+    <dgm:pt modelId="{6C46E586-0364-4C52-98F9-74A7ACD803D1}" type="pres">
+      <dgm:prSet presAssocID="{D07AD3FD-84FF-467E-9693-752776549C61}" presName="parTx" presStyleLbl="alignNode1" presStyleIdx="1" presStyleCnt="5">
+        <dgm:presLayoutVars>
+          <dgm:chMax val="0"/>
+          <dgm:chPref val="0"/>
+          <dgm:bulletEnabled val="1"/>
+        </dgm:presLayoutVars>
+      </dgm:prSet>
+      <dgm:spPr/>
+    </dgm:pt>
+    <dgm:pt modelId="{5E07F9E4-149C-4A89-848F-4ABDD305F0C5}" type="pres">
+      <dgm:prSet presAssocID="{D07AD3FD-84FF-467E-9693-752776549C61}" presName="desTx" presStyleLbl="revTx" presStyleIdx="1" presStyleCnt="5">
+        <dgm:presLayoutVars>
+          <dgm:chMax val="0"/>
+          <dgm:chPref val="0"/>
+          <dgm:bulletEnabled val="1"/>
+        </dgm:presLayoutVars>
+      </dgm:prSet>
+      <dgm:spPr/>
+    </dgm:pt>
+    <dgm:pt modelId="{2928FCAD-BE3F-45AC-93A5-FD98F8A50E00}" type="pres">
+      <dgm:prSet presAssocID="{D07AD3FD-84FF-467E-9693-752776549C61}" presName="EmptyPlaceHolder" presStyleCnt="0"/>
+      <dgm:spPr/>
+    </dgm:pt>
+    <dgm:pt modelId="{C2DF8D93-19C7-4E07-BCAF-9FAAB62C8CF2}" type="pres">
+      <dgm:prSet presAssocID="{A8C9B7A9-BC2A-4753-B7F0-F2E361D95520}" presName="space" presStyleCnt="0"/>
+      <dgm:spPr/>
+    </dgm:pt>
+    <dgm:pt modelId="{86E313B1-36D3-44D7-907E-22A08CB8E9CC}" type="pres">
+      <dgm:prSet presAssocID="{D71FC021-6A65-44D1-95B9-0E6C89079866}" presName="composite" presStyleCnt="0"/>
+      <dgm:spPr/>
+    </dgm:pt>
+    <dgm:pt modelId="{473F2067-7126-4D56-A328-5A8CFD3D8D52}" type="pres">
+      <dgm:prSet presAssocID="{D71FC021-6A65-44D1-95B9-0E6C89079866}" presName="L" presStyleLbl="solidFgAcc1" presStyleIdx="2" presStyleCnt="5">
+        <dgm:presLayoutVars>
+          <dgm:chMax val="0"/>
+          <dgm:chPref val="0"/>
+        </dgm:presLayoutVars>
+      </dgm:prSet>
+      <dgm:spPr>
+        <a:ln>
+          <a:solidFill>
+            <a:schemeClr val="accent5"/>
+          </a:solidFill>
+        </a:ln>
+      </dgm:spPr>
+    </dgm:pt>
+    <dgm:pt modelId="{7A0B5EFC-88FB-4ED5-994F-D5F6584C2293}" type="pres">
+      <dgm:prSet presAssocID="{D71FC021-6A65-44D1-95B9-0E6C89079866}" presName="parTx" presStyleLbl="alignNode1" presStyleIdx="2" presStyleCnt="5">
+        <dgm:presLayoutVars>
+          <dgm:chMax val="0"/>
+          <dgm:chPref val="0"/>
+          <dgm:bulletEnabled val="1"/>
+        </dgm:presLayoutVars>
+      </dgm:prSet>
+      <dgm:spPr/>
+    </dgm:pt>
+    <dgm:pt modelId="{FD7B29F2-0D66-4B4B-BC8A-82DA23575305}" type="pres">
+      <dgm:prSet presAssocID="{D71FC021-6A65-44D1-95B9-0E6C89079866}" presName="desTx" presStyleLbl="revTx" presStyleIdx="2" presStyleCnt="5">
+        <dgm:presLayoutVars>
+          <dgm:chMax val="0"/>
+          <dgm:chPref val="0"/>
+          <dgm:bulletEnabled val="1"/>
+        </dgm:presLayoutVars>
+      </dgm:prSet>
+      <dgm:spPr/>
+    </dgm:pt>
+    <dgm:pt modelId="{BABAA172-7B81-4C6B-BCF2-4572322515C5}" type="pres">
+      <dgm:prSet presAssocID="{D71FC021-6A65-44D1-95B9-0E6C89079866}" presName="EmptyPlaceHolder" presStyleCnt="0"/>
+      <dgm:spPr/>
+    </dgm:pt>
+    <dgm:pt modelId="{0B65942F-B336-42B6-A72B-DA6B6B07B79B}" type="pres">
+      <dgm:prSet presAssocID="{9B090D9D-470E-46E2-AABB-0368A52481AA}" presName="space" presStyleCnt="0"/>
+      <dgm:spPr/>
+    </dgm:pt>
+    <dgm:pt modelId="{1D5539F6-8B97-4801-8139-D49EE44FFF3E}" type="pres">
+      <dgm:prSet presAssocID="{5EDA317F-AB2E-47DE-BA46-16FA60C3C561}" presName="composite" presStyleCnt="0"/>
+      <dgm:spPr/>
+    </dgm:pt>
+    <dgm:pt modelId="{2377F551-4CF6-4656-B644-60A7FC1B0F64}" type="pres">
+      <dgm:prSet presAssocID="{5EDA317F-AB2E-47DE-BA46-16FA60C3C561}" presName="L" presStyleLbl="solidFgAcc1" presStyleIdx="3" presStyleCnt="5">
+        <dgm:presLayoutVars>
+          <dgm:chMax val="0"/>
+          <dgm:chPref val="0"/>
+        </dgm:presLayoutVars>
+      </dgm:prSet>
+      <dgm:spPr>
+        <a:ln>
+          <a:solidFill>
+            <a:schemeClr val="accent3"/>
+          </a:solidFill>
+        </a:ln>
+      </dgm:spPr>
+    </dgm:pt>
+    <dgm:pt modelId="{69ED255C-64AC-4764-BC2C-7679ECCC9FE9}" type="pres">
+      <dgm:prSet presAssocID="{5EDA317F-AB2E-47DE-BA46-16FA60C3C561}" presName="parTx" presStyleLbl="alignNode1" presStyleIdx="3" presStyleCnt="5">
+        <dgm:presLayoutVars>
+          <dgm:chMax val="0"/>
+          <dgm:chPref val="0"/>
+          <dgm:bulletEnabled val="1"/>
+        </dgm:presLayoutVars>
+      </dgm:prSet>
+      <dgm:spPr/>
+    </dgm:pt>
+    <dgm:pt modelId="{1F1B09A6-DA7E-41D1-B8A6-E3B6E775E5C1}" type="pres">
+      <dgm:prSet presAssocID="{5EDA317F-AB2E-47DE-BA46-16FA60C3C561}" presName="desTx" presStyleLbl="revTx" presStyleIdx="3" presStyleCnt="5">
+        <dgm:presLayoutVars>
+          <dgm:chMax val="0"/>
+          <dgm:chPref val="0"/>
+          <dgm:bulletEnabled val="1"/>
+        </dgm:presLayoutVars>
+      </dgm:prSet>
+      <dgm:spPr/>
+    </dgm:pt>
+    <dgm:pt modelId="{89DACDC6-8676-47A4-A430-164754F46172}" type="pres">
+      <dgm:prSet presAssocID="{5EDA317F-AB2E-47DE-BA46-16FA60C3C561}" presName="EmptyPlaceHolder" presStyleCnt="0"/>
+      <dgm:spPr/>
+    </dgm:pt>
+    <dgm:pt modelId="{38A6C30B-D5BF-4A1A-A273-D265DC00F2EC}" type="pres">
+      <dgm:prSet presAssocID="{A75B061E-69EA-487C-8330-1430DA0F139D}" presName="space" presStyleCnt="0"/>
+      <dgm:spPr/>
+    </dgm:pt>
+    <dgm:pt modelId="{761684DA-3DB5-4618-9A30-6E2731CDFCA3}" type="pres">
+      <dgm:prSet presAssocID="{7B2FF309-5120-45E2-ACC8-F8FAA9DBDA55}" presName="composite" presStyleCnt="0"/>
+      <dgm:spPr/>
+    </dgm:pt>
+    <dgm:pt modelId="{E2C584B7-5B6E-4F6E-A7B8-E679FEF7BC4D}" type="pres">
+      <dgm:prSet presAssocID="{7B2FF309-5120-45E2-ACC8-F8FAA9DBDA55}" presName="L" presStyleLbl="solidFgAcc1" presStyleIdx="4" presStyleCnt="5">
+        <dgm:presLayoutVars>
+          <dgm:chMax val="0"/>
+          <dgm:chPref val="0"/>
+        </dgm:presLayoutVars>
+      </dgm:prSet>
+      <dgm:spPr>
+        <a:ln>
+          <a:solidFill>
+            <a:schemeClr val="accent4"/>
+          </a:solidFill>
+        </a:ln>
+      </dgm:spPr>
+    </dgm:pt>
+    <dgm:pt modelId="{B89F8758-DA9D-4018-859A-710084D7ABF3}" type="pres">
+      <dgm:prSet presAssocID="{7B2FF309-5120-45E2-ACC8-F8FAA9DBDA55}" presName="parTx" presStyleLbl="alignNode1" presStyleIdx="4" presStyleCnt="5">
+        <dgm:presLayoutVars>
+          <dgm:chMax val="0"/>
+          <dgm:chPref val="0"/>
+          <dgm:bulletEnabled val="1"/>
+        </dgm:presLayoutVars>
+      </dgm:prSet>
+      <dgm:spPr/>
+    </dgm:pt>
+    <dgm:pt modelId="{B73D2BBA-574C-491E-A31C-8B6EA5CC871A}" type="pres">
+      <dgm:prSet presAssocID="{7B2FF309-5120-45E2-ACC8-F8FAA9DBDA55}" presName="desTx" presStyleLbl="revTx" presStyleIdx="4" presStyleCnt="5">
+        <dgm:presLayoutVars>
+          <dgm:chMax val="0"/>
+          <dgm:chPref val="0"/>
+          <dgm:bulletEnabled val="1"/>
+        </dgm:presLayoutVars>
+      </dgm:prSet>
+      <dgm:spPr/>
+    </dgm:pt>
+    <dgm:pt modelId="{DC9D8E0A-674F-4E74-BF10-5C0EF64E638E}" type="pres">
+      <dgm:prSet presAssocID="{7B2FF309-5120-45E2-ACC8-F8FAA9DBDA55}" presName="EmptyPlaceHolder" presStyleCnt="0"/>
+      <dgm:spPr/>
+    </dgm:pt>
+  </dgm:ptLst>
+  <dgm:cxnLst>
+    <dgm:cxn modelId="{50C74B06-38EC-45AB-AC83-EE5EAF7C5999}" srcId="{7B2FF309-5120-45E2-ACC8-F8FAA9DBDA55}" destId="{7CAB1AF4-4DD4-4560-AB9D-100C0D524066}" srcOrd="1" destOrd="0" parTransId="{8BEDC246-2C36-49CB-92B4-E37B4CAE02EF}" sibTransId="{5FD07782-ADC6-4D3E-8BC6-02A4444008E1}"/>
+    <dgm:cxn modelId="{A903DE1B-AC8A-4C77-850B-32A9F4D87BCB}" type="presOf" srcId="{5EDA317F-AB2E-47DE-BA46-16FA60C3C561}" destId="{69ED255C-64AC-4764-BC2C-7679ECCC9FE9}" srcOrd="0" destOrd="0" presId="urn:microsoft.com/office/officeart/2016/7/layout/AccentHomeChevronProcess"/>
+    <dgm:cxn modelId="{F23BFC27-EEA1-48DD-A68B-3C9BF1AE455D}" type="presOf" srcId="{349299C9-846E-4827-813A-349CCCE20782}" destId="{810D7AA7-A541-4507-BE7F-36CCF210089F}" srcOrd="0" destOrd="0" presId="urn:microsoft.com/office/officeart/2016/7/layout/AccentHomeChevronProcess"/>
+    <dgm:cxn modelId="{7B8F902E-4BA3-41AA-9991-54805A6B93DE}" srcId="{55C0B14E-AEA6-48D3-A387-ED4A3A3BF840}" destId="{5EDA317F-AB2E-47DE-BA46-16FA60C3C561}" srcOrd="3" destOrd="0" parTransId="{775EBB35-E8CF-4A14-B0A8-45A53D65E711}" sibTransId="{A75B061E-69EA-487C-8330-1430DA0F139D}"/>
+    <dgm:cxn modelId="{0EFA3039-6828-403C-9445-4359BA6645E6}" srcId="{AACEAFD5-63CF-4AFC-B46F-BE086C5D447C}" destId="{349299C9-846E-4827-813A-349CCCE20782}" srcOrd="0" destOrd="0" parTransId="{AEA27547-B9ED-4994-BD27-04EC297EF367}" sibTransId="{9D819F52-ACA0-4B08-8256-DF6BD8FA3A0B}"/>
+    <dgm:cxn modelId="{6CDEA839-6538-453E-9113-58ECC65280CB}" type="presOf" srcId="{AACEAFD5-63CF-4AFC-B46F-BE086C5D447C}" destId="{CA3A6A4E-2D39-41D2-A6B1-B590D0C452D2}" srcOrd="0" destOrd="0" presId="urn:microsoft.com/office/officeart/2016/7/layout/AccentHomeChevronProcess"/>
+    <dgm:cxn modelId="{8B80445D-C246-40E8-AA3E-15C9CBA15510}" type="presOf" srcId="{7CAB1AF4-4DD4-4560-AB9D-100C0D524066}" destId="{B73D2BBA-574C-491E-A31C-8B6EA5CC871A}" srcOrd="0" destOrd="1" presId="urn:microsoft.com/office/officeart/2016/7/layout/AccentHomeChevronProcess"/>
+    <dgm:cxn modelId="{F5A7A062-FA53-4976-B49E-235CE658F38A}" type="presOf" srcId="{EE155DB2-6788-4019-961C-F8B89C275CE8}" destId="{B73D2BBA-574C-491E-A31C-8B6EA5CC871A}" srcOrd="0" destOrd="0" presId="urn:microsoft.com/office/officeart/2016/7/layout/AccentHomeChevronProcess"/>
+    <dgm:cxn modelId="{55492768-9A5E-4F74-AC7C-959C5C24EFD3}" srcId="{55C0B14E-AEA6-48D3-A387-ED4A3A3BF840}" destId="{D07AD3FD-84FF-467E-9693-752776549C61}" srcOrd="1" destOrd="0" parTransId="{7B691773-F524-4FAD-A272-BDF0B0C4370A}" sibTransId="{A8C9B7A9-BC2A-4753-B7F0-F2E361D95520}"/>
+    <dgm:cxn modelId="{E97FF64F-8020-497E-AE7D-2395DDA4560D}" srcId="{D07AD3FD-84FF-467E-9693-752776549C61}" destId="{5D70EFF5-8B31-4A1F-AE44-51E4CF0013EB}" srcOrd="0" destOrd="0" parTransId="{96C720A0-FEEF-48D1-8DF6-ABA03C304822}" sibTransId="{B6A59CDE-18AD-4553-B6C5-FF001A8E8510}"/>
+    <dgm:cxn modelId="{8A3D4B73-3658-4A4C-9DFE-F59E22A79482}" srcId="{5EDA317F-AB2E-47DE-BA46-16FA60C3C561}" destId="{F757DBC8-3670-4122-937A-47DB91C0F3FE}" srcOrd="0" destOrd="0" parTransId="{8F483F27-8D97-48E5-9210-1B448F1CE277}" sibTransId="{A46A41DD-2CA4-4800-8F85-546ABB24ED07}"/>
+    <dgm:cxn modelId="{00A52954-B4C4-4ECD-B0D0-AE5EF5CDC4E1}" type="presOf" srcId="{7B2FF309-5120-45E2-ACC8-F8FAA9DBDA55}" destId="{B89F8758-DA9D-4018-859A-710084D7ABF3}" srcOrd="0" destOrd="0" presId="urn:microsoft.com/office/officeart/2016/7/layout/AccentHomeChevronProcess"/>
+    <dgm:cxn modelId="{219EA357-E48B-4A91-91A7-8282DFF10601}" type="presOf" srcId="{55C0B14E-AEA6-48D3-A387-ED4A3A3BF840}" destId="{594BF422-752C-42F3-A230-3D0E6AE9A886}" srcOrd="0" destOrd="0" presId="urn:microsoft.com/office/officeart/2016/7/layout/AccentHomeChevronProcess"/>
+    <dgm:cxn modelId="{D8B51958-63B3-49F6-A150-9B1A638B15CE}" type="presOf" srcId="{F757DBC8-3670-4122-937A-47DB91C0F3FE}" destId="{1F1B09A6-DA7E-41D1-B8A6-E3B6E775E5C1}" srcOrd="0" destOrd="0" presId="urn:microsoft.com/office/officeart/2016/7/layout/AccentHomeChevronProcess"/>
+    <dgm:cxn modelId="{61E56288-5A92-4019-989A-398C8EA8A844}" type="presOf" srcId="{4A6BB192-9983-4F48-BBC5-6E384EED7EC5}" destId="{FD7B29F2-0D66-4B4B-BC8A-82DA23575305}" srcOrd="0" destOrd="0" presId="urn:microsoft.com/office/officeart/2016/7/layout/AccentHomeChevronProcess"/>
+    <dgm:cxn modelId="{60399491-EC61-4ACD-870E-1A66600F3D26}" type="presOf" srcId="{D71FC021-6A65-44D1-95B9-0E6C89079866}" destId="{7A0B5EFC-88FB-4ED5-994F-D5F6584C2293}" srcOrd="0" destOrd="0" presId="urn:microsoft.com/office/officeart/2016/7/layout/AccentHomeChevronProcess"/>
+    <dgm:cxn modelId="{53239C96-427C-420B-95DC-546F3B30ED65}" srcId="{55C0B14E-AEA6-48D3-A387-ED4A3A3BF840}" destId="{D71FC021-6A65-44D1-95B9-0E6C89079866}" srcOrd="2" destOrd="0" parTransId="{862AAE39-3AAD-40E3-BA20-90187BD73242}" sibTransId="{9B090D9D-470E-46E2-AABB-0368A52481AA}"/>
+    <dgm:cxn modelId="{2F6485B4-0735-4D01-8060-5A89B7562619}" type="presOf" srcId="{5D70EFF5-8B31-4A1F-AE44-51E4CF0013EB}" destId="{5E07F9E4-149C-4A89-848F-4ABDD305F0C5}" srcOrd="0" destOrd="0" presId="urn:microsoft.com/office/officeart/2016/7/layout/AccentHomeChevronProcess"/>
+    <dgm:cxn modelId="{AE101ABC-7EA3-4444-A576-8AB15A371C84}" srcId="{55C0B14E-AEA6-48D3-A387-ED4A3A3BF840}" destId="{AACEAFD5-63CF-4AFC-B46F-BE086C5D447C}" srcOrd="0" destOrd="0" parTransId="{7A0BD8EC-BB4A-4912-A54E-6F39B681264E}" sibTransId="{7A8D4B4D-06E9-4958-810D-A6226B6AC588}"/>
+    <dgm:cxn modelId="{665C05C7-3CB0-428C-B457-E59A0AF60DA1}" type="presOf" srcId="{D07AD3FD-84FF-467E-9693-752776549C61}" destId="{6C46E586-0364-4C52-98F9-74A7ACD803D1}" srcOrd="0" destOrd="0" presId="urn:microsoft.com/office/officeart/2016/7/layout/AccentHomeChevronProcess"/>
+    <dgm:cxn modelId="{E3D274C7-DB39-45B8-B18F-742495FE5026}" srcId="{7B2FF309-5120-45E2-ACC8-F8FAA9DBDA55}" destId="{EE155DB2-6788-4019-961C-F8B89C275CE8}" srcOrd="0" destOrd="0" parTransId="{8395B9D5-FF39-4045-8569-9C13F11FB1E5}" sibTransId="{F94C628D-62C1-4AF5-B102-2A2AA7FD22DE}"/>
+    <dgm:cxn modelId="{D35DB9DA-961B-46CD-BB14-44CD766D8CB7}" srcId="{55C0B14E-AEA6-48D3-A387-ED4A3A3BF840}" destId="{7B2FF309-5120-45E2-ACC8-F8FAA9DBDA55}" srcOrd="4" destOrd="0" parTransId="{2CF5AF8A-5687-489A-9838-EDDBB760D421}" sibTransId="{D5CAA101-B828-45D7-965B-F77CD6FBA109}"/>
+    <dgm:cxn modelId="{E3115EEA-DE9C-4F06-B8B3-BEB263D5F2B1}" srcId="{D71FC021-6A65-44D1-95B9-0E6C89079866}" destId="{4A6BB192-9983-4F48-BBC5-6E384EED7EC5}" srcOrd="0" destOrd="0" parTransId="{230A6E4A-6CED-4DC0-AEFE-6859FE07B658}" sibTransId="{0B568EC2-5D2A-4B00-8047-B7832F245B44}"/>
+    <dgm:cxn modelId="{C93892E1-28C0-4B75-A464-293C00708672}" type="presParOf" srcId="{594BF422-752C-42F3-A230-3D0E6AE9A886}" destId="{F6A1B9E0-4B4A-47A4-A011-67526CEEA770}" srcOrd="0" destOrd="0" presId="urn:microsoft.com/office/officeart/2016/7/layout/AccentHomeChevronProcess"/>
+    <dgm:cxn modelId="{D5413575-9692-46A2-A045-9ED8482318DF}" type="presParOf" srcId="{F6A1B9E0-4B4A-47A4-A011-67526CEEA770}" destId="{FA4E6E73-A3C8-4495-927B-8AADA5A74297}" srcOrd="0" destOrd="0" presId="urn:microsoft.com/office/officeart/2016/7/layout/AccentHomeChevronProcess"/>
+    <dgm:cxn modelId="{3303BDD6-668D-45F1-9491-4125E782D67C}" type="presParOf" srcId="{F6A1B9E0-4B4A-47A4-A011-67526CEEA770}" destId="{CA3A6A4E-2D39-41D2-A6B1-B590D0C452D2}" srcOrd="1" destOrd="0" presId="urn:microsoft.com/office/officeart/2016/7/layout/AccentHomeChevronProcess"/>
+    <dgm:cxn modelId="{3BAD5A1C-162E-4722-B818-968C4083BECD}" type="presParOf" srcId="{F6A1B9E0-4B4A-47A4-A011-67526CEEA770}" destId="{810D7AA7-A541-4507-BE7F-36CCF210089F}" srcOrd="2" destOrd="0" presId="urn:microsoft.com/office/officeart/2016/7/layout/AccentHomeChevronProcess"/>
+    <dgm:cxn modelId="{A3B267C1-BAFC-42F0-A63A-6491CFDC1ED2}" type="presParOf" srcId="{F6A1B9E0-4B4A-47A4-A011-67526CEEA770}" destId="{4F7CDD44-32F1-4759-861F-8DABEBBA8D89}" srcOrd="3" destOrd="0" presId="urn:microsoft.com/office/officeart/2016/7/layout/AccentHomeChevronProcess"/>
+    <dgm:cxn modelId="{80CC9289-BA8F-4ED7-A4ED-9FA5EF71D964}" type="presParOf" srcId="{594BF422-752C-42F3-A230-3D0E6AE9A886}" destId="{C9A9B9EA-6A1D-4A13-9C7F-C112F25D2888}" srcOrd="1" destOrd="0" presId="urn:microsoft.com/office/officeart/2016/7/layout/AccentHomeChevronProcess"/>
+    <dgm:cxn modelId="{5B7985CA-BC92-461D-A77E-E2320D4992D0}" type="presParOf" srcId="{594BF422-752C-42F3-A230-3D0E6AE9A886}" destId="{EC37843F-14A6-4E20-B7AE-2B086A8F5F45}" srcOrd="2" destOrd="0" presId="urn:microsoft.com/office/officeart/2016/7/layout/AccentHomeChevronProcess"/>
+    <dgm:cxn modelId="{1996E4D7-D809-45CA-9DF0-561A93BDAFB1}" type="presParOf" srcId="{EC37843F-14A6-4E20-B7AE-2B086A8F5F45}" destId="{E41E7729-FD3F-426D-804C-45BD60BD762D}" srcOrd="0" destOrd="0" presId="urn:microsoft.com/office/officeart/2016/7/layout/AccentHomeChevronProcess"/>
+    <dgm:cxn modelId="{16E53752-1AB8-4CD2-BFD6-85C0CDA26E1B}" type="presParOf" srcId="{EC37843F-14A6-4E20-B7AE-2B086A8F5F45}" destId="{6C46E586-0364-4C52-98F9-74A7ACD803D1}" srcOrd="1" destOrd="0" presId="urn:microsoft.com/office/officeart/2016/7/layout/AccentHomeChevronProcess"/>
+    <dgm:cxn modelId="{FAC2F23D-E510-4342-91C3-FCAB11B207C0}" type="presParOf" srcId="{EC37843F-14A6-4E20-B7AE-2B086A8F5F45}" destId="{5E07F9E4-149C-4A89-848F-4ABDD305F0C5}" srcOrd="2" destOrd="0" presId="urn:microsoft.com/office/officeart/2016/7/layout/AccentHomeChevronProcess"/>
+    <dgm:cxn modelId="{3843A525-0A63-4743-B0E8-0F795D54B4E4}" type="presParOf" srcId="{EC37843F-14A6-4E20-B7AE-2B086A8F5F45}" destId="{2928FCAD-BE3F-45AC-93A5-FD98F8A50E00}" srcOrd="3" destOrd="0" presId="urn:microsoft.com/office/officeart/2016/7/layout/AccentHomeChevronProcess"/>
+    <dgm:cxn modelId="{D179D84E-BE2C-46EF-8594-412D3A7F9213}" type="presParOf" srcId="{594BF422-752C-42F3-A230-3D0E6AE9A886}" destId="{C2DF8D93-19C7-4E07-BCAF-9FAAB62C8CF2}" srcOrd="3" destOrd="0" presId="urn:microsoft.com/office/officeart/2016/7/layout/AccentHomeChevronProcess"/>
+    <dgm:cxn modelId="{D8554B98-FAA7-4800-BB76-916BA7A2B10E}" type="presParOf" srcId="{594BF422-752C-42F3-A230-3D0E6AE9A886}" destId="{86E313B1-36D3-44D7-907E-22A08CB8E9CC}" srcOrd="4" destOrd="0" presId="urn:microsoft.com/office/officeart/2016/7/layout/AccentHomeChevronProcess"/>
+    <dgm:cxn modelId="{19D10FBF-8E65-4EB5-9B54-54A271982B0D}" type="presParOf" srcId="{86E313B1-36D3-44D7-907E-22A08CB8E9CC}" destId="{473F2067-7126-4D56-A328-5A8CFD3D8D52}" srcOrd="0" destOrd="0" presId="urn:microsoft.com/office/officeart/2016/7/layout/AccentHomeChevronProcess"/>
+    <dgm:cxn modelId="{11A73768-8587-4E2B-BDDA-6254211FDF2D}" type="presParOf" srcId="{86E313B1-36D3-44D7-907E-22A08CB8E9CC}" destId="{7A0B5EFC-88FB-4ED5-994F-D5F6584C2293}" srcOrd="1" destOrd="0" presId="urn:microsoft.com/office/officeart/2016/7/layout/AccentHomeChevronProcess"/>
+    <dgm:cxn modelId="{522D3FED-6E8C-40DF-8BA8-A80510ACC48F}" type="presParOf" srcId="{86E313B1-36D3-44D7-907E-22A08CB8E9CC}" destId="{FD7B29F2-0D66-4B4B-BC8A-82DA23575305}" srcOrd="2" destOrd="0" presId="urn:microsoft.com/office/officeart/2016/7/layout/AccentHomeChevronProcess"/>
+    <dgm:cxn modelId="{8075A955-4651-4DD2-B114-EB147BF378DF}" type="presParOf" srcId="{86E313B1-36D3-44D7-907E-22A08CB8E9CC}" destId="{BABAA172-7B81-4C6B-BCF2-4572322515C5}" srcOrd="3" destOrd="0" presId="urn:microsoft.com/office/officeart/2016/7/layout/AccentHomeChevronProcess"/>
+    <dgm:cxn modelId="{505D5263-214F-48F5-9678-AA87C7C04F54}" type="presParOf" srcId="{594BF422-752C-42F3-A230-3D0E6AE9A886}" destId="{0B65942F-B336-42B6-A72B-DA6B6B07B79B}" srcOrd="5" destOrd="0" presId="urn:microsoft.com/office/officeart/2016/7/layout/AccentHomeChevronProcess"/>
+    <dgm:cxn modelId="{F0861DFD-F2E8-400C-9B5C-4AA4849B2BE4}" type="presParOf" srcId="{594BF422-752C-42F3-A230-3D0E6AE9A886}" destId="{1D5539F6-8B97-4801-8139-D49EE44FFF3E}" srcOrd="6" destOrd="0" presId="urn:microsoft.com/office/officeart/2016/7/layout/AccentHomeChevronProcess"/>
+    <dgm:cxn modelId="{D22CB840-CF4F-404F-97C0-0629311A5E51}" type="presParOf" srcId="{1D5539F6-8B97-4801-8139-D49EE44FFF3E}" destId="{2377F551-4CF6-4656-B644-60A7FC1B0F64}" srcOrd="0" destOrd="0" presId="urn:microsoft.com/office/officeart/2016/7/layout/AccentHomeChevronProcess"/>
+    <dgm:cxn modelId="{6FFE5C0B-250C-4EEB-9BDD-E47B6B414225}" type="presParOf" srcId="{1D5539F6-8B97-4801-8139-D49EE44FFF3E}" destId="{69ED255C-64AC-4764-BC2C-7679ECCC9FE9}" srcOrd="1" destOrd="0" presId="urn:microsoft.com/office/officeart/2016/7/layout/AccentHomeChevronProcess"/>
+    <dgm:cxn modelId="{EB2B0AEE-0679-4C51-B5D9-13C0989C2DC6}" type="presParOf" srcId="{1D5539F6-8B97-4801-8139-D49EE44FFF3E}" destId="{1F1B09A6-DA7E-41D1-B8A6-E3B6E775E5C1}" srcOrd="2" destOrd="0" presId="urn:microsoft.com/office/officeart/2016/7/layout/AccentHomeChevronProcess"/>
+    <dgm:cxn modelId="{21A6189F-60BA-4472-B858-99323388D0B0}" type="presParOf" srcId="{1D5539F6-8B97-4801-8139-D49EE44FFF3E}" destId="{89DACDC6-8676-47A4-A430-164754F46172}" srcOrd="3" destOrd="0" presId="urn:microsoft.com/office/officeart/2016/7/layout/AccentHomeChevronProcess"/>
+    <dgm:cxn modelId="{7D7FFE7B-0A37-4D36-9728-C99051BA3C40}" type="presParOf" srcId="{594BF422-752C-42F3-A230-3D0E6AE9A886}" destId="{38A6C30B-D5BF-4A1A-A273-D265DC00F2EC}" srcOrd="7" destOrd="0" presId="urn:microsoft.com/office/officeart/2016/7/layout/AccentHomeChevronProcess"/>
+    <dgm:cxn modelId="{626D4800-17BB-462C-BE7D-935B963B6EC7}" type="presParOf" srcId="{594BF422-752C-42F3-A230-3D0E6AE9A886}" destId="{761684DA-3DB5-4618-9A30-6E2731CDFCA3}" srcOrd="8" destOrd="0" presId="urn:microsoft.com/office/officeart/2016/7/layout/AccentHomeChevronProcess"/>
+    <dgm:cxn modelId="{2B2ED8B7-5577-4410-8D8A-61A1D71B9F15}" type="presParOf" srcId="{761684DA-3DB5-4618-9A30-6E2731CDFCA3}" destId="{E2C584B7-5B6E-4F6E-A7B8-E679FEF7BC4D}" srcOrd="0" destOrd="0" presId="urn:microsoft.com/office/officeart/2016/7/layout/AccentHomeChevronProcess"/>
+    <dgm:cxn modelId="{CFB7BBCC-4189-422A-9163-265E17C16D21}" type="presParOf" srcId="{761684DA-3DB5-4618-9A30-6E2731CDFCA3}" destId="{B89F8758-DA9D-4018-859A-710084D7ABF3}" srcOrd="1" destOrd="0" presId="urn:microsoft.com/office/officeart/2016/7/layout/AccentHomeChevronProcess"/>
+    <dgm:cxn modelId="{72C8C8DD-71B0-4E2B-BE4F-7AF4AF3DD218}" type="presParOf" srcId="{761684DA-3DB5-4618-9A30-6E2731CDFCA3}" destId="{B73D2BBA-574C-491E-A31C-8B6EA5CC871A}" srcOrd="2" destOrd="0" presId="urn:microsoft.com/office/officeart/2016/7/layout/AccentHomeChevronProcess"/>
+    <dgm:cxn modelId="{34912DD7-C0FC-4C18-ABAB-DA8DF69C4254}" type="presParOf" srcId="{761684DA-3DB5-4618-9A30-6E2731CDFCA3}" destId="{DC9D8E0A-674F-4E74-BF10-5C0EF64E638E}" srcOrd="3" destOrd="0" presId="urn:microsoft.com/office/officeart/2016/7/layout/AccentHomeChevronProcess"/>
+  </dgm:cxnLst>
+  <dgm:bg/>
+  <dgm:whole/>
+  <dgm:extLst>
+    <a:ext uri="http://schemas.microsoft.com/office/drawing/2008/diagram">
+      <dsp:dataModelExt xmlns:dsp="http://schemas.microsoft.com/office/drawing/2008/diagram" relId="rId7" minVer="http://schemas.openxmlformats.org/drawingml/2006/diagram"/>
+    </a:ext>
+  </dgm:extLst>
+</dgm:dataModel>
+</file>
+
+<file path=ppt/diagrams/data4.xml><?xml version="1.0" encoding="utf-8"?>
+<dgm:dataModel xmlns:dgm="http://schemas.openxmlformats.org/drawingml/2006/diagram" xmlns:a="http://schemas.openxmlformats.org/drawingml/2006/main">
+  <dgm:ptLst>
+    <dgm:pt modelId="{55C0B14E-AEA6-48D3-A387-ED4A3A3BF840}" type="doc">
+      <dgm:prSet loTypeId="urn:microsoft.com/office/officeart/2016/7/layout/AccentHomeChevronProcess" loCatId="process" qsTypeId="urn:microsoft.com/office/officeart/2005/8/quickstyle/simple1" qsCatId="simple" csTypeId="urn:microsoft.com/office/officeart/2018/5/colors/Iconchunking_coloredoutline_colorful1" csCatId="colorful" phldr="1"/>
+      <dgm:spPr/>
+      <dgm:t>
+        <a:bodyPr rtlCol="0"/>
+        <a:lstStyle/>
+        <a:p>
+          <a:pPr rtl="0"/>
+          <a:endParaRPr lang="en-US"/>
+        </a:p>
+      </dgm:t>
+    </dgm:pt>
+    <dgm:pt modelId="{AACEAFD5-63CF-4AFC-B46F-BE086C5D447C}">
+      <dgm:prSet phldrT="[Text]" custT="1"/>
+      <dgm:spPr>
+        <a:solidFill>
+          <a:schemeClr val="accent2"/>
+        </a:solidFill>
+        <a:ln>
+          <a:solidFill>
+            <a:schemeClr val="accent2"/>
+          </a:solidFill>
+        </a:ln>
+      </dgm:spPr>
+      <dgm:t>
+        <a:bodyPr rtlCol="0"/>
+        <a:lstStyle/>
+        <a:p>
+          <a:pPr rtl="0"/>
+          <a:r>
+            <a:rPr lang="de-DE" sz="2000" noProof="0" dirty="0"/>
+            <a:t>22.11.</a:t>
+          </a:r>
+        </a:p>
+      </dgm:t>
+    </dgm:pt>
+    <dgm:pt modelId="{7A0BD8EC-BB4A-4912-A54E-6F39B681264E}" type="parTrans" cxnId="{AE101ABC-7EA3-4444-A576-8AB15A371C84}">
+      <dgm:prSet/>
+      <dgm:spPr/>
+      <dgm:t>
+        <a:bodyPr rtlCol="0"/>
+        <a:lstStyle/>
+        <a:p>
+          <a:pPr rtl="0"/>
+          <a:endParaRPr lang="de-DE" noProof="0" dirty="0"/>
+        </a:p>
+      </dgm:t>
+    </dgm:pt>
+    <dgm:pt modelId="{7A8D4B4D-06E9-4958-810D-A6226B6AC588}" type="sibTrans" cxnId="{AE101ABC-7EA3-4444-A576-8AB15A371C84}">
+      <dgm:prSet/>
+      <dgm:spPr/>
+      <dgm:t>
+        <a:bodyPr rtlCol="0"/>
+        <a:lstStyle/>
+        <a:p>
+          <a:pPr rtl="0"/>
+          <a:endParaRPr lang="de-DE" noProof="0" dirty="0"/>
+        </a:p>
+      </dgm:t>
+    </dgm:pt>
+    <dgm:pt modelId="{349299C9-846E-4827-813A-349CCCE20782}">
+      <dgm:prSet phldrT="[Text]" custT="1"/>
+      <dgm:spPr/>
+      <dgm:t>
+        <a:bodyPr rtlCol="0"/>
+        <a:lstStyle/>
+        <a:p>
+          <a:pPr rtl="0"/>
+          <a:r>
+            <a:rPr lang="de-DE" sz="1400" b="1" i="0" u="none" noProof="0" dirty="0"/>
+            <a:t>Meeting </a:t>
+          </a:r>
+          <a:r>
+            <a:rPr lang="de-DE" sz="1400" b="1" i="0" u="none" noProof="0" dirty="0" err="1"/>
+            <a:t>No</a:t>
+          </a:r>
+          <a:r>
+            <a:rPr lang="de-DE" sz="1400" b="1" i="0" u="none" noProof="0" dirty="0"/>
+            <a:t>. 1 ✅</a:t>
+          </a:r>
+        </a:p>
+        <a:p>
+          <a:pPr rtl="0"/>
+          <a:r>
+            <a:rPr lang="de-DE" sz="1400" b="0" i="0" u="none" noProof="0" dirty="0"/>
+            <a:t>Project Setup </a:t>
+          </a:r>
+          <a:r>
+            <a:rPr lang="de-DE" sz="1400" b="0" i="0" u="none" noProof="0" dirty="0" err="1"/>
+            <a:t>Git</a:t>
+          </a:r>
+          <a:r>
+            <a:rPr lang="de-DE" sz="1400" b="0" i="0" u="none" noProof="0" dirty="0"/>
+            <a:t>, LFS &amp; Unity</a:t>
+          </a:r>
+        </a:p>
+        <a:p>
+          <a:pPr rtl="0"/>
+          <a:r>
+            <a:rPr lang="de-DE" sz="1400" b="0" i="0" u="none" noProof="0" dirty="0"/>
+            <a:t>First Chunk Generation</a:t>
+          </a:r>
+        </a:p>
+        <a:p>
+          <a:pPr rtl="0"/>
+          <a:r>
+            <a:rPr lang="de-DE" sz="1400" b="0" i="0" u="none" noProof="0" dirty="0"/>
+            <a:t>Rough MC </a:t>
+          </a:r>
+          <a:r>
+            <a:rPr lang="de-DE" sz="1400" b="0" i="0" u="none" noProof="0" dirty="0" err="1"/>
+            <a:t>implementation</a:t>
+          </a:r>
+          <a:endParaRPr lang="de-DE" sz="1400" noProof="0" dirty="0"/>
+        </a:p>
+      </dgm:t>
+    </dgm:pt>
+    <dgm:pt modelId="{AEA27547-B9ED-4994-BD27-04EC297EF367}" type="parTrans" cxnId="{0EFA3039-6828-403C-9445-4359BA6645E6}">
+      <dgm:prSet/>
+      <dgm:spPr/>
+      <dgm:t>
+        <a:bodyPr rtlCol="0"/>
+        <a:lstStyle/>
+        <a:p>
+          <a:pPr rtl="0"/>
+          <a:endParaRPr lang="de-DE" noProof="0" dirty="0"/>
+        </a:p>
+      </dgm:t>
+    </dgm:pt>
+    <dgm:pt modelId="{9D819F52-ACA0-4B08-8256-DF6BD8FA3A0B}" type="sibTrans" cxnId="{0EFA3039-6828-403C-9445-4359BA6645E6}">
+      <dgm:prSet/>
+      <dgm:spPr/>
+      <dgm:t>
+        <a:bodyPr rtlCol="0"/>
+        <a:lstStyle/>
+        <a:p>
+          <a:pPr rtl="0"/>
+          <a:endParaRPr lang="de-DE" noProof="0" dirty="0"/>
+        </a:p>
+      </dgm:t>
+    </dgm:pt>
+    <dgm:pt modelId="{D07AD3FD-84FF-467E-9693-752776549C61}">
+      <dgm:prSet phldrT="[Text]" custT="1"/>
+      <dgm:spPr>
+        <a:solidFill>
+          <a:schemeClr val="accent1"/>
+        </a:solidFill>
+        <a:ln>
+          <a:solidFill>
+            <a:schemeClr val="accent1"/>
+          </a:solidFill>
+        </a:ln>
+      </dgm:spPr>
+      <dgm:t>
+        <a:bodyPr rtlCol="0"/>
+        <a:lstStyle/>
+        <a:p>
+          <a:pPr rtl="0"/>
+          <a:r>
+            <a:rPr lang="de-DE" sz="2000" noProof="0" dirty="0"/>
+            <a:t>20.12.</a:t>
+          </a:r>
+        </a:p>
+      </dgm:t>
+    </dgm:pt>
+    <dgm:pt modelId="{7B691773-F524-4FAD-A272-BDF0B0C4370A}" type="parTrans" cxnId="{55492768-9A5E-4F74-AC7C-959C5C24EFD3}">
+      <dgm:prSet/>
+      <dgm:spPr/>
+      <dgm:t>
+        <a:bodyPr rtlCol="0"/>
+        <a:lstStyle/>
+        <a:p>
+          <a:pPr rtl="0"/>
+          <a:endParaRPr lang="de-DE" noProof="0" dirty="0"/>
+        </a:p>
+      </dgm:t>
+    </dgm:pt>
+    <dgm:pt modelId="{A8C9B7A9-BC2A-4753-B7F0-F2E361D95520}" type="sibTrans" cxnId="{55492768-9A5E-4F74-AC7C-959C5C24EFD3}">
+      <dgm:prSet/>
+      <dgm:spPr/>
+      <dgm:t>
+        <a:bodyPr rtlCol="0"/>
+        <a:lstStyle/>
+        <a:p>
+          <a:pPr rtl="0"/>
+          <a:endParaRPr lang="de-DE" noProof="0" dirty="0"/>
+        </a:p>
+      </dgm:t>
+    </dgm:pt>
+    <dgm:pt modelId="{5D70EFF5-8B31-4A1F-AE44-51E4CF0013EB}">
+      <dgm:prSet phldrT="[Text]" custT="1"/>
+      <dgm:spPr/>
+      <dgm:t>
+        <a:bodyPr rtlCol="0"/>
+        <a:lstStyle/>
+        <a:p>
+          <a:pPr rtl="0"/>
+          <a:r>
+            <a:rPr lang="de-DE" sz="1400" b="1" i="0" u="none" noProof="0" dirty="0"/>
+            <a:t>Meeting </a:t>
+          </a:r>
+          <a:r>
+            <a:rPr lang="de-DE" sz="1400" b="1" i="0" u="none" noProof="0" dirty="0" err="1"/>
+            <a:t>No</a:t>
+          </a:r>
+          <a:r>
+            <a:rPr lang="de-DE" sz="1400" b="1" i="0" u="none" noProof="0" dirty="0"/>
+            <a:t>. 2 ✅</a:t>
+          </a:r>
+        </a:p>
+        <a:p>
+          <a:pPr rtl="0"/>
+          <a:r>
+            <a:rPr lang="de-DE" sz="1400" b="0" i="0" u="none" noProof="0" dirty="0"/>
+            <a:t>Marching Cubes in Unity </a:t>
+          </a:r>
+          <a:r>
+            <a:rPr lang="de-DE" sz="1400" b="0" i="0" u="none" noProof="0" dirty="0" err="1"/>
+            <a:t>with</a:t>
+          </a:r>
+          <a:r>
+            <a:rPr lang="de-DE" sz="1400" b="0" i="0" u="none" noProof="0" dirty="0"/>
+            <a:t> </a:t>
+          </a:r>
+          <a:r>
+            <a:rPr lang="de-DE" sz="1400" b="0" i="0" u="none" noProof="0" dirty="0" err="1"/>
+            <a:t>reasonable</a:t>
+          </a:r>
+          <a:r>
+            <a:rPr lang="de-DE" sz="1400" b="0" i="0" u="none" noProof="0" dirty="0"/>
+            <a:t> Density </a:t>
+          </a:r>
+          <a:r>
+            <a:rPr lang="de-DE" sz="1400" b="0" i="0" u="none" noProof="0" dirty="0" err="1"/>
+            <a:t>Function</a:t>
+          </a:r>
+          <a:r>
+            <a:rPr lang="de-DE" sz="1400" b="0" i="0" u="none" noProof="0" dirty="0"/>
+            <a:t> &amp; Chunk Management</a:t>
+          </a:r>
+          <a:endParaRPr lang="de-DE" sz="1400" b="0" noProof="0" dirty="0"/>
+        </a:p>
+      </dgm:t>
+    </dgm:pt>
+    <dgm:pt modelId="{96C720A0-FEEF-48D1-8DF6-ABA03C304822}" type="parTrans" cxnId="{E97FF64F-8020-497E-AE7D-2395DDA4560D}">
+      <dgm:prSet/>
+      <dgm:spPr/>
+      <dgm:t>
+        <a:bodyPr rtlCol="0"/>
+        <a:lstStyle/>
+        <a:p>
+          <a:pPr rtl="0"/>
+          <a:endParaRPr lang="de-DE" noProof="0" dirty="0"/>
+        </a:p>
+      </dgm:t>
+    </dgm:pt>
+    <dgm:pt modelId="{B6A59CDE-18AD-4553-B6C5-FF001A8E8510}" type="sibTrans" cxnId="{E97FF64F-8020-497E-AE7D-2395DDA4560D}">
+      <dgm:prSet/>
+      <dgm:spPr/>
+      <dgm:t>
+        <a:bodyPr rtlCol="0"/>
+        <a:lstStyle/>
+        <a:p>
+          <a:pPr rtl="0"/>
+          <a:endParaRPr lang="de-DE" noProof="0" dirty="0"/>
+        </a:p>
+      </dgm:t>
+    </dgm:pt>
+    <dgm:pt modelId="{D71FC021-6A65-44D1-95B9-0E6C89079866}">
+      <dgm:prSet phldrT="[Text]" custT="1"/>
+      <dgm:spPr>
+        <a:solidFill>
+          <a:schemeClr val="accent5"/>
+        </a:solidFill>
+        <a:ln>
+          <a:solidFill>
+            <a:schemeClr val="accent5"/>
+          </a:solidFill>
+        </a:ln>
+      </dgm:spPr>
+      <dgm:t>
+        <a:bodyPr rtlCol="0"/>
+        <a:lstStyle/>
+        <a:p>
+          <a:pPr rtl="0"/>
+          <a:r>
+            <a:rPr lang="de-DE" sz="2000" noProof="0" dirty="0"/>
+            <a:t>17.01.</a:t>
+          </a:r>
+        </a:p>
+      </dgm:t>
+    </dgm:pt>
+    <dgm:pt modelId="{862AAE39-3AAD-40E3-BA20-90187BD73242}" type="parTrans" cxnId="{53239C96-427C-420B-95DC-546F3B30ED65}">
+      <dgm:prSet/>
+      <dgm:spPr/>
+      <dgm:t>
+        <a:bodyPr rtlCol="0"/>
+        <a:lstStyle/>
+        <a:p>
+          <a:pPr rtl="0"/>
+          <a:endParaRPr lang="de-DE" noProof="0" dirty="0"/>
+        </a:p>
+      </dgm:t>
+    </dgm:pt>
+    <dgm:pt modelId="{9B090D9D-470E-46E2-AABB-0368A52481AA}" type="sibTrans" cxnId="{53239C96-427C-420B-95DC-546F3B30ED65}">
+      <dgm:prSet/>
+      <dgm:spPr/>
+      <dgm:t>
+        <a:bodyPr rtlCol="0"/>
+        <a:lstStyle/>
+        <a:p>
+          <a:pPr rtl="0"/>
+          <a:endParaRPr lang="de-DE" noProof="0" dirty="0"/>
+        </a:p>
+      </dgm:t>
+    </dgm:pt>
+    <dgm:pt modelId="{4A6BB192-9983-4F48-BBC5-6E384EED7EC5}">
+      <dgm:prSet phldrT="[Text]" custT="1"/>
+      <dgm:spPr/>
+      <dgm:t>
+        <a:bodyPr rtlCol="0"/>
+        <a:lstStyle/>
+        <a:p>
+          <a:pPr rtl="0"/>
+          <a:r>
+            <a:rPr lang="de-DE" sz="1400" b="1" i="0" u="none" noProof="0" dirty="0"/>
+            <a:t>Meeting No.3 ✅ </a:t>
+          </a:r>
+        </a:p>
+        <a:p>
+          <a:pPr rtl="0"/>
+          <a:r>
+            <a:rPr lang="de-DE" sz="1400" b="0" i="0" u="none" noProof="0" dirty="0"/>
+            <a:t>Efficiency Test</a:t>
+          </a:r>
+        </a:p>
+        <a:p>
+          <a:pPr rtl="0"/>
+          <a:r>
+            <a:rPr lang="de-DE" sz="1400" b="0" i="0" u="none" noProof="0" dirty="0"/>
+            <a:t>Chunk LODs</a:t>
+          </a:r>
+        </a:p>
+        <a:p>
+          <a:pPr rtl="0"/>
+          <a:r>
+            <a:rPr lang="de-DE" sz="1400" b="0" i="0" dirty="0"/>
+            <a:t>smooth normal </a:t>
+          </a:r>
+          <a:r>
+            <a:rPr lang="de-DE" sz="1400" b="0" i="0" dirty="0" err="1"/>
+            <a:t>shading</a:t>
+          </a:r>
+          <a:r>
+            <a:rPr lang="de-DE" sz="1400" b="0" i="0" dirty="0"/>
+            <a:t> </a:t>
+          </a:r>
+          <a:r>
+            <a:rPr lang="de-DE" sz="1400" b="0" i="0" dirty="0" err="1"/>
+            <a:t>test</a:t>
+          </a:r>
+          <a:endParaRPr lang="de-DE" sz="1400" b="0" i="0" u="none" noProof="0" dirty="0"/>
+        </a:p>
+        <a:p>
+          <a:pPr rtl="0"/>
+          <a:endParaRPr lang="de-DE" sz="1400" b="1" i="0" u="none" noProof="0" dirty="0"/>
+        </a:p>
+      </dgm:t>
+    </dgm:pt>
+    <dgm:pt modelId="{230A6E4A-6CED-4DC0-AEFE-6859FE07B658}" type="parTrans" cxnId="{E3115EEA-DE9C-4F06-B8B3-BEB263D5F2B1}">
+      <dgm:prSet/>
+      <dgm:spPr/>
+      <dgm:t>
+        <a:bodyPr rtlCol="0"/>
+        <a:lstStyle/>
+        <a:p>
+          <a:pPr rtl="0"/>
+          <a:endParaRPr lang="de-DE" noProof="0" dirty="0"/>
+        </a:p>
+      </dgm:t>
+    </dgm:pt>
+    <dgm:pt modelId="{0B568EC2-5D2A-4B00-8047-B7832F245B44}" type="sibTrans" cxnId="{E3115EEA-DE9C-4F06-B8B3-BEB263D5F2B1}">
+      <dgm:prSet/>
+      <dgm:spPr/>
+      <dgm:t>
+        <a:bodyPr rtlCol="0"/>
+        <a:lstStyle/>
+        <a:p>
+          <a:pPr rtl="0"/>
+          <a:endParaRPr lang="de-DE" noProof="0" dirty="0"/>
+        </a:p>
+      </dgm:t>
+    </dgm:pt>
+    <dgm:pt modelId="{5EDA317F-AB2E-47DE-BA46-16FA60C3C561}">
+      <dgm:prSet phldrT="[Text]" custT="1"/>
+      <dgm:spPr>
+        <a:solidFill>
+          <a:schemeClr val="accent3"/>
+        </a:solidFill>
+        <a:ln>
+          <a:solidFill>
+            <a:schemeClr val="accent3"/>
+          </a:solidFill>
+        </a:ln>
+      </dgm:spPr>
+      <dgm:t>
+        <a:bodyPr rtlCol="0"/>
+        <a:lstStyle/>
+        <a:p>
+          <a:pPr rtl="0"/>
+          <a:r>
+            <a:rPr lang="de-DE" sz="2000" noProof="0" dirty="0"/>
+            <a:t>14.02.</a:t>
+          </a:r>
+        </a:p>
+      </dgm:t>
+    </dgm:pt>
+    <dgm:pt modelId="{775EBB35-E8CF-4A14-B0A8-45A53D65E711}" type="parTrans" cxnId="{7B8F902E-4BA3-41AA-9991-54805A6B93DE}">
+      <dgm:prSet/>
+      <dgm:spPr/>
+      <dgm:t>
+        <a:bodyPr rtlCol="0"/>
+        <a:lstStyle/>
+        <a:p>
+          <a:pPr rtl="0"/>
+          <a:endParaRPr lang="de-DE" noProof="0" dirty="0"/>
+        </a:p>
+      </dgm:t>
+    </dgm:pt>
+    <dgm:pt modelId="{A75B061E-69EA-487C-8330-1430DA0F139D}" type="sibTrans" cxnId="{7B8F902E-4BA3-41AA-9991-54805A6B93DE}">
+      <dgm:prSet/>
+      <dgm:spPr/>
+      <dgm:t>
+        <a:bodyPr rtlCol="0"/>
+        <a:lstStyle/>
+        <a:p>
+          <a:pPr rtl="0"/>
+          <a:endParaRPr lang="de-DE" noProof="0" dirty="0"/>
+        </a:p>
+      </dgm:t>
+    </dgm:pt>
+    <dgm:pt modelId="{F757DBC8-3670-4122-937A-47DB91C0F3FE}">
+      <dgm:prSet phldrT="[Text]" custT="1"/>
+      <dgm:spPr/>
+      <dgm:t>
+        <a:bodyPr rtlCol="0"/>
+        <a:lstStyle/>
+        <a:p>
+          <a:pPr rtl="0"/>
+          <a:r>
+            <a:rPr lang="de-DE" sz="1400" b="1" i="0" u="none" noProof="0" dirty="0"/>
+            <a:t>Final </a:t>
+          </a:r>
+          <a:r>
+            <a:rPr lang="de-DE" sz="1400" b="1" i="0" u="none" noProof="0" dirty="0" err="1"/>
+            <a:t>Presentation</a:t>
+          </a:r>
+          <a:endParaRPr lang="de-DE" sz="1400" b="1" i="0" u="none" noProof="0" dirty="0"/>
+        </a:p>
+        <a:p>
+          <a:pPr rtl="0"/>
+          <a:r>
+            <a:rPr lang="de-DE" sz="1400" i="0" dirty="0"/>
+            <a:t>Material </a:t>
+          </a:r>
+          <a:r>
+            <a:rPr lang="de-DE" sz="1400" i="0" dirty="0" err="1"/>
+            <a:t>tweaks</a:t>
+          </a:r>
+          <a:endParaRPr lang="de-DE" sz="1400" i="0" dirty="0"/>
+        </a:p>
+        <a:p>
+          <a:pPr rtl="0"/>
+          <a:r>
+            <a:rPr lang="de-DE" sz="1400" b="1" i="0" dirty="0" err="1"/>
+            <a:t>Polishing</a:t>
+          </a:r>
+          <a:endParaRPr lang="de-DE" sz="1400" b="1" i="0" dirty="0"/>
+        </a:p>
+        <a:p>
+          <a:pPr rtl="0"/>
+          <a:endParaRPr lang="de-DE" sz="1400" i="1" dirty="0"/>
+        </a:p>
+      </dgm:t>
+    </dgm:pt>
+    <dgm:pt modelId="{8F483F27-8D97-48E5-9210-1B448F1CE277}" type="parTrans" cxnId="{8A3D4B73-3658-4A4C-9DFE-F59E22A79482}">
+      <dgm:prSet/>
+      <dgm:spPr/>
+      <dgm:t>
+        <a:bodyPr rtlCol="0"/>
+        <a:lstStyle/>
+        <a:p>
+          <a:pPr rtl="0"/>
+          <a:endParaRPr lang="de-DE" noProof="0" dirty="0"/>
+        </a:p>
+      </dgm:t>
+    </dgm:pt>
+    <dgm:pt modelId="{A46A41DD-2CA4-4800-8F85-546ABB24ED07}" type="sibTrans" cxnId="{8A3D4B73-3658-4A4C-9DFE-F59E22A79482}">
+      <dgm:prSet/>
+      <dgm:spPr/>
+      <dgm:t>
+        <a:bodyPr rtlCol="0"/>
+        <a:lstStyle/>
+        <a:p>
+          <a:pPr rtl="0"/>
+          <a:endParaRPr lang="de-DE" noProof="0" dirty="0"/>
+        </a:p>
+      </dgm:t>
+    </dgm:pt>
+    <dgm:pt modelId="{7B2FF309-5120-45E2-ACC8-F8FAA9DBDA55}">
+      <dgm:prSet phldrT="[Text]" custT="1"/>
+      <dgm:spPr>
+        <a:solidFill>
+          <a:schemeClr val="accent4"/>
+        </a:solidFill>
+        <a:ln>
+          <a:solidFill>
+            <a:schemeClr val="accent4"/>
+          </a:solidFill>
+        </a:ln>
+      </dgm:spPr>
+      <dgm:t>
+        <a:bodyPr rtlCol="0"/>
+        <a:lstStyle/>
+        <a:p>
+          <a:pPr rtl="0"/>
+          <a:r>
+            <a:rPr lang="de-DE" sz="2000" noProof="0" dirty="0"/>
+            <a:t>04.04</a:t>
+          </a:r>
+        </a:p>
+      </dgm:t>
+    </dgm:pt>
+    <dgm:pt modelId="{2CF5AF8A-5687-489A-9838-EDDBB760D421}" type="parTrans" cxnId="{D35DB9DA-961B-46CD-BB14-44CD766D8CB7}">
+      <dgm:prSet/>
+      <dgm:spPr/>
+      <dgm:t>
+        <a:bodyPr rtlCol="0"/>
+        <a:lstStyle/>
+        <a:p>
+          <a:pPr rtl="0"/>
+          <a:endParaRPr lang="de-DE" noProof="0" dirty="0"/>
+        </a:p>
+      </dgm:t>
+    </dgm:pt>
+    <dgm:pt modelId="{D5CAA101-B828-45D7-965B-F77CD6FBA109}" type="sibTrans" cxnId="{D35DB9DA-961B-46CD-BB14-44CD766D8CB7}">
+      <dgm:prSet/>
+      <dgm:spPr/>
+      <dgm:t>
+        <a:bodyPr rtlCol="0"/>
+        <a:lstStyle/>
+        <a:p>
+          <a:pPr rtl="0"/>
+          <a:endParaRPr lang="de-DE" noProof="0" dirty="0"/>
+        </a:p>
+      </dgm:t>
+    </dgm:pt>
+    <dgm:pt modelId="{EE155DB2-6788-4019-961C-F8B89C275CE8}">
+      <dgm:prSet phldrT="[Text]" custT="1"/>
+      <dgm:spPr/>
+      <dgm:t>
+        <a:bodyPr rtlCol="0"/>
+        <a:lstStyle/>
+        <a:p>
+          <a:pPr rtl="0"/>
+          <a:r>
+            <a:rPr lang="de-DE" sz="1400" b="1" noProof="0" dirty="0"/>
+            <a:t>Final </a:t>
+          </a:r>
+          <a:r>
+            <a:rPr lang="de-DE" sz="1400" b="1" noProof="0" dirty="0" err="1"/>
+            <a:t>report</a:t>
+          </a:r>
+          <a:endParaRPr lang="de-DE" sz="1400" b="1" noProof="0" dirty="0"/>
+        </a:p>
+      </dgm:t>
+    </dgm:pt>
+    <dgm:pt modelId="{8395B9D5-FF39-4045-8569-9C13F11FB1E5}" type="parTrans" cxnId="{E3D274C7-DB39-45B8-B18F-742495FE5026}">
+      <dgm:prSet/>
+      <dgm:spPr/>
+      <dgm:t>
+        <a:bodyPr rtlCol="0"/>
+        <a:lstStyle/>
+        <a:p>
+          <a:pPr rtl="0"/>
+          <a:endParaRPr lang="de-DE" noProof="0" dirty="0"/>
+        </a:p>
+      </dgm:t>
+    </dgm:pt>
+    <dgm:pt modelId="{F94C628D-62C1-4AF5-B102-2A2AA7FD22DE}" type="sibTrans" cxnId="{E3D274C7-DB39-45B8-B18F-742495FE5026}">
+      <dgm:prSet/>
+      <dgm:spPr/>
+      <dgm:t>
+        <a:bodyPr rtlCol="0"/>
+        <a:lstStyle/>
+        <a:p>
+          <a:pPr rtl="0"/>
+          <a:endParaRPr lang="de-DE" noProof="0" dirty="0"/>
+        </a:p>
+      </dgm:t>
+    </dgm:pt>
+    <dgm:pt modelId="{7CAB1AF4-4DD4-4560-AB9D-100C0D524066}">
+      <dgm:prSet phldrT="[Text]" custT="1"/>
+      <dgm:spPr/>
+      <dgm:t>
+        <a:bodyPr rtlCol="0"/>
+        <a:lstStyle/>
+        <a:p>
+          <a:pPr rtl="0"/>
+          <a:r>
+            <a:rPr lang="de-DE" sz="1400" b="0" noProof="0" dirty="0"/>
+            <a:t>More </a:t>
+          </a:r>
+          <a:r>
+            <a:rPr lang="de-DE" sz="1400" b="0" noProof="0" dirty="0" err="1"/>
+            <a:t>polishing</a:t>
           </a:r>
           <a:r>
             <a:rPr lang="de-DE" sz="1400" b="0" noProof="0" dirty="0"/>
@@ -9426,6 +11321,1212 @@
           <a:r>
             <a:rPr lang="de-DE" sz="1400" b="0" kern="1200" noProof="0" dirty="0" err="1"/>
             <a:t>Polishing</a:t>
+          </a:r>
+          <a:r>
+            <a:rPr lang="de-DE" sz="1400" b="0" kern="1200" noProof="0" dirty="0"/>
+            <a:t> and </a:t>
+          </a:r>
+          <a:r>
+            <a:rPr lang="de-DE" sz="1400" b="0" kern="1200" noProof="0" dirty="0" err="1"/>
+            <a:t>report</a:t>
+          </a:r>
+          <a:r>
+            <a:rPr lang="de-DE" sz="1400" b="0" kern="1200" noProof="0" dirty="0"/>
+            <a:t> </a:t>
+          </a:r>
+          <a:r>
+            <a:rPr lang="de-DE" sz="1400" b="0" kern="1200" noProof="0" dirty="0" err="1"/>
+            <a:t>writing</a:t>
+          </a:r>
+          <a:endParaRPr lang="de-DE" sz="1400" b="0" kern="1200" noProof="0" dirty="0"/>
+        </a:p>
+      </dsp:txBody>
+      <dsp:txXfrm>
+        <a:off x="8006156" y="982941"/>
+        <a:ext cx="1675110" cy="1414310"/>
+      </dsp:txXfrm>
+    </dsp:sp>
+  </dsp:spTree>
+</dsp:drawing>
+</file>
+
+<file path=ppt/diagrams/drawing4.xml><?xml version="1.0" encoding="utf-8"?>
+<dsp:drawing xmlns:dgm="http://schemas.openxmlformats.org/drawingml/2006/diagram" xmlns:dsp="http://schemas.microsoft.com/office/drawing/2008/diagram" xmlns:a="http://schemas.openxmlformats.org/drawingml/2006/main">
+  <dsp:spTree>
+    <dsp:nvGrpSpPr>
+      <dsp:cNvPr id="0" name=""/>
+      <dsp:cNvGrpSpPr/>
+    </dsp:nvGrpSpPr>
+    <dsp:grpSpPr/>
+    <dsp:sp modelId="{FA4E6E73-A3C8-4495-927B-8AADA5A74297}">
+      <dsp:nvSpPr>
+        <dsp:cNvPr id="0" name=""/>
+        <dsp:cNvSpPr/>
+      </dsp:nvSpPr>
+      <dsp:spPr>
+        <a:xfrm rot="5400000">
+          <a:off x="-909957" y="1795812"/>
+          <a:ext cx="1988820" cy="165035"/>
+        </a:xfrm>
+        <a:prstGeom prst="corner">
+          <a:avLst>
+            <a:gd name="adj1" fmla="val 1000"/>
+            <a:gd name="adj2" fmla="val 1000"/>
+          </a:avLst>
+        </a:prstGeom>
+        <a:solidFill>
+          <a:schemeClr val="lt1">
+            <a:hueOff val="0"/>
+            <a:satOff val="0"/>
+            <a:lumOff val="0"/>
+            <a:alphaOff val="0"/>
+          </a:schemeClr>
+        </a:solidFill>
+        <a:ln w="12700" cap="flat" cmpd="sng" algn="ctr">
+          <a:solidFill>
+            <a:schemeClr val="accent2"/>
+          </a:solidFill>
+          <a:prstDash val="solid"/>
+          <a:miter lim="800000"/>
+        </a:ln>
+        <a:effectLst/>
+      </dsp:spPr>
+      <dsp:style>
+        <a:lnRef idx="2">
+          <a:scrgbClr r="0" g="0" b="0"/>
+        </a:lnRef>
+        <a:fillRef idx="1">
+          <a:scrgbClr r="0" g="0" b="0"/>
+        </a:fillRef>
+        <a:effectRef idx="0">
+          <a:scrgbClr r="0" g="0" b="0"/>
+        </a:effectRef>
+        <a:fontRef idx="minor"/>
+      </dsp:style>
+    </dsp:sp>
+    <dsp:sp modelId="{CA3A6A4E-2D39-41D2-A6B1-B590D0C452D2}">
+      <dsp:nvSpPr>
+        <dsp:cNvPr id="0" name=""/>
+        <dsp:cNvSpPr/>
+      </dsp:nvSpPr>
+      <dsp:spPr>
+        <a:xfrm>
+          <a:off x="1934" y="2872740"/>
+          <a:ext cx="2062943" cy="662940"/>
+        </a:xfrm>
+        <a:prstGeom prst="homePlate">
+          <a:avLst>
+            <a:gd name="adj" fmla="val 25000"/>
+          </a:avLst>
+        </a:prstGeom>
+        <a:solidFill>
+          <a:schemeClr val="accent2"/>
+        </a:solidFill>
+        <a:ln w="12700" cap="flat" cmpd="sng" algn="ctr">
+          <a:solidFill>
+            <a:schemeClr val="accent2"/>
+          </a:solidFill>
+          <a:prstDash val="solid"/>
+          <a:miter lim="800000"/>
+        </a:ln>
+        <a:effectLst/>
+      </dsp:spPr>
+      <dsp:style>
+        <a:lnRef idx="2">
+          <a:scrgbClr r="0" g="0" b="0"/>
+        </a:lnRef>
+        <a:fillRef idx="1">
+          <a:scrgbClr r="0" g="0" b="0"/>
+        </a:fillRef>
+        <a:effectRef idx="0">
+          <a:scrgbClr r="0" g="0" b="0"/>
+        </a:effectRef>
+        <a:fontRef idx="minor">
+          <a:schemeClr val="lt1"/>
+        </a:fontRef>
+      </dsp:style>
+      <dsp:txBody>
+        <a:bodyPr spcFirstLastPara="0" vert="horz" wrap="square" lIns="127000" tIns="254000" rIns="127000" bIns="254000" numCol="1" spcCol="1270" rtlCol="0" anchor="ctr" anchorCtr="0">
+          <a:noAutofit/>
+        </a:bodyPr>
+        <a:lstStyle/>
+        <a:p>
+          <a:pPr marL="0" lvl="0" indent="0" algn="ctr" defTabSz="889000" rtl="0">
+            <a:lnSpc>
+              <a:spcPct val="90000"/>
+            </a:lnSpc>
+            <a:spcBef>
+              <a:spcPct val="0"/>
+            </a:spcBef>
+            <a:spcAft>
+              <a:spcPct val="35000"/>
+            </a:spcAft>
+            <a:buNone/>
+          </a:pPr>
+          <a:r>
+            <a:rPr lang="de-DE" sz="2000" kern="1200" noProof="0" dirty="0"/>
+            <a:t>22.11.</a:t>
+          </a:r>
+        </a:p>
+      </dsp:txBody>
+      <dsp:txXfrm>
+        <a:off x="1934" y="2872740"/>
+        <a:ext cx="1980076" cy="662940"/>
+      </dsp:txXfrm>
+    </dsp:sp>
+    <dsp:sp modelId="{810D7AA7-A541-4507-BE7F-36CCF210089F}">
+      <dsp:nvSpPr>
+        <dsp:cNvPr id="0" name=""/>
+        <dsp:cNvSpPr/>
+      </dsp:nvSpPr>
+      <dsp:spPr>
+        <a:xfrm>
+          <a:off x="166970" y="982941"/>
+          <a:ext cx="1675110" cy="1414310"/>
+        </a:xfrm>
+        <a:prstGeom prst="rect">
+          <a:avLst/>
+        </a:prstGeom>
+        <a:noFill/>
+        <a:ln>
+          <a:noFill/>
+        </a:ln>
+        <a:effectLst/>
+      </dsp:spPr>
+      <dsp:style>
+        <a:lnRef idx="0">
+          <a:scrgbClr r="0" g="0" b="0"/>
+        </a:lnRef>
+        <a:fillRef idx="0">
+          <a:scrgbClr r="0" g="0" b="0"/>
+        </a:fillRef>
+        <a:effectRef idx="0">
+          <a:scrgbClr r="0" g="0" b="0"/>
+        </a:effectRef>
+        <a:fontRef idx="minor"/>
+      </dsp:style>
+      <dsp:txBody>
+        <a:bodyPr spcFirstLastPara="0" vert="horz" wrap="square" lIns="0" tIns="0" rIns="0" bIns="0" numCol="1" spcCol="1270" rtlCol="0" anchor="t" anchorCtr="0">
+          <a:noAutofit/>
+        </a:bodyPr>
+        <a:lstStyle/>
+        <a:p>
+          <a:pPr marL="0" lvl="0" indent="0" algn="l" defTabSz="622300" rtl="0">
+            <a:lnSpc>
+              <a:spcPct val="90000"/>
+            </a:lnSpc>
+            <a:spcBef>
+              <a:spcPct val="0"/>
+            </a:spcBef>
+            <a:spcAft>
+              <a:spcPct val="35000"/>
+            </a:spcAft>
+            <a:buNone/>
+          </a:pPr>
+          <a:r>
+            <a:rPr lang="de-DE" sz="1400" b="1" i="0" u="none" kern="1200" noProof="0" dirty="0"/>
+            <a:t>Meeting </a:t>
+          </a:r>
+          <a:r>
+            <a:rPr lang="de-DE" sz="1400" b="1" i="0" u="none" kern="1200" noProof="0" dirty="0" err="1"/>
+            <a:t>No</a:t>
+          </a:r>
+          <a:r>
+            <a:rPr lang="de-DE" sz="1400" b="1" i="0" u="none" kern="1200" noProof="0" dirty="0"/>
+            <a:t>. 1 ✅</a:t>
+          </a:r>
+        </a:p>
+        <a:p>
+          <a:pPr marL="0" lvl="0" indent="0" algn="l" defTabSz="622300" rtl="0">
+            <a:lnSpc>
+              <a:spcPct val="90000"/>
+            </a:lnSpc>
+            <a:spcBef>
+              <a:spcPct val="0"/>
+            </a:spcBef>
+            <a:spcAft>
+              <a:spcPct val="35000"/>
+            </a:spcAft>
+            <a:buNone/>
+          </a:pPr>
+          <a:r>
+            <a:rPr lang="de-DE" sz="1400" b="0" i="0" u="none" kern="1200" noProof="0" dirty="0"/>
+            <a:t>Project Setup </a:t>
+          </a:r>
+          <a:r>
+            <a:rPr lang="de-DE" sz="1400" b="0" i="0" u="none" kern="1200" noProof="0" dirty="0" err="1"/>
+            <a:t>Git</a:t>
+          </a:r>
+          <a:r>
+            <a:rPr lang="de-DE" sz="1400" b="0" i="0" u="none" kern="1200" noProof="0" dirty="0"/>
+            <a:t>, LFS &amp; Unity</a:t>
+          </a:r>
+        </a:p>
+        <a:p>
+          <a:pPr marL="0" lvl="0" indent="0" algn="l" defTabSz="622300" rtl="0">
+            <a:lnSpc>
+              <a:spcPct val="90000"/>
+            </a:lnSpc>
+            <a:spcBef>
+              <a:spcPct val="0"/>
+            </a:spcBef>
+            <a:spcAft>
+              <a:spcPct val="35000"/>
+            </a:spcAft>
+            <a:buNone/>
+          </a:pPr>
+          <a:r>
+            <a:rPr lang="de-DE" sz="1400" b="0" i="0" u="none" kern="1200" noProof="0" dirty="0"/>
+            <a:t>First Chunk Generation</a:t>
+          </a:r>
+        </a:p>
+        <a:p>
+          <a:pPr marL="0" lvl="0" indent="0" algn="l" defTabSz="622300" rtl="0">
+            <a:lnSpc>
+              <a:spcPct val="90000"/>
+            </a:lnSpc>
+            <a:spcBef>
+              <a:spcPct val="0"/>
+            </a:spcBef>
+            <a:spcAft>
+              <a:spcPct val="35000"/>
+            </a:spcAft>
+            <a:buNone/>
+          </a:pPr>
+          <a:r>
+            <a:rPr lang="de-DE" sz="1400" b="0" i="0" u="none" kern="1200" noProof="0" dirty="0"/>
+            <a:t>Rough MC </a:t>
+          </a:r>
+          <a:r>
+            <a:rPr lang="de-DE" sz="1400" b="0" i="0" u="none" kern="1200" noProof="0" dirty="0" err="1"/>
+            <a:t>implementation</a:t>
+          </a:r>
+          <a:endParaRPr lang="de-DE" sz="1400" kern="1200" noProof="0" dirty="0"/>
+        </a:p>
+      </dsp:txBody>
+      <dsp:txXfrm>
+        <a:off x="166970" y="982941"/>
+        <a:ext cx="1675110" cy="1414310"/>
+      </dsp:txXfrm>
+    </dsp:sp>
+    <dsp:sp modelId="{E41E7729-FD3F-426D-804C-45BD60BD762D}">
+      <dsp:nvSpPr>
+        <dsp:cNvPr id="0" name=""/>
+        <dsp:cNvSpPr/>
+      </dsp:nvSpPr>
+      <dsp:spPr>
+        <a:xfrm rot="5400000">
+          <a:off x="1049839" y="1795812"/>
+          <a:ext cx="1988820" cy="165035"/>
+        </a:xfrm>
+        <a:prstGeom prst="corner">
+          <a:avLst>
+            <a:gd name="adj1" fmla="val 1000"/>
+            <a:gd name="adj2" fmla="val 1000"/>
+          </a:avLst>
+        </a:prstGeom>
+        <a:solidFill>
+          <a:schemeClr val="lt1">
+            <a:hueOff val="0"/>
+            <a:satOff val="0"/>
+            <a:lumOff val="0"/>
+            <a:alphaOff val="0"/>
+          </a:schemeClr>
+        </a:solidFill>
+        <a:ln w="12700" cap="flat" cmpd="sng" algn="ctr">
+          <a:solidFill>
+            <a:schemeClr val="accent1"/>
+          </a:solidFill>
+          <a:prstDash val="solid"/>
+          <a:miter lim="800000"/>
+        </a:ln>
+        <a:effectLst/>
+      </dsp:spPr>
+      <dsp:style>
+        <a:lnRef idx="2">
+          <a:scrgbClr r="0" g="0" b="0"/>
+        </a:lnRef>
+        <a:fillRef idx="1">
+          <a:scrgbClr r="0" g="0" b="0"/>
+        </a:fillRef>
+        <a:effectRef idx="0">
+          <a:scrgbClr r="0" g="0" b="0"/>
+        </a:effectRef>
+        <a:fontRef idx="minor"/>
+      </dsp:style>
+    </dsp:sp>
+    <dsp:sp modelId="{6C46E586-0364-4C52-98F9-74A7ACD803D1}">
+      <dsp:nvSpPr>
+        <dsp:cNvPr id="0" name=""/>
+        <dsp:cNvSpPr/>
+      </dsp:nvSpPr>
+      <dsp:spPr>
+        <a:xfrm>
+          <a:off x="1961731" y="2872740"/>
+          <a:ext cx="2062943" cy="662940"/>
+        </a:xfrm>
+        <a:prstGeom prst="chevron">
+          <a:avLst>
+            <a:gd name="adj" fmla="val 25000"/>
+          </a:avLst>
+        </a:prstGeom>
+        <a:solidFill>
+          <a:schemeClr val="accent1"/>
+        </a:solidFill>
+        <a:ln w="12700" cap="flat" cmpd="sng" algn="ctr">
+          <a:solidFill>
+            <a:schemeClr val="accent1"/>
+          </a:solidFill>
+          <a:prstDash val="solid"/>
+          <a:miter lim="800000"/>
+        </a:ln>
+        <a:effectLst/>
+      </dsp:spPr>
+      <dsp:style>
+        <a:lnRef idx="2">
+          <a:scrgbClr r="0" g="0" b="0"/>
+        </a:lnRef>
+        <a:fillRef idx="1">
+          <a:scrgbClr r="0" g="0" b="0"/>
+        </a:fillRef>
+        <a:effectRef idx="0">
+          <a:scrgbClr r="0" g="0" b="0"/>
+        </a:effectRef>
+        <a:fontRef idx="minor">
+          <a:schemeClr val="lt1"/>
+        </a:fontRef>
+      </dsp:style>
+      <dsp:txBody>
+        <a:bodyPr spcFirstLastPara="0" vert="horz" wrap="square" lIns="127000" tIns="254000" rIns="127000" bIns="254000" numCol="1" spcCol="1270" rtlCol="0" anchor="ctr" anchorCtr="0">
+          <a:noAutofit/>
+        </a:bodyPr>
+        <a:lstStyle/>
+        <a:p>
+          <a:pPr marL="0" lvl="0" indent="0" algn="ctr" defTabSz="889000" rtl="0">
+            <a:lnSpc>
+              <a:spcPct val="90000"/>
+            </a:lnSpc>
+            <a:spcBef>
+              <a:spcPct val="0"/>
+            </a:spcBef>
+            <a:spcAft>
+              <a:spcPct val="35000"/>
+            </a:spcAft>
+            <a:buNone/>
+          </a:pPr>
+          <a:r>
+            <a:rPr lang="de-DE" sz="2000" kern="1200" noProof="0" dirty="0"/>
+            <a:t>20.12.</a:t>
+          </a:r>
+        </a:p>
+      </dsp:txBody>
+      <dsp:txXfrm>
+        <a:off x="2127466" y="2872740"/>
+        <a:ext cx="1731473" cy="662940"/>
+      </dsp:txXfrm>
+    </dsp:sp>
+    <dsp:sp modelId="{5E07F9E4-149C-4A89-848F-4ABDD305F0C5}">
+      <dsp:nvSpPr>
+        <dsp:cNvPr id="0" name=""/>
+        <dsp:cNvSpPr/>
+      </dsp:nvSpPr>
+      <dsp:spPr>
+        <a:xfrm>
+          <a:off x="2126766" y="982941"/>
+          <a:ext cx="1675110" cy="1414310"/>
+        </a:xfrm>
+        <a:prstGeom prst="rect">
+          <a:avLst/>
+        </a:prstGeom>
+        <a:noFill/>
+        <a:ln>
+          <a:noFill/>
+        </a:ln>
+        <a:effectLst/>
+      </dsp:spPr>
+      <dsp:style>
+        <a:lnRef idx="0">
+          <a:scrgbClr r="0" g="0" b="0"/>
+        </a:lnRef>
+        <a:fillRef idx="0">
+          <a:scrgbClr r="0" g="0" b="0"/>
+        </a:fillRef>
+        <a:effectRef idx="0">
+          <a:scrgbClr r="0" g="0" b="0"/>
+        </a:effectRef>
+        <a:fontRef idx="minor"/>
+      </dsp:style>
+      <dsp:txBody>
+        <a:bodyPr spcFirstLastPara="0" vert="horz" wrap="square" lIns="0" tIns="0" rIns="0" bIns="0" numCol="1" spcCol="1270" rtlCol="0" anchor="t" anchorCtr="0">
+          <a:noAutofit/>
+        </a:bodyPr>
+        <a:lstStyle/>
+        <a:p>
+          <a:pPr marL="0" lvl="0" indent="0" algn="l" defTabSz="622300" rtl="0">
+            <a:lnSpc>
+              <a:spcPct val="90000"/>
+            </a:lnSpc>
+            <a:spcBef>
+              <a:spcPct val="0"/>
+            </a:spcBef>
+            <a:spcAft>
+              <a:spcPct val="35000"/>
+            </a:spcAft>
+            <a:buNone/>
+          </a:pPr>
+          <a:r>
+            <a:rPr lang="de-DE" sz="1400" b="1" i="0" u="none" kern="1200" noProof="0" dirty="0"/>
+            <a:t>Meeting </a:t>
+          </a:r>
+          <a:r>
+            <a:rPr lang="de-DE" sz="1400" b="1" i="0" u="none" kern="1200" noProof="0" dirty="0" err="1"/>
+            <a:t>No</a:t>
+          </a:r>
+          <a:r>
+            <a:rPr lang="de-DE" sz="1400" b="1" i="0" u="none" kern="1200" noProof="0" dirty="0"/>
+            <a:t>. 2 ✅</a:t>
+          </a:r>
+        </a:p>
+        <a:p>
+          <a:pPr marL="0" lvl="0" indent="0" algn="l" defTabSz="622300" rtl="0">
+            <a:lnSpc>
+              <a:spcPct val="90000"/>
+            </a:lnSpc>
+            <a:spcBef>
+              <a:spcPct val="0"/>
+            </a:spcBef>
+            <a:spcAft>
+              <a:spcPct val="35000"/>
+            </a:spcAft>
+            <a:buNone/>
+          </a:pPr>
+          <a:r>
+            <a:rPr lang="de-DE" sz="1400" b="0" i="0" u="none" kern="1200" noProof="0" dirty="0"/>
+            <a:t>Marching Cubes in Unity </a:t>
+          </a:r>
+          <a:r>
+            <a:rPr lang="de-DE" sz="1400" b="0" i="0" u="none" kern="1200" noProof="0" dirty="0" err="1"/>
+            <a:t>with</a:t>
+          </a:r>
+          <a:r>
+            <a:rPr lang="de-DE" sz="1400" b="0" i="0" u="none" kern="1200" noProof="0" dirty="0"/>
+            <a:t> </a:t>
+          </a:r>
+          <a:r>
+            <a:rPr lang="de-DE" sz="1400" b="0" i="0" u="none" kern="1200" noProof="0" dirty="0" err="1"/>
+            <a:t>reasonable</a:t>
+          </a:r>
+          <a:r>
+            <a:rPr lang="de-DE" sz="1400" b="0" i="0" u="none" kern="1200" noProof="0" dirty="0"/>
+            <a:t> Density </a:t>
+          </a:r>
+          <a:r>
+            <a:rPr lang="de-DE" sz="1400" b="0" i="0" u="none" kern="1200" noProof="0" dirty="0" err="1"/>
+            <a:t>Function</a:t>
+          </a:r>
+          <a:r>
+            <a:rPr lang="de-DE" sz="1400" b="0" i="0" u="none" kern="1200" noProof="0" dirty="0"/>
+            <a:t> &amp; Chunk Management</a:t>
+          </a:r>
+          <a:endParaRPr lang="de-DE" sz="1400" b="0" kern="1200" noProof="0" dirty="0"/>
+        </a:p>
+      </dsp:txBody>
+      <dsp:txXfrm>
+        <a:off x="2126766" y="982941"/>
+        <a:ext cx="1675110" cy="1414310"/>
+      </dsp:txXfrm>
+    </dsp:sp>
+    <dsp:sp modelId="{473F2067-7126-4D56-A328-5A8CFD3D8D52}">
+      <dsp:nvSpPr>
+        <dsp:cNvPr id="0" name=""/>
+        <dsp:cNvSpPr/>
+      </dsp:nvSpPr>
+      <dsp:spPr>
+        <a:xfrm rot="5400000">
+          <a:off x="3009635" y="1795812"/>
+          <a:ext cx="1988820" cy="165035"/>
+        </a:xfrm>
+        <a:prstGeom prst="corner">
+          <a:avLst>
+            <a:gd name="adj1" fmla="val 1000"/>
+            <a:gd name="adj2" fmla="val 1000"/>
+          </a:avLst>
+        </a:prstGeom>
+        <a:solidFill>
+          <a:schemeClr val="lt1">
+            <a:hueOff val="0"/>
+            <a:satOff val="0"/>
+            <a:lumOff val="0"/>
+            <a:alphaOff val="0"/>
+          </a:schemeClr>
+        </a:solidFill>
+        <a:ln w="12700" cap="flat" cmpd="sng" algn="ctr">
+          <a:solidFill>
+            <a:schemeClr val="accent5"/>
+          </a:solidFill>
+          <a:prstDash val="solid"/>
+          <a:miter lim="800000"/>
+        </a:ln>
+        <a:effectLst/>
+      </dsp:spPr>
+      <dsp:style>
+        <a:lnRef idx="2">
+          <a:scrgbClr r="0" g="0" b="0"/>
+        </a:lnRef>
+        <a:fillRef idx="1">
+          <a:scrgbClr r="0" g="0" b="0"/>
+        </a:fillRef>
+        <a:effectRef idx="0">
+          <a:scrgbClr r="0" g="0" b="0"/>
+        </a:effectRef>
+        <a:fontRef idx="minor"/>
+      </dsp:style>
+    </dsp:sp>
+    <dsp:sp modelId="{7A0B5EFC-88FB-4ED5-994F-D5F6584C2293}">
+      <dsp:nvSpPr>
+        <dsp:cNvPr id="0" name=""/>
+        <dsp:cNvSpPr/>
+      </dsp:nvSpPr>
+      <dsp:spPr>
+        <a:xfrm>
+          <a:off x="3921528" y="2872740"/>
+          <a:ext cx="2062943" cy="662940"/>
+        </a:xfrm>
+        <a:prstGeom prst="chevron">
+          <a:avLst>
+            <a:gd name="adj" fmla="val 25000"/>
+          </a:avLst>
+        </a:prstGeom>
+        <a:solidFill>
+          <a:schemeClr val="accent5"/>
+        </a:solidFill>
+        <a:ln w="12700" cap="flat" cmpd="sng" algn="ctr">
+          <a:solidFill>
+            <a:schemeClr val="accent5"/>
+          </a:solidFill>
+          <a:prstDash val="solid"/>
+          <a:miter lim="800000"/>
+        </a:ln>
+        <a:effectLst/>
+      </dsp:spPr>
+      <dsp:style>
+        <a:lnRef idx="2">
+          <a:scrgbClr r="0" g="0" b="0"/>
+        </a:lnRef>
+        <a:fillRef idx="1">
+          <a:scrgbClr r="0" g="0" b="0"/>
+        </a:fillRef>
+        <a:effectRef idx="0">
+          <a:scrgbClr r="0" g="0" b="0"/>
+        </a:effectRef>
+        <a:fontRef idx="minor">
+          <a:schemeClr val="lt1"/>
+        </a:fontRef>
+      </dsp:style>
+      <dsp:txBody>
+        <a:bodyPr spcFirstLastPara="0" vert="horz" wrap="square" lIns="127000" tIns="254000" rIns="127000" bIns="254000" numCol="1" spcCol="1270" rtlCol="0" anchor="ctr" anchorCtr="0">
+          <a:noAutofit/>
+        </a:bodyPr>
+        <a:lstStyle/>
+        <a:p>
+          <a:pPr marL="0" lvl="0" indent="0" algn="ctr" defTabSz="889000" rtl="0">
+            <a:lnSpc>
+              <a:spcPct val="90000"/>
+            </a:lnSpc>
+            <a:spcBef>
+              <a:spcPct val="0"/>
+            </a:spcBef>
+            <a:spcAft>
+              <a:spcPct val="35000"/>
+            </a:spcAft>
+            <a:buNone/>
+          </a:pPr>
+          <a:r>
+            <a:rPr lang="de-DE" sz="2000" kern="1200" noProof="0" dirty="0"/>
+            <a:t>17.01.</a:t>
+          </a:r>
+        </a:p>
+      </dsp:txBody>
+      <dsp:txXfrm>
+        <a:off x="4087263" y="2872740"/>
+        <a:ext cx="1731473" cy="662940"/>
+      </dsp:txXfrm>
+    </dsp:sp>
+    <dsp:sp modelId="{FD7B29F2-0D66-4B4B-BC8A-82DA23575305}">
+      <dsp:nvSpPr>
+        <dsp:cNvPr id="0" name=""/>
+        <dsp:cNvSpPr/>
+      </dsp:nvSpPr>
+      <dsp:spPr>
+        <a:xfrm>
+          <a:off x="4086563" y="982941"/>
+          <a:ext cx="1675110" cy="1414310"/>
+        </a:xfrm>
+        <a:prstGeom prst="rect">
+          <a:avLst/>
+        </a:prstGeom>
+        <a:noFill/>
+        <a:ln>
+          <a:noFill/>
+        </a:ln>
+        <a:effectLst/>
+      </dsp:spPr>
+      <dsp:style>
+        <a:lnRef idx="0">
+          <a:scrgbClr r="0" g="0" b="0"/>
+        </a:lnRef>
+        <a:fillRef idx="0">
+          <a:scrgbClr r="0" g="0" b="0"/>
+        </a:fillRef>
+        <a:effectRef idx="0">
+          <a:scrgbClr r="0" g="0" b="0"/>
+        </a:effectRef>
+        <a:fontRef idx="minor"/>
+      </dsp:style>
+      <dsp:txBody>
+        <a:bodyPr spcFirstLastPara="0" vert="horz" wrap="square" lIns="0" tIns="0" rIns="0" bIns="0" numCol="1" spcCol="1270" rtlCol="0" anchor="t" anchorCtr="0">
+          <a:noAutofit/>
+        </a:bodyPr>
+        <a:lstStyle/>
+        <a:p>
+          <a:pPr marL="0" lvl="0" indent="0" algn="l" defTabSz="622300" rtl="0">
+            <a:lnSpc>
+              <a:spcPct val="90000"/>
+            </a:lnSpc>
+            <a:spcBef>
+              <a:spcPct val="0"/>
+            </a:spcBef>
+            <a:spcAft>
+              <a:spcPct val="35000"/>
+            </a:spcAft>
+            <a:buNone/>
+          </a:pPr>
+          <a:r>
+            <a:rPr lang="de-DE" sz="1400" b="1" i="0" u="none" kern="1200" noProof="0" dirty="0"/>
+            <a:t>Meeting No.3 ✅ </a:t>
+          </a:r>
+        </a:p>
+        <a:p>
+          <a:pPr marL="0" lvl="0" indent="0" algn="l" defTabSz="622300" rtl="0">
+            <a:lnSpc>
+              <a:spcPct val="90000"/>
+            </a:lnSpc>
+            <a:spcBef>
+              <a:spcPct val="0"/>
+            </a:spcBef>
+            <a:spcAft>
+              <a:spcPct val="35000"/>
+            </a:spcAft>
+            <a:buNone/>
+          </a:pPr>
+          <a:r>
+            <a:rPr lang="de-DE" sz="1400" b="0" i="0" u="none" kern="1200" noProof="0" dirty="0"/>
+            <a:t>Efficiency Test</a:t>
+          </a:r>
+        </a:p>
+        <a:p>
+          <a:pPr marL="0" lvl="0" indent="0" algn="l" defTabSz="622300" rtl="0">
+            <a:lnSpc>
+              <a:spcPct val="90000"/>
+            </a:lnSpc>
+            <a:spcBef>
+              <a:spcPct val="0"/>
+            </a:spcBef>
+            <a:spcAft>
+              <a:spcPct val="35000"/>
+            </a:spcAft>
+            <a:buNone/>
+          </a:pPr>
+          <a:r>
+            <a:rPr lang="de-DE" sz="1400" b="0" i="0" u="none" kern="1200" noProof="0" dirty="0"/>
+            <a:t>Chunk LODs</a:t>
+          </a:r>
+        </a:p>
+        <a:p>
+          <a:pPr marL="0" lvl="0" indent="0" algn="l" defTabSz="622300" rtl="0">
+            <a:lnSpc>
+              <a:spcPct val="90000"/>
+            </a:lnSpc>
+            <a:spcBef>
+              <a:spcPct val="0"/>
+            </a:spcBef>
+            <a:spcAft>
+              <a:spcPct val="35000"/>
+            </a:spcAft>
+            <a:buNone/>
+          </a:pPr>
+          <a:r>
+            <a:rPr lang="de-DE" sz="1400" b="0" i="0" kern="1200" dirty="0"/>
+            <a:t>smooth normal </a:t>
+          </a:r>
+          <a:r>
+            <a:rPr lang="de-DE" sz="1400" b="0" i="0" kern="1200" dirty="0" err="1"/>
+            <a:t>shading</a:t>
+          </a:r>
+          <a:r>
+            <a:rPr lang="de-DE" sz="1400" b="0" i="0" kern="1200" dirty="0"/>
+            <a:t> </a:t>
+          </a:r>
+          <a:r>
+            <a:rPr lang="de-DE" sz="1400" b="0" i="0" kern="1200" dirty="0" err="1"/>
+            <a:t>test</a:t>
+          </a:r>
+          <a:endParaRPr lang="de-DE" sz="1400" b="0" i="0" u="none" kern="1200" noProof="0" dirty="0"/>
+        </a:p>
+        <a:p>
+          <a:pPr marL="0" lvl="0" indent="0" algn="l" defTabSz="622300" rtl="0">
+            <a:lnSpc>
+              <a:spcPct val="90000"/>
+            </a:lnSpc>
+            <a:spcBef>
+              <a:spcPct val="0"/>
+            </a:spcBef>
+            <a:spcAft>
+              <a:spcPct val="35000"/>
+            </a:spcAft>
+            <a:buNone/>
+          </a:pPr>
+          <a:endParaRPr lang="de-DE" sz="1400" b="1" i="0" u="none" kern="1200" noProof="0" dirty="0"/>
+        </a:p>
+      </dsp:txBody>
+      <dsp:txXfrm>
+        <a:off x="4086563" y="982941"/>
+        <a:ext cx="1675110" cy="1414310"/>
+      </dsp:txXfrm>
+    </dsp:sp>
+    <dsp:sp modelId="{2377F551-4CF6-4656-B644-60A7FC1B0F64}">
+      <dsp:nvSpPr>
+        <dsp:cNvPr id="0" name=""/>
+        <dsp:cNvSpPr/>
+      </dsp:nvSpPr>
+      <dsp:spPr>
+        <a:xfrm rot="5400000">
+          <a:off x="4969432" y="1795812"/>
+          <a:ext cx="1988820" cy="165035"/>
+        </a:xfrm>
+        <a:prstGeom prst="corner">
+          <a:avLst>
+            <a:gd name="adj1" fmla="val 1000"/>
+            <a:gd name="adj2" fmla="val 1000"/>
+          </a:avLst>
+        </a:prstGeom>
+        <a:solidFill>
+          <a:schemeClr val="lt1">
+            <a:hueOff val="0"/>
+            <a:satOff val="0"/>
+            <a:lumOff val="0"/>
+            <a:alphaOff val="0"/>
+          </a:schemeClr>
+        </a:solidFill>
+        <a:ln w="12700" cap="flat" cmpd="sng" algn="ctr">
+          <a:solidFill>
+            <a:schemeClr val="accent3"/>
+          </a:solidFill>
+          <a:prstDash val="solid"/>
+          <a:miter lim="800000"/>
+        </a:ln>
+        <a:effectLst/>
+      </dsp:spPr>
+      <dsp:style>
+        <a:lnRef idx="2">
+          <a:scrgbClr r="0" g="0" b="0"/>
+        </a:lnRef>
+        <a:fillRef idx="1">
+          <a:scrgbClr r="0" g="0" b="0"/>
+        </a:fillRef>
+        <a:effectRef idx="0">
+          <a:scrgbClr r="0" g="0" b="0"/>
+        </a:effectRef>
+        <a:fontRef idx="minor"/>
+      </dsp:style>
+    </dsp:sp>
+    <dsp:sp modelId="{69ED255C-64AC-4764-BC2C-7679ECCC9FE9}">
+      <dsp:nvSpPr>
+        <dsp:cNvPr id="0" name=""/>
+        <dsp:cNvSpPr/>
+      </dsp:nvSpPr>
+      <dsp:spPr>
+        <a:xfrm>
+          <a:off x="5881324" y="2872740"/>
+          <a:ext cx="2062943" cy="662940"/>
+        </a:xfrm>
+        <a:prstGeom prst="chevron">
+          <a:avLst>
+            <a:gd name="adj" fmla="val 25000"/>
+          </a:avLst>
+        </a:prstGeom>
+        <a:solidFill>
+          <a:schemeClr val="accent3"/>
+        </a:solidFill>
+        <a:ln w="12700" cap="flat" cmpd="sng" algn="ctr">
+          <a:solidFill>
+            <a:schemeClr val="accent3"/>
+          </a:solidFill>
+          <a:prstDash val="solid"/>
+          <a:miter lim="800000"/>
+        </a:ln>
+        <a:effectLst/>
+      </dsp:spPr>
+      <dsp:style>
+        <a:lnRef idx="2">
+          <a:scrgbClr r="0" g="0" b="0"/>
+        </a:lnRef>
+        <a:fillRef idx="1">
+          <a:scrgbClr r="0" g="0" b="0"/>
+        </a:fillRef>
+        <a:effectRef idx="0">
+          <a:scrgbClr r="0" g="0" b="0"/>
+        </a:effectRef>
+        <a:fontRef idx="minor">
+          <a:schemeClr val="lt1"/>
+        </a:fontRef>
+      </dsp:style>
+      <dsp:txBody>
+        <a:bodyPr spcFirstLastPara="0" vert="horz" wrap="square" lIns="127000" tIns="254000" rIns="127000" bIns="254000" numCol="1" spcCol="1270" rtlCol="0" anchor="ctr" anchorCtr="0">
+          <a:noAutofit/>
+        </a:bodyPr>
+        <a:lstStyle/>
+        <a:p>
+          <a:pPr marL="0" lvl="0" indent="0" algn="ctr" defTabSz="889000" rtl="0">
+            <a:lnSpc>
+              <a:spcPct val="90000"/>
+            </a:lnSpc>
+            <a:spcBef>
+              <a:spcPct val="0"/>
+            </a:spcBef>
+            <a:spcAft>
+              <a:spcPct val="35000"/>
+            </a:spcAft>
+            <a:buNone/>
+          </a:pPr>
+          <a:r>
+            <a:rPr lang="de-DE" sz="2000" kern="1200" noProof="0" dirty="0"/>
+            <a:t>14.02.</a:t>
+          </a:r>
+        </a:p>
+      </dsp:txBody>
+      <dsp:txXfrm>
+        <a:off x="6047059" y="2872740"/>
+        <a:ext cx="1731473" cy="662940"/>
+      </dsp:txXfrm>
+    </dsp:sp>
+    <dsp:sp modelId="{1F1B09A6-DA7E-41D1-B8A6-E3B6E775E5C1}">
+      <dsp:nvSpPr>
+        <dsp:cNvPr id="0" name=""/>
+        <dsp:cNvSpPr/>
+      </dsp:nvSpPr>
+      <dsp:spPr>
+        <a:xfrm>
+          <a:off x="6046360" y="982941"/>
+          <a:ext cx="1675110" cy="1414310"/>
+        </a:xfrm>
+        <a:prstGeom prst="rect">
+          <a:avLst/>
+        </a:prstGeom>
+        <a:noFill/>
+        <a:ln>
+          <a:noFill/>
+        </a:ln>
+        <a:effectLst/>
+      </dsp:spPr>
+      <dsp:style>
+        <a:lnRef idx="0">
+          <a:scrgbClr r="0" g="0" b="0"/>
+        </a:lnRef>
+        <a:fillRef idx="0">
+          <a:scrgbClr r="0" g="0" b="0"/>
+        </a:fillRef>
+        <a:effectRef idx="0">
+          <a:scrgbClr r="0" g="0" b="0"/>
+        </a:effectRef>
+        <a:fontRef idx="minor"/>
+      </dsp:style>
+      <dsp:txBody>
+        <a:bodyPr spcFirstLastPara="0" vert="horz" wrap="square" lIns="0" tIns="0" rIns="0" bIns="0" numCol="1" spcCol="1270" rtlCol="0" anchor="t" anchorCtr="0">
+          <a:noAutofit/>
+        </a:bodyPr>
+        <a:lstStyle/>
+        <a:p>
+          <a:pPr marL="0" lvl="0" indent="0" algn="l" defTabSz="622300" rtl="0">
+            <a:lnSpc>
+              <a:spcPct val="90000"/>
+            </a:lnSpc>
+            <a:spcBef>
+              <a:spcPct val="0"/>
+            </a:spcBef>
+            <a:spcAft>
+              <a:spcPct val="35000"/>
+            </a:spcAft>
+            <a:buNone/>
+          </a:pPr>
+          <a:r>
+            <a:rPr lang="de-DE" sz="1400" b="1" i="0" u="none" kern="1200" noProof="0" dirty="0"/>
+            <a:t>Final </a:t>
+          </a:r>
+          <a:r>
+            <a:rPr lang="de-DE" sz="1400" b="1" i="0" u="none" kern="1200" noProof="0" dirty="0" err="1"/>
+            <a:t>Presentation</a:t>
+          </a:r>
+          <a:endParaRPr lang="de-DE" sz="1400" b="1" i="0" u="none" kern="1200" noProof="0" dirty="0"/>
+        </a:p>
+        <a:p>
+          <a:pPr marL="0" lvl="0" indent="0" algn="l" defTabSz="622300" rtl="0">
+            <a:lnSpc>
+              <a:spcPct val="90000"/>
+            </a:lnSpc>
+            <a:spcBef>
+              <a:spcPct val="0"/>
+            </a:spcBef>
+            <a:spcAft>
+              <a:spcPct val="35000"/>
+            </a:spcAft>
+            <a:buNone/>
+          </a:pPr>
+          <a:r>
+            <a:rPr lang="de-DE" sz="1400" i="0" kern="1200" dirty="0"/>
+            <a:t>Material </a:t>
+          </a:r>
+          <a:r>
+            <a:rPr lang="de-DE" sz="1400" i="0" kern="1200" dirty="0" err="1"/>
+            <a:t>tweaks</a:t>
+          </a:r>
+          <a:endParaRPr lang="de-DE" sz="1400" i="0" kern="1200" dirty="0"/>
+        </a:p>
+        <a:p>
+          <a:pPr marL="0" lvl="0" indent="0" algn="l" defTabSz="622300" rtl="0">
+            <a:lnSpc>
+              <a:spcPct val="90000"/>
+            </a:lnSpc>
+            <a:spcBef>
+              <a:spcPct val="0"/>
+            </a:spcBef>
+            <a:spcAft>
+              <a:spcPct val="35000"/>
+            </a:spcAft>
+            <a:buNone/>
+          </a:pPr>
+          <a:r>
+            <a:rPr lang="de-DE" sz="1400" b="1" i="0" kern="1200" dirty="0" err="1"/>
+            <a:t>Polishing</a:t>
+          </a:r>
+          <a:endParaRPr lang="de-DE" sz="1400" b="1" i="0" kern="1200" dirty="0"/>
+        </a:p>
+        <a:p>
+          <a:pPr marL="0" lvl="0" indent="0" algn="l" defTabSz="622300" rtl="0">
+            <a:lnSpc>
+              <a:spcPct val="90000"/>
+            </a:lnSpc>
+            <a:spcBef>
+              <a:spcPct val="0"/>
+            </a:spcBef>
+            <a:spcAft>
+              <a:spcPct val="35000"/>
+            </a:spcAft>
+            <a:buNone/>
+          </a:pPr>
+          <a:endParaRPr lang="de-DE" sz="1400" i="1" kern="1200" dirty="0"/>
+        </a:p>
+      </dsp:txBody>
+      <dsp:txXfrm>
+        <a:off x="6046360" y="982941"/>
+        <a:ext cx="1675110" cy="1414310"/>
+      </dsp:txXfrm>
+    </dsp:sp>
+    <dsp:sp modelId="{E2C584B7-5B6E-4F6E-A7B8-E679FEF7BC4D}">
+      <dsp:nvSpPr>
+        <dsp:cNvPr id="0" name=""/>
+        <dsp:cNvSpPr/>
+      </dsp:nvSpPr>
+      <dsp:spPr>
+        <a:xfrm rot="5400000">
+          <a:off x="6929229" y="1795812"/>
+          <a:ext cx="1988820" cy="165035"/>
+        </a:xfrm>
+        <a:prstGeom prst="corner">
+          <a:avLst>
+            <a:gd name="adj1" fmla="val 1000"/>
+            <a:gd name="adj2" fmla="val 1000"/>
+          </a:avLst>
+        </a:prstGeom>
+        <a:solidFill>
+          <a:schemeClr val="lt1">
+            <a:hueOff val="0"/>
+            <a:satOff val="0"/>
+            <a:lumOff val="0"/>
+            <a:alphaOff val="0"/>
+          </a:schemeClr>
+        </a:solidFill>
+        <a:ln w="12700" cap="flat" cmpd="sng" algn="ctr">
+          <a:solidFill>
+            <a:schemeClr val="accent4"/>
+          </a:solidFill>
+          <a:prstDash val="solid"/>
+          <a:miter lim="800000"/>
+        </a:ln>
+        <a:effectLst/>
+      </dsp:spPr>
+      <dsp:style>
+        <a:lnRef idx="2">
+          <a:scrgbClr r="0" g="0" b="0"/>
+        </a:lnRef>
+        <a:fillRef idx="1">
+          <a:scrgbClr r="0" g="0" b="0"/>
+        </a:fillRef>
+        <a:effectRef idx="0">
+          <a:scrgbClr r="0" g="0" b="0"/>
+        </a:effectRef>
+        <a:fontRef idx="minor"/>
+      </dsp:style>
+    </dsp:sp>
+    <dsp:sp modelId="{B89F8758-DA9D-4018-859A-710084D7ABF3}">
+      <dsp:nvSpPr>
+        <dsp:cNvPr id="0" name=""/>
+        <dsp:cNvSpPr/>
+      </dsp:nvSpPr>
+      <dsp:spPr>
+        <a:xfrm>
+          <a:off x="7841121" y="2872740"/>
+          <a:ext cx="2062943" cy="662940"/>
+        </a:xfrm>
+        <a:prstGeom prst="chevron">
+          <a:avLst>
+            <a:gd name="adj" fmla="val 25000"/>
+          </a:avLst>
+        </a:prstGeom>
+        <a:solidFill>
+          <a:schemeClr val="accent4"/>
+        </a:solidFill>
+        <a:ln w="12700" cap="flat" cmpd="sng" algn="ctr">
+          <a:solidFill>
+            <a:schemeClr val="accent4"/>
+          </a:solidFill>
+          <a:prstDash val="solid"/>
+          <a:miter lim="800000"/>
+        </a:ln>
+        <a:effectLst/>
+      </dsp:spPr>
+      <dsp:style>
+        <a:lnRef idx="2">
+          <a:scrgbClr r="0" g="0" b="0"/>
+        </a:lnRef>
+        <a:fillRef idx="1">
+          <a:scrgbClr r="0" g="0" b="0"/>
+        </a:fillRef>
+        <a:effectRef idx="0">
+          <a:scrgbClr r="0" g="0" b="0"/>
+        </a:effectRef>
+        <a:fontRef idx="minor">
+          <a:schemeClr val="lt1"/>
+        </a:fontRef>
+      </dsp:style>
+      <dsp:txBody>
+        <a:bodyPr spcFirstLastPara="0" vert="horz" wrap="square" lIns="127000" tIns="254000" rIns="127000" bIns="254000" numCol="1" spcCol="1270" rtlCol="0" anchor="ctr" anchorCtr="0">
+          <a:noAutofit/>
+        </a:bodyPr>
+        <a:lstStyle/>
+        <a:p>
+          <a:pPr marL="0" lvl="0" indent="0" algn="ctr" defTabSz="889000" rtl="0">
+            <a:lnSpc>
+              <a:spcPct val="90000"/>
+            </a:lnSpc>
+            <a:spcBef>
+              <a:spcPct val="0"/>
+            </a:spcBef>
+            <a:spcAft>
+              <a:spcPct val="35000"/>
+            </a:spcAft>
+            <a:buNone/>
+          </a:pPr>
+          <a:r>
+            <a:rPr lang="de-DE" sz="2000" kern="1200" noProof="0" dirty="0"/>
+            <a:t>04.04</a:t>
+          </a:r>
+        </a:p>
+      </dsp:txBody>
+      <dsp:txXfrm>
+        <a:off x="8006856" y="2872740"/>
+        <a:ext cx="1731473" cy="662940"/>
+      </dsp:txXfrm>
+    </dsp:sp>
+    <dsp:sp modelId="{B73D2BBA-574C-491E-A31C-8B6EA5CC871A}">
+      <dsp:nvSpPr>
+        <dsp:cNvPr id="0" name=""/>
+        <dsp:cNvSpPr/>
+      </dsp:nvSpPr>
+      <dsp:spPr>
+        <a:xfrm>
+          <a:off x="8006156" y="982941"/>
+          <a:ext cx="1675110" cy="1414310"/>
+        </a:xfrm>
+        <a:prstGeom prst="rect">
+          <a:avLst/>
+        </a:prstGeom>
+        <a:noFill/>
+        <a:ln>
+          <a:noFill/>
+        </a:ln>
+        <a:effectLst/>
+      </dsp:spPr>
+      <dsp:style>
+        <a:lnRef idx="0">
+          <a:scrgbClr r="0" g="0" b="0"/>
+        </a:lnRef>
+        <a:fillRef idx="0">
+          <a:scrgbClr r="0" g="0" b="0"/>
+        </a:fillRef>
+        <a:effectRef idx="0">
+          <a:scrgbClr r="0" g="0" b="0"/>
+        </a:effectRef>
+        <a:fontRef idx="minor"/>
+      </dsp:style>
+      <dsp:txBody>
+        <a:bodyPr spcFirstLastPara="0" vert="horz" wrap="square" lIns="0" tIns="0" rIns="0" bIns="0" numCol="1" spcCol="1270" rtlCol="0" anchor="t" anchorCtr="0">
+          <a:noAutofit/>
+        </a:bodyPr>
+        <a:lstStyle/>
+        <a:p>
+          <a:pPr marL="0" lvl="0" indent="0" algn="l" defTabSz="622300" rtl="0">
+            <a:lnSpc>
+              <a:spcPct val="90000"/>
+            </a:lnSpc>
+            <a:spcBef>
+              <a:spcPct val="0"/>
+            </a:spcBef>
+            <a:spcAft>
+              <a:spcPct val="35000"/>
+            </a:spcAft>
+            <a:buNone/>
+          </a:pPr>
+          <a:r>
+            <a:rPr lang="de-DE" sz="1400" b="1" kern="1200" noProof="0" dirty="0"/>
+            <a:t>Final </a:t>
+          </a:r>
+          <a:r>
+            <a:rPr lang="de-DE" sz="1400" b="1" kern="1200" noProof="0" dirty="0" err="1"/>
+            <a:t>report</a:t>
+          </a:r>
+          <a:endParaRPr lang="de-DE" sz="1400" b="1" kern="1200" noProof="0" dirty="0"/>
+        </a:p>
+        <a:p>
+          <a:pPr marL="0" lvl="0" indent="0" algn="l" defTabSz="622300" rtl="0">
+            <a:lnSpc>
+              <a:spcPct val="90000"/>
+            </a:lnSpc>
+            <a:spcBef>
+              <a:spcPct val="0"/>
+            </a:spcBef>
+            <a:spcAft>
+              <a:spcPct val="35000"/>
+            </a:spcAft>
+            <a:buNone/>
+          </a:pPr>
+          <a:r>
+            <a:rPr lang="de-DE" sz="1400" b="0" kern="1200" noProof="0" dirty="0"/>
+            <a:t>More </a:t>
+          </a:r>
+          <a:r>
+            <a:rPr lang="de-DE" sz="1400" b="0" kern="1200" noProof="0" dirty="0" err="1"/>
+            <a:t>polishing</a:t>
           </a:r>
           <a:r>
             <a:rPr lang="de-DE" sz="1400" b="0" kern="1200" noProof="0" dirty="0"/>
@@ -10652,6 +13753,405 @@
 </dgm:layoutDef>
 </file>
 
+<file path=ppt/diagrams/layout4.xml><?xml version="1.0" encoding="utf-8"?>
+<dgm:layoutDef xmlns:dgm="http://schemas.openxmlformats.org/drawingml/2006/diagram" xmlns:a="http://schemas.openxmlformats.org/drawingml/2006/main" uniqueId="urn:microsoft.com/office/officeart/2016/7/layout/AccentHomeChevronProcess">
+  <dgm:title val="Akzentuierte Startseite – Winkelprozess"/>
+  <dgm:desc val="Hiermit können Sie einen Verlauf, eine Zeitachse, aufeinanderfolgende Schritte – etwa in einer Aufgabe, einem Prozess oder einem Workflow – darstellen oder eine Bewegung bzw. Richtung hervorheben. Text der Ebene 1 wird in Winkelform angezeigt (ausgenommen die erste Form, bei der es sich um eine Startseitenform handelt), während Text der Ebene 2 unter den unsichtbaren Rechteckformen aufscheint."/>
+  <dgm:catLst>
+    <dgm:cat type="process" pri="500"/>
+    <dgm:cat type="timeline" pri="600"/>
+  </dgm:catLst>
+  <dgm:sampData>
+    <dgm:dataModel>
+      <dgm:ptLst>
+        <dgm:pt modelId="0" type="doc"/>
+        <dgm:pt modelId="10">
+          <dgm:prSet phldr="1"/>
+        </dgm:pt>
+        <dgm:pt modelId="11">
+          <dgm:prSet phldr="1"/>
+        </dgm:pt>
+        <dgm:pt modelId="20">
+          <dgm:prSet phldr="1"/>
+        </dgm:pt>
+        <dgm:pt modelId="21">
+          <dgm:prSet phldr="1"/>
+        </dgm:pt>
+        <dgm:pt modelId="30">
+          <dgm:prSet phldr="1"/>
+        </dgm:pt>
+        <dgm:pt modelId="31">
+          <dgm:prSet phldr="1"/>
+        </dgm:pt>
+      </dgm:ptLst>
+      <dgm:cxnLst>
+        <dgm:cxn modelId="40" srcId="0" destId="10" srcOrd="0" destOrd="0"/>
+        <dgm:cxn modelId="12" srcId="10" destId="11" srcOrd="0" destOrd="0"/>
+        <dgm:cxn modelId="50" srcId="0" destId="20" srcOrd="1" destOrd="0"/>
+        <dgm:cxn modelId="22" srcId="20" destId="21" srcOrd="0" destOrd="0"/>
+        <dgm:cxn modelId="60" srcId="0" destId="30" srcOrd="1" destOrd="0"/>
+        <dgm:cxn modelId="32" srcId="30" destId="31" srcOrd="0" destOrd="0"/>
+      </dgm:cxnLst>
+      <dgm:bg/>
+      <dgm:whole/>
+    </dgm:dataModel>
+  </dgm:sampData>
+  <dgm:styleData>
+    <dgm:dataModel>
+      <dgm:ptLst>
+        <dgm:pt modelId="0" type="doc"/>
+        <dgm:pt modelId="10">
+          <dgm:prSet phldr="1"/>
+        </dgm:pt>
+        <dgm:pt modelId="20">
+          <dgm:prSet phldr="1"/>
+        </dgm:pt>
+      </dgm:ptLst>
+      <dgm:cxnLst>
+        <dgm:cxn modelId="60" srcId="0" destId="10" srcOrd="0" destOrd="0"/>
+        <dgm:cxn modelId="70" srcId="0" destId="20" srcOrd="1" destOrd="0"/>
+      </dgm:cxnLst>
+      <dgm:bg/>
+      <dgm:whole/>
+    </dgm:dataModel>
+  </dgm:styleData>
+  <dgm:clrData>
+    <dgm:dataModel>
+      <dgm:ptLst>
+        <dgm:pt modelId="0" type="doc"/>
+        <dgm:pt modelId="10">
+          <dgm:prSet phldr="1"/>
+        </dgm:pt>
+        <dgm:pt modelId="20">
+          <dgm:prSet phldr="1"/>
+        </dgm:pt>
+        <dgm:pt modelId="30">
+          <dgm:prSet phldr="1"/>
+        </dgm:pt>
+        <dgm:pt modelId="40">
+          <dgm:prSet phldr="1"/>
+        </dgm:pt>
+      </dgm:ptLst>
+      <dgm:cxnLst>
+        <dgm:cxn modelId="60" srcId="0" destId="10" srcOrd="0" destOrd="0"/>
+        <dgm:cxn modelId="70" srcId="0" destId="20" srcOrd="1" destOrd="0"/>
+        <dgm:cxn modelId="80" srcId="0" destId="30" srcOrd="2" destOrd="0"/>
+        <dgm:cxn modelId="90" srcId="0" destId="40" srcOrd="3" destOrd="0"/>
+      </dgm:cxnLst>
+      <dgm:bg/>
+      <dgm:whole/>
+    </dgm:dataModel>
+  </dgm:clrData>
+  <dgm:layoutNode name="Name0">
+    <dgm:varLst>
+      <dgm:animLvl val="lvl"/>
+      <dgm:resizeHandles val="exact"/>
+    </dgm:varLst>
+    <dgm:choose name="Name1">
+      <dgm:if name="Name2" func="var" arg="dir" op="equ" val="norm">
+        <dgm:alg type="lin"/>
+      </dgm:if>
+      <dgm:else name="Name3">
+        <dgm:alg type="lin">
+          <dgm:param type="linDir" val="fromR"/>
+        </dgm:alg>
+      </dgm:else>
+    </dgm:choose>
+    <dgm:shape xmlns:r="http://schemas.openxmlformats.org/officeDocument/2006/relationships" r:blip="">
+      <dgm:adjLst/>
+    </dgm:shape>
+    <dgm:presOf/>
+    <dgm:choose name="contrsBasedOnsibTransCount">
+      <dgm:if name="oneSibTrans" axis="ch" ptType="sibTrans" func="cnt" op="equ" val="1">
+        <dgm:constrLst>
+          <dgm:constr type="h" for="ch" forName="composite" refType="h" fact="0.6"/>
+          <dgm:constr type="w" for="ch" forName="composite" refType="w"/>
+          <dgm:constr type="primFontSz" for="des" forName="parTx" val="20"/>
+          <dgm:constr type="primFontSz" for="des" forName="desTx" refType="primFontSz" refFor="des" refForName="parTx" op="lte"/>
+          <dgm:constr type="primFontSz" for="des" forName="parTx" op="equ"/>
+          <dgm:constr type="primFontSz" for="des" forName="desTx" op="equ"/>
+          <dgm:constr type="w" for="ch" forName="space" refType="w" refFor="ch" refForName="composite" fact="-0.02"/>
+          <dgm:constr type="w" for="ch" ptType="sibTrans" op="equ"/>
+        </dgm:constrLst>
+      </dgm:if>
+      <dgm:else name="moreThanOneSibTrans">
+        <dgm:choose name="contrsForMoreThanOneSibTrans">
+          <dgm:if name="twoSibTrans" axis="ch" ptType="sibTrans" func="cnt" op="equ" val="2">
+            <dgm:constrLst>
+              <dgm:constr type="h" for="ch" forName="composite" refType="h" fact="0.6"/>
+              <dgm:constr type="w" for="ch" forName="composite" refType="w"/>
+              <dgm:constr type="primFontSz" for="des" forName="parTx" val="20"/>
+              <dgm:constr type="primFontSz" for="des" forName="desTx" refType="primFontSz" refFor="des" refForName="parTx" op="lte"/>
+              <dgm:constr type="primFontSz" for="des" forName="parTx" op="equ"/>
+              <dgm:constr type="primFontSz" for="des" forName="desTx" op="equ"/>
+              <dgm:constr type="w" for="ch" forName="space" refType="w" refFor="ch" refForName="composite" fact="-0.03"/>
+              <dgm:constr type="w" for="ch" ptType="sibTrans" op="equ"/>
+            </dgm:constrLst>
+          </dgm:if>
+          <dgm:else name="moreThanTwoSibTrans">
+            <dgm:choose name="contrsForMoreThanTwoSibTrans">
+              <dgm:if name="threeSibTrans" axis="ch" ptType="sibTrans" func="cnt" op="equ" val="3">
+                <dgm:constrLst>
+                  <dgm:constr type="h" for="ch" forName="composite" refType="h" fact="0.6"/>
+                  <dgm:constr type="w" for="ch" forName="composite" refType="w"/>
+                  <dgm:constr type="primFontSz" for="des" forName="parTx" val="20"/>
+                  <dgm:constr type="primFontSz" for="des" forName="desTx" refType="primFontSz" refFor="des" refForName="parTx" op="lte"/>
+                  <dgm:constr type="primFontSz" for="des" forName="parTx" op="equ"/>
+                  <dgm:constr type="primFontSz" for="des" forName="desTx" op="equ"/>
+                  <dgm:constr type="w" for="ch" forName="space" refType="w" refFor="ch" refForName="composite" fact="-0.04"/>
+                  <dgm:constr type="w" for="ch" ptType="sibTrans" op="equ"/>
+                </dgm:constrLst>
+              </dgm:if>
+              <dgm:else name="moreThanThreeSibTrans">
+                <dgm:choose name="contrsForMoreThanThreeSibTrans">
+                  <dgm:if name="fourToSixSibTrans" axis="ch" ptType="sibTrans" func="cnt" op="lte" val="6">
+                    <dgm:constrLst>
+                      <dgm:constr type="h" for="ch" forName="composite" refType="h" fact="0.6"/>
+                      <dgm:constr type="w" for="ch" forName="composite" refType="w"/>
+                      <dgm:constr type="primFontSz" for="des" forName="parTx" val="20"/>
+                      <dgm:constr type="primFontSz" for="des" forName="desTx" refType="primFontSz" refFor="des" refForName="parTx" op="lte"/>
+                      <dgm:constr type="primFontSz" for="des" forName="parTx" op="equ"/>
+                      <dgm:constr type="primFontSz" for="des" forName="desTx" op="equ"/>
+                      <dgm:constr type="w" for="ch" forName="space" refType="w" refFor="ch" refForName="composite" fact="-0.05"/>
+                      <dgm:constr type="w" for="ch" ptType="sibTrans" op="equ"/>
+                    </dgm:constrLst>
+                  </dgm:if>
+                  <dgm:else name="moreThanSixSibTrans">
+                    <dgm:choose name="contrsForMoreThanSixSibTrans">
+                      <dgm:if name="sevenToEightSibTrans" axis="ch" ptType="sibTrans" func="cnt" op="lte" val="8">
+                        <dgm:constrLst>
+                          <dgm:constr type="h" for="ch" forName="composite" refType="h" fact="0.6"/>
+                          <dgm:constr type="w" for="ch" forName="composite" refType="w"/>
+                          <dgm:constr type="primFontSz" for="des" forName="parTx" val="20"/>
+                          <dgm:constr type="primFontSz" for="des" forName="desTx" refType="primFontSz" refFor="des" refForName="parTx" op="lte"/>
+                          <dgm:constr type="primFontSz" for="des" forName="parTx" op="equ"/>
+                          <dgm:constr type="primFontSz" for="des" forName="desTx" op="equ"/>
+                          <dgm:constr type="w" for="ch" forName="space" refType="w" refFor="ch" refForName="composite" fact="-0.07"/>
+                          <dgm:constr type="w" for="ch" ptType="sibTrans" op="equ"/>
+                        </dgm:constrLst>
+                      </dgm:if>
+                      <dgm:else name="moreThanEightSibTrans">
+                        <dgm:constrLst>
+                          <dgm:constr type="h" for="ch" forName="composite" refType="h" fact="0.6"/>
+                          <dgm:constr type="w" for="ch" forName="composite" refType="w"/>
+                          <dgm:constr type="primFontSz" for="des" forName="parTx" val="20"/>
+                          <dgm:constr type="primFontSz" for="des" forName="desTx" refType="primFontSz" refFor="des" refForName="parTx" op="lte"/>
+                          <dgm:constr type="primFontSz" for="des" forName="parTx" op="equ"/>
+                          <dgm:constr type="primFontSz" for="des" forName="desTx" op="equ"/>
+                          <dgm:constr type="w" for="ch" forName="space" refType="w" refFor="ch" refForName="composite" fact="-0.09"/>
+                          <dgm:constr type="w" for="ch" ptType="sibTrans" op="equ"/>
+                        </dgm:constrLst>
+                      </dgm:else>
+                    </dgm:choose>
+                  </dgm:else>
+                </dgm:choose>
+              </dgm:else>
+            </dgm:choose>
+          </dgm:else>
+        </dgm:choose>
+      </dgm:else>
+    </dgm:choose>
+    <dgm:ruleLst/>
+    <dgm:forEach name="Name6" axis="ch" ptType="node">
+      <dgm:layoutNode name="composite">
+        <dgm:alg type="composite"/>
+        <dgm:shape xmlns:r="http://schemas.openxmlformats.org/officeDocument/2006/relationships" r:blip="">
+          <dgm:adjLst/>
+        </dgm:shape>
+        <dgm:presOf/>
+        <dgm:choose name="LayoutLTRorRTL">
+          <dgm:if name="LayoutLTR" func="var" arg="dir" op="equ" val="norm">
+            <dgm:constrLst>
+              <dgm:constr type="w" for="ch" forName="L" refType="w" fact="0.08"/>
+              <dgm:constr type="h" for="ch" forName="L" refType="h" fact="0.75"/>
+              <dgm:constr type="l" for="ch" forName="L"/>
+              <dgm:constr type="l" for="ch" forName="parTx"/>
+              <dgm:constr type="w" for="ch" forName="parTx" refType="w"/>
+              <dgm:constr type="h" for="ch" forName="parTx" refType="h" fact="0.25"/>
+              <dgm:constr type="t" for="ch" forName="parTx" refType="b" refFor="ch" refForName="L"/>
+              <dgm:constr type="t" for="ch" forName="desTx" refType="w" refFor="ch" refForName="L" fact="0.6"/>
+              <dgm:constr type="b" for="ch" forName="desTx" refType="t" refFor="ch" refForName="EmptyPlaceHolder"/>
+              <dgm:constr type="l" for="ch" forName="desTx" refType="r" refFor="ch" refForName="L"/>
+              <dgm:constr type="w" for="ch" forName="desTx" refType="w" fact="0.812"/>
+              <dgm:constr type="w" for="ch" forName="EmptyPlaceHolder" refType="w" fact="0.82"/>
+              <dgm:constr type="l" for="ch" forName="EmptyPlaceHolder" refType="r" refFor="ch" refForName="L"/>
+              <dgm:constr type="b" for="ch" forName="EmptyPlaceHolder" refType="b" refFor="ch" refForName="L"/>
+              <dgm:constr type="h" for="ch" forName="EmptyPlaceHolder" refType="t" refFor="ch" refForName="desTx"/>
+            </dgm:constrLst>
+          </dgm:if>
+          <dgm:else name="LayoutRTL">
+            <dgm:constrLst>
+              <dgm:constr type="w" for="ch" forName="L" refType="w" fact="0.08"/>
+              <dgm:constr type="h" for="ch" forName="L" refType="h" fact="0.75"/>
+              <dgm:constr type="r" for="ch" forName="L" refType="w"/>
+              <dgm:constr type="r" for="ch" forName="parTx" refType="w"/>
+              <dgm:constr type="w" for="ch" forName="parTx" refType="w"/>
+              <dgm:constr type="h" for="ch" forName="parTx" refType="h" fact="0.25"/>
+              <dgm:constr type="t" for="ch" forName="parTx" refType="b" refFor="ch" refForName="L"/>
+              <dgm:constr type="t" for="ch" forName="desTx" refType="w" refFor="ch" refForName="L" fact="0.6"/>
+              <dgm:constr type="b" for="ch" forName="desTx" refType="t" refFor="ch" refForName="EmptyPlaceHolder"/>
+              <dgm:constr type="r" for="ch" forName="desTx" refType="l" refFor="ch" refForName="L"/>
+              <dgm:constr type="w" for="ch" forName="desTx" refType="w" fact="0.812"/>
+              <dgm:constr type="w" for="ch" forName="EmptyPlaceHolder" refType="w" fact="0.82"/>
+              <dgm:constr type="h" for="ch" forName="EmptyPlaceHolder" refType="w" refFor="ch" refForName="L" fact="0.6"/>
+              <dgm:constr type="b" for="ch" forName="EmptyPlaceHolder" refType="b" refFor="ch" refForName="L"/>
+            </dgm:constrLst>
+          </dgm:else>
+        </dgm:choose>
+        <dgm:layoutNode name="L" styleLbl="solidFgAcc1" moveWith="parTx">
+          <dgm:varLst>
+            <dgm:chMax val="0"/>
+            <dgm:chPref val="0"/>
+          </dgm:varLst>
+          <dgm:alg type="sp"/>
+          <dgm:choose name="Name310">
+            <dgm:if name="Name311" func="var" arg="dir" op="equ" val="norm">
+              <dgm:shape xmlns:r="http://schemas.openxmlformats.org/officeDocument/2006/relationships" rot="90" type="corner" r:blip="">
+                <dgm:adjLst>
+                  <dgm:adj idx="1" val="0.01"/>
+                  <dgm:adj idx="2" val="0.01"/>
+                </dgm:adjLst>
+              </dgm:shape>
+            </dgm:if>
+            <dgm:else name="Name312">
+              <dgm:shape xmlns:r="http://schemas.openxmlformats.org/officeDocument/2006/relationships" rot="180" type="corner" r:blip="">
+                <dgm:adjLst>
+                  <dgm:adj idx="1" val="0.01"/>
+                  <dgm:adj idx="2" val="0.01"/>
+                </dgm:adjLst>
+              </dgm:shape>
+            </dgm:else>
+          </dgm:choose>
+          <dgm:presOf/>
+          <dgm:constrLst/>
+          <dgm:ruleLst/>
+        </dgm:layoutNode>
+        <dgm:layoutNode name="parTx" styleLbl="alignNode1">
+          <dgm:varLst>
+            <dgm:chMax val="0"/>
+            <dgm:chPref val="0"/>
+            <dgm:bulletEnabled val="1"/>
+          </dgm:varLst>
+          <dgm:alg type="tx">
+            <dgm:param type="txAnchorVert" val="mid"/>
+            <dgm:param type="parTxLTRAlign" val="ctr"/>
+            <dgm:param type="parTxRTLAlign" val="ctr"/>
+          </dgm:alg>
+          <dgm:choose name="MakeFirstNodeHomePlate">
+            <dgm:if name="IfFirstNode" axis="self" ptType="node" func="pos" op="equ" val="1">
+              <dgm:choose name="Name110">
+                <dgm:if name="Name111" func="var" arg="dir" op="equ" val="norm">
+                  <dgm:shape xmlns:r="http://schemas.openxmlformats.org/officeDocument/2006/relationships" type="homePlate" r:blip="">
+                    <dgm:adjLst>
+                      <dgm:adj idx="1" val="0.25"/>
+                    </dgm:adjLst>
+                  </dgm:shape>
+                </dgm:if>
+                <dgm:else name="Name112">
+                  <dgm:shape xmlns:r="http://schemas.openxmlformats.org/officeDocument/2006/relationships" rot="180" type="homePlate" r:blip="">
+                    <dgm:adjLst>
+                      <dgm:adj idx="1" val="0.25"/>
+                    </dgm:adjLst>
+                  </dgm:shape>
+                </dgm:else>
+              </dgm:choose>
+            </dgm:if>
+            <dgm:else name="MakeRestOfNodesChevrons">
+              <dgm:choose name="Name10">
+                <dgm:if name="Name11" func="var" arg="dir" op="equ" val="norm">
+                  <dgm:shape xmlns:r="http://schemas.openxmlformats.org/officeDocument/2006/relationships" type="chevron" r:blip="">
+                    <dgm:adjLst>
+                      <dgm:adj idx="1" val="0.25"/>
+                    </dgm:adjLst>
+                  </dgm:shape>
+                </dgm:if>
+                <dgm:else name="Name12">
+                  <dgm:shape xmlns:r="http://schemas.openxmlformats.org/officeDocument/2006/relationships" rot="180" type="chevron" r:blip="">
+                    <dgm:adjLst>
+                      <dgm:adj idx="1" val="0.25"/>
+                    </dgm:adjLst>
+                  </dgm:shape>
+                </dgm:else>
+              </dgm:choose>
+            </dgm:else>
+          </dgm:choose>
+          <dgm:presOf axis="self" ptType="node"/>
+          <dgm:constrLst>
+            <dgm:constr type="tMarg" refType="primFontSz"/>
+            <dgm:constr type="bMarg" refType="primFontSz"/>
+            <dgm:constr type="lMarg" refType="primFontSz" fact="0.5"/>
+            <dgm:constr type="rMarg" refType="primFontSz" fact="0.5"/>
+          </dgm:constrLst>
+          <dgm:ruleLst>
+            <dgm:rule type="primFontSz" val="13" fact="NaN" max="NaN"/>
+          </dgm:ruleLst>
+        </dgm:layoutNode>
+        <dgm:layoutNode name="desTx" styleLbl="revTx" moveWith="parTx">
+          <dgm:varLst>
+            <dgm:chMax val="0"/>
+            <dgm:chPref val="0"/>
+            <dgm:bulletEnabled val="1"/>
+          </dgm:varLst>
+          <dgm:choose name="Name210">
+            <dgm:if name="Name211" func="var" arg="dir" op="equ" val="norm">
+              <dgm:alg type="tx">
+                <dgm:param type="txAnchorVert" val="t"/>
+                <dgm:param type="parTxLTRAlign" val="l"/>
+                <dgm:param type="shpTxLTRAlignCh" val="l"/>
+                <dgm:param type="parTxRTLAlign" val="l"/>
+                <dgm:param type="shpTxRTLAlignCh" val="l"/>
+              </dgm:alg>
+            </dgm:if>
+            <dgm:else name="Name212">
+              <dgm:alg type="tx">
+                <dgm:param type="txAnchorVert" val="t"/>
+                <dgm:param type="parTxLTRAlign" val="r"/>
+                <dgm:param type="shpTxLTRAlignCh" val="r"/>
+                <dgm:param type="parTxRTLAlign" val="r"/>
+                <dgm:param type="shpTxRTLAlignCh" val="r"/>
+              </dgm:alg>
+            </dgm:else>
+          </dgm:choose>
+          <dgm:shape xmlns:r="http://schemas.openxmlformats.org/officeDocument/2006/relationships" type="rect" r:blip="">
+            <dgm:adjLst/>
+          </dgm:shape>
+          <dgm:presOf axis="des" ptType="node"/>
+          <dgm:constrLst>
+            <dgm:constr type="tMarg"/>
+            <dgm:constr type="bMarg"/>
+            <dgm:constr type="lMarg"/>
+            <dgm:constr type="rMarg"/>
+          </dgm:constrLst>
+          <dgm:ruleLst>
+            <dgm:rule type="primFontSz" val="11" fact="NaN" max="NaN"/>
+            <dgm:rule type="secFontSz" val="9" fact="NaN" max="NaN"/>
+          </dgm:ruleLst>
+        </dgm:layoutNode>
+        <dgm:layoutNode name="EmptyPlaceHolder">
+          <dgm:alg type="sp"/>
+          <dgm:shape xmlns:r="http://schemas.openxmlformats.org/officeDocument/2006/relationships" r:blip="">
+            <dgm:adjLst/>
+          </dgm:shape>
+          <dgm:presOf/>
+          <dgm:constrLst/>
+        </dgm:layoutNode>
+      </dgm:layoutNode>
+      <dgm:forEach name="Name19" axis="followSib" ptType="sibTrans" cnt="1">
+        <dgm:layoutNode name="space">
+          <dgm:alg type="sp"/>
+          <dgm:shape xmlns:r="http://schemas.openxmlformats.org/officeDocument/2006/relationships" r:blip="">
+            <dgm:adjLst/>
+          </dgm:shape>
+          <dgm:presOf/>
+          <dgm:constrLst/>
+          <dgm:ruleLst/>
+        </dgm:layoutNode>
+      </dgm:forEach>
+    </dgm:forEach>
+  </dgm:layoutNode>
+</dgm:layoutDef>
+</file>
+
 <file path=ppt/diagrams/quickStyle1.xml><?xml version="1.0" encoding="utf-8"?>
 <dgm:styleDef xmlns:dgm="http://schemas.openxmlformats.org/drawingml/2006/diagram" xmlns:a="http://schemas.openxmlformats.org/drawingml/2006/main" uniqueId="urn:microsoft.com/office/officeart/2005/8/quickstyle/simple1">
   <dgm:title val=""/>
@@ -12721,6 +16221,1040 @@
 </file>
 
 <file path=ppt/diagrams/quickStyle3.xml><?xml version="1.0" encoding="utf-8"?>
+<dgm:styleDef xmlns:dgm="http://schemas.openxmlformats.org/drawingml/2006/diagram" xmlns:a="http://schemas.openxmlformats.org/drawingml/2006/main" uniqueId="urn:microsoft.com/office/officeart/2005/8/quickstyle/simple1">
+  <dgm:title val=""/>
+  <dgm:desc val=""/>
+  <dgm:catLst>
+    <dgm:cat type="simple" pri="10100"/>
+  </dgm:catLst>
+  <dgm:scene3d>
+    <a:camera prst="orthographicFront"/>
+    <a:lightRig rig="threePt" dir="t"/>
+  </dgm:scene3d>
+  <dgm:styleLbl name="node0">
+    <dgm:scene3d>
+      <a:camera prst="orthographicFront"/>
+      <a:lightRig rig="threePt" dir="t"/>
+    </dgm:scene3d>
+    <dgm:sp3d/>
+    <dgm:txPr/>
+    <dgm:style>
+      <a:lnRef idx="2">
+        <a:scrgbClr r="0" g="0" b="0"/>
+      </a:lnRef>
+      <a:fillRef idx="1">
+        <a:scrgbClr r="0" g="0" b="0"/>
+      </a:fillRef>
+      <a:effectRef idx="0">
+        <a:scrgbClr r="0" g="0" b="0"/>
+      </a:effectRef>
+      <a:fontRef idx="minor">
+        <a:schemeClr val="lt1"/>
+      </a:fontRef>
+    </dgm:style>
+  </dgm:styleLbl>
+  <dgm:styleLbl name="lnNode1">
+    <dgm:scene3d>
+      <a:camera prst="orthographicFront"/>
+      <a:lightRig rig="threePt" dir="t"/>
+    </dgm:scene3d>
+    <dgm:sp3d/>
+    <dgm:txPr/>
+    <dgm:style>
+      <a:lnRef idx="2">
+        <a:scrgbClr r="0" g="0" b="0"/>
+      </a:lnRef>
+      <a:fillRef idx="1">
+        <a:scrgbClr r="0" g="0" b="0"/>
+      </a:fillRef>
+      <a:effectRef idx="0">
+        <a:scrgbClr r="0" g="0" b="0"/>
+      </a:effectRef>
+      <a:fontRef idx="minor">
+        <a:schemeClr val="lt1"/>
+      </a:fontRef>
+    </dgm:style>
+  </dgm:styleLbl>
+  <dgm:styleLbl name="vennNode1">
+    <dgm:scene3d>
+      <a:camera prst="orthographicFront"/>
+      <a:lightRig rig="threePt" dir="t"/>
+    </dgm:scene3d>
+    <dgm:sp3d/>
+    <dgm:txPr/>
+    <dgm:style>
+      <a:lnRef idx="2">
+        <a:scrgbClr r="0" g="0" b="0"/>
+      </a:lnRef>
+      <a:fillRef idx="1">
+        <a:scrgbClr r="0" g="0" b="0"/>
+      </a:fillRef>
+      <a:effectRef idx="0">
+        <a:scrgbClr r="0" g="0" b="0"/>
+      </a:effectRef>
+      <a:fontRef idx="minor">
+        <a:schemeClr val="tx1"/>
+      </a:fontRef>
+    </dgm:style>
+  </dgm:styleLbl>
+  <dgm:styleLbl name="alignNode1">
+    <dgm:scene3d>
+      <a:camera prst="orthographicFront"/>
+      <a:lightRig rig="threePt" dir="t"/>
+    </dgm:scene3d>
+    <dgm:sp3d/>
+    <dgm:txPr/>
+    <dgm:style>
+      <a:lnRef idx="2">
+        <a:scrgbClr r="0" g="0" b="0"/>
+      </a:lnRef>
+      <a:fillRef idx="1">
+        <a:scrgbClr r="0" g="0" b="0"/>
+      </a:fillRef>
+      <a:effectRef idx="0">
+        <a:scrgbClr r="0" g="0" b="0"/>
+      </a:effectRef>
+      <a:fontRef idx="minor">
+        <a:schemeClr val="lt1"/>
+      </a:fontRef>
+    </dgm:style>
+  </dgm:styleLbl>
+  <dgm:styleLbl name="node1">
+    <dgm:scene3d>
+      <a:camera prst="orthographicFront"/>
+      <a:lightRig rig="threePt" dir="t"/>
+    </dgm:scene3d>
+    <dgm:sp3d/>
+    <dgm:txPr/>
+    <dgm:style>
+      <a:lnRef idx="2">
+        <a:scrgbClr r="0" g="0" b="0"/>
+      </a:lnRef>
+      <a:fillRef idx="1">
+        <a:scrgbClr r="0" g="0" b="0"/>
+      </a:fillRef>
+      <a:effectRef idx="0">
+        <a:scrgbClr r="0" g="0" b="0"/>
+      </a:effectRef>
+      <a:fontRef idx="minor">
+        <a:schemeClr val="lt1"/>
+      </a:fontRef>
+    </dgm:style>
+  </dgm:styleLbl>
+  <dgm:styleLbl name="node2">
+    <dgm:scene3d>
+      <a:camera prst="orthographicFront"/>
+      <a:lightRig rig="threePt" dir="t"/>
+    </dgm:scene3d>
+    <dgm:sp3d/>
+    <dgm:txPr/>
+    <dgm:style>
+      <a:lnRef idx="2">
+        <a:scrgbClr r="0" g="0" b="0"/>
+      </a:lnRef>
+      <a:fillRef idx="1">
+        <a:scrgbClr r="0" g="0" b="0"/>
+      </a:fillRef>
+      <a:effectRef idx="0">
+        <a:scrgbClr r="0" g="0" b="0"/>
+      </a:effectRef>
+      <a:fontRef idx="minor">
+        <a:schemeClr val="lt1"/>
+      </a:fontRef>
+    </dgm:style>
+  </dgm:styleLbl>
+  <dgm:styleLbl name="node3">
+    <dgm:scene3d>
+      <a:camera prst="orthographicFront"/>
+      <a:lightRig rig="threePt" dir="t"/>
+    </dgm:scene3d>
+    <dgm:sp3d/>
+    <dgm:txPr/>
+    <dgm:style>
+      <a:lnRef idx="2">
+        <a:scrgbClr r="0" g="0" b="0"/>
+      </a:lnRef>
+      <a:fillRef idx="1">
+        <a:scrgbClr r="0" g="0" b="0"/>
+      </a:fillRef>
+      <a:effectRef idx="0">
+        <a:scrgbClr r="0" g="0" b="0"/>
+      </a:effectRef>
+      <a:fontRef idx="minor">
+        <a:schemeClr val="lt1"/>
+      </a:fontRef>
+    </dgm:style>
+  </dgm:styleLbl>
+  <dgm:styleLbl name="node4">
+    <dgm:scene3d>
+      <a:camera prst="orthographicFront"/>
+      <a:lightRig rig="threePt" dir="t"/>
+    </dgm:scene3d>
+    <dgm:sp3d/>
+    <dgm:txPr/>
+    <dgm:style>
+      <a:lnRef idx="2">
+        <a:scrgbClr r="0" g="0" b="0"/>
+      </a:lnRef>
+      <a:fillRef idx="1">
+        <a:scrgbClr r="0" g="0" b="0"/>
+      </a:fillRef>
+      <a:effectRef idx="0">
+        <a:scrgbClr r="0" g="0" b="0"/>
+      </a:effectRef>
+      <a:fontRef idx="minor">
+        <a:schemeClr val="lt1"/>
+      </a:fontRef>
+    </dgm:style>
+  </dgm:styleLbl>
+  <dgm:styleLbl name="fgImgPlace1">
+    <dgm:scene3d>
+      <a:camera prst="orthographicFront"/>
+      <a:lightRig rig="threePt" dir="t"/>
+    </dgm:scene3d>
+    <dgm:sp3d/>
+    <dgm:txPr/>
+    <dgm:style>
+      <a:lnRef idx="2">
+        <a:scrgbClr r="0" g="0" b="0"/>
+      </a:lnRef>
+      <a:fillRef idx="1">
+        <a:scrgbClr r="0" g="0" b="0"/>
+      </a:fillRef>
+      <a:effectRef idx="0">
+        <a:scrgbClr r="0" g="0" b="0"/>
+      </a:effectRef>
+      <a:fontRef idx="minor"/>
+    </dgm:style>
+  </dgm:styleLbl>
+  <dgm:styleLbl name="alignImgPlace1">
+    <dgm:scene3d>
+      <a:camera prst="orthographicFront"/>
+      <a:lightRig rig="threePt" dir="t"/>
+    </dgm:scene3d>
+    <dgm:sp3d/>
+    <dgm:txPr/>
+    <dgm:style>
+      <a:lnRef idx="2">
+        <a:scrgbClr r="0" g="0" b="0"/>
+      </a:lnRef>
+      <a:fillRef idx="1">
+        <a:scrgbClr r="0" g="0" b="0"/>
+      </a:fillRef>
+      <a:effectRef idx="0">
+        <a:scrgbClr r="0" g="0" b="0"/>
+      </a:effectRef>
+      <a:fontRef idx="minor"/>
+    </dgm:style>
+  </dgm:styleLbl>
+  <dgm:styleLbl name="bgImgPlace1">
+    <dgm:scene3d>
+      <a:camera prst="orthographicFront"/>
+      <a:lightRig rig="threePt" dir="t"/>
+    </dgm:scene3d>
+    <dgm:sp3d/>
+    <dgm:txPr/>
+    <dgm:style>
+      <a:lnRef idx="2">
+        <a:scrgbClr r="0" g="0" b="0"/>
+      </a:lnRef>
+      <a:fillRef idx="1">
+        <a:scrgbClr r="0" g="0" b="0"/>
+      </a:fillRef>
+      <a:effectRef idx="0">
+        <a:scrgbClr r="0" g="0" b="0"/>
+      </a:effectRef>
+      <a:fontRef idx="minor"/>
+    </dgm:style>
+  </dgm:styleLbl>
+  <dgm:styleLbl name="sibTrans2D1">
+    <dgm:scene3d>
+      <a:camera prst="orthographicFront"/>
+      <a:lightRig rig="threePt" dir="t"/>
+    </dgm:scene3d>
+    <dgm:sp3d/>
+    <dgm:txPr/>
+    <dgm:style>
+      <a:lnRef idx="0">
+        <a:scrgbClr r="0" g="0" b="0"/>
+      </a:lnRef>
+      <a:fillRef idx="1">
+        <a:scrgbClr r="0" g="0" b="0"/>
+      </a:fillRef>
+      <a:effectRef idx="0">
+        <a:scrgbClr r="0" g="0" b="0"/>
+      </a:effectRef>
+      <a:fontRef idx="minor">
+        <a:schemeClr val="lt1"/>
+      </a:fontRef>
+    </dgm:style>
+  </dgm:styleLbl>
+  <dgm:styleLbl name="fgSibTrans2D1">
+    <dgm:scene3d>
+      <a:camera prst="orthographicFront"/>
+      <a:lightRig rig="threePt" dir="t"/>
+    </dgm:scene3d>
+    <dgm:sp3d/>
+    <dgm:txPr/>
+    <dgm:style>
+      <a:lnRef idx="0">
+        <a:scrgbClr r="0" g="0" b="0"/>
+      </a:lnRef>
+      <a:fillRef idx="1">
+        <a:scrgbClr r="0" g="0" b="0"/>
+      </a:fillRef>
+      <a:effectRef idx="0">
+        <a:scrgbClr r="0" g="0" b="0"/>
+      </a:effectRef>
+      <a:fontRef idx="minor">
+        <a:schemeClr val="lt1"/>
+      </a:fontRef>
+    </dgm:style>
+  </dgm:styleLbl>
+  <dgm:styleLbl name="bgSibTrans2D1">
+    <dgm:scene3d>
+      <a:camera prst="orthographicFront"/>
+      <a:lightRig rig="threePt" dir="t"/>
+    </dgm:scene3d>
+    <dgm:sp3d/>
+    <dgm:txPr/>
+    <dgm:style>
+      <a:lnRef idx="0">
+        <a:scrgbClr r="0" g="0" b="0"/>
+      </a:lnRef>
+      <a:fillRef idx="1">
+        <a:scrgbClr r="0" g="0" b="0"/>
+      </a:fillRef>
+      <a:effectRef idx="0">
+        <a:scrgbClr r="0" g="0" b="0"/>
+      </a:effectRef>
+      <a:fontRef idx="minor">
+        <a:schemeClr val="lt1"/>
+      </a:fontRef>
+    </dgm:style>
+  </dgm:styleLbl>
+  <dgm:styleLbl name="sibTrans1D1">
+    <dgm:scene3d>
+      <a:camera prst="orthographicFront"/>
+      <a:lightRig rig="threePt" dir="t"/>
+    </dgm:scene3d>
+    <dgm:sp3d/>
+    <dgm:txPr/>
+    <dgm:style>
+      <a:lnRef idx="1">
+        <a:scrgbClr r="0" g="0" b="0"/>
+      </a:lnRef>
+      <a:fillRef idx="0">
+        <a:scrgbClr r="0" g="0" b="0"/>
+      </a:fillRef>
+      <a:effectRef idx="0">
+        <a:scrgbClr r="0" g="0" b="0"/>
+      </a:effectRef>
+      <a:fontRef idx="minor"/>
+    </dgm:style>
+  </dgm:styleLbl>
+  <dgm:styleLbl name="callout">
+    <dgm:scene3d>
+      <a:camera prst="orthographicFront"/>
+      <a:lightRig rig="threePt" dir="t"/>
+    </dgm:scene3d>
+    <dgm:sp3d/>
+    <dgm:txPr/>
+    <dgm:style>
+      <a:lnRef idx="2">
+        <a:scrgbClr r="0" g="0" b="0"/>
+      </a:lnRef>
+      <a:fillRef idx="1">
+        <a:scrgbClr r="0" g="0" b="0"/>
+      </a:fillRef>
+      <a:effectRef idx="0">
+        <a:scrgbClr r="0" g="0" b="0"/>
+      </a:effectRef>
+      <a:fontRef idx="minor"/>
+    </dgm:style>
+  </dgm:styleLbl>
+  <dgm:styleLbl name="asst0">
+    <dgm:scene3d>
+      <a:camera prst="orthographicFront"/>
+      <a:lightRig rig="threePt" dir="t"/>
+    </dgm:scene3d>
+    <dgm:sp3d/>
+    <dgm:txPr/>
+    <dgm:style>
+      <a:lnRef idx="2">
+        <a:scrgbClr r="0" g="0" b="0"/>
+      </a:lnRef>
+      <a:fillRef idx="1">
+        <a:scrgbClr r="0" g="0" b="0"/>
+      </a:fillRef>
+      <a:effectRef idx="0">
+        <a:scrgbClr r="0" g="0" b="0"/>
+      </a:effectRef>
+      <a:fontRef idx="minor">
+        <a:schemeClr val="lt1"/>
+      </a:fontRef>
+    </dgm:style>
+  </dgm:styleLbl>
+  <dgm:styleLbl name="asst1">
+    <dgm:scene3d>
+      <a:camera prst="orthographicFront"/>
+      <a:lightRig rig="threePt" dir="t"/>
+    </dgm:scene3d>
+    <dgm:sp3d/>
+    <dgm:txPr/>
+    <dgm:style>
+      <a:lnRef idx="2">
+        <a:scrgbClr r="0" g="0" b="0"/>
+      </a:lnRef>
+      <a:fillRef idx="1">
+        <a:scrgbClr r="0" g="0" b="0"/>
+      </a:fillRef>
+      <a:effectRef idx="0">
+        <a:scrgbClr r="0" g="0" b="0"/>
+      </a:effectRef>
+      <a:fontRef idx="minor">
+        <a:schemeClr val="lt1"/>
+      </a:fontRef>
+    </dgm:style>
+  </dgm:styleLbl>
+  <dgm:styleLbl name="asst2">
+    <dgm:scene3d>
+      <a:camera prst="orthographicFront"/>
+      <a:lightRig rig="threePt" dir="t"/>
+    </dgm:scene3d>
+    <dgm:sp3d/>
+    <dgm:txPr/>
+    <dgm:style>
+      <a:lnRef idx="2">
+        <a:scrgbClr r="0" g="0" b="0"/>
+      </a:lnRef>
+      <a:fillRef idx="1">
+        <a:scrgbClr r="0" g="0" b="0"/>
+      </a:fillRef>
+      <a:effectRef idx="0">
+        <a:scrgbClr r="0" g="0" b="0"/>
+      </a:effectRef>
+      <a:fontRef idx="minor">
+        <a:schemeClr val="lt1"/>
+      </a:fontRef>
+    </dgm:style>
+  </dgm:styleLbl>
+  <dgm:styleLbl name="asst3">
+    <dgm:scene3d>
+      <a:camera prst="orthographicFront"/>
+      <a:lightRig rig="threePt" dir="t"/>
+    </dgm:scene3d>
+    <dgm:sp3d/>
+    <dgm:txPr/>
+    <dgm:style>
+      <a:lnRef idx="2">
+        <a:scrgbClr r="0" g="0" b="0"/>
+      </a:lnRef>
+      <a:fillRef idx="1">
+        <a:scrgbClr r="0" g="0" b="0"/>
+      </a:fillRef>
+      <a:effectRef idx="0">
+        <a:scrgbClr r="0" g="0" b="0"/>
+      </a:effectRef>
+      <a:fontRef idx="minor">
+        <a:schemeClr val="lt1"/>
+      </a:fontRef>
+    </dgm:style>
+  </dgm:styleLbl>
+  <dgm:styleLbl name="asst4">
+    <dgm:scene3d>
+      <a:camera prst="orthographicFront"/>
+      <a:lightRig rig="threePt" dir="t"/>
+    </dgm:scene3d>
+    <dgm:sp3d/>
+    <dgm:txPr/>
+    <dgm:style>
+      <a:lnRef idx="2">
+        <a:scrgbClr r="0" g="0" b="0"/>
+      </a:lnRef>
+      <a:fillRef idx="1">
+        <a:scrgbClr r="0" g="0" b="0"/>
+      </a:fillRef>
+      <a:effectRef idx="0">
+        <a:scrgbClr r="0" g="0" b="0"/>
+      </a:effectRef>
+      <a:fontRef idx="minor">
+        <a:schemeClr val="lt1"/>
+      </a:fontRef>
+    </dgm:style>
+  </dgm:styleLbl>
+  <dgm:styleLbl name="parChTrans2D1">
+    <dgm:scene3d>
+      <a:camera prst="orthographicFront"/>
+      <a:lightRig rig="threePt" dir="t"/>
+    </dgm:scene3d>
+    <dgm:sp3d/>
+    <dgm:txPr/>
+    <dgm:style>
+      <a:lnRef idx="2">
+        <a:scrgbClr r="0" g="0" b="0"/>
+      </a:lnRef>
+      <a:fillRef idx="1">
+        <a:scrgbClr r="0" g="0" b="0"/>
+      </a:fillRef>
+      <a:effectRef idx="0">
+        <a:scrgbClr r="0" g="0" b="0"/>
+      </a:effectRef>
+      <a:fontRef idx="minor">
+        <a:schemeClr val="lt1"/>
+      </a:fontRef>
+    </dgm:style>
+  </dgm:styleLbl>
+  <dgm:styleLbl name="parChTrans2D2">
+    <dgm:scene3d>
+      <a:camera prst="orthographicFront"/>
+      <a:lightRig rig="threePt" dir="t"/>
+    </dgm:scene3d>
+    <dgm:sp3d/>
+    <dgm:txPr/>
+    <dgm:style>
+      <a:lnRef idx="2">
+        <a:scrgbClr r="0" g="0" b="0"/>
+      </a:lnRef>
+      <a:fillRef idx="1">
+        <a:scrgbClr r="0" g="0" b="0"/>
+      </a:fillRef>
+      <a:effectRef idx="0">
+        <a:scrgbClr r="0" g="0" b="0"/>
+      </a:effectRef>
+      <a:fontRef idx="minor">
+        <a:schemeClr val="lt1"/>
+      </a:fontRef>
+    </dgm:style>
+  </dgm:styleLbl>
+  <dgm:styleLbl name="parChTrans2D3">
+    <dgm:scene3d>
+      <a:camera prst="orthographicFront"/>
+      <a:lightRig rig="threePt" dir="t"/>
+    </dgm:scene3d>
+    <dgm:sp3d/>
+    <dgm:txPr/>
+    <dgm:style>
+      <a:lnRef idx="2">
+        <a:scrgbClr r="0" g="0" b="0"/>
+      </a:lnRef>
+      <a:fillRef idx="1">
+        <a:scrgbClr r="0" g="0" b="0"/>
+      </a:fillRef>
+      <a:effectRef idx="0">
+        <a:scrgbClr r="0" g="0" b="0"/>
+      </a:effectRef>
+      <a:fontRef idx="minor">
+        <a:schemeClr val="lt1"/>
+      </a:fontRef>
+    </dgm:style>
+  </dgm:styleLbl>
+  <dgm:styleLbl name="parChTrans2D4">
+    <dgm:scene3d>
+      <a:camera prst="orthographicFront"/>
+      <a:lightRig rig="threePt" dir="t"/>
+    </dgm:scene3d>
+    <dgm:sp3d/>
+    <dgm:txPr/>
+    <dgm:style>
+      <a:lnRef idx="2">
+        <a:scrgbClr r="0" g="0" b="0"/>
+      </a:lnRef>
+      <a:fillRef idx="1">
+        <a:scrgbClr r="0" g="0" b="0"/>
+      </a:fillRef>
+      <a:effectRef idx="0">
+        <a:scrgbClr r="0" g="0" b="0"/>
+      </a:effectRef>
+      <a:fontRef idx="minor">
+        <a:schemeClr val="lt1"/>
+      </a:fontRef>
+    </dgm:style>
+  </dgm:styleLbl>
+  <dgm:styleLbl name="parChTrans1D1">
+    <dgm:scene3d>
+      <a:camera prst="orthographicFront"/>
+      <a:lightRig rig="threePt" dir="t"/>
+    </dgm:scene3d>
+    <dgm:sp3d/>
+    <dgm:txPr/>
+    <dgm:style>
+      <a:lnRef idx="2">
+        <a:scrgbClr r="0" g="0" b="0"/>
+      </a:lnRef>
+      <a:fillRef idx="0">
+        <a:scrgbClr r="0" g="0" b="0"/>
+      </a:fillRef>
+      <a:effectRef idx="0">
+        <a:scrgbClr r="0" g="0" b="0"/>
+      </a:effectRef>
+      <a:fontRef idx="minor"/>
+    </dgm:style>
+  </dgm:styleLbl>
+  <dgm:styleLbl name="parChTrans1D2">
+    <dgm:scene3d>
+      <a:camera prst="orthographicFront"/>
+      <a:lightRig rig="threePt" dir="t"/>
+    </dgm:scene3d>
+    <dgm:sp3d/>
+    <dgm:txPr/>
+    <dgm:style>
+      <a:lnRef idx="2">
+        <a:scrgbClr r="0" g="0" b="0"/>
+      </a:lnRef>
+      <a:fillRef idx="0">
+        <a:scrgbClr r="0" g="0" b="0"/>
+      </a:fillRef>
+      <a:effectRef idx="0">
+        <a:scrgbClr r="0" g="0" b="0"/>
+      </a:effectRef>
+      <a:fontRef idx="minor"/>
+    </dgm:style>
+  </dgm:styleLbl>
+  <dgm:styleLbl name="parChTrans1D3">
+    <dgm:scene3d>
+      <a:camera prst="orthographicFront"/>
+      <a:lightRig rig="threePt" dir="t"/>
+    </dgm:scene3d>
+    <dgm:sp3d/>
+    <dgm:txPr/>
+    <dgm:style>
+      <a:lnRef idx="2">
+        <a:scrgbClr r="0" g="0" b="0"/>
+      </a:lnRef>
+      <a:fillRef idx="0">
+        <a:scrgbClr r="0" g="0" b="0"/>
+      </a:fillRef>
+      <a:effectRef idx="0">
+        <a:scrgbClr r="0" g="0" b="0"/>
+      </a:effectRef>
+      <a:fontRef idx="minor"/>
+    </dgm:style>
+  </dgm:styleLbl>
+  <dgm:styleLbl name="parChTrans1D4">
+    <dgm:scene3d>
+      <a:camera prst="orthographicFront"/>
+      <a:lightRig rig="threePt" dir="t"/>
+    </dgm:scene3d>
+    <dgm:sp3d/>
+    <dgm:txPr/>
+    <dgm:style>
+      <a:lnRef idx="2">
+        <a:scrgbClr r="0" g="0" b="0"/>
+      </a:lnRef>
+      <a:fillRef idx="0">
+        <a:scrgbClr r="0" g="0" b="0"/>
+      </a:fillRef>
+      <a:effectRef idx="0">
+        <a:scrgbClr r="0" g="0" b="0"/>
+      </a:effectRef>
+      <a:fontRef idx="minor"/>
+    </dgm:style>
+  </dgm:styleLbl>
+  <dgm:styleLbl name="fgAcc1">
+    <dgm:scene3d>
+      <a:camera prst="orthographicFront"/>
+      <a:lightRig rig="threePt" dir="t"/>
+    </dgm:scene3d>
+    <dgm:sp3d/>
+    <dgm:txPr/>
+    <dgm:style>
+      <a:lnRef idx="2">
+        <a:scrgbClr r="0" g="0" b="0"/>
+      </a:lnRef>
+      <a:fillRef idx="1">
+        <a:scrgbClr r="0" g="0" b="0"/>
+      </a:fillRef>
+      <a:effectRef idx="0">
+        <a:scrgbClr r="0" g="0" b="0"/>
+      </a:effectRef>
+      <a:fontRef idx="minor"/>
+    </dgm:style>
+  </dgm:styleLbl>
+  <dgm:styleLbl name="conFgAcc1">
+    <dgm:scene3d>
+      <a:camera prst="orthographicFront"/>
+      <a:lightRig rig="threePt" dir="t"/>
+    </dgm:scene3d>
+    <dgm:sp3d/>
+    <dgm:txPr/>
+    <dgm:style>
+      <a:lnRef idx="2">
+        <a:scrgbClr r="0" g="0" b="0"/>
+      </a:lnRef>
+      <a:fillRef idx="1">
+        <a:scrgbClr r="0" g="0" b="0"/>
+      </a:fillRef>
+      <a:effectRef idx="0">
+        <a:scrgbClr r="0" g="0" b="0"/>
+      </a:effectRef>
+      <a:fontRef idx="minor"/>
+    </dgm:style>
+  </dgm:styleLbl>
+  <dgm:styleLbl name="alignAcc1">
+    <dgm:scene3d>
+      <a:camera prst="orthographicFront"/>
+      <a:lightRig rig="threePt" dir="t"/>
+    </dgm:scene3d>
+    <dgm:sp3d/>
+    <dgm:txPr/>
+    <dgm:style>
+      <a:lnRef idx="2">
+        <a:scrgbClr r="0" g="0" b="0"/>
+      </a:lnRef>
+      <a:fillRef idx="1">
+        <a:scrgbClr r="0" g="0" b="0"/>
+      </a:fillRef>
+      <a:effectRef idx="0">
+        <a:scrgbClr r="0" g="0" b="0"/>
+      </a:effectRef>
+      <a:fontRef idx="minor"/>
+    </dgm:style>
+  </dgm:styleLbl>
+  <dgm:styleLbl name="trAlignAcc1">
+    <dgm:scene3d>
+      <a:camera prst="orthographicFront"/>
+      <a:lightRig rig="threePt" dir="t"/>
+    </dgm:scene3d>
+    <dgm:sp3d/>
+    <dgm:txPr/>
+    <dgm:style>
+      <a:lnRef idx="1">
+        <a:scrgbClr r="0" g="0" b="0"/>
+      </a:lnRef>
+      <a:fillRef idx="1">
+        <a:scrgbClr r="0" g="0" b="0"/>
+      </a:fillRef>
+      <a:effectRef idx="0">
+        <a:scrgbClr r="0" g="0" b="0"/>
+      </a:effectRef>
+      <a:fontRef idx="minor"/>
+    </dgm:style>
+  </dgm:styleLbl>
+  <dgm:styleLbl name="bgAcc1">
+    <dgm:scene3d>
+      <a:camera prst="orthographicFront"/>
+      <a:lightRig rig="threePt" dir="t"/>
+    </dgm:scene3d>
+    <dgm:sp3d/>
+    <dgm:txPr/>
+    <dgm:style>
+      <a:lnRef idx="2">
+        <a:scrgbClr r="0" g="0" b="0"/>
+      </a:lnRef>
+      <a:fillRef idx="1">
+        <a:scrgbClr r="0" g="0" b="0"/>
+      </a:fillRef>
+      <a:effectRef idx="0">
+        <a:scrgbClr r="0" g="0" b="0"/>
+      </a:effectRef>
+      <a:fontRef idx="minor"/>
+    </dgm:style>
+  </dgm:styleLbl>
+  <dgm:styleLbl name="solidFgAcc1">
+    <dgm:scene3d>
+      <a:camera prst="orthographicFront"/>
+      <a:lightRig rig="threePt" dir="t"/>
+    </dgm:scene3d>
+    <dgm:sp3d/>
+    <dgm:txPr/>
+    <dgm:style>
+      <a:lnRef idx="2">
+        <a:scrgbClr r="0" g="0" b="0"/>
+      </a:lnRef>
+      <a:fillRef idx="1">
+        <a:scrgbClr r="0" g="0" b="0"/>
+      </a:fillRef>
+      <a:effectRef idx="0">
+        <a:scrgbClr r="0" g="0" b="0"/>
+      </a:effectRef>
+      <a:fontRef idx="minor"/>
+    </dgm:style>
+  </dgm:styleLbl>
+  <dgm:styleLbl name="solidAlignAcc1">
+    <dgm:scene3d>
+      <a:camera prst="orthographicFront"/>
+      <a:lightRig rig="threePt" dir="t"/>
+    </dgm:scene3d>
+    <dgm:sp3d/>
+    <dgm:txPr/>
+    <dgm:style>
+      <a:lnRef idx="2">
+        <a:scrgbClr r="0" g="0" b="0"/>
+      </a:lnRef>
+      <a:fillRef idx="1">
+        <a:scrgbClr r="0" g="0" b="0"/>
+      </a:fillRef>
+      <a:effectRef idx="0">
+        <a:scrgbClr r="0" g="0" b="0"/>
+      </a:effectRef>
+      <a:fontRef idx="minor"/>
+    </dgm:style>
+  </dgm:styleLbl>
+  <dgm:styleLbl name="solidBgAcc1">
+    <dgm:scene3d>
+      <a:camera prst="orthographicFront"/>
+      <a:lightRig rig="threePt" dir="t"/>
+    </dgm:scene3d>
+    <dgm:sp3d/>
+    <dgm:txPr/>
+    <dgm:style>
+      <a:lnRef idx="2">
+        <a:scrgbClr r="0" g="0" b="0"/>
+      </a:lnRef>
+      <a:fillRef idx="1">
+        <a:scrgbClr r="0" g="0" b="0"/>
+      </a:fillRef>
+      <a:effectRef idx="0">
+        <a:scrgbClr r="0" g="0" b="0"/>
+      </a:effectRef>
+      <a:fontRef idx="minor"/>
+    </dgm:style>
+  </dgm:styleLbl>
+  <dgm:styleLbl name="fgAccFollowNode1">
+    <dgm:scene3d>
+      <a:camera prst="orthographicFront"/>
+      <a:lightRig rig="threePt" dir="t"/>
+    </dgm:scene3d>
+    <dgm:sp3d/>
+    <dgm:txPr/>
+    <dgm:style>
+      <a:lnRef idx="2">
+        <a:scrgbClr r="0" g="0" b="0"/>
+      </a:lnRef>
+      <a:fillRef idx="1">
+        <a:scrgbClr r="0" g="0" b="0"/>
+      </a:fillRef>
+      <a:effectRef idx="0">
+        <a:scrgbClr r="0" g="0" b="0"/>
+      </a:effectRef>
+      <a:fontRef idx="minor"/>
+    </dgm:style>
+  </dgm:styleLbl>
+  <dgm:styleLbl name="alignAccFollowNode1">
+    <dgm:scene3d>
+      <a:camera prst="orthographicFront"/>
+      <a:lightRig rig="threePt" dir="t"/>
+    </dgm:scene3d>
+    <dgm:sp3d/>
+    <dgm:txPr/>
+    <dgm:style>
+      <a:lnRef idx="2">
+        <a:scrgbClr r="0" g="0" b="0"/>
+      </a:lnRef>
+      <a:fillRef idx="1">
+        <a:scrgbClr r="0" g="0" b="0"/>
+      </a:fillRef>
+      <a:effectRef idx="0">
+        <a:scrgbClr r="0" g="0" b="0"/>
+      </a:effectRef>
+      <a:fontRef idx="minor"/>
+    </dgm:style>
+  </dgm:styleLbl>
+  <dgm:styleLbl name="bgAccFollowNode1">
+    <dgm:scene3d>
+      <a:camera prst="orthographicFront"/>
+      <a:lightRig rig="threePt" dir="t"/>
+    </dgm:scene3d>
+    <dgm:sp3d/>
+    <dgm:txPr/>
+    <dgm:style>
+      <a:lnRef idx="2">
+        <a:scrgbClr r="0" g="0" b="0"/>
+      </a:lnRef>
+      <a:fillRef idx="1">
+        <a:scrgbClr r="0" g="0" b="0"/>
+      </a:fillRef>
+      <a:effectRef idx="0">
+        <a:scrgbClr r="0" g="0" b="0"/>
+      </a:effectRef>
+      <a:fontRef idx="minor"/>
+    </dgm:style>
+  </dgm:styleLbl>
+  <dgm:styleLbl name="fgAcc0">
+    <dgm:scene3d>
+      <a:camera prst="orthographicFront"/>
+      <a:lightRig rig="threePt" dir="t"/>
+    </dgm:scene3d>
+    <dgm:sp3d/>
+    <dgm:txPr/>
+    <dgm:style>
+      <a:lnRef idx="2">
+        <a:scrgbClr r="0" g="0" b="0"/>
+      </a:lnRef>
+      <a:fillRef idx="1">
+        <a:scrgbClr r="0" g="0" b="0"/>
+      </a:fillRef>
+      <a:effectRef idx="0">
+        <a:scrgbClr r="0" g="0" b="0"/>
+      </a:effectRef>
+      <a:fontRef idx="minor"/>
+    </dgm:style>
+  </dgm:styleLbl>
+  <dgm:styleLbl name="fgAcc2">
+    <dgm:scene3d>
+      <a:camera prst="orthographicFront"/>
+      <a:lightRig rig="threePt" dir="t"/>
+    </dgm:scene3d>
+    <dgm:sp3d/>
+    <dgm:txPr/>
+    <dgm:style>
+      <a:lnRef idx="2">
+        <a:scrgbClr r="0" g="0" b="0"/>
+      </a:lnRef>
+      <a:fillRef idx="1">
+        <a:scrgbClr r="0" g="0" b="0"/>
+      </a:fillRef>
+      <a:effectRef idx="0">
+        <a:scrgbClr r="0" g="0" b="0"/>
+      </a:effectRef>
+      <a:fontRef idx="minor"/>
+    </dgm:style>
+  </dgm:styleLbl>
+  <dgm:styleLbl name="fgAcc3">
+    <dgm:scene3d>
+      <a:camera prst="orthographicFront"/>
+      <a:lightRig rig="threePt" dir="t"/>
+    </dgm:scene3d>
+    <dgm:sp3d/>
+    <dgm:txPr/>
+    <dgm:style>
+      <a:lnRef idx="2">
+        <a:scrgbClr r="0" g="0" b="0"/>
+      </a:lnRef>
+      <a:fillRef idx="1">
+        <a:scrgbClr r="0" g="0" b="0"/>
+      </a:fillRef>
+      <a:effectRef idx="0">
+        <a:scrgbClr r="0" g="0" b="0"/>
+      </a:effectRef>
+      <a:fontRef idx="minor"/>
+    </dgm:style>
+  </dgm:styleLbl>
+  <dgm:styleLbl name="fgAcc4">
+    <dgm:scene3d>
+      <a:camera prst="orthographicFront"/>
+      <a:lightRig rig="threePt" dir="t"/>
+    </dgm:scene3d>
+    <dgm:sp3d/>
+    <dgm:txPr/>
+    <dgm:style>
+      <a:lnRef idx="2">
+        <a:scrgbClr r="0" g="0" b="0"/>
+      </a:lnRef>
+      <a:fillRef idx="1">
+        <a:scrgbClr r="0" g="0" b="0"/>
+      </a:fillRef>
+      <a:effectRef idx="0">
+        <a:scrgbClr r="0" g="0" b="0"/>
+      </a:effectRef>
+      <a:fontRef idx="minor"/>
+    </dgm:style>
+  </dgm:styleLbl>
+  <dgm:styleLbl name="bgShp">
+    <dgm:scene3d>
+      <a:camera prst="orthographicFront"/>
+      <a:lightRig rig="threePt" dir="t"/>
+    </dgm:scene3d>
+    <dgm:sp3d/>
+    <dgm:txPr/>
+    <dgm:style>
+      <a:lnRef idx="0">
+        <a:scrgbClr r="0" g="0" b="0"/>
+      </a:lnRef>
+      <a:fillRef idx="1">
+        <a:scrgbClr r="0" g="0" b="0"/>
+      </a:fillRef>
+      <a:effectRef idx="0">
+        <a:scrgbClr r="0" g="0" b="0"/>
+      </a:effectRef>
+      <a:fontRef idx="minor"/>
+    </dgm:style>
+  </dgm:styleLbl>
+  <dgm:styleLbl name="dkBgShp">
+    <dgm:scene3d>
+      <a:camera prst="orthographicFront"/>
+      <a:lightRig rig="threePt" dir="t"/>
+    </dgm:scene3d>
+    <dgm:sp3d/>
+    <dgm:txPr/>
+    <dgm:style>
+      <a:lnRef idx="0">
+        <a:scrgbClr r="0" g="0" b="0"/>
+      </a:lnRef>
+      <a:fillRef idx="1">
+        <a:scrgbClr r="0" g="0" b="0"/>
+      </a:fillRef>
+      <a:effectRef idx="0">
+        <a:scrgbClr r="0" g="0" b="0"/>
+      </a:effectRef>
+      <a:fontRef idx="minor"/>
+    </dgm:style>
+  </dgm:styleLbl>
+  <dgm:styleLbl name="trBgShp">
+    <dgm:scene3d>
+      <a:camera prst="orthographicFront"/>
+      <a:lightRig rig="threePt" dir="t"/>
+    </dgm:scene3d>
+    <dgm:sp3d/>
+    <dgm:txPr/>
+    <dgm:style>
+      <a:lnRef idx="0">
+        <a:scrgbClr r="0" g="0" b="0"/>
+      </a:lnRef>
+      <a:fillRef idx="1">
+        <a:scrgbClr r="0" g="0" b="0"/>
+      </a:fillRef>
+      <a:effectRef idx="0">
+        <a:scrgbClr r="0" g="0" b="0"/>
+      </a:effectRef>
+      <a:fontRef idx="minor"/>
+    </dgm:style>
+  </dgm:styleLbl>
+  <dgm:styleLbl name="fgShp">
+    <dgm:scene3d>
+      <a:camera prst="orthographicFront"/>
+      <a:lightRig rig="threePt" dir="t"/>
+    </dgm:scene3d>
+    <dgm:sp3d/>
+    <dgm:txPr/>
+    <dgm:style>
+      <a:lnRef idx="2">
+        <a:scrgbClr r="0" g="0" b="0"/>
+      </a:lnRef>
+      <a:fillRef idx="1">
+        <a:scrgbClr r="0" g="0" b="0"/>
+      </a:fillRef>
+      <a:effectRef idx="0">
+        <a:scrgbClr r="0" g="0" b="0"/>
+      </a:effectRef>
+      <a:fontRef idx="minor"/>
+    </dgm:style>
+  </dgm:styleLbl>
+  <dgm:styleLbl name="revTx">
+    <dgm:scene3d>
+      <a:camera prst="orthographicFront"/>
+      <a:lightRig rig="threePt" dir="t"/>
+    </dgm:scene3d>
+    <dgm:sp3d/>
+    <dgm:txPr/>
+    <dgm:style>
+      <a:lnRef idx="0">
+        <a:scrgbClr r="0" g="0" b="0"/>
+      </a:lnRef>
+      <a:fillRef idx="0">
+        <a:scrgbClr r="0" g="0" b="0"/>
+      </a:fillRef>
+      <a:effectRef idx="0">
+        <a:scrgbClr r="0" g="0" b="0"/>
+      </a:effectRef>
+      <a:fontRef idx="minor"/>
+    </dgm:style>
+  </dgm:styleLbl>
+</dgm:styleDef>
+</file>
+
+<file path=ppt/diagrams/quickStyle4.xml><?xml version="1.0" encoding="utf-8"?>
 <dgm:styleDef xmlns:dgm="http://schemas.openxmlformats.org/drawingml/2006/diagram" xmlns:a="http://schemas.openxmlformats.org/drawingml/2006/main" uniqueId="urn:microsoft.com/office/officeart/2005/8/quickstyle/simple1">
   <dgm:title val=""/>
   <dgm:desc val=""/>
@@ -13848,7 +18382,7 @@
           <a:p>
             <a:fld id="{67702A17-7AE3-4B44-889C-4D77A0FC7177}" type="datetime1">
               <a:rPr lang="de-DE" smtClean="0"/>
-              <a:t>20.12.2022</a:t>
+              <a:t>16.01.2023</a:t>
             </a:fld>
             <a:endParaRPr lang="de-DE" dirty="0"/>
           </a:p>
@@ -14028,7 +18562,7 @@
             <a:fld id="{82650ACC-C7DD-445E-BC27-71FC31906D7B}" type="datetime1">
               <a:rPr lang="de-DE" smtClean="0"/>
               <a:pPr/>
-              <a:t>20.12.2022</a:t>
+              <a:t>16.01.2023</a:t>
             </a:fld>
             <a:endParaRPr lang="de-DE" dirty="0"/>
           </a:p>
@@ -14724,6 +19258,91 @@
 </p:notes>
 </file>
 
+<file path=ppt/notesSlides/notesSlide6.xml><?xml version="1.0" encoding="utf-8"?>
+<p:notes xmlns:a="http://schemas.openxmlformats.org/drawingml/2006/main" xmlns:r="http://schemas.openxmlformats.org/officeDocument/2006/relationships" xmlns:p="http://schemas.openxmlformats.org/presentationml/2006/main">
+  <p:cSld>
+    <p:spTree>
+      <p:nvGrpSpPr>
+        <p:cNvPr id="1" name=""/>
+        <p:cNvGrpSpPr/>
+        <p:nvPr/>
+      </p:nvGrpSpPr>
+      <p:grpSpPr>
+        <a:xfrm>
+          <a:off x="0" y="0"/>
+          <a:ext cx="0" cy="0"/>
+          <a:chOff x="0" y="0"/>
+          <a:chExt cx="0" cy="0"/>
+        </a:xfrm>
+      </p:grpSpPr>
+      <p:sp>
+        <p:nvSpPr>
+          <p:cNvPr id="2" name="Folienbildplatzhalter 1"/>
+          <p:cNvSpPr>
+            <a:spLocks noGrp="1" noRot="1" noChangeAspect="1"/>
+          </p:cNvSpPr>
+          <p:nvPr>
+            <p:ph type="sldImg"/>
+          </p:nvPr>
+        </p:nvSpPr>
+        <p:spPr/>
+      </p:sp>
+      <p:sp>
+        <p:nvSpPr>
+          <p:cNvPr id="3" name="Notizenplatzhalter 2"/>
+          <p:cNvSpPr>
+            <a:spLocks noGrp="1"/>
+          </p:cNvSpPr>
+          <p:nvPr>
+            <p:ph type="body" idx="1"/>
+          </p:nvPr>
+        </p:nvSpPr>
+        <p:spPr/>
+        <p:txBody>
+          <a:bodyPr/>
+          <a:lstStyle/>
+          <a:p>
+            <a:endParaRPr lang="de-DE"/>
+          </a:p>
+        </p:txBody>
+      </p:sp>
+      <p:sp>
+        <p:nvSpPr>
+          <p:cNvPr id="4" name="Foliennummernplatzhalter 3"/>
+          <p:cNvSpPr>
+            <a:spLocks noGrp="1"/>
+          </p:cNvSpPr>
+          <p:nvPr>
+            <p:ph type="sldNum" sz="quarter" idx="5"/>
+          </p:nvPr>
+        </p:nvSpPr>
+        <p:spPr/>
+        <p:txBody>
+          <a:bodyPr/>
+          <a:lstStyle/>
+          <a:p>
+            <a:pPr rtl="0"/>
+            <a:fld id="{D5939589-3E79-4C82-AA4A-FE78234FAA59}" type="slidenum">
+              <a:rPr lang="de-DE" smtClean="0"/>
+              <a:t>13</a:t>
+            </a:fld>
+            <a:endParaRPr lang="de-DE"/>
+          </a:p>
+        </p:txBody>
+      </p:sp>
+    </p:spTree>
+    <p:extLst>
+      <p:ext uri="{BB962C8B-B14F-4D97-AF65-F5344CB8AC3E}">
+        <p14:creationId xmlns:p14="http://schemas.microsoft.com/office/powerpoint/2010/main" val="4037921092"/>
+      </p:ext>
+    </p:extLst>
+  </p:cSld>
+  <p:clrMapOvr>
+    <a:masterClrMapping/>
+  </p:clrMapOvr>
+</p:notes>
+</file>
+
 <file path=ppt/slideLayouts/slideLayout1.xml><?xml version="1.0" encoding="utf-8"?>
 <p:sldLayout xmlns:a="http://schemas.openxmlformats.org/drawingml/2006/main" xmlns:r="http://schemas.openxmlformats.org/officeDocument/2006/relationships" xmlns:p="http://schemas.openxmlformats.org/presentationml/2006/main" type="title" preserve="1">
   <p:cSld name="Titelfolie">
@@ -25735,6 +30354,1111 @@
     <p:extLst>
       <p:ext uri="{BB962C8B-B14F-4D97-AF65-F5344CB8AC3E}">
         <p14:creationId xmlns:p14="http://schemas.microsoft.com/office/powerpoint/2010/main" val="2525616202"/>
+      </p:ext>
+    </p:extLst>
+  </p:cSld>
+  <p:clrMapOvr>
+    <a:masterClrMapping/>
+  </p:clrMapOvr>
+</p:sld>
+</file>
+
+<file path=ppt/slides/slide11.xml><?xml version="1.0" encoding="utf-8"?>
+<p:sld xmlns:a="http://schemas.openxmlformats.org/drawingml/2006/main" xmlns:r="http://schemas.openxmlformats.org/officeDocument/2006/relationships" xmlns:p="http://schemas.openxmlformats.org/presentationml/2006/main">
+  <p:cSld>
+    <p:spTree>
+      <p:nvGrpSpPr>
+        <p:cNvPr id="1" name=""/>
+        <p:cNvGrpSpPr/>
+        <p:nvPr/>
+      </p:nvGrpSpPr>
+      <p:grpSpPr>
+        <a:xfrm>
+          <a:off x="0" y="0"/>
+          <a:ext cx="0" cy="0"/>
+          <a:chOff x="0" y="0"/>
+          <a:chExt cx="0" cy="0"/>
+        </a:xfrm>
+      </p:grpSpPr>
+      <p:sp>
+        <p:nvSpPr>
+          <p:cNvPr id="2" name="Titel 1">
+            <a:extLst>
+              <a:ext uri="{FF2B5EF4-FFF2-40B4-BE49-F238E27FC236}">
+                <a16:creationId xmlns:a16="http://schemas.microsoft.com/office/drawing/2014/main" id="{6486B241-B0F4-3C41-A754-3621162A5DF3}"/>
+              </a:ext>
+            </a:extLst>
+          </p:cNvPr>
+          <p:cNvSpPr>
+            <a:spLocks noGrp="1"/>
+          </p:cNvSpPr>
+          <p:nvPr>
+            <p:ph type="title"/>
+          </p:nvPr>
+        </p:nvSpPr>
+        <p:spPr/>
+        <p:txBody>
+          <a:bodyPr>
+            <a:normAutofit/>
+          </a:bodyPr>
+          <a:lstStyle/>
+          <a:p>
+            <a:r>
+              <a:rPr lang="de-DE" dirty="0"/>
+              <a:t>Meeting </a:t>
+            </a:r>
+            <a:r>
+              <a:rPr lang="de-DE" dirty="0" err="1"/>
+              <a:t>No</a:t>
+            </a:r>
+            <a:r>
+              <a:rPr lang="de-DE" dirty="0"/>
+              <a:t>. 03 17.01.23</a:t>
+            </a:r>
+          </a:p>
+        </p:txBody>
+      </p:sp>
+      <p:sp>
+        <p:nvSpPr>
+          <p:cNvPr id="3" name="Inhaltsplatzhalter 2">
+            <a:extLst>
+              <a:ext uri="{FF2B5EF4-FFF2-40B4-BE49-F238E27FC236}">
+                <a16:creationId xmlns:a16="http://schemas.microsoft.com/office/drawing/2014/main" id="{8104E86C-6562-3D59-6B1F-1109F282E63C}"/>
+              </a:ext>
+            </a:extLst>
+          </p:cNvPr>
+          <p:cNvSpPr>
+            <a:spLocks noGrp="1"/>
+          </p:cNvSpPr>
+          <p:nvPr>
+            <p:ph idx="1"/>
+          </p:nvPr>
+        </p:nvSpPr>
+        <p:spPr/>
+        <p:txBody>
+          <a:bodyPr/>
+          <a:lstStyle/>
+          <a:p>
+            <a:endParaRPr lang="de-DE" dirty="0"/>
+          </a:p>
+          <a:p>
+            <a:endParaRPr lang="de-DE" dirty="0"/>
+          </a:p>
+        </p:txBody>
+      </p:sp>
+      <p:sp>
+        <p:nvSpPr>
+          <p:cNvPr id="4" name="Foliennummernplatzhalter 3">
+            <a:extLst>
+              <a:ext uri="{FF2B5EF4-FFF2-40B4-BE49-F238E27FC236}">
+                <a16:creationId xmlns:a16="http://schemas.microsoft.com/office/drawing/2014/main" id="{112574EA-713E-A19F-F991-1F9FF7E43A83}"/>
+              </a:ext>
+            </a:extLst>
+          </p:cNvPr>
+          <p:cNvSpPr>
+            <a:spLocks noGrp="1"/>
+          </p:cNvSpPr>
+          <p:nvPr>
+            <p:ph type="sldNum" sz="quarter" idx="12"/>
+          </p:nvPr>
+        </p:nvSpPr>
+        <p:spPr/>
+        <p:txBody>
+          <a:bodyPr/>
+          <a:lstStyle/>
+          <a:p>
+            <a:pPr rtl="0"/>
+            <a:fld id="{D8DA9DAA-006C-4F4B-980E-E3DF019B24E2}" type="slidenum">
+              <a:rPr lang="de-DE" noProof="0" smtClean="0"/>
+              <a:t>11</a:t>
+            </a:fld>
+            <a:endParaRPr lang="de-DE" noProof="0"/>
+          </a:p>
+        </p:txBody>
+      </p:sp>
+      <p:sp>
+        <p:nvSpPr>
+          <p:cNvPr id="5" name="Inhaltsplatzhalter 2">
+            <a:extLst>
+              <a:ext uri="{FF2B5EF4-FFF2-40B4-BE49-F238E27FC236}">
+                <a16:creationId xmlns:a16="http://schemas.microsoft.com/office/drawing/2014/main" id="{A4760D2C-3B03-E7F3-E9BC-3DBCD16C5035}"/>
+              </a:ext>
+            </a:extLst>
+          </p:cNvPr>
+          <p:cNvSpPr txBox="1">
+            <a:spLocks/>
+          </p:cNvSpPr>
+          <p:nvPr/>
+        </p:nvSpPr>
+        <p:spPr>
+          <a:xfrm>
+            <a:off x="990600" y="1978025"/>
+            <a:ext cx="10515600" cy="4351338"/>
+          </a:xfrm>
+          <a:prstGeom prst="rect">
+            <a:avLst/>
+          </a:prstGeom>
+        </p:spPr>
+        <p:txBody>
+          <a:bodyPr vert="horz" lIns="91440" tIns="45720" rIns="91440" bIns="45720" rtlCol="0">
+            <a:normAutofit/>
+          </a:bodyPr>
+          <a:lstStyle>
+            <a:lvl1pPr marL="228600" indent="-228600" algn="l" defTabSz="914400" rtl="0" eaLnBrk="1" latinLnBrk="0" hangingPunct="1">
+              <a:lnSpc>
+                <a:spcPct val="90000"/>
+              </a:lnSpc>
+              <a:spcBef>
+                <a:spcPts val="1000"/>
+              </a:spcBef>
+              <a:buFont typeface="Arial" panose="020B0604020202020204" pitchFamily="34" charset="0"/>
+              <a:buChar char="•"/>
+              <a:defRPr sz="2800" kern="1200">
+                <a:solidFill>
+                  <a:schemeClr val="tx1"/>
+                </a:solidFill>
+                <a:latin typeface="+mn-lt"/>
+                <a:ea typeface="+mn-ea"/>
+                <a:cs typeface="+mn-cs"/>
+              </a:defRPr>
+            </a:lvl1pPr>
+            <a:lvl2pPr marL="685800" indent="-228600" algn="l" defTabSz="914400" rtl="0" eaLnBrk="1" latinLnBrk="0" hangingPunct="1">
+              <a:lnSpc>
+                <a:spcPct val="90000"/>
+              </a:lnSpc>
+              <a:spcBef>
+                <a:spcPts val="500"/>
+              </a:spcBef>
+              <a:buFont typeface="Arial" panose="020B0604020202020204" pitchFamily="34" charset="0"/>
+              <a:buChar char="•"/>
+              <a:defRPr sz="2400" kern="1200">
+                <a:solidFill>
+                  <a:schemeClr val="tx1"/>
+                </a:solidFill>
+                <a:latin typeface="+mn-lt"/>
+                <a:ea typeface="+mn-ea"/>
+                <a:cs typeface="+mn-cs"/>
+              </a:defRPr>
+            </a:lvl2pPr>
+            <a:lvl3pPr marL="1143000" indent="-228600" algn="l" defTabSz="914400" rtl="0" eaLnBrk="1" latinLnBrk="0" hangingPunct="1">
+              <a:lnSpc>
+                <a:spcPct val="90000"/>
+              </a:lnSpc>
+              <a:spcBef>
+                <a:spcPts val="500"/>
+              </a:spcBef>
+              <a:buFont typeface="Arial" panose="020B0604020202020204" pitchFamily="34" charset="0"/>
+              <a:buChar char="•"/>
+              <a:defRPr sz="2000" kern="1200">
+                <a:solidFill>
+                  <a:schemeClr val="tx1"/>
+                </a:solidFill>
+                <a:latin typeface="+mn-lt"/>
+                <a:ea typeface="+mn-ea"/>
+                <a:cs typeface="+mn-cs"/>
+              </a:defRPr>
+            </a:lvl3pPr>
+            <a:lvl4pPr marL="1600200" indent="-228600" algn="l" defTabSz="914400" rtl="0" eaLnBrk="1" latinLnBrk="0" hangingPunct="1">
+              <a:lnSpc>
+                <a:spcPct val="90000"/>
+              </a:lnSpc>
+              <a:spcBef>
+                <a:spcPts val="500"/>
+              </a:spcBef>
+              <a:buFont typeface="Arial" panose="020B0604020202020204" pitchFamily="34" charset="0"/>
+              <a:buChar char="•"/>
+              <a:defRPr sz="1800" kern="1200">
+                <a:solidFill>
+                  <a:schemeClr val="tx1"/>
+                </a:solidFill>
+                <a:latin typeface="+mn-lt"/>
+                <a:ea typeface="+mn-ea"/>
+                <a:cs typeface="+mn-cs"/>
+              </a:defRPr>
+            </a:lvl4pPr>
+            <a:lvl5pPr marL="2057400" indent="-228600" algn="l" defTabSz="914400" rtl="0" eaLnBrk="1" latinLnBrk="0" hangingPunct="1">
+              <a:lnSpc>
+                <a:spcPct val="90000"/>
+              </a:lnSpc>
+              <a:spcBef>
+                <a:spcPts val="500"/>
+              </a:spcBef>
+              <a:buFont typeface="Arial" panose="020B0604020202020204" pitchFamily="34" charset="0"/>
+              <a:buChar char="•"/>
+              <a:defRPr sz="1800" kern="1200">
+                <a:solidFill>
+                  <a:schemeClr val="tx1"/>
+                </a:solidFill>
+                <a:latin typeface="+mn-lt"/>
+                <a:ea typeface="+mn-ea"/>
+                <a:cs typeface="+mn-cs"/>
+              </a:defRPr>
+            </a:lvl5pPr>
+            <a:lvl6pPr marL="2514600" indent="-228600" algn="l" defTabSz="914400" rtl="0" eaLnBrk="1" latinLnBrk="0" hangingPunct="1">
+              <a:lnSpc>
+                <a:spcPct val="90000"/>
+              </a:lnSpc>
+              <a:spcBef>
+                <a:spcPts val="500"/>
+              </a:spcBef>
+              <a:buFont typeface="Arial" panose="020B0604020202020204" pitchFamily="34" charset="0"/>
+              <a:buChar char="•"/>
+              <a:defRPr sz="1800" kern="1200">
+                <a:solidFill>
+                  <a:schemeClr val="tx1"/>
+                </a:solidFill>
+                <a:latin typeface="+mn-lt"/>
+                <a:ea typeface="+mn-ea"/>
+                <a:cs typeface="+mn-cs"/>
+              </a:defRPr>
+            </a:lvl6pPr>
+            <a:lvl7pPr marL="2971800" indent="-228600" algn="l" defTabSz="914400" rtl="0" eaLnBrk="1" latinLnBrk="0" hangingPunct="1">
+              <a:lnSpc>
+                <a:spcPct val="90000"/>
+              </a:lnSpc>
+              <a:spcBef>
+                <a:spcPts val="500"/>
+              </a:spcBef>
+              <a:buFont typeface="Arial" panose="020B0604020202020204" pitchFamily="34" charset="0"/>
+              <a:buChar char="•"/>
+              <a:defRPr sz="1800" kern="1200">
+                <a:solidFill>
+                  <a:schemeClr val="tx1"/>
+                </a:solidFill>
+                <a:latin typeface="+mn-lt"/>
+                <a:ea typeface="+mn-ea"/>
+                <a:cs typeface="+mn-cs"/>
+              </a:defRPr>
+            </a:lvl7pPr>
+            <a:lvl8pPr marL="3429000" indent="-228600" algn="l" defTabSz="914400" rtl="0" eaLnBrk="1" latinLnBrk="0" hangingPunct="1">
+              <a:lnSpc>
+                <a:spcPct val="90000"/>
+              </a:lnSpc>
+              <a:spcBef>
+                <a:spcPts val="500"/>
+              </a:spcBef>
+              <a:buFont typeface="Arial" panose="020B0604020202020204" pitchFamily="34" charset="0"/>
+              <a:buChar char="•"/>
+              <a:defRPr sz="1800" kern="1200">
+                <a:solidFill>
+                  <a:schemeClr val="tx1"/>
+                </a:solidFill>
+                <a:latin typeface="+mn-lt"/>
+                <a:ea typeface="+mn-ea"/>
+                <a:cs typeface="+mn-cs"/>
+              </a:defRPr>
+            </a:lvl8pPr>
+            <a:lvl9pPr marL="3886200" indent="-228600" algn="l" defTabSz="914400" rtl="0" eaLnBrk="1" latinLnBrk="0" hangingPunct="1">
+              <a:lnSpc>
+                <a:spcPct val="90000"/>
+              </a:lnSpc>
+              <a:spcBef>
+                <a:spcPts val="500"/>
+              </a:spcBef>
+              <a:buFont typeface="Arial" panose="020B0604020202020204" pitchFamily="34" charset="0"/>
+              <a:buChar char="•"/>
+              <a:defRPr sz="1800" kern="1200">
+                <a:solidFill>
+                  <a:schemeClr val="tx1"/>
+                </a:solidFill>
+                <a:latin typeface="+mn-lt"/>
+                <a:ea typeface="+mn-ea"/>
+                <a:cs typeface="+mn-cs"/>
+              </a:defRPr>
+            </a:lvl9pPr>
+          </a:lstStyle>
+          <a:p>
+            <a:r>
+              <a:rPr lang="de-DE" sz="2400" b="1" dirty="0"/>
+              <a:t>Chunk Management ✅</a:t>
+            </a:r>
+          </a:p>
+          <a:p>
+            <a:pPr lvl="1"/>
+            <a:r>
+              <a:rPr lang="de-DE" sz="2000" dirty="0"/>
+              <a:t>LODs </a:t>
+            </a:r>
+            <a:r>
+              <a:rPr lang="de-DE" sz="2000" dirty="0" err="1"/>
+              <a:t>added</a:t>
+            </a:r>
+            <a:endParaRPr lang="de-DE" sz="2000" dirty="0"/>
+          </a:p>
+          <a:p>
+            <a:pPr lvl="1"/>
+            <a:r>
+              <a:rPr lang="de-DE" sz="2000" dirty="0"/>
+              <a:t>Generating Terrain </a:t>
+            </a:r>
+            <a:r>
+              <a:rPr lang="de-DE" sz="2000" dirty="0" err="1"/>
+              <a:t>when</a:t>
+            </a:r>
+            <a:r>
+              <a:rPr lang="de-DE" sz="2000" dirty="0"/>
+              <a:t> </a:t>
+            </a:r>
+            <a:r>
+              <a:rPr lang="de-DE" sz="2000" dirty="0" err="1"/>
+              <a:t>moving</a:t>
+            </a:r>
+            <a:r>
+              <a:rPr lang="de-DE" sz="2000" dirty="0"/>
+              <a:t> </a:t>
+            </a:r>
+            <a:r>
+              <a:rPr lang="de-DE" sz="2000" dirty="0" err="1"/>
+              <a:t>the</a:t>
+            </a:r>
+            <a:r>
+              <a:rPr lang="de-DE" sz="2000" dirty="0"/>
+              <a:t> </a:t>
+            </a:r>
+            <a:r>
+              <a:rPr lang="de-DE" sz="2000" dirty="0" err="1"/>
+              <a:t>camera</a:t>
+            </a:r>
+            <a:endParaRPr lang="de-DE" sz="2000" dirty="0"/>
+          </a:p>
+          <a:p>
+            <a:pPr marL="457200" lvl="1" indent="0">
+              <a:buNone/>
+            </a:pPr>
+            <a:endParaRPr lang="de-DE" sz="2000" b="1" dirty="0"/>
+          </a:p>
+          <a:p>
+            <a:r>
+              <a:rPr lang="de-DE" sz="2400" b="1" dirty="0" err="1"/>
+              <a:t>Refactoring</a:t>
+            </a:r>
+            <a:r>
+              <a:rPr lang="de-DE" sz="2400" b="1" dirty="0"/>
+              <a:t> &amp; Efficiency </a:t>
+            </a:r>
+            <a:r>
+              <a:rPr lang="de-DE" sz="2400" b="1" dirty="0" err="1"/>
+              <a:t>analysis</a:t>
+            </a:r>
+            <a:r>
+              <a:rPr lang="de-DE" sz="2400" b="1" dirty="0"/>
+              <a:t> ✅</a:t>
+            </a:r>
+          </a:p>
+          <a:p>
+            <a:pPr lvl="1"/>
+            <a:r>
+              <a:rPr lang="de-DE" sz="2000" dirty="0" err="1"/>
+              <a:t>reduction</a:t>
+            </a:r>
+            <a:r>
+              <a:rPr lang="de-DE" sz="2000" dirty="0"/>
+              <a:t> </a:t>
+            </a:r>
+            <a:r>
+              <a:rPr lang="de-DE" sz="2000" dirty="0" err="1"/>
+              <a:t>of</a:t>
+            </a:r>
+            <a:r>
+              <a:rPr lang="de-DE" sz="2000" dirty="0"/>
+              <a:t> </a:t>
+            </a:r>
+            <a:r>
+              <a:rPr lang="de-DE" sz="2000" dirty="0" err="1"/>
+              <a:t>buffer</a:t>
+            </a:r>
+            <a:r>
+              <a:rPr lang="de-DE" sz="2000" dirty="0"/>
+              <a:t> </a:t>
+            </a:r>
+            <a:r>
+              <a:rPr lang="de-DE" sz="2000" dirty="0" err="1"/>
+              <a:t>execution</a:t>
+            </a:r>
+            <a:r>
+              <a:rPr lang="de-DE" sz="2000" dirty="0"/>
+              <a:t> </a:t>
+            </a:r>
+            <a:r>
+              <a:rPr lang="de-DE" sz="2000" dirty="0" err="1"/>
+              <a:t>needed</a:t>
+            </a:r>
+            <a:endParaRPr lang="de-DE" sz="2000" dirty="0"/>
+          </a:p>
+          <a:p>
+            <a:pPr lvl="1"/>
+            <a:r>
+              <a:rPr lang="de-DE" sz="2000" dirty="0" err="1"/>
+              <a:t>Garbage</a:t>
+            </a:r>
+            <a:r>
+              <a:rPr lang="de-DE" sz="2000" dirty="0"/>
+              <a:t> </a:t>
+            </a:r>
+            <a:r>
+              <a:rPr lang="de-DE" sz="2000" dirty="0" err="1"/>
+              <a:t>collection</a:t>
+            </a:r>
+            <a:r>
+              <a:rPr lang="de-DE" sz="2000" dirty="0"/>
+              <a:t> </a:t>
+            </a:r>
+            <a:r>
+              <a:rPr lang="de-DE" sz="2000" dirty="0" err="1"/>
+              <a:t>for</a:t>
+            </a:r>
+            <a:r>
+              <a:rPr lang="de-DE" sz="2000" dirty="0"/>
+              <a:t> </a:t>
+            </a:r>
+            <a:r>
+              <a:rPr lang="de-DE" sz="2000" dirty="0" err="1"/>
+              <a:t>compute</a:t>
+            </a:r>
+            <a:r>
+              <a:rPr lang="de-DE" sz="2000" dirty="0"/>
+              <a:t> </a:t>
+            </a:r>
+            <a:r>
+              <a:rPr lang="de-DE" sz="2000" dirty="0" err="1"/>
+              <a:t>buffers</a:t>
+            </a:r>
+            <a:r>
+              <a:rPr lang="de-DE" sz="2000" dirty="0"/>
+              <a:t> </a:t>
+            </a:r>
+            <a:r>
+              <a:rPr lang="de-DE" sz="2000" dirty="0" err="1"/>
+              <a:t>needed</a:t>
+            </a:r>
+            <a:endParaRPr lang="de-DE" sz="2000" dirty="0"/>
+          </a:p>
+          <a:p>
+            <a:pPr marL="457200" lvl="1" indent="0">
+              <a:buNone/>
+            </a:pPr>
+            <a:endParaRPr lang="de-DE" sz="2000" dirty="0"/>
+          </a:p>
+          <a:p>
+            <a:r>
+              <a:rPr lang="de-DE" sz="2400" b="1" dirty="0"/>
+              <a:t>Smooth </a:t>
+            </a:r>
+            <a:r>
+              <a:rPr lang="de-DE" sz="2400" b="1" dirty="0" err="1"/>
+              <a:t>Shading</a:t>
+            </a:r>
+            <a:r>
+              <a:rPr lang="de-DE" sz="2400" b="1" dirty="0"/>
+              <a:t> </a:t>
+            </a:r>
+            <a:r>
+              <a:rPr lang="de-DE" sz="2400" b="1" dirty="0" err="1"/>
+              <a:t>tested</a:t>
+            </a:r>
+            <a:r>
+              <a:rPr lang="de-DE" sz="2400" b="1" dirty="0"/>
+              <a:t> ✅</a:t>
+            </a:r>
+          </a:p>
+          <a:p>
+            <a:pPr lvl="1"/>
+            <a:r>
+              <a:rPr lang="de-DE" sz="2000" dirty="0" err="1"/>
+              <a:t>visually</a:t>
+            </a:r>
+            <a:r>
+              <a:rPr lang="de-DE" sz="2000" dirty="0"/>
+              <a:t> ok, but terrible </a:t>
+            </a:r>
+            <a:r>
+              <a:rPr lang="de-DE" sz="2000" dirty="0" err="1"/>
+              <a:t>performance</a:t>
+            </a:r>
+            <a:r>
+              <a:rPr lang="de-DE" sz="2000" dirty="0"/>
+              <a:t> </a:t>
+            </a:r>
+            <a:r>
+              <a:rPr lang="de-DE" sz="2000" dirty="0" err="1"/>
+              <a:t>right</a:t>
+            </a:r>
+            <a:r>
+              <a:rPr lang="de-DE" sz="2000" dirty="0"/>
+              <a:t> </a:t>
+            </a:r>
+            <a:r>
+              <a:rPr lang="de-DE" sz="2000" dirty="0" err="1"/>
+              <a:t>now</a:t>
+            </a:r>
+            <a:endParaRPr lang="de-DE" sz="2000" dirty="0"/>
+          </a:p>
+          <a:p>
+            <a:pPr marL="0" indent="0">
+              <a:buNone/>
+            </a:pPr>
+            <a:endParaRPr lang="de-DE" sz="2800" dirty="0"/>
+          </a:p>
+        </p:txBody>
+      </p:sp>
+    </p:spTree>
+    <p:extLst>
+      <p:ext uri="{BB962C8B-B14F-4D97-AF65-F5344CB8AC3E}">
+        <p14:creationId xmlns:p14="http://schemas.microsoft.com/office/powerpoint/2010/main" val="2543594001"/>
+      </p:ext>
+    </p:extLst>
+  </p:cSld>
+  <p:clrMapOvr>
+    <a:masterClrMapping/>
+  </p:clrMapOvr>
+</p:sld>
+</file>
+
+<file path=ppt/slides/slide12.xml><?xml version="1.0" encoding="utf-8"?>
+<p:sld xmlns:a="http://schemas.openxmlformats.org/drawingml/2006/main" xmlns:r="http://schemas.openxmlformats.org/officeDocument/2006/relationships" xmlns:p="http://schemas.openxmlformats.org/presentationml/2006/main">
+  <p:cSld>
+    <p:spTree>
+      <p:nvGrpSpPr>
+        <p:cNvPr id="1" name=""/>
+        <p:cNvGrpSpPr/>
+        <p:nvPr/>
+      </p:nvGrpSpPr>
+      <p:grpSpPr>
+        <a:xfrm>
+          <a:off x="0" y="0"/>
+          <a:ext cx="0" cy="0"/>
+          <a:chOff x="0" y="0"/>
+          <a:chExt cx="0" cy="0"/>
+        </a:xfrm>
+      </p:grpSpPr>
+      <p:sp>
+        <p:nvSpPr>
+          <p:cNvPr id="2" name="Titel 1">
+            <a:extLst>
+              <a:ext uri="{FF2B5EF4-FFF2-40B4-BE49-F238E27FC236}">
+                <a16:creationId xmlns:a16="http://schemas.microsoft.com/office/drawing/2014/main" id="{6486B241-B0F4-3C41-A754-3621162A5DF3}"/>
+              </a:ext>
+            </a:extLst>
+          </p:cNvPr>
+          <p:cNvSpPr>
+            <a:spLocks noGrp="1"/>
+          </p:cNvSpPr>
+          <p:nvPr>
+            <p:ph type="title"/>
+          </p:nvPr>
+        </p:nvSpPr>
+        <p:spPr/>
+        <p:txBody>
+          <a:bodyPr>
+            <a:normAutofit/>
+          </a:bodyPr>
+          <a:lstStyle/>
+          <a:p>
+            <a:r>
+              <a:rPr lang="de-DE" sz="4800" dirty="0" err="1"/>
+              <a:t>Upcoming</a:t>
+            </a:r>
+            <a:r>
+              <a:rPr lang="de-DE" sz="4800" dirty="0"/>
+              <a:t> Features</a:t>
+            </a:r>
+          </a:p>
+        </p:txBody>
+      </p:sp>
+      <p:sp>
+        <p:nvSpPr>
+          <p:cNvPr id="4" name="Foliennummernplatzhalter 3">
+            <a:extLst>
+              <a:ext uri="{FF2B5EF4-FFF2-40B4-BE49-F238E27FC236}">
+                <a16:creationId xmlns:a16="http://schemas.microsoft.com/office/drawing/2014/main" id="{112574EA-713E-A19F-F991-1F9FF7E43A83}"/>
+              </a:ext>
+            </a:extLst>
+          </p:cNvPr>
+          <p:cNvSpPr>
+            <a:spLocks noGrp="1"/>
+          </p:cNvSpPr>
+          <p:nvPr>
+            <p:ph type="sldNum" sz="quarter" idx="12"/>
+          </p:nvPr>
+        </p:nvSpPr>
+        <p:spPr/>
+        <p:txBody>
+          <a:bodyPr/>
+          <a:lstStyle/>
+          <a:p>
+            <a:pPr rtl="0"/>
+            <a:fld id="{D8DA9DAA-006C-4F4B-980E-E3DF019B24E2}" type="slidenum">
+              <a:rPr lang="de-DE" noProof="0" smtClean="0"/>
+              <a:t>12</a:t>
+            </a:fld>
+            <a:endParaRPr lang="de-DE" noProof="0"/>
+          </a:p>
+        </p:txBody>
+      </p:sp>
+      <p:sp>
+        <p:nvSpPr>
+          <p:cNvPr id="5" name="Inhaltsplatzhalter 2">
+            <a:extLst>
+              <a:ext uri="{FF2B5EF4-FFF2-40B4-BE49-F238E27FC236}">
+                <a16:creationId xmlns:a16="http://schemas.microsoft.com/office/drawing/2014/main" id="{A4760D2C-3B03-E7F3-E9BC-3DBCD16C5035}"/>
+              </a:ext>
+            </a:extLst>
+          </p:cNvPr>
+          <p:cNvSpPr txBox="1">
+            <a:spLocks/>
+          </p:cNvSpPr>
+          <p:nvPr/>
+        </p:nvSpPr>
+        <p:spPr>
+          <a:xfrm>
+            <a:off x="990600" y="1978025"/>
+            <a:ext cx="10515600" cy="4351338"/>
+          </a:xfrm>
+          <a:prstGeom prst="rect">
+            <a:avLst/>
+          </a:prstGeom>
+        </p:spPr>
+        <p:txBody>
+          <a:bodyPr vert="horz" lIns="91440" tIns="45720" rIns="91440" bIns="45720" rtlCol="0">
+            <a:normAutofit/>
+          </a:bodyPr>
+          <a:lstStyle>
+            <a:lvl1pPr marL="228600" indent="-228600" algn="l" defTabSz="914400" rtl="0" eaLnBrk="1" latinLnBrk="0" hangingPunct="1">
+              <a:lnSpc>
+                <a:spcPct val="90000"/>
+              </a:lnSpc>
+              <a:spcBef>
+                <a:spcPts val="1000"/>
+              </a:spcBef>
+              <a:buFont typeface="Arial" panose="020B0604020202020204" pitchFamily="34" charset="0"/>
+              <a:buChar char="•"/>
+              <a:defRPr sz="2800" kern="1200">
+                <a:solidFill>
+                  <a:schemeClr val="tx1"/>
+                </a:solidFill>
+                <a:latin typeface="+mn-lt"/>
+                <a:ea typeface="+mn-ea"/>
+                <a:cs typeface="+mn-cs"/>
+              </a:defRPr>
+            </a:lvl1pPr>
+            <a:lvl2pPr marL="685800" indent="-228600" algn="l" defTabSz="914400" rtl="0" eaLnBrk="1" latinLnBrk="0" hangingPunct="1">
+              <a:lnSpc>
+                <a:spcPct val="90000"/>
+              </a:lnSpc>
+              <a:spcBef>
+                <a:spcPts val="500"/>
+              </a:spcBef>
+              <a:buFont typeface="Arial" panose="020B0604020202020204" pitchFamily="34" charset="0"/>
+              <a:buChar char="•"/>
+              <a:defRPr sz="2400" kern="1200">
+                <a:solidFill>
+                  <a:schemeClr val="tx1"/>
+                </a:solidFill>
+                <a:latin typeface="+mn-lt"/>
+                <a:ea typeface="+mn-ea"/>
+                <a:cs typeface="+mn-cs"/>
+              </a:defRPr>
+            </a:lvl2pPr>
+            <a:lvl3pPr marL="1143000" indent="-228600" algn="l" defTabSz="914400" rtl="0" eaLnBrk="1" latinLnBrk="0" hangingPunct="1">
+              <a:lnSpc>
+                <a:spcPct val="90000"/>
+              </a:lnSpc>
+              <a:spcBef>
+                <a:spcPts val="500"/>
+              </a:spcBef>
+              <a:buFont typeface="Arial" panose="020B0604020202020204" pitchFamily="34" charset="0"/>
+              <a:buChar char="•"/>
+              <a:defRPr sz="2000" kern="1200">
+                <a:solidFill>
+                  <a:schemeClr val="tx1"/>
+                </a:solidFill>
+                <a:latin typeface="+mn-lt"/>
+                <a:ea typeface="+mn-ea"/>
+                <a:cs typeface="+mn-cs"/>
+              </a:defRPr>
+            </a:lvl3pPr>
+            <a:lvl4pPr marL="1600200" indent="-228600" algn="l" defTabSz="914400" rtl="0" eaLnBrk="1" latinLnBrk="0" hangingPunct="1">
+              <a:lnSpc>
+                <a:spcPct val="90000"/>
+              </a:lnSpc>
+              <a:spcBef>
+                <a:spcPts val="500"/>
+              </a:spcBef>
+              <a:buFont typeface="Arial" panose="020B0604020202020204" pitchFamily="34" charset="0"/>
+              <a:buChar char="•"/>
+              <a:defRPr sz="1800" kern="1200">
+                <a:solidFill>
+                  <a:schemeClr val="tx1"/>
+                </a:solidFill>
+                <a:latin typeface="+mn-lt"/>
+                <a:ea typeface="+mn-ea"/>
+                <a:cs typeface="+mn-cs"/>
+              </a:defRPr>
+            </a:lvl4pPr>
+            <a:lvl5pPr marL="2057400" indent="-228600" algn="l" defTabSz="914400" rtl="0" eaLnBrk="1" latinLnBrk="0" hangingPunct="1">
+              <a:lnSpc>
+                <a:spcPct val="90000"/>
+              </a:lnSpc>
+              <a:spcBef>
+                <a:spcPts val="500"/>
+              </a:spcBef>
+              <a:buFont typeface="Arial" panose="020B0604020202020204" pitchFamily="34" charset="0"/>
+              <a:buChar char="•"/>
+              <a:defRPr sz="1800" kern="1200">
+                <a:solidFill>
+                  <a:schemeClr val="tx1"/>
+                </a:solidFill>
+                <a:latin typeface="+mn-lt"/>
+                <a:ea typeface="+mn-ea"/>
+                <a:cs typeface="+mn-cs"/>
+              </a:defRPr>
+            </a:lvl5pPr>
+            <a:lvl6pPr marL="2514600" indent="-228600" algn="l" defTabSz="914400" rtl="0" eaLnBrk="1" latinLnBrk="0" hangingPunct="1">
+              <a:lnSpc>
+                <a:spcPct val="90000"/>
+              </a:lnSpc>
+              <a:spcBef>
+                <a:spcPts val="500"/>
+              </a:spcBef>
+              <a:buFont typeface="Arial" panose="020B0604020202020204" pitchFamily="34" charset="0"/>
+              <a:buChar char="•"/>
+              <a:defRPr sz="1800" kern="1200">
+                <a:solidFill>
+                  <a:schemeClr val="tx1"/>
+                </a:solidFill>
+                <a:latin typeface="+mn-lt"/>
+                <a:ea typeface="+mn-ea"/>
+                <a:cs typeface="+mn-cs"/>
+              </a:defRPr>
+            </a:lvl6pPr>
+            <a:lvl7pPr marL="2971800" indent="-228600" algn="l" defTabSz="914400" rtl="0" eaLnBrk="1" latinLnBrk="0" hangingPunct="1">
+              <a:lnSpc>
+                <a:spcPct val="90000"/>
+              </a:lnSpc>
+              <a:spcBef>
+                <a:spcPts val="500"/>
+              </a:spcBef>
+              <a:buFont typeface="Arial" panose="020B0604020202020204" pitchFamily="34" charset="0"/>
+              <a:buChar char="•"/>
+              <a:defRPr sz="1800" kern="1200">
+                <a:solidFill>
+                  <a:schemeClr val="tx1"/>
+                </a:solidFill>
+                <a:latin typeface="+mn-lt"/>
+                <a:ea typeface="+mn-ea"/>
+                <a:cs typeface="+mn-cs"/>
+              </a:defRPr>
+            </a:lvl7pPr>
+            <a:lvl8pPr marL="3429000" indent="-228600" algn="l" defTabSz="914400" rtl="0" eaLnBrk="1" latinLnBrk="0" hangingPunct="1">
+              <a:lnSpc>
+                <a:spcPct val="90000"/>
+              </a:lnSpc>
+              <a:spcBef>
+                <a:spcPts val="500"/>
+              </a:spcBef>
+              <a:buFont typeface="Arial" panose="020B0604020202020204" pitchFamily="34" charset="0"/>
+              <a:buChar char="•"/>
+              <a:defRPr sz="1800" kern="1200">
+                <a:solidFill>
+                  <a:schemeClr val="tx1"/>
+                </a:solidFill>
+                <a:latin typeface="+mn-lt"/>
+                <a:ea typeface="+mn-ea"/>
+                <a:cs typeface="+mn-cs"/>
+              </a:defRPr>
+            </a:lvl8pPr>
+            <a:lvl9pPr marL="3886200" indent="-228600" algn="l" defTabSz="914400" rtl="0" eaLnBrk="1" latinLnBrk="0" hangingPunct="1">
+              <a:lnSpc>
+                <a:spcPct val="90000"/>
+              </a:lnSpc>
+              <a:spcBef>
+                <a:spcPts val="500"/>
+              </a:spcBef>
+              <a:buFont typeface="Arial" panose="020B0604020202020204" pitchFamily="34" charset="0"/>
+              <a:buChar char="•"/>
+              <a:defRPr sz="1800" kern="1200">
+                <a:solidFill>
+                  <a:schemeClr val="tx1"/>
+                </a:solidFill>
+                <a:latin typeface="+mn-lt"/>
+                <a:ea typeface="+mn-ea"/>
+                <a:cs typeface="+mn-cs"/>
+              </a:defRPr>
+            </a:lvl9pPr>
+          </a:lstStyle>
+          <a:p>
+            <a:r>
+              <a:rPr lang="de-DE" sz="2400" b="1" dirty="0" err="1"/>
+              <a:t>Polishing</a:t>
+            </a:r>
+            <a:endParaRPr lang="de-DE" sz="2400" b="1" dirty="0"/>
+          </a:p>
+          <a:p>
+            <a:pPr lvl="1"/>
+            <a:r>
+              <a:rPr lang="de-DE" sz="2000" b="1" dirty="0" err="1"/>
+              <a:t>Improve</a:t>
+            </a:r>
+            <a:r>
+              <a:rPr lang="de-DE" sz="2000" b="1" dirty="0"/>
+              <a:t> Density </a:t>
+            </a:r>
+            <a:r>
+              <a:rPr lang="de-DE" sz="2000" b="1" dirty="0" err="1"/>
+              <a:t>Function</a:t>
+            </a:r>
+            <a:r>
+              <a:rPr lang="de-DE" sz="2000" b="1" dirty="0"/>
+              <a:t> </a:t>
+            </a:r>
+          </a:p>
+          <a:p>
+            <a:pPr lvl="1"/>
+            <a:r>
+              <a:rPr lang="de-DE" sz="2000" b="1" dirty="0" err="1"/>
+              <a:t>Improve</a:t>
+            </a:r>
+            <a:r>
+              <a:rPr lang="de-DE" sz="2000" b="1" dirty="0"/>
+              <a:t> Chunk Management (</a:t>
+            </a:r>
+            <a:r>
+              <a:rPr lang="de-DE" sz="2000" b="1" dirty="0" err="1"/>
+              <a:t>reduce</a:t>
+            </a:r>
+            <a:r>
+              <a:rPr lang="de-DE" sz="2000" b="1" dirty="0"/>
+              <a:t> </a:t>
+            </a:r>
+            <a:r>
+              <a:rPr lang="de-DE" sz="2000" b="1" dirty="0" err="1"/>
+              <a:t>buffer</a:t>
+            </a:r>
+            <a:r>
+              <a:rPr lang="de-DE" sz="2000" b="1" dirty="0"/>
+              <a:t> </a:t>
+            </a:r>
+            <a:r>
+              <a:rPr lang="de-DE" sz="2000" b="1" dirty="0" err="1"/>
+              <a:t>execution</a:t>
+            </a:r>
+            <a:r>
+              <a:rPr lang="de-DE" sz="2000" b="1" dirty="0"/>
+              <a:t>)</a:t>
+            </a:r>
+          </a:p>
+          <a:p>
+            <a:pPr lvl="1"/>
+            <a:r>
+              <a:rPr lang="de-DE" sz="2000" b="1" dirty="0" err="1"/>
+              <a:t>Improve</a:t>
+            </a:r>
+            <a:r>
+              <a:rPr lang="de-DE" sz="2000" b="1" dirty="0"/>
+              <a:t> Terrain Material</a:t>
+            </a:r>
+          </a:p>
+          <a:p>
+            <a:pPr marL="457200" lvl="1" indent="0">
+              <a:buNone/>
+            </a:pPr>
+            <a:endParaRPr lang="de-DE" sz="2000" b="1" dirty="0"/>
+          </a:p>
+          <a:p>
+            <a:r>
+              <a:rPr lang="de-DE" sz="2400" dirty="0"/>
+              <a:t>Shader </a:t>
+            </a:r>
+            <a:r>
+              <a:rPr lang="de-DE" sz="2400" dirty="0" err="1"/>
+              <a:t>based</a:t>
+            </a:r>
+            <a:r>
+              <a:rPr lang="de-DE" sz="2400" dirty="0"/>
+              <a:t> smooth normal </a:t>
+            </a:r>
+            <a:r>
+              <a:rPr lang="de-DE" sz="2400" dirty="0" err="1"/>
+              <a:t>shading</a:t>
+            </a:r>
+            <a:r>
+              <a:rPr lang="de-DE" sz="2400" dirty="0"/>
+              <a:t> (via </a:t>
+            </a:r>
+            <a:r>
+              <a:rPr lang="de-DE" sz="2400" dirty="0" err="1"/>
+              <a:t>compute</a:t>
+            </a:r>
+            <a:r>
+              <a:rPr lang="de-DE" sz="2400" dirty="0"/>
+              <a:t> </a:t>
+            </a:r>
+            <a:r>
+              <a:rPr lang="de-DE" sz="2400" dirty="0" err="1"/>
+              <a:t>shaders</a:t>
+            </a:r>
+            <a:r>
+              <a:rPr lang="de-DE" sz="2400" dirty="0"/>
+              <a:t>) ?</a:t>
+            </a:r>
+          </a:p>
+          <a:p>
+            <a:endParaRPr lang="de-DE" sz="2400" dirty="0"/>
+          </a:p>
+          <a:p>
+            <a:endParaRPr lang="de-DE" dirty="0"/>
+          </a:p>
+        </p:txBody>
+      </p:sp>
+    </p:spTree>
+    <p:extLst>
+      <p:ext uri="{BB962C8B-B14F-4D97-AF65-F5344CB8AC3E}">
+        <p14:creationId xmlns:p14="http://schemas.microsoft.com/office/powerpoint/2010/main" val="2881453038"/>
+      </p:ext>
+    </p:extLst>
+  </p:cSld>
+  <p:clrMapOvr>
+    <a:masterClrMapping/>
+  </p:clrMapOvr>
+</p:sld>
+</file>
+
+<file path=ppt/slides/slide13.xml><?xml version="1.0" encoding="utf-8"?>
+<p:sld xmlns:a="http://schemas.openxmlformats.org/drawingml/2006/main" xmlns:r="http://schemas.openxmlformats.org/officeDocument/2006/relationships" xmlns:p="http://schemas.openxmlformats.org/presentationml/2006/main">
+  <p:cSld>
+    <p:spTree>
+      <p:nvGrpSpPr>
+        <p:cNvPr id="1" name=""/>
+        <p:cNvGrpSpPr/>
+        <p:nvPr/>
+      </p:nvGrpSpPr>
+      <p:grpSpPr>
+        <a:xfrm>
+          <a:off x="0" y="0"/>
+          <a:ext cx="0" cy="0"/>
+          <a:chOff x="0" y="0"/>
+          <a:chExt cx="0" cy="0"/>
+        </a:xfrm>
+      </p:grpSpPr>
+      <p:sp>
+        <p:nvSpPr>
+          <p:cNvPr id="2" name="Titel 1">
+            <a:extLst>
+              <a:ext uri="{FF2B5EF4-FFF2-40B4-BE49-F238E27FC236}">
+                <a16:creationId xmlns:a16="http://schemas.microsoft.com/office/drawing/2014/main" id="{66485278-3D07-466F-8351-667A2EBEABB8}"/>
+              </a:ext>
+            </a:extLst>
+          </p:cNvPr>
+          <p:cNvSpPr>
+            <a:spLocks noGrp="1"/>
+          </p:cNvSpPr>
+          <p:nvPr>
+            <p:ph type="title"/>
+          </p:nvPr>
+        </p:nvSpPr>
+        <p:spPr/>
+        <p:txBody>
+          <a:bodyPr rtlCol="0">
+            <a:normAutofit/>
+          </a:bodyPr>
+          <a:lstStyle/>
+          <a:p>
+            <a:pPr rtl="0"/>
+            <a:r>
+              <a:rPr lang="de-DE" dirty="0" err="1"/>
+              <a:t>Timetable</a:t>
+            </a:r>
+            <a:r>
+              <a:rPr lang="de-DE" dirty="0"/>
+              <a:t> Updated</a:t>
+            </a:r>
+          </a:p>
+        </p:txBody>
+      </p:sp>
+      <p:sp>
+        <p:nvSpPr>
+          <p:cNvPr id="6" name="Foliennummernplatzhalter 5">
+            <a:extLst>
+              <a:ext uri="{FF2B5EF4-FFF2-40B4-BE49-F238E27FC236}">
+                <a16:creationId xmlns:a16="http://schemas.microsoft.com/office/drawing/2014/main" id="{AB55FF1C-3CBD-419A-9DE4-7A8AA6371B6A}"/>
+              </a:ext>
+            </a:extLst>
+          </p:cNvPr>
+          <p:cNvSpPr>
+            <a:spLocks noGrp="1"/>
+          </p:cNvSpPr>
+          <p:nvPr>
+            <p:ph type="sldNum" sz="quarter" idx="12"/>
+          </p:nvPr>
+        </p:nvSpPr>
+        <p:spPr/>
+        <p:txBody>
+          <a:bodyPr rtlCol="0">
+            <a:normAutofit/>
+          </a:bodyPr>
+          <a:lstStyle/>
+          <a:p>
+            <a:pPr rtl="0">
+              <a:spcAft>
+                <a:spcPts val="600"/>
+              </a:spcAft>
+            </a:pPr>
+            <a:fld id="{D8DA9DAA-006C-4F4B-980E-E3DF019B24E2}" type="slidenum">
+              <a:rPr lang="de-DE" b="1" cap="all" spc="100" smtClean="0">
+                <a:solidFill>
+                  <a:schemeClr val="accent2"/>
+                </a:solidFill>
+              </a:rPr>
+              <a:pPr rtl="0">
+                <a:spcAft>
+                  <a:spcPts val="600"/>
+                </a:spcAft>
+              </a:pPr>
+              <a:t>13</a:t>
+            </a:fld>
+            <a:endParaRPr lang="de-DE" b="1" cap="all" spc="100" dirty="0">
+              <a:solidFill>
+                <a:schemeClr val="accent2"/>
+              </a:solidFill>
+            </a:endParaRPr>
+          </a:p>
+        </p:txBody>
+      </p:sp>
+      <p:graphicFrame>
+        <p:nvGraphicFramePr>
+          <p:cNvPr id="14" name="Inhaltsplatzhalter 6" descr="SmartArt-Zeitachse">
+            <a:extLst>
+              <a:ext uri="{FF2B5EF4-FFF2-40B4-BE49-F238E27FC236}">
+                <a16:creationId xmlns:a16="http://schemas.microsoft.com/office/drawing/2014/main" id="{CEC6DA80-0404-4CED-A682-9D41A16B341E}"/>
+              </a:ext>
+            </a:extLst>
+          </p:cNvPr>
+          <p:cNvGraphicFramePr>
+            <a:graphicFrameLocks noGrp="1"/>
+          </p:cNvGraphicFramePr>
+          <p:nvPr>
+            <p:ph idx="1"/>
+            <p:extLst>
+              <p:ext uri="{D42A27DB-BD31-4B8C-83A1-F6EECF244321}">
+                <p14:modId xmlns:p14="http://schemas.microsoft.com/office/powerpoint/2010/main" val="3521757409"/>
+              </p:ext>
+            </p:extLst>
+          </p:nvPr>
+        </p:nvGraphicFramePr>
+        <p:xfrm>
+          <a:off x="1447800" y="1325880"/>
+          <a:ext cx="9906000" cy="4419600"/>
+        </p:xfrm>
+        <a:graphic>
+          <a:graphicData uri="http://schemas.openxmlformats.org/drawingml/2006/diagram">
+            <dgm:relIds xmlns:dgm="http://schemas.openxmlformats.org/drawingml/2006/diagram" xmlns:r="http://schemas.openxmlformats.org/officeDocument/2006/relationships" r:dm="rId3" r:lo="rId4" r:qs="rId5" r:cs="rId6"/>
+          </a:graphicData>
+        </a:graphic>
+      </p:graphicFrame>
+    </p:spTree>
+    <p:extLst>
+      <p:ext uri="{BB962C8B-B14F-4D97-AF65-F5344CB8AC3E}">
+        <p14:creationId xmlns:p14="http://schemas.microsoft.com/office/powerpoint/2010/main" val="3473849712"/>
       </p:ext>
     </p:extLst>
   </p:cSld>
@@ -28993,21 +34717,21 @@
 </file>
 
 <file path=customXml/item1.xml><?xml version="1.0" encoding="utf-8"?>
+<?mso-contentType ?>
+<FormTemplates xmlns="http://schemas.microsoft.com/sharepoint/v3/contenttype/forms">
+  <Display>DocumentLibraryForm</Display>
+  <Edit>DocumentLibraryForm</Edit>
+  <New>DocumentLibraryForm</New>
+</FormTemplates>
+</file>
+
+<file path=customXml/item2.xml><?xml version="1.0" encoding="utf-8"?>
 <p:properties xmlns:p="http://schemas.microsoft.com/office/2006/metadata/properties" xmlns:xsi="http://www.w3.org/2001/XMLSchema-instance" xmlns:pc="http://schemas.microsoft.com/office/infopath/2007/PartnerControls">
   <documentManagement>
     <Status xmlns="71af3243-3dd4-4a8d-8c0d-dd76da1f02a5">Not started</Status>
     <MediaServiceKeyPoints xmlns="71af3243-3dd4-4a8d-8c0d-dd76da1f02a5" xsi:nil="true"/>
   </documentManagement>
 </p:properties>
-</file>
-
-<file path=customXml/item2.xml><?xml version="1.0" encoding="utf-8"?>
-<?mso-contentType ?>
-<FormTemplates xmlns="http://schemas.microsoft.com/sharepoint/v3/contenttype/forms">
-  <Display>DocumentLibraryForm</Display>
-  <Edit>DocumentLibraryForm</Edit>
-  <New>DocumentLibraryForm</New>
-</FormTemplates>
 </file>
 
 <file path=customXml/item3.xml><?xml version="1.0" encoding="utf-8"?>
@@ -29232,19 +34956,19 @@
 </file>
 
 <file path=customXml/itemProps1.xml><?xml version="1.0" encoding="utf-8"?>
+<ds:datastoreItem xmlns:ds="http://schemas.openxmlformats.org/officeDocument/2006/customXml" ds:itemID="{3C8E00D1-8EA3-4E42-801D-0253E1EAFC21}">
+  <ds:schemaRefs>
+    <ds:schemaRef ds:uri="http://schemas.microsoft.com/sharepoint/v3/contenttype/forms"/>
+  </ds:schemaRefs>
+</ds:datastoreItem>
+</file>
+
+<file path=customXml/itemProps2.xml><?xml version="1.0" encoding="utf-8"?>
 <ds:datastoreItem xmlns:ds="http://schemas.openxmlformats.org/officeDocument/2006/customXml" ds:itemID="{99919F73-B6C2-4A43-95E2-833EC48925FE}">
   <ds:schemaRefs>
     <ds:schemaRef ds:uri="http://schemas.microsoft.com/office/2006/metadata/properties"/>
     <ds:schemaRef ds:uri="http://schemas.microsoft.com/office/infopath/2007/PartnerControls"/>
     <ds:schemaRef ds:uri="71af3243-3dd4-4a8d-8c0d-dd76da1f02a5"/>
-  </ds:schemaRefs>
-</ds:datastoreItem>
-</file>
-
-<file path=customXml/itemProps2.xml><?xml version="1.0" encoding="utf-8"?>
-<ds:datastoreItem xmlns:ds="http://schemas.openxmlformats.org/officeDocument/2006/customXml" ds:itemID="{3C8E00D1-8EA3-4E42-801D-0253E1EAFC21}">
-  <ds:schemaRefs>
-    <ds:schemaRef ds:uri="http://schemas.microsoft.com/sharepoint/v3/contenttype/forms"/>
   </ds:schemaRefs>
 </ds:datastoreItem>
 </file>

--- a/Computergrafik Praktikum.pptx
+++ b/Computergrafik Praktikum.pptx
@@ -18382,7 +18382,7 @@
           <a:p>
             <a:fld id="{67702A17-7AE3-4B44-889C-4D77A0FC7177}" type="datetime1">
               <a:rPr lang="de-DE" smtClean="0"/>
-              <a:t>16.01.2023</a:t>
+              <a:t>17.01.2023</a:t>
             </a:fld>
             <a:endParaRPr lang="de-DE" dirty="0"/>
           </a:p>
@@ -18562,7 +18562,7 @@
             <a:fld id="{82650ACC-C7DD-445E-BC27-71FC31906D7B}" type="datetime1">
               <a:rPr lang="de-DE" smtClean="0"/>
               <a:pPr/>
-              <a:t>16.01.2023</a:t>
+              <a:t>17.01.2023</a:t>
             </a:fld>
             <a:endParaRPr lang="de-DE" dirty="0"/>
           </a:p>
@@ -30869,7 +30869,15 @@
             </a:r>
             <a:r>
               <a:rPr lang="de-DE" sz="2000" dirty="0"/>
-              <a:t> ok, but terrible </a:t>
+              <a:t> ok, but </a:t>
+            </a:r>
+            <a:r>
+              <a:rPr lang="de-DE" sz="2000" dirty="0" err="1"/>
+              <a:t>bad</a:t>
+            </a:r>
+            <a:r>
+              <a:rPr lang="de-DE" sz="2000" dirty="0"/>
+              <a:t> </a:t>
             </a:r>
             <a:r>
               <a:rPr lang="de-DE" sz="2000" dirty="0" err="1"/>
@@ -34717,21 +34725,21 @@
 </file>
 
 <file path=customXml/item1.xml><?xml version="1.0" encoding="utf-8"?>
+<p:properties xmlns:p="http://schemas.microsoft.com/office/2006/metadata/properties" xmlns:xsi="http://www.w3.org/2001/XMLSchema-instance" xmlns:pc="http://schemas.microsoft.com/office/infopath/2007/PartnerControls">
+  <documentManagement>
+    <Status xmlns="71af3243-3dd4-4a8d-8c0d-dd76da1f02a5">Not started</Status>
+    <MediaServiceKeyPoints xmlns="71af3243-3dd4-4a8d-8c0d-dd76da1f02a5" xsi:nil="true"/>
+  </documentManagement>
+</p:properties>
+</file>
+
+<file path=customXml/item2.xml><?xml version="1.0" encoding="utf-8"?>
 <?mso-contentType ?>
 <FormTemplates xmlns="http://schemas.microsoft.com/sharepoint/v3/contenttype/forms">
   <Display>DocumentLibraryForm</Display>
   <Edit>DocumentLibraryForm</Edit>
   <New>DocumentLibraryForm</New>
 </FormTemplates>
-</file>
-
-<file path=customXml/item2.xml><?xml version="1.0" encoding="utf-8"?>
-<p:properties xmlns:p="http://schemas.microsoft.com/office/2006/metadata/properties" xmlns:xsi="http://www.w3.org/2001/XMLSchema-instance" xmlns:pc="http://schemas.microsoft.com/office/infopath/2007/PartnerControls">
-  <documentManagement>
-    <Status xmlns="71af3243-3dd4-4a8d-8c0d-dd76da1f02a5">Not started</Status>
-    <MediaServiceKeyPoints xmlns="71af3243-3dd4-4a8d-8c0d-dd76da1f02a5" xsi:nil="true"/>
-  </documentManagement>
-</p:properties>
 </file>
 
 <file path=customXml/item3.xml><?xml version="1.0" encoding="utf-8"?>
@@ -34956,19 +34964,19 @@
 </file>
 
 <file path=customXml/itemProps1.xml><?xml version="1.0" encoding="utf-8"?>
-<ds:datastoreItem xmlns:ds="http://schemas.openxmlformats.org/officeDocument/2006/customXml" ds:itemID="{3C8E00D1-8EA3-4E42-801D-0253E1EAFC21}">
+<ds:datastoreItem xmlns:ds="http://schemas.openxmlformats.org/officeDocument/2006/customXml" ds:itemID="{99919F73-B6C2-4A43-95E2-833EC48925FE}">
   <ds:schemaRefs>
-    <ds:schemaRef ds:uri="http://schemas.microsoft.com/sharepoint/v3/contenttype/forms"/>
+    <ds:schemaRef ds:uri="http://schemas.microsoft.com/office/2006/metadata/properties"/>
+    <ds:schemaRef ds:uri="http://schemas.microsoft.com/office/infopath/2007/PartnerControls"/>
+    <ds:schemaRef ds:uri="71af3243-3dd4-4a8d-8c0d-dd76da1f02a5"/>
   </ds:schemaRefs>
 </ds:datastoreItem>
 </file>
 
 <file path=customXml/itemProps2.xml><?xml version="1.0" encoding="utf-8"?>
-<ds:datastoreItem xmlns:ds="http://schemas.openxmlformats.org/officeDocument/2006/customXml" ds:itemID="{99919F73-B6C2-4A43-95E2-833EC48925FE}">
+<ds:datastoreItem xmlns:ds="http://schemas.openxmlformats.org/officeDocument/2006/customXml" ds:itemID="{3C8E00D1-8EA3-4E42-801D-0253E1EAFC21}">
   <ds:schemaRefs>
-    <ds:schemaRef ds:uri="http://schemas.microsoft.com/office/2006/metadata/properties"/>
-    <ds:schemaRef ds:uri="http://schemas.microsoft.com/office/infopath/2007/PartnerControls"/>
-    <ds:schemaRef ds:uri="71af3243-3dd4-4a8d-8c0d-dd76da1f02a5"/>
+    <ds:schemaRef ds:uri="http://schemas.microsoft.com/sharepoint/v3/contenttype/forms"/>
   </ds:schemaRefs>
 </ds:datastoreItem>
 </file>
